--- a/PowerPoint/TesiNecerini_Presentazione.pptx
+++ b/PowerPoint/TesiNecerini_Presentazione.pptx
@@ -5,10 +5,10 @@
     <p:sldMasterId id="2147483691" r:id="rId1"/>
   </p:sldMasterIdLst>
   <p:notesMasterIdLst>
-    <p:notesMasterId r:id="rId18"/>
+    <p:notesMasterId r:id="rId22"/>
   </p:notesMasterIdLst>
   <p:handoutMasterIdLst>
-    <p:handoutMasterId r:id="rId19"/>
+    <p:handoutMasterId r:id="rId23"/>
   </p:handoutMasterIdLst>
   <p:sldIdLst>
     <p:sldId id="277" r:id="rId2"/>
@@ -16,17 +16,21 @@
     <p:sldId id="300" r:id="rId4"/>
     <p:sldId id="303" r:id="rId5"/>
     <p:sldId id="304" r:id="rId6"/>
-    <p:sldId id="301" r:id="rId7"/>
-    <p:sldId id="302" r:id="rId8"/>
-    <p:sldId id="278" r:id="rId9"/>
-    <p:sldId id="287" r:id="rId10"/>
-    <p:sldId id="296" r:id="rId11"/>
-    <p:sldId id="293" r:id="rId12"/>
-    <p:sldId id="294" r:id="rId13"/>
-    <p:sldId id="295" r:id="rId14"/>
-    <p:sldId id="297" r:id="rId15"/>
-    <p:sldId id="298" r:id="rId16"/>
-    <p:sldId id="262" r:id="rId17"/>
+    <p:sldId id="305" r:id="rId7"/>
+    <p:sldId id="306" r:id="rId8"/>
+    <p:sldId id="307" r:id="rId9"/>
+    <p:sldId id="308" r:id="rId10"/>
+    <p:sldId id="301" r:id="rId11"/>
+    <p:sldId id="302" r:id="rId12"/>
+    <p:sldId id="278" r:id="rId13"/>
+    <p:sldId id="287" r:id="rId14"/>
+    <p:sldId id="296" r:id="rId15"/>
+    <p:sldId id="293" r:id="rId16"/>
+    <p:sldId id="294" r:id="rId17"/>
+    <p:sldId id="295" r:id="rId18"/>
+    <p:sldId id="297" r:id="rId19"/>
+    <p:sldId id="298" r:id="rId20"/>
+    <p:sldId id="262" r:id="rId21"/>
   </p:sldIdLst>
   <p:sldSz cx="9144000" cy="5143500" type="screen16x9"/>
   <p:notesSz cx="6858000" cy="9144000"/>
@@ -135,6 +139,10 @@
             <p14:sldId id="300"/>
             <p14:sldId id="303"/>
             <p14:sldId id="304"/>
+            <p14:sldId id="305"/>
+            <p14:sldId id="306"/>
+            <p14:sldId id="307"/>
+            <p14:sldId id="308"/>
             <p14:sldId id="301"/>
             <p14:sldId id="302"/>
             <p14:sldId id="278"/>
@@ -254,7 +262,7 @@
           <a:p>
             <a:fld id="{CDC02513-12D4-7C45-A4B1-0A7A90C954B8}" type="datetimeFigureOut">
               <a:rPr lang="it-IT" smtClean="0"/>
-              <a:t>02/07/2024</a:t>
+              <a:t>03/07/2024</a:t>
             </a:fld>
             <a:endParaRPr lang="it-IT"/>
           </a:p>
@@ -431,7 +439,7 @@
           <a:p>
             <a:fld id="{340D7045-9255-E947-B6AE-7BFBA280817C}" type="datetimeFigureOut">
               <a:rPr lang="it-IT" smtClean="0"/>
-              <a:t>02/07/2024</a:t>
+              <a:t>03/07/2024</a:t>
             </a:fld>
             <a:endParaRPr lang="it-IT"/>
           </a:p>
@@ -832,7 +840,7 @@
           <a:p>
             <a:fld id="{79E7D7B2-511C-5746-97D1-507EEDB38854}" type="slidenum">
               <a:rPr lang="it-IT" smtClean="0"/>
-              <a:t>9</a:t>
+              <a:t>13</a:t>
             </a:fld>
             <a:endParaRPr lang="it-IT"/>
           </a:p>
@@ -921,7 +929,7 @@
           <a:p>
             <a:fld id="{79E7D7B2-511C-5746-97D1-507EEDB38854}" type="slidenum">
               <a:rPr lang="it-IT" smtClean="0"/>
-              <a:t>16</a:t>
+              <a:t>20</a:t>
             </a:fld>
             <a:endParaRPr lang="it-IT"/>
           </a:p>
@@ -6298,6 +6306,752 @@
           <p:cNvPr id="2" name="Titolo 1">
             <a:extLst>
               <a:ext uri="{FF2B5EF4-FFF2-40B4-BE49-F238E27FC236}">
+                <a16:creationId xmlns:a16="http://schemas.microsoft.com/office/drawing/2014/main" id="{F87F85E0-7649-A68E-6513-C4555F085488}"/>
+              </a:ext>
+            </a:extLst>
+          </p:cNvPr>
+          <p:cNvSpPr>
+            <a:spLocks noGrp="1"/>
+          </p:cNvSpPr>
+          <p:nvPr>
+            <p:ph type="title"/>
+          </p:nvPr>
+        </p:nvSpPr>
+        <p:spPr>
+          <a:xfrm>
+            <a:off x="2112132" y="174617"/>
+            <a:ext cx="4919736" cy="640944"/>
+          </a:xfrm>
+        </p:spPr>
+        <p:txBody>
+          <a:bodyPr/>
+          <a:lstStyle/>
+          <a:p>
+            <a:r>
+              <a:rPr lang="it-IT" sz="2000" dirty="0">
+                <a:solidFill>
+                  <a:srgbClr val="727272"/>
+                </a:solidFill>
+                <a:cs typeface="+mn-cs"/>
+              </a:rPr>
+              <a:t>Implementazione degli algoritmi</a:t>
+            </a:r>
+          </a:p>
+        </p:txBody>
+      </p:sp>
+      <p:sp>
+        <p:nvSpPr>
+          <p:cNvPr id="3" name="Segnaposto testo 2">
+            <a:extLst>
+              <a:ext uri="{FF2B5EF4-FFF2-40B4-BE49-F238E27FC236}">
+                <a16:creationId xmlns:a16="http://schemas.microsoft.com/office/drawing/2014/main" id="{F9D56A04-5725-EE22-9AA2-9392F72418B6}"/>
+              </a:ext>
+            </a:extLst>
+          </p:cNvPr>
+          <p:cNvSpPr>
+            <a:spLocks noGrp="1"/>
+          </p:cNvSpPr>
+          <p:nvPr>
+            <p:ph type="body" sz="half" idx="2"/>
+          </p:nvPr>
+        </p:nvSpPr>
+        <p:spPr>
+          <a:xfrm>
+            <a:off x="636229" y="2159284"/>
+            <a:ext cx="2242583" cy="1459388"/>
+          </a:xfrm>
+        </p:spPr>
+        <p:txBody>
+          <a:bodyPr>
+            <a:normAutofit/>
+          </a:bodyPr>
+          <a:lstStyle/>
+          <a:p>
+            <a:r>
+              <a:rPr lang="it-IT" dirty="0"/>
+              <a:t>Librerie utilizzate:</a:t>
+            </a:r>
+          </a:p>
+          <a:p>
+            <a:pPr marL="171450" indent="-171450">
+              <a:buFont typeface="Arial" panose="020B0604020202020204" pitchFamily="34" charset="0"/>
+              <a:buChar char="•"/>
+            </a:pPr>
+            <a:r>
+              <a:rPr lang="it-IT" dirty="0" err="1"/>
+              <a:t>NumPy</a:t>
+            </a:r>
+            <a:endParaRPr lang="it-IT" dirty="0"/>
+          </a:p>
+          <a:p>
+            <a:pPr marL="171450" indent="-171450">
+              <a:buFont typeface="Arial" panose="020B0604020202020204" pitchFamily="34" charset="0"/>
+              <a:buChar char="•"/>
+            </a:pPr>
+            <a:r>
+              <a:rPr lang="it-IT" dirty="0" err="1"/>
+              <a:t>Pickle</a:t>
+            </a:r>
+            <a:endParaRPr lang="it-IT" dirty="0"/>
+          </a:p>
+          <a:p>
+            <a:pPr marL="171450" indent="-171450">
+              <a:buFont typeface="Arial" panose="020B0604020202020204" pitchFamily="34" charset="0"/>
+              <a:buChar char="•"/>
+            </a:pPr>
+            <a:r>
+              <a:rPr lang="it-IT" dirty="0" err="1"/>
+              <a:t>Matplotlib</a:t>
+            </a:r>
+            <a:endParaRPr lang="it-IT" dirty="0"/>
+          </a:p>
+          <a:p>
+            <a:pPr marL="171450" indent="-171450">
+              <a:buFont typeface="Arial" panose="020B0604020202020204" pitchFamily="34" charset="0"/>
+              <a:buChar char="•"/>
+            </a:pPr>
+            <a:r>
+              <a:rPr lang="it-IT" dirty="0" err="1"/>
+              <a:t>Pytorch</a:t>
+            </a:r>
+            <a:endParaRPr lang="it-IT" dirty="0"/>
+          </a:p>
+        </p:txBody>
+      </p:sp>
+      <p:sp>
+        <p:nvSpPr>
+          <p:cNvPr id="4" name="Segnaposto testo 3">
+            <a:extLst>
+              <a:ext uri="{FF2B5EF4-FFF2-40B4-BE49-F238E27FC236}">
+                <a16:creationId xmlns:a16="http://schemas.microsoft.com/office/drawing/2014/main" id="{D27C546E-C5CB-DCC3-2C34-F6788D8C8476}"/>
+              </a:ext>
+            </a:extLst>
+          </p:cNvPr>
+          <p:cNvSpPr>
+            <a:spLocks noGrp="1"/>
+          </p:cNvSpPr>
+          <p:nvPr>
+            <p:ph type="body" sz="half" idx="10"/>
+          </p:nvPr>
+        </p:nvSpPr>
+        <p:spPr>
+          <a:xfrm>
+            <a:off x="3408442" y="2072523"/>
+            <a:ext cx="2327115" cy="1826312"/>
+          </a:xfrm>
+        </p:spPr>
+        <p:txBody>
+          <a:bodyPr/>
+          <a:lstStyle/>
+          <a:p>
+            <a:endParaRPr lang="it-IT" dirty="0"/>
+          </a:p>
+          <a:p>
+            <a:pPr marL="171450" indent="-171450">
+              <a:buFont typeface="Arial" panose="020B0604020202020204" pitchFamily="34" charset="0"/>
+              <a:buChar char="•"/>
+            </a:pPr>
+            <a:r>
+              <a:rPr lang="it-IT" dirty="0"/>
+              <a:t>Libreria open-source per il training dei modelli di machine learning</a:t>
+            </a:r>
+          </a:p>
+          <a:p>
+            <a:pPr marL="171450" indent="-171450">
+              <a:buFont typeface="Arial" panose="020B0604020202020204" pitchFamily="34" charset="0"/>
+              <a:buChar char="•"/>
+            </a:pPr>
+            <a:r>
+              <a:rPr lang="it-IT" dirty="0"/>
+              <a:t>Utilizzata per il calcolo del gradiente dell’indice di copertura totale</a:t>
+            </a:r>
+          </a:p>
+          <a:p>
+            <a:pPr marL="171450" indent="-171450">
+              <a:buFont typeface="Arial" panose="020B0604020202020204" pitchFamily="34" charset="0"/>
+              <a:buChar char="•"/>
+            </a:pPr>
+            <a:endParaRPr lang="it-IT" dirty="0"/>
+          </a:p>
+          <a:p>
+            <a:pPr marL="171450" indent="-171450">
+              <a:buFont typeface="Arial" panose="020B0604020202020204" pitchFamily="34" charset="0"/>
+              <a:buChar char="•"/>
+            </a:pPr>
+            <a:endParaRPr lang="it-IT" dirty="0"/>
+          </a:p>
+        </p:txBody>
+      </p:sp>
+      <p:sp>
+        <p:nvSpPr>
+          <p:cNvPr id="8" name="Segnaposto testo 7">
+            <a:extLst>
+              <a:ext uri="{FF2B5EF4-FFF2-40B4-BE49-F238E27FC236}">
+                <a16:creationId xmlns:a16="http://schemas.microsoft.com/office/drawing/2014/main" id="{1A453966-93BF-5ED0-037E-6EBF39B01BF6}"/>
+              </a:ext>
+            </a:extLst>
+          </p:cNvPr>
+          <p:cNvSpPr>
+            <a:spLocks noGrp="1"/>
+          </p:cNvSpPr>
+          <p:nvPr>
+            <p:ph type="body" sz="quarter" idx="16"/>
+          </p:nvPr>
+        </p:nvSpPr>
+        <p:spPr>
+          <a:xfrm>
+            <a:off x="6336366" y="1435287"/>
+            <a:ext cx="2028482" cy="571500"/>
+          </a:xfrm>
+        </p:spPr>
+        <p:txBody>
+          <a:bodyPr/>
+          <a:lstStyle/>
+          <a:p>
+            <a:r>
+              <a:rPr lang="it-IT" dirty="0"/>
+              <a:t>Operazioni preliminari</a:t>
+            </a:r>
+          </a:p>
+        </p:txBody>
+      </p:sp>
+      <p:sp>
+        <p:nvSpPr>
+          <p:cNvPr id="5" name="Segnaposto testo 4">
+            <a:extLst>
+              <a:ext uri="{FF2B5EF4-FFF2-40B4-BE49-F238E27FC236}">
+                <a16:creationId xmlns:a16="http://schemas.microsoft.com/office/drawing/2014/main" id="{643A5C7E-87C8-C8B0-C4E0-8614F2BBBCA8}"/>
+              </a:ext>
+            </a:extLst>
+          </p:cNvPr>
+          <p:cNvSpPr>
+            <a:spLocks noGrp="1"/>
+          </p:cNvSpPr>
+          <p:nvPr>
+            <p:ph type="body" sz="half" idx="11"/>
+          </p:nvPr>
+        </p:nvSpPr>
+        <p:spPr>
+          <a:xfrm>
+            <a:off x="6187050" y="1916052"/>
+            <a:ext cx="2327115" cy="2360413"/>
+          </a:xfrm>
+        </p:spPr>
+        <p:txBody>
+          <a:bodyPr/>
+          <a:lstStyle/>
+          <a:p>
+            <a:pPr marL="171450" indent="-171450">
+              <a:buFont typeface="Arial" panose="020B0604020202020204" pitchFamily="34" charset="0"/>
+              <a:buChar char="•"/>
+            </a:pPr>
+            <a:r>
+              <a:rPr lang="it-IT" dirty="0"/>
+              <a:t>Setting dei parametri iniziali</a:t>
+            </a:r>
+          </a:p>
+          <a:p>
+            <a:pPr marL="171450" indent="-171450">
+              <a:buFont typeface="Arial" panose="020B0604020202020204" pitchFamily="34" charset="0"/>
+              <a:buChar char="•"/>
+            </a:pPr>
+            <a:r>
+              <a:rPr lang="it-IT" dirty="0"/>
+              <a:t>Estrazione delle traiettorie dei targets (da un dataset fornito)</a:t>
+            </a:r>
+          </a:p>
+          <a:p>
+            <a:pPr marL="171450" indent="-171450">
+              <a:buFont typeface="Arial" panose="020B0604020202020204" pitchFamily="34" charset="0"/>
+              <a:buChar char="•"/>
+            </a:pPr>
+            <a:r>
+              <a:rPr lang="it-IT" dirty="0"/>
+              <a:t>Generazione delle posizioni iniziali degli agenti</a:t>
+            </a:r>
+          </a:p>
+          <a:p>
+            <a:pPr marL="171450" indent="-171450">
+              <a:buFont typeface="Arial" panose="020B0604020202020204" pitchFamily="34" charset="0"/>
+              <a:buChar char="•"/>
+            </a:pPr>
+            <a:r>
+              <a:rPr lang="it-IT" dirty="0"/>
+              <a:t>Calcolo degli indici di copertura iniziali</a:t>
+            </a:r>
+          </a:p>
+        </p:txBody>
+      </p:sp>
+      <p:sp>
+        <p:nvSpPr>
+          <p:cNvPr id="9" name="Segnaposto testo 8">
+            <a:extLst>
+              <a:ext uri="{FF2B5EF4-FFF2-40B4-BE49-F238E27FC236}">
+                <a16:creationId xmlns:a16="http://schemas.microsoft.com/office/drawing/2014/main" id="{610E58B2-807C-0F9D-F674-7D69F9FEFE9C}"/>
+              </a:ext>
+              <a:ext uri="{C183D7F6-B498-43B3-948B-1728B52AA6E4}">
+                <adec:decorative xmlns:adec="http://schemas.microsoft.com/office/drawing/2017/decorative" val="1"/>
+              </a:ext>
+            </a:extLst>
+          </p:cNvPr>
+          <p:cNvSpPr>
+            <a:spLocks noGrp="1"/>
+          </p:cNvSpPr>
+          <p:nvPr>
+            <p:ph type="body" sz="quarter" idx="14"/>
+          </p:nvPr>
+        </p:nvSpPr>
+        <p:spPr/>
+        <p:txBody>
+          <a:bodyPr/>
+          <a:lstStyle/>
+          <a:p>
+            <a:r>
+              <a:rPr lang="it-IT" dirty="0"/>
+              <a:t>Implementazione degli algoritmi</a:t>
+            </a:r>
+          </a:p>
+        </p:txBody>
+      </p:sp>
+      <p:sp>
+        <p:nvSpPr>
+          <p:cNvPr id="13" name="Segnaposto testo 12">
+            <a:extLst>
+              <a:ext uri="{FF2B5EF4-FFF2-40B4-BE49-F238E27FC236}">
+                <a16:creationId xmlns:a16="http://schemas.microsoft.com/office/drawing/2014/main" id="{799E01A4-4678-6C9A-C0FA-E849B0DD23F9}"/>
+              </a:ext>
+            </a:extLst>
+          </p:cNvPr>
+          <p:cNvSpPr>
+            <a:spLocks noGrp="1"/>
+          </p:cNvSpPr>
+          <p:nvPr>
+            <p:ph type="body" sz="quarter" idx="13"/>
+          </p:nvPr>
+        </p:nvSpPr>
+        <p:spPr>
+          <a:xfrm>
+            <a:off x="362687" y="1446705"/>
+            <a:ext cx="2789668" cy="383682"/>
+          </a:xfrm>
+        </p:spPr>
+        <p:txBody>
+          <a:bodyPr/>
+          <a:lstStyle/>
+          <a:p>
+            <a:r>
+              <a:rPr lang="it-IT" dirty="0"/>
+              <a:t>Codice implementato in Python:</a:t>
+            </a:r>
+          </a:p>
+          <a:p>
+            <a:endParaRPr lang="it-IT" dirty="0"/>
+          </a:p>
+          <a:p>
+            <a:endParaRPr lang="it-IT" dirty="0"/>
+          </a:p>
+        </p:txBody>
+      </p:sp>
+      <p:sp>
+        <p:nvSpPr>
+          <p:cNvPr id="15" name="Segnaposto testo 14">
+            <a:extLst>
+              <a:ext uri="{FF2B5EF4-FFF2-40B4-BE49-F238E27FC236}">
+                <a16:creationId xmlns:a16="http://schemas.microsoft.com/office/drawing/2014/main" id="{4A461DF3-53A5-4993-0D89-A1F25C620BE1}"/>
+              </a:ext>
+            </a:extLst>
+          </p:cNvPr>
+          <p:cNvSpPr>
+            <a:spLocks noGrp="1"/>
+          </p:cNvSpPr>
+          <p:nvPr>
+            <p:ph type="body" sz="quarter" idx="15"/>
+          </p:nvPr>
+        </p:nvSpPr>
+        <p:spPr>
+          <a:xfrm>
+            <a:off x="4041713" y="1400565"/>
+            <a:ext cx="1065079" cy="640944"/>
+          </a:xfrm>
+        </p:spPr>
+        <p:txBody>
+          <a:bodyPr/>
+          <a:lstStyle/>
+          <a:p>
+            <a:r>
+              <a:rPr lang="it-IT" dirty="0" err="1"/>
+              <a:t>Pytorch</a:t>
+            </a:r>
+            <a:r>
+              <a:rPr lang="it-IT" dirty="0"/>
+              <a:t>:</a:t>
+            </a:r>
+          </a:p>
+        </p:txBody>
+      </p:sp>
+    </p:spTree>
+    <p:extLst>
+      <p:ext uri="{BB962C8B-B14F-4D97-AF65-F5344CB8AC3E}">
+        <p14:creationId xmlns:p14="http://schemas.microsoft.com/office/powerpoint/2010/main" val="1600044437"/>
+      </p:ext>
+    </p:extLst>
+  </p:cSld>
+  <p:clrMapOvr>
+    <a:masterClrMapping/>
+  </p:clrMapOvr>
+</p:sld>
+</file>
+
+<file path=ppt/slides/slide11.xml><?xml version="1.0" encoding="utf-8"?>
+<p:sld xmlns:a="http://schemas.openxmlformats.org/drawingml/2006/main" xmlns:r="http://schemas.openxmlformats.org/officeDocument/2006/relationships" xmlns:p="http://schemas.openxmlformats.org/presentationml/2006/main">
+  <p:cSld>
+    <p:spTree>
+      <p:nvGrpSpPr>
+        <p:cNvPr id="1" name=""/>
+        <p:cNvGrpSpPr/>
+        <p:nvPr/>
+      </p:nvGrpSpPr>
+      <p:grpSpPr>
+        <a:xfrm>
+          <a:off x="0" y="0"/>
+          <a:ext cx="0" cy="0"/>
+          <a:chOff x="0" y="0"/>
+          <a:chExt cx="0" cy="0"/>
+        </a:xfrm>
+      </p:grpSpPr>
+      <p:sp>
+        <p:nvSpPr>
+          <p:cNvPr id="2" name="Segnaposto immagine 1">
+            <a:extLst>
+              <a:ext uri="{FF2B5EF4-FFF2-40B4-BE49-F238E27FC236}">
+                <a16:creationId xmlns:a16="http://schemas.microsoft.com/office/drawing/2014/main" id="{670F7EB7-96F3-D892-8037-57F1D6BFD9A1}"/>
+              </a:ext>
+            </a:extLst>
+          </p:cNvPr>
+          <p:cNvSpPr>
+            <a:spLocks noGrp="1"/>
+          </p:cNvSpPr>
+          <p:nvPr>
+            <p:ph type="pic" sz="quarter" idx="10"/>
+          </p:nvPr>
+        </p:nvSpPr>
+        <p:spPr/>
+        <p:txBody>
+          <a:bodyPr/>
+          <a:lstStyle/>
+          <a:p>
+            <a:endParaRPr lang="it-IT"/>
+          </a:p>
+        </p:txBody>
+      </p:sp>
+      <p:sp>
+        <p:nvSpPr>
+          <p:cNvPr id="3" name="Titolo 2">
+            <a:extLst>
+              <a:ext uri="{FF2B5EF4-FFF2-40B4-BE49-F238E27FC236}">
+                <a16:creationId xmlns:a16="http://schemas.microsoft.com/office/drawing/2014/main" id="{FC570540-EA48-8ACD-77F6-33D12D722D25}"/>
+              </a:ext>
+            </a:extLst>
+          </p:cNvPr>
+          <p:cNvSpPr>
+            <a:spLocks noGrp="1"/>
+          </p:cNvSpPr>
+          <p:nvPr>
+            <p:ph type="title"/>
+          </p:nvPr>
+        </p:nvSpPr>
+        <p:spPr/>
+        <p:txBody>
+          <a:bodyPr/>
+          <a:lstStyle/>
+          <a:p>
+            <a:endParaRPr lang="it-IT"/>
+          </a:p>
+        </p:txBody>
+      </p:sp>
+      <p:sp>
+        <p:nvSpPr>
+          <p:cNvPr id="4" name="Segnaposto testo 3">
+            <a:extLst>
+              <a:ext uri="{FF2B5EF4-FFF2-40B4-BE49-F238E27FC236}">
+                <a16:creationId xmlns:a16="http://schemas.microsoft.com/office/drawing/2014/main" id="{A0356F0E-C03E-698B-FA95-5EE08052C10A}"/>
+              </a:ext>
+            </a:extLst>
+          </p:cNvPr>
+          <p:cNvSpPr>
+            <a:spLocks noGrp="1"/>
+          </p:cNvSpPr>
+          <p:nvPr>
+            <p:ph type="body" sz="quarter" idx="14"/>
+          </p:nvPr>
+        </p:nvSpPr>
+        <p:spPr/>
+        <p:txBody>
+          <a:bodyPr/>
+          <a:lstStyle/>
+          <a:p>
+            <a:endParaRPr lang="it-IT"/>
+          </a:p>
+        </p:txBody>
+      </p:sp>
+      <p:sp>
+        <p:nvSpPr>
+          <p:cNvPr id="5" name="Segnaposto testo 4">
+            <a:extLst>
+              <a:ext uri="{FF2B5EF4-FFF2-40B4-BE49-F238E27FC236}">
+                <a16:creationId xmlns:a16="http://schemas.microsoft.com/office/drawing/2014/main" id="{686EF00E-BA1E-24D5-8A2D-E9B7D811CA91}"/>
+              </a:ext>
+            </a:extLst>
+          </p:cNvPr>
+          <p:cNvSpPr>
+            <a:spLocks noGrp="1"/>
+          </p:cNvSpPr>
+          <p:nvPr>
+            <p:ph type="body" sz="quarter" idx="11"/>
+          </p:nvPr>
+        </p:nvSpPr>
+        <p:spPr/>
+        <p:txBody>
+          <a:bodyPr/>
+          <a:lstStyle/>
+          <a:p>
+            <a:endParaRPr lang="it-IT" dirty="0"/>
+          </a:p>
+        </p:txBody>
+      </p:sp>
+    </p:spTree>
+    <p:extLst>
+      <p:ext uri="{BB962C8B-B14F-4D97-AF65-F5344CB8AC3E}">
+        <p14:creationId xmlns:p14="http://schemas.microsoft.com/office/powerpoint/2010/main" val="4048937340"/>
+      </p:ext>
+    </p:extLst>
+  </p:cSld>
+  <p:clrMapOvr>
+    <a:masterClrMapping/>
+  </p:clrMapOvr>
+</p:sld>
+</file>
+
+<file path=ppt/slides/slide12.xml><?xml version="1.0" encoding="utf-8"?>
+<p:sld xmlns:a="http://schemas.openxmlformats.org/drawingml/2006/main" xmlns:r="http://schemas.openxmlformats.org/officeDocument/2006/relationships" xmlns:p="http://schemas.openxmlformats.org/presentationml/2006/main">
+  <p:cSld>
+    <p:spTree>
+      <p:nvGrpSpPr>
+        <p:cNvPr id="1" name=""/>
+        <p:cNvGrpSpPr/>
+        <p:nvPr/>
+      </p:nvGrpSpPr>
+      <p:grpSpPr>
+        <a:xfrm>
+          <a:off x="0" y="0"/>
+          <a:ext cx="0" cy="0"/>
+          <a:chOff x="0" y="0"/>
+          <a:chExt cx="0" cy="0"/>
+        </a:xfrm>
+      </p:grpSpPr>
+      <p:sp>
+        <p:nvSpPr>
+          <p:cNvPr id="2" name="Titolo 1">
+            <a:extLst>
+              <a:ext uri="{FF2B5EF4-FFF2-40B4-BE49-F238E27FC236}">
+                <a16:creationId xmlns:a16="http://schemas.microsoft.com/office/drawing/2014/main" id="{F9BA5B94-538F-17B2-7B92-C5FE2E056D67}"/>
+              </a:ext>
+            </a:extLst>
+          </p:cNvPr>
+          <p:cNvSpPr>
+            <a:spLocks noGrp="1"/>
+          </p:cNvSpPr>
+          <p:nvPr>
+            <p:ph type="title"/>
+          </p:nvPr>
+        </p:nvSpPr>
+        <p:spPr/>
+        <p:txBody>
+          <a:bodyPr/>
+          <a:lstStyle/>
+          <a:p>
+            <a:r>
+              <a:rPr lang="it-IT" dirty="0"/>
+              <a:t>Alcuni schemi di diapositiva…</a:t>
+            </a:r>
+          </a:p>
+        </p:txBody>
+      </p:sp>
+    </p:spTree>
+    <p:extLst>
+      <p:ext uri="{BB962C8B-B14F-4D97-AF65-F5344CB8AC3E}">
+        <p14:creationId xmlns:p14="http://schemas.microsoft.com/office/powerpoint/2010/main" val="1092629568"/>
+      </p:ext>
+    </p:extLst>
+  </p:cSld>
+  <p:clrMapOvr>
+    <a:masterClrMapping/>
+  </p:clrMapOvr>
+</p:sld>
+</file>
+
+<file path=ppt/slides/slide13.xml><?xml version="1.0" encoding="utf-8"?>
+<p:sld xmlns:a="http://schemas.openxmlformats.org/drawingml/2006/main" xmlns:r="http://schemas.openxmlformats.org/officeDocument/2006/relationships" xmlns:p="http://schemas.openxmlformats.org/presentationml/2006/main">
+  <p:cSld>
+    <p:spTree>
+      <p:nvGrpSpPr>
+        <p:cNvPr id="1" name=""/>
+        <p:cNvGrpSpPr/>
+        <p:nvPr/>
+      </p:nvGrpSpPr>
+      <p:grpSpPr>
+        <a:xfrm>
+          <a:off x="0" y="0"/>
+          <a:ext cx="0" cy="0"/>
+          <a:chOff x="0" y="0"/>
+          <a:chExt cx="0" cy="0"/>
+        </a:xfrm>
+      </p:grpSpPr>
+      <p:sp>
+        <p:nvSpPr>
+          <p:cNvPr id="4" name="Titolo 3">
+            <a:extLst>
+              <a:ext uri="{FF2B5EF4-FFF2-40B4-BE49-F238E27FC236}">
+                <a16:creationId xmlns:a16="http://schemas.microsoft.com/office/drawing/2014/main" id="{4D7FAB61-73E3-4AC7-D81E-D60AD856413E}"/>
+              </a:ext>
+            </a:extLst>
+          </p:cNvPr>
+          <p:cNvSpPr>
+            <a:spLocks noGrp="1"/>
+          </p:cNvSpPr>
+          <p:nvPr>
+            <p:ph type="title"/>
+          </p:nvPr>
+        </p:nvSpPr>
+        <p:spPr/>
+        <p:txBody>
+          <a:bodyPr/>
+          <a:lstStyle/>
+          <a:p>
+            <a:r>
+              <a:rPr lang="it-IT" dirty="0"/>
+              <a:t>Slide solo testo</a:t>
+            </a:r>
+          </a:p>
+        </p:txBody>
+      </p:sp>
+      <p:sp>
+        <p:nvSpPr>
+          <p:cNvPr id="3" name="Segnaposto testo 2">
+            <a:extLst>
+              <a:ext uri="{FF2B5EF4-FFF2-40B4-BE49-F238E27FC236}">
+                <a16:creationId xmlns:a16="http://schemas.microsoft.com/office/drawing/2014/main" id="{94929320-154D-CED2-0608-C6E5AF7F4022}"/>
+              </a:ext>
+            </a:extLst>
+          </p:cNvPr>
+          <p:cNvSpPr>
+            <a:spLocks noGrp="1"/>
+          </p:cNvSpPr>
+          <p:nvPr>
+            <p:ph type="body" sz="quarter" idx="13"/>
+          </p:nvPr>
+        </p:nvSpPr>
+        <p:spPr/>
+        <p:txBody>
+          <a:bodyPr/>
+          <a:lstStyle/>
+          <a:p>
+            <a:r>
+              <a:rPr lang="it-IT" dirty="0"/>
+              <a:t>Questi sono due esempi di </a:t>
+            </a:r>
+            <a:r>
+              <a:rPr lang="it-IT" b="1" dirty="0"/>
+              <a:t>collegamento ipertestuale:</a:t>
+            </a:r>
+            <a:endParaRPr lang="it-IT" dirty="0"/>
+          </a:p>
+          <a:p>
+            <a:endParaRPr lang="it-IT" dirty="0"/>
+          </a:p>
+          <a:p>
+            <a:r>
+              <a:rPr lang="it-IT" dirty="0">
+                <a:hlinkClick r:id="rId3" tooltip="Sito web dell'Università degli Studi di Firenze"/>
+              </a:rPr>
+              <a:t>Sito dell’Università di Firenze</a:t>
+            </a:r>
+            <a:endParaRPr lang="it-IT" dirty="0"/>
+          </a:p>
+          <a:p>
+            <a:r>
+              <a:rPr lang="it-IT" dirty="0">
+                <a:hlinkClick r:id="rId4"/>
+              </a:rPr>
+              <a:t>Orto botanico di Firenze</a:t>
+            </a:r>
+            <a:endParaRPr lang="it-IT" dirty="0"/>
+          </a:p>
+        </p:txBody>
+      </p:sp>
+      <p:sp>
+        <p:nvSpPr>
+          <p:cNvPr id="2" name="Segnaposto testo 1">
+            <a:extLst>
+              <a:ext uri="{FF2B5EF4-FFF2-40B4-BE49-F238E27FC236}">
+                <a16:creationId xmlns:a16="http://schemas.microsoft.com/office/drawing/2014/main" id="{C87A16C5-CC44-2BFC-D340-25F6ACE0196F}"/>
+              </a:ext>
+              <a:ext uri="{C183D7F6-B498-43B3-948B-1728B52AA6E4}">
+                <adec:decorative xmlns:adec="http://schemas.microsoft.com/office/drawing/2017/decorative" val="1"/>
+              </a:ext>
+            </a:extLst>
+          </p:cNvPr>
+          <p:cNvSpPr>
+            <a:spLocks noGrp="1"/>
+          </p:cNvSpPr>
+          <p:nvPr>
+            <p:ph type="body" sz="quarter" idx="14"/>
+          </p:nvPr>
+        </p:nvSpPr>
+        <p:spPr/>
+        <p:txBody>
+          <a:bodyPr/>
+          <a:lstStyle/>
+          <a:p>
+            <a:endParaRPr lang="it-IT"/>
+          </a:p>
+        </p:txBody>
+      </p:sp>
+    </p:spTree>
+    <p:extLst>
+      <p:ext uri="{BB962C8B-B14F-4D97-AF65-F5344CB8AC3E}">
+        <p14:creationId xmlns:p14="http://schemas.microsoft.com/office/powerpoint/2010/main" val="209078195"/>
+      </p:ext>
+    </p:extLst>
+  </p:cSld>
+  <p:clrMapOvr>
+    <a:masterClrMapping/>
+  </p:clrMapOvr>
+</p:sld>
+</file>
+
+<file path=ppt/slides/slide14.xml><?xml version="1.0" encoding="utf-8"?>
+<p:sld xmlns:a="http://schemas.openxmlformats.org/drawingml/2006/main" xmlns:r="http://schemas.openxmlformats.org/officeDocument/2006/relationships" xmlns:p="http://schemas.openxmlformats.org/presentationml/2006/main">
+  <p:cSld>
+    <p:spTree>
+      <p:nvGrpSpPr>
+        <p:cNvPr id="1" name=""/>
+        <p:cNvGrpSpPr/>
+        <p:nvPr/>
+      </p:nvGrpSpPr>
+      <p:grpSpPr>
+        <a:xfrm>
+          <a:off x="0" y="0"/>
+          <a:ext cx="0" cy="0"/>
+          <a:chOff x="0" y="0"/>
+          <a:chExt cx="0" cy="0"/>
+        </a:xfrm>
+      </p:grpSpPr>
+      <p:sp>
+        <p:nvSpPr>
+          <p:cNvPr id="2" name="Titolo 1">
+            <a:extLst>
+              <a:ext uri="{FF2B5EF4-FFF2-40B4-BE49-F238E27FC236}">
                 <a16:creationId xmlns:a16="http://schemas.microsoft.com/office/drawing/2014/main" id="{999E9B24-6E4F-F7EB-4C10-2A97852EE445}"/>
               </a:ext>
             </a:extLst>
@@ -6875,7 +7629,7 @@
 </p:sld>
 </file>
 
-<file path=ppt/slides/slide11.xml><?xml version="1.0" encoding="utf-8"?>
+<file path=ppt/slides/slide15.xml><?xml version="1.0" encoding="utf-8"?>
 <p:sld xmlns:a="http://schemas.openxmlformats.org/drawingml/2006/main" xmlns:r="http://schemas.openxmlformats.org/officeDocument/2006/relationships" xmlns:p="http://schemas.openxmlformats.org/presentationml/2006/main">
   <p:cSld>
     <p:spTree>
@@ -6933,7 +7687,7 @@
 </p:sld>
 </file>
 
-<file path=ppt/slides/slide12.xml><?xml version="1.0" encoding="utf-8"?>
+<file path=ppt/slides/slide16.xml><?xml version="1.0" encoding="utf-8"?>
 <p:sld xmlns:a="http://schemas.openxmlformats.org/drawingml/2006/main" xmlns:r="http://schemas.openxmlformats.org/officeDocument/2006/relationships" xmlns:p="http://schemas.openxmlformats.org/presentationml/2006/main">
   <p:cSld>
     <p:spTree>
@@ -7097,7 +7851,7 @@
 </p:sld>
 </file>
 
-<file path=ppt/slides/slide13.xml><?xml version="1.0" encoding="utf-8"?>
+<file path=ppt/slides/slide17.xml><?xml version="1.0" encoding="utf-8"?>
 <p:sld xmlns:a="http://schemas.openxmlformats.org/drawingml/2006/main" xmlns:r="http://schemas.openxmlformats.org/officeDocument/2006/relationships" xmlns:p="http://schemas.openxmlformats.org/presentationml/2006/main">
   <p:cSld>
     <p:spTree>
@@ -7291,7 +8045,7 @@
 </p:sld>
 </file>
 
-<file path=ppt/slides/slide14.xml><?xml version="1.0" encoding="utf-8"?>
+<file path=ppt/slides/slide18.xml><?xml version="1.0" encoding="utf-8"?>
 <p:sld xmlns:a="http://schemas.openxmlformats.org/drawingml/2006/main" xmlns:r="http://schemas.openxmlformats.org/officeDocument/2006/relationships" xmlns:p="http://schemas.openxmlformats.org/presentationml/2006/main">
   <p:cSld>
     <p:spTree>
@@ -7477,7 +8231,7 @@
 </p:sld>
 </file>
 
-<file path=ppt/slides/slide15.xml><?xml version="1.0" encoding="utf-8"?>
+<file path=ppt/slides/slide19.xml><?xml version="1.0" encoding="utf-8"?>
 <p:sld xmlns:a="http://schemas.openxmlformats.org/drawingml/2006/main" xmlns:r="http://schemas.openxmlformats.org/officeDocument/2006/relationships" xmlns:p="http://schemas.openxmlformats.org/presentationml/2006/main">
   <p:cSld>
     <p:spTree>
@@ -7713,220 +8467,6 @@
 </p:sld>
 </file>
 
-<file path=ppt/slides/slide16.xml><?xml version="1.0" encoding="utf-8"?>
-<p:sld xmlns:a="http://schemas.openxmlformats.org/drawingml/2006/main" xmlns:r="http://schemas.openxmlformats.org/officeDocument/2006/relationships" xmlns:p="http://schemas.openxmlformats.org/presentationml/2006/main">
-  <p:cSld>
-    <p:spTree>
-      <p:nvGrpSpPr>
-        <p:cNvPr id="1" name=""/>
-        <p:cNvGrpSpPr/>
-        <p:nvPr/>
-      </p:nvGrpSpPr>
-      <p:grpSpPr>
-        <a:xfrm>
-          <a:off x="0" y="0"/>
-          <a:ext cx="0" cy="0"/>
-          <a:chOff x="0" y="0"/>
-          <a:chExt cx="0" cy="0"/>
-        </a:xfrm>
-      </p:grpSpPr>
-      <p:sp>
-        <p:nvSpPr>
-          <p:cNvPr id="8" name="Titolo 7">
-            <a:extLst>
-              <a:ext uri="{FF2B5EF4-FFF2-40B4-BE49-F238E27FC236}">
-                <a16:creationId xmlns:a16="http://schemas.microsoft.com/office/drawing/2014/main" id="{D4EA38DD-12F7-FB4B-8A7D-28D03E1D2AD0}"/>
-              </a:ext>
-            </a:extLst>
-          </p:cNvPr>
-          <p:cNvSpPr>
-            <a:spLocks noGrp="1"/>
-          </p:cNvSpPr>
-          <p:nvPr>
-            <p:ph type="title"/>
-          </p:nvPr>
-        </p:nvSpPr>
-        <p:spPr/>
-        <p:txBody>
-          <a:bodyPr/>
-          <a:lstStyle/>
-          <a:p>
-            <a:r>
-              <a:rPr lang="it-IT" dirty="0"/>
-              <a:t>Conclusione</a:t>
-            </a:r>
-          </a:p>
-        </p:txBody>
-      </p:sp>
-      <p:sp>
-        <p:nvSpPr>
-          <p:cNvPr id="2" name="Segnaposto testo 1">
-            <a:extLst>
-              <a:ext uri="{FF2B5EF4-FFF2-40B4-BE49-F238E27FC236}">
-                <a16:creationId xmlns:a16="http://schemas.microsoft.com/office/drawing/2014/main" id="{ABC80FAA-9435-E04B-A7B3-D175AA515575}"/>
-              </a:ext>
-            </a:extLst>
-          </p:cNvPr>
-          <p:cNvSpPr>
-            <a:spLocks noGrp="1"/>
-          </p:cNvSpPr>
-          <p:nvPr>
-            <p:ph type="body" sz="quarter" idx="11"/>
-          </p:nvPr>
-        </p:nvSpPr>
-        <p:spPr/>
-        <p:txBody>
-          <a:bodyPr>
-            <a:normAutofit fontScale="92500" lnSpcReduction="10000"/>
-          </a:bodyPr>
-          <a:lstStyle/>
-          <a:p>
-            <a:endParaRPr lang="it-IT"/>
-          </a:p>
-        </p:txBody>
-      </p:sp>
-      <p:sp>
-        <p:nvSpPr>
-          <p:cNvPr id="3" name="Segnaposto testo 2">
-            <a:extLst>
-              <a:ext uri="{FF2B5EF4-FFF2-40B4-BE49-F238E27FC236}">
-                <a16:creationId xmlns:a16="http://schemas.microsoft.com/office/drawing/2014/main" id="{7D7916F2-F149-6048-9C0C-A3C1EE95E3C4}"/>
-              </a:ext>
-            </a:extLst>
-          </p:cNvPr>
-          <p:cNvSpPr>
-            <a:spLocks noGrp="1"/>
-          </p:cNvSpPr>
-          <p:nvPr>
-            <p:ph type="body" sz="quarter" idx="12"/>
-          </p:nvPr>
-        </p:nvSpPr>
-        <p:spPr/>
-        <p:txBody>
-          <a:bodyPr/>
-          <a:lstStyle/>
-          <a:p>
-            <a:endParaRPr lang="it-IT"/>
-          </a:p>
-        </p:txBody>
-      </p:sp>
-      <p:sp>
-        <p:nvSpPr>
-          <p:cNvPr id="4" name="Segnaposto testo 3">
-            <a:extLst>
-              <a:ext uri="{FF2B5EF4-FFF2-40B4-BE49-F238E27FC236}">
-                <a16:creationId xmlns:a16="http://schemas.microsoft.com/office/drawing/2014/main" id="{260CD1E0-52F9-E149-A57F-714D455359F4}"/>
-              </a:ext>
-            </a:extLst>
-          </p:cNvPr>
-          <p:cNvSpPr>
-            <a:spLocks noGrp="1"/>
-          </p:cNvSpPr>
-          <p:nvPr>
-            <p:ph type="body" sz="quarter" idx="13"/>
-          </p:nvPr>
-        </p:nvSpPr>
-        <p:spPr/>
-        <p:txBody>
-          <a:bodyPr>
-            <a:normAutofit fontScale="85000" lnSpcReduction="20000"/>
-          </a:bodyPr>
-          <a:lstStyle/>
-          <a:p>
-            <a:endParaRPr lang="it-IT"/>
-          </a:p>
-        </p:txBody>
-      </p:sp>
-      <p:sp>
-        <p:nvSpPr>
-          <p:cNvPr id="5" name="Segnaposto testo 4">
-            <a:extLst>
-              <a:ext uri="{FF2B5EF4-FFF2-40B4-BE49-F238E27FC236}">
-                <a16:creationId xmlns:a16="http://schemas.microsoft.com/office/drawing/2014/main" id="{97FBA6F7-C967-CF4D-AD7D-FC03901314B9}"/>
-              </a:ext>
-            </a:extLst>
-          </p:cNvPr>
-          <p:cNvSpPr>
-            <a:spLocks noGrp="1"/>
-          </p:cNvSpPr>
-          <p:nvPr>
-            <p:ph type="body" sz="quarter" idx="14"/>
-          </p:nvPr>
-        </p:nvSpPr>
-        <p:spPr/>
-        <p:txBody>
-          <a:bodyPr>
-            <a:normAutofit fontScale="77500" lnSpcReduction="20000"/>
-          </a:bodyPr>
-          <a:lstStyle/>
-          <a:p>
-            <a:endParaRPr lang="it-IT" dirty="0"/>
-          </a:p>
-        </p:txBody>
-      </p:sp>
-      <p:sp>
-        <p:nvSpPr>
-          <p:cNvPr id="6" name="Segnaposto testo 5">
-            <a:extLst>
-              <a:ext uri="{FF2B5EF4-FFF2-40B4-BE49-F238E27FC236}">
-                <a16:creationId xmlns:a16="http://schemas.microsoft.com/office/drawing/2014/main" id="{8EB8E93C-7698-414F-97DD-BFDA4142916A}"/>
-              </a:ext>
-            </a:extLst>
-          </p:cNvPr>
-          <p:cNvSpPr>
-            <a:spLocks noGrp="1"/>
-          </p:cNvSpPr>
-          <p:nvPr>
-            <p:ph type="body" sz="quarter" idx="15"/>
-          </p:nvPr>
-        </p:nvSpPr>
-        <p:spPr/>
-        <p:txBody>
-          <a:bodyPr/>
-          <a:lstStyle/>
-          <a:p>
-            <a:endParaRPr lang="it-IT"/>
-          </a:p>
-        </p:txBody>
-      </p:sp>
-      <p:sp>
-        <p:nvSpPr>
-          <p:cNvPr id="7" name="Segnaposto testo 6">
-            <a:extLst>
-              <a:ext uri="{FF2B5EF4-FFF2-40B4-BE49-F238E27FC236}">
-                <a16:creationId xmlns:a16="http://schemas.microsoft.com/office/drawing/2014/main" id="{55D5C45F-1F83-9949-83E6-E9AFC9760135}"/>
-              </a:ext>
-            </a:extLst>
-          </p:cNvPr>
-          <p:cNvSpPr>
-            <a:spLocks noGrp="1"/>
-          </p:cNvSpPr>
-          <p:nvPr>
-            <p:ph type="body" sz="quarter" idx="16"/>
-          </p:nvPr>
-        </p:nvSpPr>
-        <p:spPr/>
-        <p:txBody>
-          <a:bodyPr/>
-          <a:lstStyle/>
-          <a:p>
-            <a:endParaRPr lang="it-IT" dirty="0"/>
-          </a:p>
-        </p:txBody>
-      </p:sp>
-    </p:spTree>
-    <p:extLst>
-      <p:ext uri="{BB962C8B-B14F-4D97-AF65-F5344CB8AC3E}">
-        <p14:creationId xmlns:p14="http://schemas.microsoft.com/office/powerpoint/2010/main" val="2332281121"/>
-      </p:ext>
-    </p:extLst>
-  </p:cSld>
-  <p:clrMapOvr>
-    <a:masterClrMapping/>
-  </p:clrMapOvr>
-</p:sld>
-</file>
-
 <file path=ppt/slides/slide2.xml><?xml version="1.0" encoding="utf-8"?>
 <p:sld xmlns:a="http://schemas.openxmlformats.org/drawingml/2006/main" xmlns:r="http://schemas.openxmlformats.org/officeDocument/2006/relationships" xmlns:p="http://schemas.openxmlformats.org/presentationml/2006/main">
   <p:cSld>
@@ -7962,8 +8502,8 @@
         </p:nvSpPr>
         <p:spPr>
           <a:xfrm>
-            <a:off x="1495133" y="332849"/>
-            <a:ext cx="5025242" cy="640944"/>
+            <a:off x="2197308" y="345642"/>
+            <a:ext cx="4749384" cy="455479"/>
           </a:xfrm>
         </p:spPr>
         <p:txBody>
@@ -8045,8 +8585,8 @@
           </a:prstGeom>
         </p:spPr>
       </p:pic>
-      <mc:AlternateContent xmlns:mc="http://schemas.openxmlformats.org/markup-compatibility/2006">
-        <mc:Choice xmlns:a14="http://schemas.microsoft.com/office/drawing/2010/main" Requires="a14">
+      <mc:AlternateContent xmlns:mc="http://schemas.openxmlformats.org/markup-compatibility/2006" xmlns:a14="http://schemas.microsoft.com/office/drawing/2010/main">
+        <mc:Choice Requires="a14">
           <p:sp>
             <p:nvSpPr>
               <p:cNvPr id="12" name="Segnaposto testo 5">
@@ -8440,7 +8980,7 @@
             </p:txBody>
           </p:sp>
         </mc:Choice>
-        <mc:Fallback>
+        <mc:Fallback xmlns="">
           <p:sp>
             <p:nvSpPr>
               <p:cNvPr id="12" name="Segnaposto testo 5">
@@ -8485,8 +9025,8 @@
           </p:sp>
         </mc:Fallback>
       </mc:AlternateContent>
-      <mc:AlternateContent xmlns:mc="http://schemas.openxmlformats.org/markup-compatibility/2006">
-        <mc:Choice xmlns:a14="http://schemas.microsoft.com/office/drawing/2010/main" Requires="a14">
+      <mc:AlternateContent xmlns:mc="http://schemas.openxmlformats.org/markup-compatibility/2006" xmlns:a14="http://schemas.microsoft.com/office/drawing/2010/main">
+        <mc:Choice Requires="a14">
           <p:sp>
             <p:nvSpPr>
               <p:cNvPr id="13" name="Segnaposto testo 5">
@@ -8748,7 +9288,7 @@
             </p:txBody>
           </p:sp>
         </mc:Choice>
-        <mc:Fallback>
+        <mc:Fallback xmlns="">
           <p:sp>
             <p:nvSpPr>
               <p:cNvPr id="13" name="Segnaposto testo 5">
@@ -8797,6 +9337,220 @@
     <p:extLst>
       <p:ext uri="{BB962C8B-B14F-4D97-AF65-F5344CB8AC3E}">
         <p14:creationId xmlns:p14="http://schemas.microsoft.com/office/powerpoint/2010/main" val="2486017146"/>
+      </p:ext>
+    </p:extLst>
+  </p:cSld>
+  <p:clrMapOvr>
+    <a:masterClrMapping/>
+  </p:clrMapOvr>
+</p:sld>
+</file>
+
+<file path=ppt/slides/slide20.xml><?xml version="1.0" encoding="utf-8"?>
+<p:sld xmlns:a="http://schemas.openxmlformats.org/drawingml/2006/main" xmlns:r="http://schemas.openxmlformats.org/officeDocument/2006/relationships" xmlns:p="http://schemas.openxmlformats.org/presentationml/2006/main">
+  <p:cSld>
+    <p:spTree>
+      <p:nvGrpSpPr>
+        <p:cNvPr id="1" name=""/>
+        <p:cNvGrpSpPr/>
+        <p:nvPr/>
+      </p:nvGrpSpPr>
+      <p:grpSpPr>
+        <a:xfrm>
+          <a:off x="0" y="0"/>
+          <a:ext cx="0" cy="0"/>
+          <a:chOff x="0" y="0"/>
+          <a:chExt cx="0" cy="0"/>
+        </a:xfrm>
+      </p:grpSpPr>
+      <p:sp>
+        <p:nvSpPr>
+          <p:cNvPr id="8" name="Titolo 7">
+            <a:extLst>
+              <a:ext uri="{FF2B5EF4-FFF2-40B4-BE49-F238E27FC236}">
+                <a16:creationId xmlns:a16="http://schemas.microsoft.com/office/drawing/2014/main" id="{D4EA38DD-12F7-FB4B-8A7D-28D03E1D2AD0}"/>
+              </a:ext>
+            </a:extLst>
+          </p:cNvPr>
+          <p:cNvSpPr>
+            <a:spLocks noGrp="1"/>
+          </p:cNvSpPr>
+          <p:nvPr>
+            <p:ph type="title"/>
+          </p:nvPr>
+        </p:nvSpPr>
+        <p:spPr/>
+        <p:txBody>
+          <a:bodyPr/>
+          <a:lstStyle/>
+          <a:p>
+            <a:r>
+              <a:rPr lang="it-IT" dirty="0"/>
+              <a:t>Conclusione</a:t>
+            </a:r>
+          </a:p>
+        </p:txBody>
+      </p:sp>
+      <p:sp>
+        <p:nvSpPr>
+          <p:cNvPr id="2" name="Segnaposto testo 1">
+            <a:extLst>
+              <a:ext uri="{FF2B5EF4-FFF2-40B4-BE49-F238E27FC236}">
+                <a16:creationId xmlns:a16="http://schemas.microsoft.com/office/drawing/2014/main" id="{ABC80FAA-9435-E04B-A7B3-D175AA515575}"/>
+              </a:ext>
+            </a:extLst>
+          </p:cNvPr>
+          <p:cNvSpPr>
+            <a:spLocks noGrp="1"/>
+          </p:cNvSpPr>
+          <p:nvPr>
+            <p:ph type="body" sz="quarter" idx="11"/>
+          </p:nvPr>
+        </p:nvSpPr>
+        <p:spPr/>
+        <p:txBody>
+          <a:bodyPr>
+            <a:normAutofit fontScale="92500" lnSpcReduction="10000"/>
+          </a:bodyPr>
+          <a:lstStyle/>
+          <a:p>
+            <a:endParaRPr lang="it-IT"/>
+          </a:p>
+        </p:txBody>
+      </p:sp>
+      <p:sp>
+        <p:nvSpPr>
+          <p:cNvPr id="3" name="Segnaposto testo 2">
+            <a:extLst>
+              <a:ext uri="{FF2B5EF4-FFF2-40B4-BE49-F238E27FC236}">
+                <a16:creationId xmlns:a16="http://schemas.microsoft.com/office/drawing/2014/main" id="{7D7916F2-F149-6048-9C0C-A3C1EE95E3C4}"/>
+              </a:ext>
+            </a:extLst>
+          </p:cNvPr>
+          <p:cNvSpPr>
+            <a:spLocks noGrp="1"/>
+          </p:cNvSpPr>
+          <p:nvPr>
+            <p:ph type="body" sz="quarter" idx="12"/>
+          </p:nvPr>
+        </p:nvSpPr>
+        <p:spPr/>
+        <p:txBody>
+          <a:bodyPr/>
+          <a:lstStyle/>
+          <a:p>
+            <a:endParaRPr lang="it-IT"/>
+          </a:p>
+        </p:txBody>
+      </p:sp>
+      <p:sp>
+        <p:nvSpPr>
+          <p:cNvPr id="4" name="Segnaposto testo 3">
+            <a:extLst>
+              <a:ext uri="{FF2B5EF4-FFF2-40B4-BE49-F238E27FC236}">
+                <a16:creationId xmlns:a16="http://schemas.microsoft.com/office/drawing/2014/main" id="{260CD1E0-52F9-E149-A57F-714D455359F4}"/>
+              </a:ext>
+            </a:extLst>
+          </p:cNvPr>
+          <p:cNvSpPr>
+            <a:spLocks noGrp="1"/>
+          </p:cNvSpPr>
+          <p:nvPr>
+            <p:ph type="body" sz="quarter" idx="13"/>
+          </p:nvPr>
+        </p:nvSpPr>
+        <p:spPr/>
+        <p:txBody>
+          <a:bodyPr>
+            <a:normAutofit fontScale="85000" lnSpcReduction="20000"/>
+          </a:bodyPr>
+          <a:lstStyle/>
+          <a:p>
+            <a:endParaRPr lang="it-IT"/>
+          </a:p>
+        </p:txBody>
+      </p:sp>
+      <p:sp>
+        <p:nvSpPr>
+          <p:cNvPr id="5" name="Segnaposto testo 4">
+            <a:extLst>
+              <a:ext uri="{FF2B5EF4-FFF2-40B4-BE49-F238E27FC236}">
+                <a16:creationId xmlns:a16="http://schemas.microsoft.com/office/drawing/2014/main" id="{97FBA6F7-C967-CF4D-AD7D-FC03901314B9}"/>
+              </a:ext>
+            </a:extLst>
+          </p:cNvPr>
+          <p:cNvSpPr>
+            <a:spLocks noGrp="1"/>
+          </p:cNvSpPr>
+          <p:nvPr>
+            <p:ph type="body" sz="quarter" idx="14"/>
+          </p:nvPr>
+        </p:nvSpPr>
+        <p:spPr/>
+        <p:txBody>
+          <a:bodyPr>
+            <a:normAutofit fontScale="77500" lnSpcReduction="20000"/>
+          </a:bodyPr>
+          <a:lstStyle/>
+          <a:p>
+            <a:endParaRPr lang="it-IT" dirty="0"/>
+          </a:p>
+        </p:txBody>
+      </p:sp>
+      <p:sp>
+        <p:nvSpPr>
+          <p:cNvPr id="6" name="Segnaposto testo 5">
+            <a:extLst>
+              <a:ext uri="{FF2B5EF4-FFF2-40B4-BE49-F238E27FC236}">
+                <a16:creationId xmlns:a16="http://schemas.microsoft.com/office/drawing/2014/main" id="{8EB8E93C-7698-414F-97DD-BFDA4142916A}"/>
+              </a:ext>
+            </a:extLst>
+          </p:cNvPr>
+          <p:cNvSpPr>
+            <a:spLocks noGrp="1"/>
+          </p:cNvSpPr>
+          <p:nvPr>
+            <p:ph type="body" sz="quarter" idx="15"/>
+          </p:nvPr>
+        </p:nvSpPr>
+        <p:spPr/>
+        <p:txBody>
+          <a:bodyPr/>
+          <a:lstStyle/>
+          <a:p>
+            <a:endParaRPr lang="it-IT"/>
+          </a:p>
+        </p:txBody>
+      </p:sp>
+      <p:sp>
+        <p:nvSpPr>
+          <p:cNvPr id="7" name="Segnaposto testo 6">
+            <a:extLst>
+              <a:ext uri="{FF2B5EF4-FFF2-40B4-BE49-F238E27FC236}">
+                <a16:creationId xmlns:a16="http://schemas.microsoft.com/office/drawing/2014/main" id="{55D5C45F-1F83-9949-83E6-E9AFC9760135}"/>
+              </a:ext>
+            </a:extLst>
+          </p:cNvPr>
+          <p:cNvSpPr>
+            <a:spLocks noGrp="1"/>
+          </p:cNvSpPr>
+          <p:nvPr>
+            <p:ph type="body" sz="quarter" idx="16"/>
+          </p:nvPr>
+        </p:nvSpPr>
+        <p:spPr/>
+        <p:txBody>
+          <a:bodyPr/>
+          <a:lstStyle/>
+          <a:p>
+            <a:endParaRPr lang="it-IT" dirty="0"/>
+          </a:p>
+        </p:txBody>
+      </p:sp>
+    </p:spTree>
+    <p:extLst>
+      <p:ext uri="{BB962C8B-B14F-4D97-AF65-F5344CB8AC3E}">
+        <p14:creationId xmlns:p14="http://schemas.microsoft.com/office/powerpoint/2010/main" val="2332281121"/>
       </p:ext>
     </p:extLst>
   </p:cSld>
@@ -9085,7 +9839,7 @@
                     <a:ea typeface="Verdana" panose="020B0604030504040204" pitchFamily="34" charset="0"/>
                     <a:cs typeface="Verdana" panose="020B0604030504040204" pitchFamily="34" charset="0"/>
                   </a:rPr>
-                  <a:t> </a:t>
+                  <a:t>  #  </a:t>
                 </a:r>
                 <a:r>
                   <a:rPr lang="it-IT" sz="1400" i="1" dirty="0">
@@ -9267,7 +10021,7 @@
                     <a:ea typeface="Verdana" panose="020B0604030504040204" pitchFamily="34" charset="0"/>
                     <a:cs typeface="Verdana" panose="020B0604030504040204" pitchFamily="34" charset="0"/>
                   </a:rPr>
-                  <a:t>  </a:t>
+                  <a:t>   </a:t>
                 </a:r>
                 <a:r>
                   <a:rPr lang="it-IT" sz="1400" i="1" dirty="0">
@@ -9321,7 +10075,7 @@
                     <a:ea typeface="Verdana" panose="020B0604030504040204" pitchFamily="34" charset="0"/>
                     <a:cs typeface="Verdana" panose="020B0604030504040204" pitchFamily="34" charset="0"/>
                   </a:rPr>
-                  <a:t> </a:t>
+                  <a:t>  #  </a:t>
                 </a:r>
                 <a:r>
                   <a:rPr lang="it-IT" sz="1400" i="1" dirty="0">
@@ -9482,7 +10236,7 @@
                     <a:ea typeface="Verdana" panose="020B0604030504040204" pitchFamily="34" charset="0"/>
                     <a:cs typeface="Verdana" panose="020B0604030504040204" pitchFamily="34" charset="0"/>
                   </a:rPr>
-                  <a:t> </a:t>
+                  <a:t>  </a:t>
                 </a:r>
                 <a:r>
                   <a:rPr lang="it-IT" sz="1400" i="1" dirty="0">
@@ -9558,7 +10312,7 @@
                     <a:ea typeface="Verdana" panose="020B0604030504040204" pitchFamily="34" charset="0"/>
                     <a:cs typeface="Verdana" panose="020B0604030504040204" pitchFamily="34" charset="0"/>
                   </a:rPr>
-                  <a:t> </a:t>
+                  <a:t>  </a:t>
                 </a:r>
                 <a:r>
                   <a:rPr lang="it-IT" sz="1400" i="1" dirty="0">
@@ -10031,7 +10785,7 @@
               <a:blipFill>
                 <a:blip r:embed="rId2"/>
                 <a:stretch>
-                  <a:fillRect l="-533" t="-443"/>
+                  <a:fillRect l="-533" t="-1109"/>
                 </a:stretch>
               </a:blipFill>
             </p:spPr>
@@ -10281,29 +11035,32 @@
                       <m:sSub>
                         <m:sSubPr>
                           <m:ctrlPr>
-                            <a:rPr lang="it-IT" sz="1125" b="1">
+                            <a:rPr lang="it-IT" sz="1200" b="1" i="1">
                               <a:solidFill>
                                 <a:srgbClr val="727272"/>
                               </a:solidFill>
+                              <a:latin typeface="Cambria Math" panose="02040503050406030204" pitchFamily="18" charset="0"/>
                             </a:rPr>
                           </m:ctrlPr>
                         </m:sSubPr>
                         <m:e>
                           <m:r>
-                            <a:rPr lang="it-IT" sz="1125" b="1">
+                            <a:rPr lang="it-IT" sz="1200" b="1">
                               <a:solidFill>
                                 <a:srgbClr val="727272"/>
                               </a:solidFill>
+                              <a:latin typeface="Cambria Math" panose="02040503050406030204" pitchFamily="18" charset="0"/>
                             </a:rPr>
                             <m:t>𝑬</m:t>
                           </m:r>
                         </m:e>
                         <m:sub>
                           <m:r>
-                            <a:rPr lang="it-IT" sz="1125" b="1">
+                            <a:rPr lang="it-IT" sz="1200" b="1">
                               <a:solidFill>
                                 <a:srgbClr val="727272"/>
                               </a:solidFill>
+                              <a:latin typeface="Cambria Math" panose="02040503050406030204" pitchFamily="18" charset="0"/>
                             </a:rPr>
                             <m:t>𝒊𝒋</m:t>
                           </m:r>
@@ -10312,10 +11069,11 @@
                       <m:d>
                         <m:dPr>
                           <m:ctrlPr>
-                            <a:rPr lang="it-IT" sz="1125" b="1">
+                            <a:rPr lang="it-IT" sz="1200" b="1" i="1">
                               <a:solidFill>
                                 <a:srgbClr val="727272"/>
                               </a:solidFill>
+                              <a:latin typeface="Cambria Math" panose="02040503050406030204" pitchFamily="18" charset="0"/>
                             </a:rPr>
                           </m:ctrlPr>
                         </m:dPr>
@@ -10323,29 +11081,32 @@
                           <m:sSub>
                             <m:sSubPr>
                               <m:ctrlPr>
-                                <a:rPr lang="it-IT" sz="1125" b="1">
+                                <a:rPr lang="it-IT" sz="1200" b="1" i="1">
                                   <a:solidFill>
                                     <a:srgbClr val="727272"/>
                                   </a:solidFill>
+                                  <a:latin typeface="Cambria Math" panose="02040503050406030204" pitchFamily="18" charset="0"/>
                                 </a:rPr>
                               </m:ctrlPr>
                             </m:sSubPr>
                             <m:e>
                               <m:r>
-                                <a:rPr lang="it-IT" sz="1125" b="1">
+                                <a:rPr lang="it-IT" sz="1200" b="1">
                                   <a:solidFill>
                                     <a:srgbClr val="727272"/>
                                   </a:solidFill>
+                                  <a:latin typeface="Cambria Math" panose="02040503050406030204" pitchFamily="18" charset="0"/>
                                 </a:rPr>
                                 <m:t>𝒑</m:t>
                               </m:r>
                             </m:e>
                             <m:sub>
                               <m:r>
-                                <a:rPr lang="it-IT" sz="1125" b="1">
+                                <a:rPr lang="it-IT" sz="1200" b="1">
                                   <a:solidFill>
                                     <a:srgbClr val="727272"/>
                                   </a:solidFill>
+                                  <a:latin typeface="Cambria Math" panose="02040503050406030204" pitchFamily="18" charset="0"/>
                                 </a:rPr>
                                 <m:t>𝒊</m:t>
                               </m:r>
@@ -10354,58 +11115,64 @@
                           <m:d>
                             <m:dPr>
                               <m:ctrlPr>
-                                <a:rPr lang="it-IT" sz="1125" b="1">
+                                <a:rPr lang="it-IT" sz="1200" b="1" i="1">
                                   <a:solidFill>
                                     <a:srgbClr val="727272"/>
                                   </a:solidFill>
+                                  <a:latin typeface="Cambria Math" panose="02040503050406030204" pitchFamily="18" charset="0"/>
                                 </a:rPr>
                               </m:ctrlPr>
                             </m:dPr>
                             <m:e>
                               <m:r>
-                                <a:rPr lang="it-IT" sz="1125" b="1">
+                                <a:rPr lang="it-IT" sz="1200" b="1">
                                   <a:solidFill>
                                     <a:srgbClr val="727272"/>
                                   </a:solidFill>
+                                  <a:latin typeface="Cambria Math" panose="02040503050406030204" pitchFamily="18" charset="0"/>
                                 </a:rPr>
                                 <m:t>𝒕</m:t>
                               </m:r>
                             </m:e>
                           </m:d>
                           <m:r>
-                            <a:rPr lang="it-IT" sz="1125" b="1">
+                            <a:rPr lang="it-IT" sz="1200" b="1">
                               <a:solidFill>
                                 <a:srgbClr val="727272"/>
                               </a:solidFill>
+                              <a:latin typeface="Cambria Math" panose="02040503050406030204" pitchFamily="18" charset="0"/>
                             </a:rPr>
                             <m:t>, </m:t>
                           </m:r>
                           <m:sSub>
                             <m:sSubPr>
                               <m:ctrlPr>
-                                <a:rPr lang="it-IT" sz="1125" b="1">
+                                <a:rPr lang="it-IT" sz="1200" b="1" i="1">
                                   <a:solidFill>
                                     <a:srgbClr val="727272"/>
                                   </a:solidFill>
+                                  <a:latin typeface="Cambria Math" panose="02040503050406030204" pitchFamily="18" charset="0"/>
                                 </a:rPr>
                               </m:ctrlPr>
                             </m:sSubPr>
                             <m:e>
                               <m:r>
-                                <a:rPr lang="it-IT" sz="1125" b="1">
+                                <a:rPr lang="it-IT" sz="1200" b="1">
                                   <a:solidFill>
                                     <a:srgbClr val="727272"/>
                                   </a:solidFill>
+                                  <a:latin typeface="Cambria Math" panose="02040503050406030204" pitchFamily="18" charset="0"/>
                                 </a:rPr>
                                 <m:t>𝒒</m:t>
                               </m:r>
                             </m:e>
                             <m:sub>
                               <m:r>
-                                <a:rPr lang="it-IT" sz="1125" b="1">
+                                <a:rPr lang="it-IT" sz="1200" b="1">
                                   <a:solidFill>
                                     <a:srgbClr val="727272"/>
                                   </a:solidFill>
+                                  <a:latin typeface="Cambria Math" panose="02040503050406030204" pitchFamily="18" charset="0"/>
                                 </a:rPr>
                                 <m:t>𝒋</m:t>
                               </m:r>
@@ -10414,19 +11181,21 @@
                           <m:d>
                             <m:dPr>
                               <m:ctrlPr>
-                                <a:rPr lang="it-IT" sz="1125" b="1">
+                                <a:rPr lang="it-IT" sz="1200" b="1" i="1">
                                   <a:solidFill>
                                     <a:srgbClr val="727272"/>
                                   </a:solidFill>
+                                  <a:latin typeface="Cambria Math" panose="02040503050406030204" pitchFamily="18" charset="0"/>
                                 </a:rPr>
                               </m:ctrlPr>
                             </m:dPr>
                             <m:e>
                               <m:r>
-                                <a:rPr lang="it-IT" sz="1125" b="1">
+                                <a:rPr lang="it-IT" sz="1200" b="1">
                                   <a:solidFill>
                                     <a:srgbClr val="727272"/>
                                   </a:solidFill>
+                                  <a:latin typeface="Cambria Math" panose="02040503050406030204" pitchFamily="18" charset="0"/>
                                 </a:rPr>
                                 <m:t>𝒕</m:t>
                               </m:r>
@@ -10435,10 +11204,11 @@
                         </m:e>
                       </m:d>
                       <m:r>
-                        <a:rPr lang="it-IT" sz="1125" b="1">
+                        <a:rPr lang="it-IT" sz="1200" b="1">
                           <a:solidFill>
                             <a:srgbClr val="727272"/>
                           </a:solidFill>
+                          <a:latin typeface="Cambria Math" panose="02040503050406030204" pitchFamily="18" charset="0"/>
                         </a:rPr>
                         <m:t>=</m:t>
                       </m:r>
@@ -10447,10 +11217,11 @@
                           <m:begChr m:val="{"/>
                           <m:endChr m:val=""/>
                           <m:ctrlPr>
-                            <a:rPr lang="it-IT" sz="1125" b="1">
+                            <a:rPr lang="it-IT" sz="1200" b="1" i="1">
                               <a:solidFill>
                                 <a:srgbClr val="727272"/>
                               </a:solidFill>
+                              <a:latin typeface="Cambria Math" panose="02040503050406030204" pitchFamily="18" charset="0"/>
                             </a:rPr>
                           </m:ctrlPr>
                         </m:dPr>
@@ -10458,10 +11229,11 @@
                           <m:eqArr>
                             <m:eqArrPr>
                               <m:ctrlPr>
-                                <a:rPr lang="it-IT" sz="1125" b="1">
+                                <a:rPr lang="it-IT" sz="1200" b="1" i="1">
                                   <a:solidFill>
                                     <a:srgbClr val="727272"/>
                                   </a:solidFill>
+                                  <a:latin typeface="Cambria Math" panose="02040503050406030204" pitchFamily="18" charset="0"/>
                                 </a:rPr>
                               </m:ctrlPr>
                             </m:eqArrPr>
@@ -10469,29 +11241,32 @@
                               <m:sSub>
                                 <m:sSubPr>
                                   <m:ctrlPr>
-                                    <a:rPr lang="it-IT" sz="1125" b="1">
+                                    <a:rPr lang="it-IT" sz="1200" b="1" i="1">
                                       <a:solidFill>
                                         <a:srgbClr val="727272"/>
                                       </a:solidFill>
+                                      <a:latin typeface="Cambria Math" panose="02040503050406030204" pitchFamily="18" charset="0"/>
                                     </a:rPr>
                                   </m:ctrlPr>
                                 </m:sSubPr>
                                 <m:e>
                                   <m:r>
-                                    <a:rPr lang="it-IT" sz="1125" b="1">
+                                    <a:rPr lang="it-IT" sz="1200" b="1">
                                       <a:solidFill>
                                         <a:srgbClr val="727272"/>
                                       </a:solidFill>
+                                      <a:latin typeface="Cambria Math" panose="02040503050406030204" pitchFamily="18" charset="0"/>
                                     </a:rPr>
                                     <m:t>𝑴</m:t>
                                   </m:r>
                                 </m:e>
                                 <m:sub>
                                   <m:r>
-                                    <a:rPr lang="it-IT" sz="1125" b="1">
+                                    <a:rPr lang="it-IT" sz="1200" b="1">
                                       <a:solidFill>
                                         <a:srgbClr val="727272"/>
                                       </a:solidFill>
+                                      <a:latin typeface="Cambria Math" panose="02040503050406030204" pitchFamily="18" charset="0"/>
                                     </a:rPr>
                                     <m:t>𝒑</m:t>
                                   </m:r>
@@ -10500,10 +11275,11 @@
                               <m:d>
                                 <m:dPr>
                                   <m:ctrlPr>
-                                    <a:rPr lang="it-IT" sz="1125" b="1">
+                                    <a:rPr lang="it-IT" sz="1200" b="1" i="1">
                                       <a:solidFill>
                                         <a:srgbClr val="727272"/>
                                       </a:solidFill>
+                                      <a:latin typeface="Cambria Math" panose="02040503050406030204" pitchFamily="18" charset="0"/>
                                     </a:rPr>
                                   </m:ctrlPr>
                                 </m:dPr>
@@ -10511,10 +11287,11 @@
                                   <m:f>
                                     <m:fPr>
                                       <m:ctrlPr>
-                                        <a:rPr lang="it-IT" sz="1125" b="1">
+                                        <a:rPr lang="it-IT" sz="1200" b="1" i="1">
                                           <a:solidFill>
                                             <a:srgbClr val="727272"/>
                                           </a:solidFill>
+                                          <a:latin typeface="Cambria Math" panose="02040503050406030204" pitchFamily="18" charset="0"/>
                                         </a:rPr>
                                       </m:ctrlPr>
                                     </m:fPr>
@@ -10522,10 +11299,11 @@
                                       <m:sSup>
                                         <m:sSupPr>
                                           <m:ctrlPr>
-                                            <a:rPr lang="it-IT" sz="1125" b="1">
+                                            <a:rPr lang="it-IT" sz="1200" b="1" i="1">
                                               <a:solidFill>
                                                 <a:srgbClr val="727272"/>
                                               </a:solidFill>
+                                              <a:latin typeface="Cambria Math" panose="02040503050406030204" pitchFamily="18" charset="0"/>
                                             </a:rPr>
                                           </m:ctrlPr>
                                         </m:sSupPr>
@@ -10533,10 +11311,11 @@
                                           <m:d>
                                             <m:dPr>
                                               <m:ctrlPr>
-                                                <a:rPr lang="it-IT" sz="1125" b="1">
+                                                <a:rPr lang="it-IT" sz="1200" b="1" i="1">
                                                   <a:solidFill>
                                                     <a:srgbClr val="727272"/>
                                                   </a:solidFill>
+                                                  <a:latin typeface="Cambria Math" panose="02040503050406030204" pitchFamily="18" charset="0"/>
                                                 </a:rPr>
                                               </m:ctrlPr>
                                             </m:dPr>
@@ -10544,29 +11323,32 @@
                                               <m:sSub>
                                                 <m:sSubPr>
                                                   <m:ctrlPr>
-                                                    <a:rPr lang="it-IT" sz="1125" b="1">
+                                                    <a:rPr lang="it-IT" sz="1200" b="1" i="1">
                                                       <a:solidFill>
                                                         <a:srgbClr val="727272"/>
                                                       </a:solidFill>
+                                                      <a:latin typeface="Cambria Math" panose="02040503050406030204" pitchFamily="18" charset="0"/>
                                                     </a:rPr>
                                                   </m:ctrlPr>
                                                 </m:sSubPr>
                                                 <m:e>
                                                   <m:r>
-                                                    <a:rPr lang="it-IT" sz="1125" b="1">
+                                                    <a:rPr lang="it-IT" sz="1200" b="1">
                                                       <a:solidFill>
                                                         <a:srgbClr val="727272"/>
                                                       </a:solidFill>
+                                                      <a:latin typeface="Cambria Math" panose="02040503050406030204" pitchFamily="18" charset="0"/>
                                                     </a:rPr>
                                                     <m:t>𝒍</m:t>
                                                   </m:r>
                                                 </m:e>
                                                 <m:sub>
                                                   <m:r>
-                                                    <a:rPr lang="it-IT" sz="1125" b="1">
+                                                    <a:rPr lang="it-IT" sz="1200" b="1">
                                                       <a:solidFill>
                                                         <a:srgbClr val="727272"/>
                                                       </a:solidFill>
+                                                      <a:latin typeface="Cambria Math" panose="02040503050406030204" pitchFamily="18" charset="0"/>
                                                     </a:rPr>
                                                     <m:t>𝒊𝒋</m:t>
                                                   </m:r>
@@ -10575,37 +11357,41 @@
                                               <m:d>
                                                 <m:dPr>
                                                   <m:ctrlPr>
-                                                    <a:rPr lang="it-IT" sz="1125" b="1">
+                                                    <a:rPr lang="it-IT" sz="1200" b="1" i="1">
                                                       <a:solidFill>
                                                         <a:srgbClr val="727272"/>
                                                       </a:solidFill>
+                                                      <a:latin typeface="Cambria Math" panose="02040503050406030204" pitchFamily="18" charset="0"/>
                                                     </a:rPr>
                                                   </m:ctrlPr>
                                                 </m:dPr>
                                                 <m:e>
                                                   <m:r>
-                                                    <a:rPr lang="it-IT" sz="1125" b="1">
+                                                    <a:rPr lang="it-IT" sz="1200" b="1">
                                                       <a:solidFill>
                                                         <a:srgbClr val="727272"/>
                                                       </a:solidFill>
+                                                      <a:latin typeface="Cambria Math" panose="02040503050406030204" pitchFamily="18" charset="0"/>
                                                     </a:rPr>
                                                     <m:t>𝒕</m:t>
                                                   </m:r>
                                                 </m:e>
                                               </m:d>
                                               <m:r>
-                                                <a:rPr lang="it-IT" sz="1125" b="1">
+                                                <a:rPr lang="it-IT" sz="1200" b="1">
                                                   <a:solidFill>
                                                     <a:srgbClr val="727272"/>
                                                   </a:solidFill>
+                                                  <a:latin typeface="Cambria Math" panose="02040503050406030204" pitchFamily="18" charset="0"/>
                                                 </a:rPr>
                                                 <m:t>−</m:t>
                                               </m:r>
                                               <m:r>
-                                                <a:rPr lang="it-IT" sz="1125" b="1">
+                                                <a:rPr lang="it-IT" sz="1200" b="1">
                                                   <a:solidFill>
                                                     <a:srgbClr val="727272"/>
                                                   </a:solidFill>
+                                                  <a:latin typeface="Cambria Math" panose="02040503050406030204" pitchFamily="18" charset="0"/>
                                                 </a:rPr>
                                                 <m:t>𝒓</m:t>
                                               </m:r>
@@ -10614,10 +11400,11 @@
                                         </m:e>
                                         <m:sup>
                                           <m:r>
-                                            <a:rPr lang="it-IT" sz="1125" b="1">
+                                            <a:rPr lang="it-IT" sz="1200" b="1">
                                               <a:solidFill>
                                                 <a:srgbClr val="727272"/>
                                               </a:solidFill>
+                                              <a:latin typeface="Cambria Math" panose="02040503050406030204" pitchFamily="18" charset="0"/>
                                             </a:rPr>
                                             <m:t>𝟐</m:t>
                                           </m:r>
@@ -10628,29 +11415,32 @@
                                       <m:sSup>
                                         <m:sSupPr>
                                           <m:ctrlPr>
-                                            <a:rPr lang="it-IT" sz="1125" b="1">
+                                            <a:rPr lang="it-IT" sz="1200" b="1" i="1">
                                               <a:solidFill>
                                                 <a:srgbClr val="727272"/>
                                               </a:solidFill>
+                                              <a:latin typeface="Cambria Math" panose="02040503050406030204" pitchFamily="18" charset="0"/>
                                             </a:rPr>
                                           </m:ctrlPr>
                                         </m:sSupPr>
                                         <m:e>
                                           <m:r>
-                                            <a:rPr lang="it-IT" sz="1125" b="1">
+                                            <a:rPr lang="it-IT" sz="1200" b="1">
                                               <a:solidFill>
                                                 <a:srgbClr val="727272"/>
                                               </a:solidFill>
+                                              <a:latin typeface="Cambria Math" panose="02040503050406030204" pitchFamily="18" charset="0"/>
                                             </a:rPr>
                                             <m:t>𝒓</m:t>
                                           </m:r>
                                         </m:e>
                                         <m:sup>
                                           <m:r>
-                                            <a:rPr lang="it-IT" sz="1125" b="1">
+                                            <a:rPr lang="it-IT" sz="1200" b="1">
                                               <a:solidFill>
                                                 <a:srgbClr val="727272"/>
                                               </a:solidFill>
+                                              <a:latin typeface="Cambria Math" panose="02040503050406030204" pitchFamily="18" charset="0"/>
                                             </a:rPr>
                                             <m:t>𝟒</m:t>
                                           </m:r>
@@ -10661,55 +11451,70 @@
                                 </m:e>
                               </m:d>
                               <m:r>
-                                <a:rPr lang="it-IT" sz="1125" b="1">
+                                <a:rPr lang="it-IT" sz="1200" b="1">
                                   <a:solidFill>
                                     <a:srgbClr val="727272"/>
                                   </a:solidFill>
+                                  <a:latin typeface="Cambria Math" panose="02040503050406030204" pitchFamily="18" charset="0"/>
                                 </a:rPr>
                                 <m:t>, </m:t>
                               </m:r>
                               <m:r>
-                                <a:rPr lang="it-IT" sz="1125" b="1">
+                                <a:rPr lang="it-IT" sz="1200" b="1" i="0" smtClean="0">
                                   <a:solidFill>
                                     <a:srgbClr val="727272"/>
                                   </a:solidFill>
+                                  <a:latin typeface="Cambria Math" panose="02040503050406030204" pitchFamily="18" charset="0"/>
+                                </a:rPr>
+                                <m:t> </m:t>
+                              </m:r>
+                              <m:r>
+                                <a:rPr lang="it-IT" sz="1200" b="1">
+                                  <a:solidFill>
+                                    <a:srgbClr val="727272"/>
+                                  </a:solidFill>
+                                  <a:latin typeface="Cambria Math" panose="02040503050406030204" pitchFamily="18" charset="0"/>
                                 </a:rPr>
                                 <m:t>𝒔𝒆</m:t>
                               </m:r>
                               <m:r>
-                                <a:rPr lang="it-IT" sz="1125" b="1">
+                                <a:rPr lang="it-IT" sz="1200" b="1">
                                   <a:solidFill>
                                     <a:srgbClr val="727272"/>
                                   </a:solidFill>
+                                  <a:latin typeface="Cambria Math" panose="02040503050406030204" pitchFamily="18" charset="0"/>
                                 </a:rPr>
                                 <m:t> </m:t>
                               </m:r>
                               <m:sSub>
                                 <m:sSubPr>
                                   <m:ctrlPr>
-                                    <a:rPr lang="it-IT" sz="1125" b="1">
+                                    <a:rPr lang="it-IT" sz="1200" b="1" i="1">
                                       <a:solidFill>
                                         <a:srgbClr val="727272"/>
                                       </a:solidFill>
+                                      <a:latin typeface="Cambria Math" panose="02040503050406030204" pitchFamily="18" charset="0"/>
                                     </a:rPr>
                                   </m:ctrlPr>
                                 </m:sSubPr>
                                 <m:e>
                                   <m:r>
-                                    <a:rPr lang="it-IT" sz="1125" b="1">
+                                    <a:rPr lang="it-IT" sz="1200" b="1">
                                       <a:solidFill>
                                         <a:srgbClr val="727272"/>
                                       </a:solidFill>
+                                      <a:latin typeface="Cambria Math" panose="02040503050406030204" pitchFamily="18" charset="0"/>
                                     </a:rPr>
                                     <m:t>𝒍</m:t>
                                   </m:r>
                                 </m:e>
                                 <m:sub>
                                   <m:r>
-                                    <a:rPr lang="it-IT" sz="1125" b="1">
+                                    <a:rPr lang="it-IT" sz="1200" b="1">
                                       <a:solidFill>
                                         <a:srgbClr val="727272"/>
                                       </a:solidFill>
+                                      <a:latin typeface="Cambria Math" panose="02040503050406030204" pitchFamily="18" charset="0"/>
                                     </a:rPr>
                                     <m:t>𝒊𝒋</m:t>
                                   </m:r>
@@ -10718,68 +11523,75 @@
                               <m:d>
                                 <m:dPr>
                                   <m:ctrlPr>
-                                    <a:rPr lang="it-IT" sz="1125" b="1">
+                                    <a:rPr lang="it-IT" sz="1200" b="1" i="1">
                                       <a:solidFill>
                                         <a:srgbClr val="727272"/>
                                       </a:solidFill>
+                                      <a:latin typeface="Cambria Math" panose="02040503050406030204" pitchFamily="18" charset="0"/>
                                     </a:rPr>
                                   </m:ctrlPr>
                                 </m:dPr>
                                 <m:e>
                                   <m:r>
-                                    <a:rPr lang="it-IT" sz="1125" b="1">
+                                    <a:rPr lang="it-IT" sz="1200" b="1">
                                       <a:solidFill>
                                         <a:srgbClr val="727272"/>
                                       </a:solidFill>
+                                      <a:latin typeface="Cambria Math" panose="02040503050406030204" pitchFamily="18" charset="0"/>
                                     </a:rPr>
                                     <m:t>𝒕</m:t>
                                   </m:r>
                                 </m:e>
                               </m:d>
                               <m:r>
-                                <a:rPr lang="it-IT" sz="1125" b="1">
+                                <a:rPr lang="it-IT" sz="1200" b="1">
                                   <a:solidFill>
                                     <a:srgbClr val="727272"/>
                                   </a:solidFill>
+                                  <a:latin typeface="Cambria Math" panose="02040503050406030204" pitchFamily="18" charset="0"/>
                                 </a:rPr>
                                 <m:t>≤</m:t>
                               </m:r>
                               <m:sSup>
                                 <m:sSupPr>
                                   <m:ctrlPr>
-                                    <a:rPr lang="it-IT" sz="1125" b="1">
+                                    <a:rPr lang="it-IT" sz="1200" b="1" i="1">
                                       <a:solidFill>
                                         <a:srgbClr val="727272"/>
                                       </a:solidFill>
+                                      <a:latin typeface="Cambria Math" panose="02040503050406030204" pitchFamily="18" charset="0"/>
                                     </a:rPr>
                                   </m:ctrlPr>
                                 </m:sSupPr>
                                 <m:e>
                                   <m:r>
-                                    <a:rPr lang="it-IT" sz="1125" b="1">
+                                    <a:rPr lang="it-IT" sz="1200" b="1">
                                       <a:solidFill>
                                         <a:srgbClr val="727272"/>
                                       </a:solidFill>
+                                      <a:latin typeface="Cambria Math" panose="02040503050406030204" pitchFamily="18" charset="0"/>
                                     </a:rPr>
                                     <m:t>𝒓</m:t>
                                   </m:r>
                                 </m:e>
                                 <m:sup>
                                   <m:r>
-                                    <a:rPr lang="it-IT" sz="1125" b="1">
+                                    <a:rPr lang="it-IT" sz="1200" b="1">
                                       <a:solidFill>
                                         <a:srgbClr val="727272"/>
                                       </a:solidFill>
+                                      <a:latin typeface="Cambria Math" panose="02040503050406030204" pitchFamily="18" charset="0"/>
                                     </a:rPr>
                                     <m:t>𝟐</m:t>
                                   </m:r>
                                 </m:sup>
                               </m:sSup>
                               <m:r>
-                                <a:rPr lang="it-IT" sz="1125" b="1">
+                                <a:rPr lang="it-IT" sz="1200" b="1">
                                   <a:solidFill>
                                     <a:srgbClr val="727272"/>
                                   </a:solidFill>
+                                  <a:latin typeface="Cambria Math" panose="02040503050406030204" pitchFamily="18" charset="0"/>
                                 </a:rPr>
                                 <m:t> </m:t>
                               </m:r>
@@ -10787,63 +11599,79 @@
                             <m:e/>
                             <m:e>
                               <m:r>
-                                <a:rPr lang="it-IT" sz="1125" b="1">
+                                <a:rPr lang="it-IT" sz="1200" b="1">
                                   <a:solidFill>
                                     <a:srgbClr val="727272"/>
                                   </a:solidFill>
+                                  <a:latin typeface="Cambria Math" panose="02040503050406030204" pitchFamily="18" charset="0"/>
                                 </a:rPr>
                                 <m:t>𝟎</m:t>
                               </m:r>
                               <m:r>
-                                <a:rPr lang="it-IT" sz="1125" b="1">
+                                <a:rPr lang="it-IT" sz="1200" b="1">
                                   <a:solidFill>
                                     <a:srgbClr val="727272"/>
                                   </a:solidFill>
+                                  <a:latin typeface="Cambria Math" panose="02040503050406030204" pitchFamily="18" charset="0"/>
                                 </a:rPr>
-                                <m:t>,    </m:t>
+                                <m:t>,      </m:t>
                               </m:r>
                               <m:r>
-                                <a:rPr lang="it-IT" sz="1125" b="1">
+                                <a:rPr lang="it-IT" sz="1200" b="1" i="0" smtClean="0">
                                   <a:solidFill>
                                     <a:srgbClr val="727272"/>
                                   </a:solidFill>
+                                  <a:latin typeface="Cambria Math" panose="02040503050406030204" pitchFamily="18" charset="0"/>
+                                </a:rPr>
+                                <m:t>                                </m:t>
+                              </m:r>
+                              <m:r>
+                                <a:rPr lang="it-IT" sz="1200" b="1">
+                                  <a:solidFill>
+                                    <a:srgbClr val="727272"/>
+                                  </a:solidFill>
+                                  <a:latin typeface="Cambria Math" panose="02040503050406030204" pitchFamily="18" charset="0"/>
                                 </a:rPr>
                                 <m:t>𝒔𝒆</m:t>
                               </m:r>
                               <m:r>
-                                <a:rPr lang="it-IT" sz="1125" b="1">
+                                <a:rPr lang="it-IT" sz="1200" b="1">
                                   <a:solidFill>
                                     <a:srgbClr val="727272"/>
                                   </a:solidFill>
+                                  <a:latin typeface="Cambria Math" panose="02040503050406030204" pitchFamily="18" charset="0"/>
                                 </a:rPr>
                                 <m:t> </m:t>
                               </m:r>
                               <m:sSub>
                                 <m:sSubPr>
                                   <m:ctrlPr>
-                                    <a:rPr lang="it-IT" sz="1125" b="1">
+                                    <a:rPr lang="it-IT" sz="1200" b="1" i="1">
                                       <a:solidFill>
                                         <a:srgbClr val="727272"/>
                                       </a:solidFill>
+                                      <a:latin typeface="Cambria Math" panose="02040503050406030204" pitchFamily="18" charset="0"/>
                                     </a:rPr>
                                   </m:ctrlPr>
                                 </m:sSubPr>
                                 <m:e>
                                   <m:r>
-                                    <a:rPr lang="it-IT" sz="1125" b="1">
+                                    <a:rPr lang="it-IT" sz="1200" b="1">
                                       <a:solidFill>
                                         <a:srgbClr val="727272"/>
                                       </a:solidFill>
+                                      <a:latin typeface="Cambria Math" panose="02040503050406030204" pitchFamily="18" charset="0"/>
                                     </a:rPr>
                                     <m:t>𝒍</m:t>
                                   </m:r>
                                 </m:e>
                                 <m:sub>
                                   <m:r>
-                                    <a:rPr lang="it-IT" sz="1125" b="1">
+                                    <a:rPr lang="it-IT" sz="1200" b="1">
                                       <a:solidFill>
                                         <a:srgbClr val="727272"/>
                                       </a:solidFill>
+                                      <a:latin typeface="Cambria Math" panose="02040503050406030204" pitchFamily="18" charset="0"/>
                                     </a:rPr>
                                     <m:t>𝒊𝒋</m:t>
                                   </m:r>
@@ -10852,58 +11680,64 @@
                               <m:d>
                                 <m:dPr>
                                   <m:ctrlPr>
-                                    <a:rPr lang="it-IT" sz="1125" b="1">
+                                    <a:rPr lang="it-IT" sz="1200" b="1" i="1">
                                       <a:solidFill>
                                         <a:srgbClr val="727272"/>
                                       </a:solidFill>
+                                      <a:latin typeface="Cambria Math" panose="02040503050406030204" pitchFamily="18" charset="0"/>
                                     </a:rPr>
                                   </m:ctrlPr>
                                 </m:dPr>
                                 <m:e>
                                   <m:r>
-                                    <a:rPr lang="it-IT" sz="1125" b="1">
+                                    <a:rPr lang="it-IT" sz="1200" b="1">
                                       <a:solidFill>
                                         <a:srgbClr val="727272"/>
                                       </a:solidFill>
+                                      <a:latin typeface="Cambria Math" panose="02040503050406030204" pitchFamily="18" charset="0"/>
                                     </a:rPr>
                                     <m:t>𝒕</m:t>
                                   </m:r>
                                 </m:e>
                               </m:d>
                               <m:r>
-                                <a:rPr lang="it-IT" sz="1125" b="1">
+                                <a:rPr lang="it-IT" sz="1200" b="1">
                                   <a:solidFill>
                                     <a:srgbClr val="727272"/>
                                   </a:solidFill>
+                                  <a:latin typeface="Cambria Math" panose="02040503050406030204" pitchFamily="18" charset="0"/>
                                 </a:rPr>
                                 <m:t>&gt;</m:t>
                               </m:r>
                               <m:sSup>
                                 <m:sSupPr>
                                   <m:ctrlPr>
-                                    <a:rPr lang="it-IT" sz="1125" b="1">
+                                    <a:rPr lang="it-IT" sz="1200" b="1" i="1">
                                       <a:solidFill>
                                         <a:srgbClr val="727272"/>
                                       </a:solidFill>
+                                      <a:latin typeface="Cambria Math" panose="02040503050406030204" pitchFamily="18" charset="0"/>
                                     </a:rPr>
                                   </m:ctrlPr>
                                 </m:sSupPr>
                                 <m:e>
                                   <m:r>
-                                    <a:rPr lang="it-IT" sz="1125" b="1">
+                                    <a:rPr lang="it-IT" sz="1200" b="1">
                                       <a:solidFill>
                                         <a:srgbClr val="727272"/>
                                       </a:solidFill>
+                                      <a:latin typeface="Cambria Math" panose="02040503050406030204" pitchFamily="18" charset="0"/>
                                     </a:rPr>
                                     <m:t>𝒓</m:t>
                                   </m:r>
                                 </m:e>
                                 <m:sup>
                                   <m:r>
-                                    <a:rPr lang="it-IT" sz="1125" b="1">
+                                    <a:rPr lang="it-IT" sz="1200" b="1">
                                       <a:solidFill>
                                         <a:srgbClr val="727272"/>
                                       </a:solidFill>
+                                      <a:latin typeface="Cambria Math" panose="02040503050406030204" pitchFamily="18" charset="0"/>
                                     </a:rPr>
                                     <m:t>𝟐</m:t>
                                   </m:r>
@@ -10916,7 +11750,7 @@
                     </m:oMath>
                   </m:oMathPara>
                 </a14:m>
-                <a:endParaRPr lang="it-IT" sz="1125" b="1" dirty="0">
+                <a:endParaRPr lang="it-IT" sz="1200" b="1" dirty="0">
                   <a:solidFill>
                     <a:srgbClr val="727272"/>
                   </a:solidFill>
@@ -10953,7 +11787,7 @@
               <a:blipFill>
                 <a:blip r:embed="rId3"/>
                 <a:stretch>
-                  <a:fillRect t="-1471"/>
+                  <a:fillRect t="-1471" b="-980"/>
                 </a:stretch>
               </a:blipFill>
             </p:spPr>
@@ -11329,8 +12163,8 @@
           </a:p>
         </p:txBody>
       </p:sp>
-      <mc:AlternateContent xmlns:mc="http://schemas.openxmlformats.org/markup-compatibility/2006">
-        <mc:Choice xmlns:a14="http://schemas.microsoft.com/office/drawing/2010/main" Requires="a14">
+      <mc:AlternateContent xmlns:mc="http://schemas.openxmlformats.org/markup-compatibility/2006" xmlns:a14="http://schemas.microsoft.com/office/drawing/2010/main">
+        <mc:Choice Requires="a14">
           <p:sp>
             <p:nvSpPr>
               <p:cNvPr id="2" name="Segnaposto testo 6">
@@ -11952,7 +12786,7 @@
             </p:txBody>
           </p:sp>
         </mc:Choice>
-        <mc:Fallback>
+        <mc:Fallback xmlns="">
           <p:sp>
             <p:nvSpPr>
               <p:cNvPr id="2" name="Segnaposto testo 6">
@@ -11997,8 +12831,8 @@
           </p:sp>
         </mc:Fallback>
       </mc:AlternateContent>
-      <mc:AlternateContent xmlns:mc="http://schemas.openxmlformats.org/markup-compatibility/2006">
-        <mc:Choice xmlns:a14="http://schemas.microsoft.com/office/drawing/2010/main" Requires="a14">
+      <mc:AlternateContent xmlns:mc="http://schemas.openxmlformats.org/markup-compatibility/2006" xmlns:a14="http://schemas.microsoft.com/office/drawing/2010/main">
+        <mc:Choice Requires="a14">
           <p:sp>
             <p:nvSpPr>
               <p:cNvPr id="3" name="Segnaposto testo 6">
@@ -12434,7 +13268,7 @@
             </p:txBody>
           </p:sp>
         </mc:Choice>
-        <mc:Fallback>
+        <mc:Fallback xmlns="">
           <p:sp>
             <p:nvSpPr>
               <p:cNvPr id="3" name="Segnaposto testo 6">
@@ -12708,19 +13542,19 @@
                     </m:oMathParaPr>
                     <m:oMath xmlns:m="http://schemas.openxmlformats.org/officeDocument/2006/math">
                       <m:r>
-                        <a:rPr lang="it-IT" sz="1125" b="1" i="1" smtClean="0">
+                        <a:rPr lang="it-IT" sz="1125" b="1" i="0" smtClean="0">
                           <a:solidFill>
                             <a:srgbClr val="727272"/>
                           </a:solidFill>
                           <a:latin typeface="Cambria Math" panose="02040503050406030204" pitchFamily="18" charset="0"/>
                           <a:ea typeface="Cambria Math" panose="02040503050406030204" pitchFamily="18" charset="0"/>
                         </a:rPr>
-                        <m:t>𝝈</m:t>
+                        <m:t>𝛔</m:t>
                       </m:r>
                       <m:d>
                         <m:dPr>
                           <m:ctrlPr>
-                            <a:rPr lang="it-IT" sz="1125" b="1" i="1" smtClean="0">
+                            <a:rPr lang="it-IT" sz="1125" b="1" smtClean="0">
                               <a:solidFill>
                                 <a:srgbClr val="727272"/>
                               </a:solidFill>
@@ -12733,7 +13567,7 @@
                           <m:sSub>
                             <m:sSubPr>
                               <m:ctrlPr>
-                                <a:rPr lang="it-IT" sz="1125" b="1" i="1" smtClean="0">
+                                <a:rPr lang="it-IT" sz="1125" b="1" smtClean="0">
                                   <a:solidFill>
                                     <a:srgbClr val="727272"/>
                                   </a:solidFill>
@@ -12744,33 +13578,33 @@
                             </m:sSubPr>
                             <m:e>
                               <m:r>
-                                <a:rPr lang="it-IT" sz="1125" b="1" i="1" smtClean="0">
+                                <a:rPr lang="it-IT" sz="1125" b="1" i="0" smtClean="0">
                                   <a:solidFill>
                                     <a:srgbClr val="727272"/>
                                   </a:solidFill>
                                   <a:latin typeface="Cambria Math" panose="02040503050406030204" pitchFamily="18" charset="0"/>
                                   <a:ea typeface="Cambria Math" panose="02040503050406030204" pitchFamily="18" charset="0"/>
                                 </a:rPr>
-                                <m:t>𝑬</m:t>
+                                <m:t>𝐄</m:t>
                               </m:r>
                             </m:e>
                             <m:sub>
                               <m:r>
-                                <a:rPr lang="it-IT" sz="1125" b="1" i="1" smtClean="0">
+                                <a:rPr lang="it-IT" sz="1125" b="1" i="0" smtClean="0">
                                   <a:solidFill>
                                     <a:srgbClr val="727272"/>
                                   </a:solidFill>
                                   <a:latin typeface="Cambria Math" panose="02040503050406030204" pitchFamily="18" charset="0"/>
                                   <a:ea typeface="Cambria Math" panose="02040503050406030204" pitchFamily="18" charset="0"/>
                                 </a:rPr>
-                                <m:t>𝒋</m:t>
+                                <m:t>𝐣</m:t>
                               </m:r>
                             </m:sub>
                           </m:sSub>
                           <m:d>
                             <m:dPr>
                               <m:ctrlPr>
-                                <a:rPr lang="it-IT" sz="1125" b="1" i="1" smtClean="0">
+                                <a:rPr lang="it-IT" sz="1125" b="1" smtClean="0">
                                   <a:solidFill>
                                     <a:srgbClr val="727272"/>
                                   </a:solidFill>
@@ -12781,21 +13615,21 @@
                             </m:dPr>
                             <m:e>
                               <m:r>
-                                <a:rPr lang="it-IT" sz="1125" b="1" i="1" smtClean="0">
+                                <a:rPr lang="it-IT" sz="1125" b="1" i="0" smtClean="0">
                                   <a:solidFill>
                                     <a:srgbClr val="727272"/>
                                   </a:solidFill>
                                   <a:latin typeface="Cambria Math" panose="02040503050406030204" pitchFamily="18" charset="0"/>
                                   <a:ea typeface="Cambria Math" panose="02040503050406030204" pitchFamily="18" charset="0"/>
                                 </a:rPr>
-                                <m:t>𝒕</m:t>
+                                <m:t>𝐭</m:t>
                               </m:r>
                             </m:e>
                           </m:d>
                         </m:e>
                       </m:d>
                       <m:r>
-                        <a:rPr lang="it-IT" sz="1125" b="1" i="1" smtClean="0">
+                        <a:rPr lang="it-IT" sz="1125" b="1" i="0" smtClean="0">
                           <a:solidFill>
                             <a:srgbClr val="727272"/>
                           </a:solidFill>
@@ -12807,7 +13641,7 @@
                       <m:f>
                         <m:fPr>
                           <m:ctrlPr>
-                            <a:rPr lang="it-IT" sz="1125" b="1" i="1" smtClean="0">
+                            <a:rPr lang="it-IT" sz="1125" b="1" smtClean="0">
                               <a:solidFill>
                                 <a:srgbClr val="727272"/>
                               </a:solidFill>
@@ -12820,7 +13654,7 @@
                           <m:func>
                             <m:funcPr>
                               <m:ctrlPr>
-                                <a:rPr lang="it-IT" sz="1125" b="1" i="1" smtClean="0">
+                                <a:rPr lang="it-IT" sz="1125" b="1" smtClean="0">
                                   <a:solidFill>
                                     <a:srgbClr val="727272"/>
                                   </a:solidFill>
@@ -12831,24 +13665,21 @@
                             </m:funcPr>
                             <m:fName>
                               <m:r>
-                                <m:rPr>
-                                  <m:sty m:val="p"/>
-                                </m:rPr>
-                                <a:rPr lang="it-IT" sz="1125" b="0" i="0" smtClean="0">
+                                <a:rPr lang="it-IT" sz="1125" b="1" i="0" smtClean="0">
                                   <a:solidFill>
                                     <a:srgbClr val="727272"/>
                                   </a:solidFill>
                                   <a:latin typeface="Cambria Math" panose="02040503050406030204" pitchFamily="18" charset="0"/>
                                   <a:ea typeface="Cambria Math" panose="02040503050406030204" pitchFamily="18" charset="0"/>
                                 </a:rPr>
-                                <m:t>tanh</m:t>
+                                <m:t>𝐭𝐚𝐧𝐡</m:t>
                               </m:r>
                             </m:fName>
                             <m:e>
                               <m:d>
                                 <m:dPr>
                                   <m:ctrlPr>
-                                    <a:rPr lang="it-IT" sz="1125" b="1" i="1" smtClean="0">
+                                    <a:rPr lang="it-IT" sz="1125" b="1" smtClean="0">
                                       <a:solidFill>
                                         <a:srgbClr val="727272"/>
                                       </a:solidFill>
@@ -12861,7 +13692,7 @@
                                   <m:sSub>
                                     <m:sSubPr>
                                       <m:ctrlPr>
-                                        <a:rPr lang="it-IT" sz="1125" b="1" i="1" smtClean="0">
+                                        <a:rPr lang="it-IT" sz="1125" b="1" smtClean="0">
                                           <a:solidFill>
                                             <a:srgbClr val="727272"/>
                                           </a:solidFill>
@@ -12872,33 +13703,33 @@
                                     </m:sSubPr>
                                     <m:e>
                                       <m:r>
-                                        <a:rPr lang="it-IT" sz="1125" b="1" i="1" smtClean="0">
+                                        <a:rPr lang="it-IT" sz="1125" b="1" i="0" smtClean="0">
                                           <a:solidFill>
                                             <a:srgbClr val="727272"/>
                                           </a:solidFill>
                                           <a:latin typeface="Cambria Math" panose="02040503050406030204" pitchFamily="18" charset="0"/>
                                           <a:ea typeface="Cambria Math" panose="02040503050406030204" pitchFamily="18" charset="0"/>
                                         </a:rPr>
-                                        <m:t>𝑬</m:t>
+                                        <m:t>𝐄</m:t>
                                       </m:r>
                                     </m:e>
                                     <m:sub>
                                       <m:r>
-                                        <a:rPr lang="it-IT" sz="1125" b="1" i="1" smtClean="0">
+                                        <a:rPr lang="it-IT" sz="1125" b="1" i="0" smtClean="0">
                                           <a:solidFill>
                                             <a:srgbClr val="727272"/>
                                           </a:solidFill>
                                           <a:latin typeface="Cambria Math" panose="02040503050406030204" pitchFamily="18" charset="0"/>
                                           <a:ea typeface="Cambria Math" panose="02040503050406030204" pitchFamily="18" charset="0"/>
                                         </a:rPr>
-                                        <m:t>𝒋</m:t>
+                                        <m:t>𝐣</m:t>
                                       </m:r>
                                     </m:sub>
                                   </m:sSub>
                                   <m:d>
                                     <m:dPr>
                                       <m:ctrlPr>
-                                        <a:rPr lang="it-IT" sz="1125" b="1" i="1" smtClean="0">
+                                        <a:rPr lang="it-IT" sz="1125" b="1" smtClean="0">
                                           <a:solidFill>
                                             <a:srgbClr val="727272"/>
                                           </a:solidFill>
@@ -12909,19 +13740,19 @@
                                     </m:dPr>
                                     <m:e>
                                       <m:r>
-                                        <a:rPr lang="it-IT" sz="1125" b="1" i="1" smtClean="0">
+                                        <a:rPr lang="it-IT" sz="1125" b="1" i="0" smtClean="0">
                                           <a:solidFill>
                                             <a:srgbClr val="727272"/>
                                           </a:solidFill>
                                           <a:latin typeface="Cambria Math" panose="02040503050406030204" pitchFamily="18" charset="0"/>
                                           <a:ea typeface="Cambria Math" panose="02040503050406030204" pitchFamily="18" charset="0"/>
                                         </a:rPr>
-                                        <m:t>𝒕</m:t>
+                                        <m:t>𝐭</m:t>
                                       </m:r>
                                     </m:e>
                                   </m:d>
                                   <m:r>
-                                    <a:rPr lang="it-IT" sz="1125" b="1" i="1" smtClean="0">
+                                    <a:rPr lang="it-IT" sz="1125" b="1" i="0" smtClean="0">
                                       <a:solidFill>
                                         <a:srgbClr val="727272"/>
                                       </a:solidFill>
@@ -12933,7 +13764,7 @@
                                   <m:sSup>
                                     <m:sSupPr>
                                       <m:ctrlPr>
-                                        <a:rPr lang="it-IT" sz="1125" b="1" i="1" smtClean="0">
+                                        <a:rPr lang="it-IT" sz="1125" b="1" smtClean="0">
                                           <a:solidFill>
                                             <a:srgbClr val="727272"/>
                                           </a:solidFill>
@@ -12944,19 +13775,19 @@
                                     </m:sSupPr>
                                     <m:e>
                                       <m:r>
-                                        <a:rPr lang="it-IT" sz="1125" b="1" i="1" smtClean="0">
+                                        <a:rPr lang="it-IT" sz="1125" b="1" i="0" smtClean="0">
                                           <a:solidFill>
                                             <a:srgbClr val="727272"/>
                                           </a:solidFill>
                                           <a:latin typeface="Cambria Math" panose="02040503050406030204" pitchFamily="18" charset="0"/>
                                           <a:ea typeface="Cambria Math" panose="02040503050406030204" pitchFamily="18" charset="0"/>
                                         </a:rPr>
-                                        <m:t>𝑬</m:t>
+                                        <m:t>𝐄</m:t>
                                       </m:r>
                                     </m:e>
                                     <m:sup>
                                       <m:r>
-                                        <a:rPr lang="it-IT" sz="1125" b="1" i="1" smtClean="0">
+                                        <a:rPr lang="it-IT" sz="1125" b="1" i="0" smtClean="0">
                                           <a:solidFill>
                                             <a:srgbClr val="727272"/>
                                           </a:solidFill>
@@ -12970,7 +13801,7 @@
                                 </m:e>
                               </m:d>
                               <m:r>
-                                <a:rPr lang="it-IT" sz="1125" b="1" i="1" smtClean="0">
+                                <a:rPr lang="it-IT" sz="1125" b="1" i="0" smtClean="0">
                                   <a:solidFill>
                                     <a:srgbClr val="727272"/>
                                   </a:solidFill>
@@ -12980,7 +13811,7 @@
                                 <m:t>+</m:t>
                               </m:r>
                               <m:r>
-                                <a:rPr lang="it-IT" sz="1125" b="1" i="1" smtClean="0">
+                                <a:rPr lang="it-IT" sz="1125" b="1" i="0" smtClean="0">
                                   <a:solidFill>
                                     <a:srgbClr val="727272"/>
                                   </a:solidFill>
@@ -12994,7 +13825,7 @@
                         </m:num>
                         <m:den>
                           <m:r>
-                            <a:rPr lang="it-IT" sz="1125" b="1" i="1" smtClean="0">
+                            <a:rPr lang="it-IT" sz="1125" b="1" i="0" smtClean="0">
                               <a:solidFill>
                                 <a:srgbClr val="727272"/>
                               </a:solidFill>
@@ -13268,22 +14099,22 @@
                       <m:sSup>
                         <m:sSupPr>
                           <m:ctrlPr>
-                            <a:rPr lang="it-IT" sz="1125" b="1" smtClean="0">
+                            <a:rPr lang="it-IT" sz="1125" b="1" i="1" smtClean="0">
                               <a:solidFill>
                                 <a:srgbClr val="727272"/>
                               </a:solidFill>
-                              <a:latin typeface="Verdana" panose="020B0604030504040204" pitchFamily="34" charset="0"/>
+                              <a:latin typeface="Cambria Math" panose="02040503050406030204" pitchFamily="18" charset="0"/>
                               <a:ea typeface="Verdana" panose="020B0604030504040204" pitchFamily="34" charset="0"/>
                             </a:rPr>
                           </m:ctrlPr>
                         </m:sSupPr>
                         <m:e>
                           <m:r>
-                            <a:rPr lang="it-IT" sz="1125" b="1">
+                            <a:rPr lang="it-IT" sz="1125" b="1" i="1">
                               <a:solidFill>
                                 <a:srgbClr val="727272"/>
                               </a:solidFill>
-                              <a:latin typeface="Verdana" panose="020B0604030504040204" pitchFamily="34" charset="0"/>
+                              <a:latin typeface="Cambria Math" panose="02040503050406030204" pitchFamily="18" charset="0"/>
                               <a:ea typeface="Verdana" panose="020B0604030504040204" pitchFamily="34" charset="0"/>
                             </a:rPr>
                             <m:t>𝑬</m:t>
@@ -13291,11 +14122,11 @@
                         </m:e>
                         <m:sup>
                           <m:r>
-                            <a:rPr lang="it-IT" sz="1125" b="1">
+                            <a:rPr lang="it-IT" sz="1125" b="1" i="1">
                               <a:solidFill>
                                 <a:srgbClr val="727272"/>
                               </a:solidFill>
-                              <a:latin typeface="Verdana" panose="020B0604030504040204" pitchFamily="34" charset="0"/>
+                              <a:latin typeface="Cambria Math" panose="02040503050406030204" pitchFamily="18" charset="0"/>
                               <a:ea typeface="Verdana" panose="020B0604030504040204" pitchFamily="34" charset="0"/>
                             </a:rPr>
                             <m:t>∗</m:t>
@@ -13303,7 +14134,7 @@
                         </m:sup>
                       </m:sSup>
                       <m:r>
-                        <a:rPr lang="it-IT" sz="1125" b="1" i="0" smtClean="0">
+                        <a:rPr lang="it-IT" sz="1125" b="1" i="1" smtClean="0">
                           <a:solidFill>
                             <a:srgbClr val="727272"/>
                           </a:solidFill>
@@ -13313,71 +14144,71 @@
                         <m:t>=</m:t>
                       </m:r>
                       <m:r>
-                        <a:rPr lang="it-IT" sz="1125" b="1">
+                        <a:rPr lang="it-IT" sz="1125" b="1" i="1">
                           <a:solidFill>
                             <a:srgbClr val="727272"/>
                           </a:solidFill>
-                          <a:latin typeface="Verdana" panose="020B0604030504040204" pitchFamily="34" charset="0"/>
+                          <a:latin typeface="Cambria Math" panose="02040503050406030204" pitchFamily="18" charset="0"/>
                           <a:ea typeface="Verdana" panose="020B0604030504040204" pitchFamily="34" charset="0"/>
                         </a:rPr>
                         <m:t> </m:t>
                       </m:r>
                       <m:r>
-                        <a:rPr lang="it-IT" sz="1125" b="1">
+                        <a:rPr lang="it-IT" sz="1125" b="1" i="1">
                           <a:solidFill>
                             <a:srgbClr val="727272"/>
                           </a:solidFill>
-                          <a:latin typeface="Verdana" panose="020B0604030504040204" pitchFamily="34" charset="0"/>
+                          <a:latin typeface="Cambria Math" panose="02040503050406030204" pitchFamily="18" charset="0"/>
                           <a:ea typeface="Verdana" panose="020B0604030504040204" pitchFamily="34" charset="0"/>
                         </a:rPr>
                         <m:t>𝒔𝒐𝒈𝒍𝒊𝒂</m:t>
                       </m:r>
                       <m:r>
-                        <a:rPr lang="it-IT" sz="1125" b="1">
+                        <a:rPr lang="it-IT" sz="1125" b="1" i="1">
                           <a:solidFill>
                             <a:srgbClr val="727272"/>
                           </a:solidFill>
-                          <a:latin typeface="Verdana" panose="020B0604030504040204" pitchFamily="34" charset="0"/>
+                          <a:latin typeface="Cambria Math" panose="02040503050406030204" pitchFamily="18" charset="0"/>
                           <a:ea typeface="Verdana" panose="020B0604030504040204" pitchFamily="34" charset="0"/>
                         </a:rPr>
                         <m:t> </m:t>
                       </m:r>
                       <m:r>
-                        <a:rPr lang="it-IT" sz="1125" b="1">
+                        <a:rPr lang="it-IT" sz="1125" b="1" i="1">
                           <a:solidFill>
                             <a:srgbClr val="727272"/>
                           </a:solidFill>
-                          <a:latin typeface="Verdana" panose="020B0604030504040204" pitchFamily="34" charset="0"/>
+                          <a:latin typeface="Cambria Math" panose="02040503050406030204" pitchFamily="18" charset="0"/>
                           <a:ea typeface="Verdana" panose="020B0604030504040204" pitchFamily="34" charset="0"/>
                         </a:rPr>
                         <m:t>𝒅𝒊</m:t>
                       </m:r>
                       <m:r>
-                        <a:rPr lang="it-IT" sz="1125" b="1">
+                        <a:rPr lang="it-IT" sz="1125" b="1" i="1">
                           <a:solidFill>
                             <a:srgbClr val="727272"/>
                           </a:solidFill>
-                          <a:latin typeface="Verdana" panose="020B0604030504040204" pitchFamily="34" charset="0"/>
+                          <a:latin typeface="Cambria Math" panose="02040503050406030204" pitchFamily="18" charset="0"/>
                           <a:ea typeface="Verdana" panose="020B0604030504040204" pitchFamily="34" charset="0"/>
                         </a:rPr>
                         <m:t> </m:t>
                       </m:r>
                       <m:r>
-                        <a:rPr lang="it-IT" sz="1125" b="1">
+                        <a:rPr lang="it-IT" sz="1125" b="1" i="1">
                           <a:solidFill>
                             <a:srgbClr val="727272"/>
                           </a:solidFill>
-                          <a:latin typeface="Verdana" panose="020B0604030504040204" pitchFamily="34" charset="0"/>
+                          <a:latin typeface="Cambria Math" panose="02040503050406030204" pitchFamily="18" charset="0"/>
                           <a:ea typeface="Verdana" panose="020B0604030504040204" pitchFamily="34" charset="0"/>
                         </a:rPr>
                         <m:t>𝒄𝒐𝒑𝒆𝒓𝒕𝒖𝒓𝒂</m:t>
                       </m:r>
                       <m:r>
-                        <a:rPr lang="it-IT" sz="1125" b="1">
+                        <a:rPr lang="it-IT" sz="1125" b="1" i="1">
                           <a:solidFill>
                             <a:srgbClr val="727272"/>
                           </a:solidFill>
-                          <a:latin typeface="Verdana" panose="020B0604030504040204" pitchFamily="34" charset="0"/>
+                          <a:latin typeface="Cambria Math" panose="02040503050406030204" pitchFamily="18" charset="0"/>
                           <a:ea typeface="Verdana" panose="020B0604030504040204" pitchFamily="34" charset="0"/>
                         </a:rPr>
                         <m:t> </m:t>
@@ -13385,22 +14216,22 @@
                       <m:d>
                         <m:dPr>
                           <m:ctrlPr>
-                            <a:rPr lang="it-IT" sz="1125" b="1">
+                            <a:rPr lang="it-IT" sz="1125" b="1" i="1">
                               <a:solidFill>
                                 <a:srgbClr val="727272"/>
                               </a:solidFill>
-                              <a:latin typeface="Verdana" panose="020B0604030504040204" pitchFamily="34" charset="0"/>
+                              <a:latin typeface="Cambria Math" panose="02040503050406030204" pitchFamily="18" charset="0"/>
                               <a:ea typeface="Verdana" panose="020B0604030504040204" pitchFamily="34" charset="0"/>
                             </a:rPr>
                           </m:ctrlPr>
                         </m:dPr>
                         <m:e>
                           <m:r>
-                            <a:rPr lang="it-IT" sz="1125" b="1">
+                            <a:rPr lang="it-IT" sz="1125" b="1" i="1">
                               <a:solidFill>
                                 <a:srgbClr val="727272"/>
                               </a:solidFill>
-                              <a:latin typeface="Verdana" panose="020B0604030504040204" pitchFamily="34" charset="0"/>
+                              <a:latin typeface="Cambria Math" panose="02040503050406030204" pitchFamily="18" charset="0"/>
                               <a:ea typeface="Verdana" panose="020B0604030504040204" pitchFamily="34" charset="0"/>
                             </a:rPr>
                             <m:t>𝑳𝑩</m:t>
@@ -13410,7 +14241,7 @@
                     </m:oMath>
                   </m:oMathPara>
                 </a14:m>
-                <a:endParaRPr lang="it-IT" sz="1125" b="1" dirty="0">
+                <a:endParaRPr lang="it-IT" sz="1125" b="1" i="1" dirty="0">
                   <a:solidFill>
                     <a:srgbClr val="727272"/>
                   </a:solidFill>
@@ -13488,7 +14319,7 @@
         </p:blipFill>
         <p:spPr>
           <a:xfrm>
-            <a:off x="4274826" y="1036887"/>
+            <a:off x="4274826" y="1120503"/>
             <a:ext cx="4248124" cy="2647189"/>
           </a:xfrm>
           <a:prstGeom prst="rect">
@@ -13544,8 +14375,8 @@
         </p:nvSpPr>
         <p:spPr>
           <a:xfrm>
-            <a:off x="1495133" y="332849"/>
-            <a:ext cx="8193322" cy="640944"/>
+            <a:off x="3801024" y="303845"/>
+            <a:ext cx="1541951" cy="483077"/>
           </a:xfrm>
         </p:spPr>
         <p:txBody>
@@ -13598,8 +14429,8 @@
           </a:p>
         </p:txBody>
       </p:sp>
-      <mc:AlternateContent xmlns:mc="http://schemas.openxmlformats.org/markup-compatibility/2006">
-        <mc:Choice xmlns:a14="http://schemas.microsoft.com/office/drawing/2010/main" Requires="a14">
+      <mc:AlternateContent xmlns:mc="http://schemas.openxmlformats.org/markup-compatibility/2006" xmlns:a14="http://schemas.microsoft.com/office/drawing/2010/main">
+        <mc:Choice Requires="a14">
           <p:sp>
             <p:nvSpPr>
               <p:cNvPr id="12" name="Segnaposto testo 5">
@@ -13966,7 +14797,7 @@
             </p:txBody>
           </p:sp>
         </mc:Choice>
-        <mc:Fallback>
+        <mc:Fallback xmlns="">
           <p:sp>
             <p:nvSpPr>
               <p:cNvPr id="12" name="Segnaposto testo 5">
@@ -14072,10 +14903,10 @@
       </p:grpSpPr>
       <p:sp>
         <p:nvSpPr>
-          <p:cNvPr id="2" name="Titolo 1">
+          <p:cNvPr id="3" name="Titolo 2">
             <a:extLst>
               <a:ext uri="{FF2B5EF4-FFF2-40B4-BE49-F238E27FC236}">
-                <a16:creationId xmlns:a16="http://schemas.microsoft.com/office/drawing/2014/main" id="{F87F85E0-7649-A68E-6513-C4555F085488}"/>
+                <a16:creationId xmlns:a16="http://schemas.microsoft.com/office/drawing/2014/main" id="{3C39F8EF-079C-0635-E0EB-307ECF0A1999}"/>
               </a:ext>
             </a:extLst>
           </p:cNvPr>
@@ -14086,47 +14917,25 @@
             <p:ph type="title"/>
           </p:nvPr>
         </p:nvSpPr>
-        <p:spPr/>
+        <p:spPr>
+          <a:xfrm>
+            <a:off x="2150818" y="276545"/>
+            <a:ext cx="4842363" cy="483077"/>
+          </a:xfrm>
+        </p:spPr>
         <p:txBody>
           <a:bodyPr/>
           <a:lstStyle/>
           <a:p>
             <a:r>
-              <a:rPr lang="it-IT" dirty="0"/>
-              <a:t>Formulazione matematica del problema</a:t>
+              <a:rPr lang="it-IT" sz="2000" dirty="0">
+                <a:solidFill>
+                  <a:srgbClr val="727272"/>
+                </a:solidFill>
+                <a:cs typeface="+mn-cs"/>
+              </a:rPr>
+              <a:t>Versione 1: ascesa del gradiente</a:t>
             </a:r>
-          </a:p>
-        </p:txBody>
-      </p:sp>
-      <p:sp>
-        <p:nvSpPr>
-          <p:cNvPr id="3" name="Segnaposto testo 2">
-            <a:extLst>
-              <a:ext uri="{FF2B5EF4-FFF2-40B4-BE49-F238E27FC236}">
-                <a16:creationId xmlns:a16="http://schemas.microsoft.com/office/drawing/2014/main" id="{F9D56A04-5725-EE22-9AA2-9392F72418B6}"/>
-              </a:ext>
-            </a:extLst>
-          </p:cNvPr>
-          <p:cNvSpPr>
-            <a:spLocks noGrp="1"/>
-          </p:cNvSpPr>
-          <p:nvPr>
-            <p:ph type="body" sz="half" idx="2"/>
-          </p:nvPr>
-        </p:nvSpPr>
-        <p:spPr>
-          <a:xfrm>
-            <a:off x="714380" y="4618136"/>
-            <a:ext cx="2242583" cy="218190"/>
-          </a:xfrm>
-        </p:spPr>
-        <p:txBody>
-          <a:bodyPr>
-            <a:normAutofit fontScale="92500" lnSpcReduction="10000"/>
-          </a:bodyPr>
-          <a:lstStyle/>
-          <a:p>
-            <a:endParaRPr lang="it-IT" dirty="0"/>
           </a:p>
         </p:txBody>
       </p:sp>
@@ -14135,87 +14944,7 @@
           <p:cNvPr id="4" name="Segnaposto testo 3">
             <a:extLst>
               <a:ext uri="{FF2B5EF4-FFF2-40B4-BE49-F238E27FC236}">
-                <a16:creationId xmlns:a16="http://schemas.microsoft.com/office/drawing/2014/main" id="{D27C546E-C5CB-DCC3-2C34-F6788D8C8476}"/>
-              </a:ext>
-            </a:extLst>
-          </p:cNvPr>
-          <p:cNvSpPr>
-            <a:spLocks noGrp="1"/>
-          </p:cNvSpPr>
-          <p:nvPr>
-            <p:ph type="body" sz="half" idx="10"/>
-          </p:nvPr>
-        </p:nvSpPr>
-        <p:spPr>
-          <a:xfrm>
-            <a:off x="3408447" y="3910818"/>
-            <a:ext cx="2327115" cy="925508"/>
-          </a:xfrm>
-        </p:spPr>
-        <p:txBody>
-          <a:bodyPr/>
-          <a:lstStyle/>
-          <a:p>
-            <a:endParaRPr lang="it-IT" dirty="0"/>
-          </a:p>
-        </p:txBody>
-      </p:sp>
-      <p:sp>
-        <p:nvSpPr>
-          <p:cNvPr id="8" name="Segnaposto testo 7">
-            <a:extLst>
-              <a:ext uri="{FF2B5EF4-FFF2-40B4-BE49-F238E27FC236}">
-                <a16:creationId xmlns:a16="http://schemas.microsoft.com/office/drawing/2014/main" id="{1A453966-93BF-5ED0-037E-6EBF39B01BF6}"/>
-              </a:ext>
-            </a:extLst>
-          </p:cNvPr>
-          <p:cNvSpPr>
-            <a:spLocks noGrp="1"/>
-          </p:cNvSpPr>
-          <p:nvPr>
-            <p:ph type="body" sz="quarter" idx="16"/>
-          </p:nvPr>
-        </p:nvSpPr>
-        <p:spPr/>
-        <p:txBody>
-          <a:bodyPr/>
-          <a:lstStyle/>
-          <a:p>
-            <a:endParaRPr lang="it-IT"/>
-          </a:p>
-        </p:txBody>
-      </p:sp>
-      <p:sp>
-        <p:nvSpPr>
-          <p:cNvPr id="5" name="Segnaposto testo 4">
-            <a:extLst>
-              <a:ext uri="{FF2B5EF4-FFF2-40B4-BE49-F238E27FC236}">
-                <a16:creationId xmlns:a16="http://schemas.microsoft.com/office/drawing/2014/main" id="{643A5C7E-87C8-C8B0-C4E0-8614F2BBBCA8}"/>
-              </a:ext>
-            </a:extLst>
-          </p:cNvPr>
-          <p:cNvSpPr>
-            <a:spLocks noGrp="1"/>
-          </p:cNvSpPr>
-          <p:nvPr>
-            <p:ph type="body" sz="half" idx="11"/>
-          </p:nvPr>
-        </p:nvSpPr>
-        <p:spPr/>
-        <p:txBody>
-          <a:bodyPr/>
-          <a:lstStyle/>
-          <a:p>
-            <a:endParaRPr lang="it-IT" dirty="0"/>
-          </a:p>
-        </p:txBody>
-      </p:sp>
-      <p:sp>
-        <p:nvSpPr>
-          <p:cNvPr id="9" name="Segnaposto testo 8">
-            <a:extLst>
-              <a:ext uri="{FF2B5EF4-FFF2-40B4-BE49-F238E27FC236}">
-                <a16:creationId xmlns:a16="http://schemas.microsoft.com/office/drawing/2014/main" id="{610E58B2-807C-0F9D-F674-7D69F9FEFE9C}"/>
+                <a16:creationId xmlns:a16="http://schemas.microsoft.com/office/drawing/2014/main" id="{FA2625F9-0BB8-F254-5575-2691C4992EBE}"/>
               </a:ext>
               <a:ext uri="{C183D7F6-B498-43B3-948B-1728B52AA6E4}">
                 <adec:decorative xmlns:adec="http://schemas.microsoft.com/office/drawing/2017/decorative" val="1"/>
@@ -14236,65 +14965,263 @@
           <a:p>
             <a:r>
               <a:rPr lang="it-IT" dirty="0"/>
-              <a:t>Formilazione matematica del problema</a:t>
+              <a:t>Algoritmi</a:t>
             </a:r>
+          </a:p>
+          <a:p>
+            <a:endParaRPr lang="it-IT" dirty="0"/>
           </a:p>
         </p:txBody>
       </p:sp>
-      <p:sp>
-        <p:nvSpPr>
-          <p:cNvPr id="13" name="Segnaposto testo 12">
+      <p:pic>
+        <p:nvPicPr>
+          <p:cNvPr id="6" name="Immagine 5" descr="Immagine che contiene testo, schermata, Carattere, linea&#10;&#10;Descrizione generata automaticamente">
             <a:extLst>
               <a:ext uri="{FF2B5EF4-FFF2-40B4-BE49-F238E27FC236}">
-                <a16:creationId xmlns:a16="http://schemas.microsoft.com/office/drawing/2014/main" id="{799E01A4-4678-6C9A-C0FA-E849B0DD23F9}"/>
+                <a16:creationId xmlns:a16="http://schemas.microsoft.com/office/drawing/2014/main" id="{6A9FDD90-8D47-BA94-E72A-331E62D74496}"/>
               </a:ext>
             </a:extLst>
           </p:cNvPr>
-          <p:cNvSpPr>
-            <a:spLocks noGrp="1"/>
-          </p:cNvSpPr>
-          <p:nvPr>
-            <p:ph type="body" sz="quarter" idx="13"/>
-          </p:nvPr>
-        </p:nvSpPr>
-        <p:spPr/>
-        <p:txBody>
-          <a:bodyPr/>
-          <a:lstStyle/>
-          <a:p>
-            <a:endParaRPr lang="it-IT"/>
-          </a:p>
-        </p:txBody>
-      </p:sp>
-      <p:sp>
-        <p:nvSpPr>
-          <p:cNvPr id="15" name="Segnaposto testo 14">
-            <a:extLst>
-              <a:ext uri="{FF2B5EF4-FFF2-40B4-BE49-F238E27FC236}">
-                <a16:creationId xmlns:a16="http://schemas.microsoft.com/office/drawing/2014/main" id="{4A461DF3-53A5-4993-0D89-A1F25C620BE1}"/>
-              </a:ext>
-            </a:extLst>
-          </p:cNvPr>
-          <p:cNvSpPr>
-            <a:spLocks noGrp="1"/>
-          </p:cNvSpPr>
-          <p:nvPr>
-            <p:ph type="body" sz="quarter" idx="15"/>
-          </p:nvPr>
-        </p:nvSpPr>
-        <p:spPr/>
-        <p:txBody>
-          <a:bodyPr/>
-          <a:lstStyle/>
-          <a:p>
-            <a:endParaRPr lang="it-IT"/>
-          </a:p>
-        </p:txBody>
-      </p:sp>
+          <p:cNvPicPr>
+            <a:picLocks noChangeAspect="1"/>
+          </p:cNvPicPr>
+          <p:nvPr/>
+        </p:nvPicPr>
+        <p:blipFill rotWithShape="1">
+          <a:blip r:embed="rId2"/>
+          <a:srcRect l="1021" r="1419"/>
+          <a:stretch/>
+        </p:blipFill>
+        <p:spPr>
+          <a:xfrm>
+            <a:off x="914637" y="882114"/>
+            <a:ext cx="7314724" cy="3223693"/>
+          </a:xfrm>
+          <a:prstGeom prst="rect">
+            <a:avLst/>
+          </a:prstGeom>
+        </p:spPr>
+      </p:pic>
+      <mc:AlternateContent xmlns:mc="http://schemas.openxmlformats.org/markup-compatibility/2006">
+        <mc:Choice xmlns:a14="http://schemas.microsoft.com/office/drawing/2010/main" Requires="a14">
+          <p:sp>
+            <p:nvSpPr>
+              <p:cNvPr id="8" name="CasellaDiTesto 7">
+                <a:extLst>
+                  <a:ext uri="{FF2B5EF4-FFF2-40B4-BE49-F238E27FC236}">
+                    <a16:creationId xmlns:a16="http://schemas.microsoft.com/office/drawing/2014/main" id="{9A5A615F-29EE-9730-21AC-5B8008250A06}"/>
+                  </a:ext>
+                </a:extLst>
+              </p:cNvPr>
+              <p:cNvSpPr txBox="1"/>
+              <p:nvPr/>
+            </p:nvSpPr>
+            <p:spPr>
+              <a:xfrm>
+                <a:off x="246588" y="4321517"/>
+                <a:ext cx="5049898" cy="397032"/>
+              </a:xfrm>
+              <a:prstGeom prst="rect">
+                <a:avLst/>
+              </a:prstGeom>
+              <a:noFill/>
+            </p:spPr>
+            <p:txBody>
+              <a:bodyPr wrap="square">
+                <a:spAutoFit/>
+              </a:bodyPr>
+              <a:lstStyle/>
+              <a:p>
+                <a:pPr marL="0" indent="0">
+                  <a:lnSpc>
+                    <a:spcPct val="110000"/>
+                  </a:lnSpc>
+                  <a:buNone/>
+                </a:pPr>
+                <a14:m>
+                  <m:oMathPara xmlns:m="http://schemas.openxmlformats.org/officeDocument/2006/math">
+                    <m:oMathParaPr>
+                      <m:jc m:val="left"/>
+                    </m:oMathParaPr>
+                    <m:oMath xmlns:m="http://schemas.openxmlformats.org/officeDocument/2006/math">
+                      <m:r>
+                        <a:rPr lang="it-IT" sz="1800" b="1" i="1" smtClean="0">
+                          <a:solidFill>
+                            <a:srgbClr val="727272"/>
+                          </a:solidFill>
+                          <a:latin typeface="Cambria Math" panose="02040503050406030204" pitchFamily="18" charset="0"/>
+                          <a:ea typeface="Verdana" panose="020B0604030504040204" pitchFamily="34" charset="0"/>
+                          <a:cs typeface="Verdana" panose="020B0604030504040204" pitchFamily="34" charset="0"/>
+                        </a:rPr>
+                        <m:t>𝑷𝒓𝒐𝒃𝒍𝒆𝒎𝒂</m:t>
+                      </m:r>
+                      <m:r>
+                        <a:rPr lang="it-IT" sz="1800" b="1" i="1" smtClean="0">
+                          <a:solidFill>
+                            <a:srgbClr val="727272"/>
+                          </a:solidFill>
+                          <a:latin typeface="Cambria Math" panose="02040503050406030204" pitchFamily="18" charset="0"/>
+                          <a:ea typeface="Verdana" panose="020B0604030504040204" pitchFamily="34" charset="0"/>
+                          <a:cs typeface="Verdana" panose="020B0604030504040204" pitchFamily="34" charset="0"/>
+                        </a:rPr>
+                        <m:t> </m:t>
+                      </m:r>
+                      <m:r>
+                        <a:rPr lang="it-IT" sz="1800" b="1" i="1" smtClean="0">
+                          <a:solidFill>
+                            <a:srgbClr val="727272"/>
+                          </a:solidFill>
+                          <a:latin typeface="Cambria Math" panose="02040503050406030204" pitchFamily="18" charset="0"/>
+                          <a:ea typeface="Verdana" panose="020B0604030504040204" pitchFamily="34" charset="0"/>
+                          <a:cs typeface="Verdana" panose="020B0604030504040204" pitchFamily="34" charset="0"/>
+                        </a:rPr>
+                        <m:t>𝒅𝒆𝒍𝒍𝒂</m:t>
+                      </m:r>
+                      <m:r>
+                        <a:rPr lang="it-IT" sz="1800" b="1" i="1" smtClean="0">
+                          <a:solidFill>
+                            <a:srgbClr val="727272"/>
+                          </a:solidFill>
+                          <a:latin typeface="Cambria Math" panose="02040503050406030204" pitchFamily="18" charset="0"/>
+                          <a:ea typeface="Verdana" panose="020B0604030504040204" pitchFamily="34" charset="0"/>
+                          <a:cs typeface="Verdana" panose="020B0604030504040204" pitchFamily="34" charset="0"/>
+                        </a:rPr>
+                        <m:t> </m:t>
+                      </m:r>
+                      <m:r>
+                        <a:rPr lang="it-IT" sz="1800" b="1" i="1" smtClean="0">
+                          <a:solidFill>
+                            <a:srgbClr val="727272"/>
+                          </a:solidFill>
+                          <a:latin typeface="Cambria Math" panose="02040503050406030204" pitchFamily="18" charset="0"/>
+                          <a:ea typeface="Verdana" panose="020B0604030504040204" pitchFamily="34" charset="0"/>
+                          <a:cs typeface="Verdana" panose="020B0604030504040204" pitchFamily="34" charset="0"/>
+                        </a:rPr>
+                        <m:t>𝒄𝒐𝒍𝒍𝒊𝒔𝒊𝒐𝒏𝒆</m:t>
+                      </m:r>
+                      <m:r>
+                        <a:rPr lang="it-IT" sz="1800" b="1" i="1" smtClean="0">
+                          <a:solidFill>
+                            <a:srgbClr val="727272"/>
+                          </a:solidFill>
+                          <a:latin typeface="Cambria Math" panose="02040503050406030204" pitchFamily="18" charset="0"/>
+                          <a:ea typeface="Verdana" panose="020B0604030504040204" pitchFamily="34" charset="0"/>
+                          <a:cs typeface="Verdana" panose="020B0604030504040204" pitchFamily="34" charset="0"/>
+                        </a:rPr>
+                        <m:t> </m:t>
+                      </m:r>
+                      <m:r>
+                        <a:rPr lang="it-IT" sz="1800" b="1" i="1" smtClean="0">
+                          <a:solidFill>
+                            <a:srgbClr val="727272"/>
+                          </a:solidFill>
+                          <a:latin typeface="Cambria Math" panose="02040503050406030204" pitchFamily="18" charset="0"/>
+                          <a:ea typeface="Verdana" panose="020B0604030504040204" pitchFamily="34" charset="0"/>
+                          <a:cs typeface="Verdana" panose="020B0604030504040204" pitchFamily="34" charset="0"/>
+                        </a:rPr>
+                        <m:t>𝒕𝒓𝒂</m:t>
+                      </m:r>
+                      <m:r>
+                        <a:rPr lang="it-IT" sz="1800" b="1" i="1" smtClean="0">
+                          <a:solidFill>
+                            <a:srgbClr val="727272"/>
+                          </a:solidFill>
+                          <a:latin typeface="Cambria Math" panose="02040503050406030204" pitchFamily="18" charset="0"/>
+                          <a:ea typeface="Verdana" panose="020B0604030504040204" pitchFamily="34" charset="0"/>
+                          <a:cs typeface="Verdana" panose="020B0604030504040204" pitchFamily="34" charset="0"/>
+                        </a:rPr>
+                        <m:t> </m:t>
+                      </m:r>
+                      <m:r>
+                        <a:rPr lang="it-IT" sz="1800" b="1" i="1" smtClean="0">
+                          <a:solidFill>
+                            <a:srgbClr val="727272"/>
+                          </a:solidFill>
+                          <a:latin typeface="Cambria Math" panose="02040503050406030204" pitchFamily="18" charset="0"/>
+                          <a:ea typeface="Verdana" panose="020B0604030504040204" pitchFamily="34" charset="0"/>
+                          <a:cs typeface="Verdana" panose="020B0604030504040204" pitchFamily="34" charset="0"/>
+                        </a:rPr>
+                        <m:t>𝒈𝒍𝒊</m:t>
+                      </m:r>
+                      <m:r>
+                        <a:rPr lang="it-IT" sz="1800" b="1" i="1" smtClean="0">
+                          <a:solidFill>
+                            <a:srgbClr val="727272"/>
+                          </a:solidFill>
+                          <a:latin typeface="Cambria Math" panose="02040503050406030204" pitchFamily="18" charset="0"/>
+                          <a:ea typeface="Verdana" panose="020B0604030504040204" pitchFamily="34" charset="0"/>
+                          <a:cs typeface="Verdana" panose="020B0604030504040204" pitchFamily="34" charset="0"/>
+                        </a:rPr>
+                        <m:t> </m:t>
+                      </m:r>
+                      <m:r>
+                        <a:rPr lang="it-IT" sz="1800" b="1" i="1" smtClean="0">
+                          <a:solidFill>
+                            <a:srgbClr val="727272"/>
+                          </a:solidFill>
+                          <a:latin typeface="Cambria Math" panose="02040503050406030204" pitchFamily="18" charset="0"/>
+                          <a:ea typeface="Verdana" panose="020B0604030504040204" pitchFamily="34" charset="0"/>
+                          <a:cs typeface="Verdana" panose="020B0604030504040204" pitchFamily="34" charset="0"/>
+                        </a:rPr>
+                        <m:t>𝒂𝒈𝒆𝒏𝒕𝒊</m:t>
+                      </m:r>
+                    </m:oMath>
+                  </m:oMathPara>
+                </a14:m>
+                <a:endParaRPr lang="it-IT" dirty="0"/>
+              </a:p>
+            </p:txBody>
+          </p:sp>
+        </mc:Choice>
+        <mc:Fallback>
+          <p:sp>
+            <p:nvSpPr>
+              <p:cNvPr id="8" name="CasellaDiTesto 7">
+                <a:extLst>
+                  <a:ext uri="{FF2B5EF4-FFF2-40B4-BE49-F238E27FC236}">
+                    <a16:creationId xmlns:a16="http://schemas.microsoft.com/office/drawing/2014/main" id="{9A5A615F-29EE-9730-21AC-5B8008250A06}"/>
+                  </a:ext>
+                </a:extLst>
+              </p:cNvPr>
+              <p:cNvSpPr txBox="1">
+                <a:spLocks noRot="1" noChangeAspect="1" noMove="1" noResize="1" noEditPoints="1" noAdjustHandles="1" noChangeArrowheads="1" noChangeShapeType="1" noTextEdit="1"/>
+              </p:cNvSpPr>
+              <p:nvPr/>
+            </p:nvSpPr>
+            <p:spPr>
+              <a:xfrm>
+                <a:off x="246588" y="4321517"/>
+                <a:ext cx="5049898" cy="397032"/>
+              </a:xfrm>
+              <a:prstGeom prst="rect">
+                <a:avLst/>
+              </a:prstGeom>
+              <a:blipFill>
+                <a:blip r:embed="rId3"/>
+                <a:stretch>
+                  <a:fillRect b="-9231"/>
+                </a:stretch>
+              </a:blipFill>
+            </p:spPr>
+            <p:txBody>
+              <a:bodyPr/>
+              <a:lstStyle/>
+              <a:p>
+                <a:r>
+                  <a:rPr lang="it-IT">
+                    <a:noFill/>
+                  </a:rPr>
+                  <a:t> </a:t>
+                </a:r>
+              </a:p>
+            </p:txBody>
+          </p:sp>
+        </mc:Fallback>
+      </mc:AlternateContent>
     </p:spTree>
     <p:extLst>
       <p:ext uri="{BB962C8B-B14F-4D97-AF65-F5344CB8AC3E}">
-        <p14:creationId xmlns:p14="http://schemas.microsoft.com/office/powerpoint/2010/main" val="1600044437"/>
+        <p14:creationId xmlns:p14="http://schemas.microsoft.com/office/powerpoint/2010/main" val="1545720357"/>
       </p:ext>
     </p:extLst>
   </p:cSld>
@@ -14323,35 +15250,10 @@
       </p:grpSpPr>
       <p:sp>
         <p:nvSpPr>
-          <p:cNvPr id="2" name="Segnaposto immagine 1">
-            <a:extLst>
-              <a:ext uri="{FF2B5EF4-FFF2-40B4-BE49-F238E27FC236}">
-                <a16:creationId xmlns:a16="http://schemas.microsoft.com/office/drawing/2014/main" id="{670F7EB7-96F3-D892-8037-57F1D6BFD9A1}"/>
-              </a:ext>
-            </a:extLst>
-          </p:cNvPr>
-          <p:cNvSpPr>
-            <a:spLocks noGrp="1"/>
-          </p:cNvSpPr>
-          <p:nvPr>
-            <p:ph type="pic" sz="quarter" idx="10"/>
-          </p:nvPr>
-        </p:nvSpPr>
-        <p:spPr/>
-        <p:txBody>
-          <a:bodyPr/>
-          <a:lstStyle/>
-          <a:p>
-            <a:endParaRPr lang="it-IT"/>
-          </a:p>
-        </p:txBody>
-      </p:sp>
-      <p:sp>
-        <p:nvSpPr>
           <p:cNvPr id="3" name="Titolo 2">
             <a:extLst>
               <a:ext uri="{FF2B5EF4-FFF2-40B4-BE49-F238E27FC236}">
-                <a16:creationId xmlns:a16="http://schemas.microsoft.com/office/drawing/2014/main" id="{FC570540-EA48-8ACD-77F6-33D12D722D25}"/>
+                <a16:creationId xmlns:a16="http://schemas.microsoft.com/office/drawing/2014/main" id="{3C39F8EF-079C-0635-E0EB-307ECF0A1999}"/>
               </a:ext>
             </a:extLst>
           </p:cNvPr>
@@ -14362,12 +15264,25 @@
             <p:ph type="title"/>
           </p:nvPr>
         </p:nvSpPr>
-        <p:spPr/>
+        <p:spPr>
+          <a:xfrm>
+            <a:off x="1728988" y="276630"/>
+            <a:ext cx="5686021" cy="483077"/>
+          </a:xfrm>
+        </p:spPr>
         <p:txBody>
           <a:bodyPr/>
           <a:lstStyle/>
           <a:p>
-            <a:endParaRPr lang="it-IT"/>
+            <a:r>
+              <a:rPr lang="it-IT" sz="2000" dirty="0">
+                <a:solidFill>
+                  <a:srgbClr val="727272"/>
+                </a:solidFill>
+                <a:cs typeface="+mn-cs"/>
+              </a:rPr>
+              <a:t>Versione 2: aggiunta moto Browniano</a:t>
+            </a:r>
           </a:p>
         </p:txBody>
       </p:sp>
@@ -14376,7 +15291,10 @@
           <p:cNvPr id="4" name="Segnaposto testo 3">
             <a:extLst>
               <a:ext uri="{FF2B5EF4-FFF2-40B4-BE49-F238E27FC236}">
-                <a16:creationId xmlns:a16="http://schemas.microsoft.com/office/drawing/2014/main" id="{A0356F0E-C03E-698B-FA95-5EE08052C10A}"/>
+                <a16:creationId xmlns:a16="http://schemas.microsoft.com/office/drawing/2014/main" id="{FA2625F9-0BB8-F254-5575-2691C4992EBE}"/>
+              </a:ext>
+              <a:ext uri="{C183D7F6-B498-43B3-948B-1728B52AA6E4}">
+                <adec:decorative xmlns:adec="http://schemas.microsoft.com/office/drawing/2017/decorative" val="1"/>
               </a:ext>
             </a:extLst>
           </p:cNvPr>
@@ -14392,39 +15310,1193 @@
           <a:bodyPr/>
           <a:lstStyle/>
           <a:p>
-            <a:endParaRPr lang="it-IT"/>
+            <a:r>
+              <a:rPr lang="it-IT" dirty="0"/>
+              <a:t>Algoritmi</a:t>
+            </a:r>
           </a:p>
-        </p:txBody>
-      </p:sp>
-      <p:sp>
-        <p:nvSpPr>
-          <p:cNvPr id="5" name="Segnaposto testo 4">
-            <a:extLst>
-              <a:ext uri="{FF2B5EF4-FFF2-40B4-BE49-F238E27FC236}">
-                <a16:creationId xmlns:a16="http://schemas.microsoft.com/office/drawing/2014/main" id="{686EF00E-BA1E-24D5-8A2D-E9B7D811CA91}"/>
-              </a:ext>
-            </a:extLst>
-          </p:cNvPr>
-          <p:cNvSpPr>
-            <a:spLocks noGrp="1"/>
-          </p:cNvSpPr>
-          <p:nvPr>
-            <p:ph type="body" sz="quarter" idx="11"/>
-          </p:nvPr>
-        </p:nvSpPr>
-        <p:spPr/>
-        <p:txBody>
-          <a:bodyPr/>
-          <a:lstStyle/>
           <a:p>
             <a:endParaRPr lang="it-IT" dirty="0"/>
           </a:p>
         </p:txBody>
       </p:sp>
+      <p:pic>
+        <p:nvPicPr>
+          <p:cNvPr id="5" name="Immagine 4" descr="Immagine che contiene testo, schermata, schermo, Carattere&#10;&#10;Descrizione generata automaticamente">
+            <a:extLst>
+              <a:ext uri="{FF2B5EF4-FFF2-40B4-BE49-F238E27FC236}">
+                <a16:creationId xmlns:a16="http://schemas.microsoft.com/office/drawing/2014/main" id="{3B309CC1-0735-863A-F658-461D52CCD47D}"/>
+              </a:ext>
+            </a:extLst>
+          </p:cNvPr>
+          <p:cNvPicPr>
+            <a:picLocks noChangeAspect="1"/>
+          </p:cNvPicPr>
+          <p:nvPr/>
+        </p:nvPicPr>
+        <p:blipFill>
+          <a:blip r:embed="rId2"/>
+          <a:stretch>
+            <a:fillRect/>
+          </a:stretch>
+        </p:blipFill>
+        <p:spPr>
+          <a:xfrm>
+            <a:off x="3331047" y="2130377"/>
+            <a:ext cx="5728546" cy="2740889"/>
+          </a:xfrm>
+          <a:prstGeom prst="rect">
+            <a:avLst/>
+          </a:prstGeom>
+        </p:spPr>
+      </p:pic>
+      <mc:AlternateContent xmlns:mc="http://schemas.openxmlformats.org/markup-compatibility/2006">
+        <mc:Choice xmlns:a14="http://schemas.microsoft.com/office/drawing/2010/main" Requires="a14">
+          <p:sp>
+            <p:nvSpPr>
+              <p:cNvPr id="7" name="Segnaposto testo 5">
+                <a:extLst>
+                  <a:ext uri="{FF2B5EF4-FFF2-40B4-BE49-F238E27FC236}">
+                    <a16:creationId xmlns:a16="http://schemas.microsoft.com/office/drawing/2014/main" id="{42B8622F-76FF-A8FC-E342-9690CB458867}"/>
+                  </a:ext>
+                </a:extLst>
+              </p:cNvPr>
+              <p:cNvSpPr txBox="1">
+                <a:spLocks/>
+              </p:cNvSpPr>
+              <p:nvPr/>
+            </p:nvSpPr>
+            <p:spPr>
+              <a:xfrm>
+                <a:off x="246588" y="926743"/>
+                <a:ext cx="3246640" cy="3840480"/>
+              </a:xfrm>
+              <a:prstGeom prst="rect">
+                <a:avLst/>
+              </a:prstGeom>
+            </p:spPr>
+            <p:txBody>
+              <a:bodyPr>
+                <a:normAutofit/>
+              </a:bodyPr>
+              <a:lstStyle>
+                <a:lvl1pPr marL="171450" indent="-171450" algn="l" defTabSz="685800" rtl="0" eaLnBrk="1" latinLnBrk="0" hangingPunct="1">
+                  <a:lnSpc>
+                    <a:spcPct val="90000"/>
+                  </a:lnSpc>
+                  <a:spcBef>
+                    <a:spcPts val="750"/>
+                  </a:spcBef>
+                  <a:buFont typeface="Arial" panose="020B0604020202020204" pitchFamily="34" charset="0"/>
+                  <a:buChar char="•"/>
+                  <a:defRPr sz="2100" kern="1200">
+                    <a:solidFill>
+                      <a:schemeClr val="tx1"/>
+                    </a:solidFill>
+                    <a:latin typeface="+mn-lt"/>
+                    <a:ea typeface="+mn-ea"/>
+                    <a:cs typeface="+mn-cs"/>
+                  </a:defRPr>
+                </a:lvl1pPr>
+                <a:lvl2pPr marL="514350" indent="-171450" algn="l" defTabSz="685800" rtl="0" eaLnBrk="1" latinLnBrk="0" hangingPunct="1">
+                  <a:lnSpc>
+                    <a:spcPct val="90000"/>
+                  </a:lnSpc>
+                  <a:spcBef>
+                    <a:spcPts val="375"/>
+                  </a:spcBef>
+                  <a:buFont typeface="Arial" panose="020B0604020202020204" pitchFamily="34" charset="0"/>
+                  <a:buChar char="•"/>
+                  <a:defRPr sz="1800" kern="1200">
+                    <a:solidFill>
+                      <a:schemeClr val="tx1"/>
+                    </a:solidFill>
+                    <a:latin typeface="+mn-lt"/>
+                    <a:ea typeface="+mn-ea"/>
+                    <a:cs typeface="+mn-cs"/>
+                  </a:defRPr>
+                </a:lvl2pPr>
+                <a:lvl3pPr marL="857250" indent="-171450" algn="l" defTabSz="685800" rtl="0" eaLnBrk="1" latinLnBrk="0" hangingPunct="1">
+                  <a:lnSpc>
+                    <a:spcPct val="90000"/>
+                  </a:lnSpc>
+                  <a:spcBef>
+                    <a:spcPts val="375"/>
+                  </a:spcBef>
+                  <a:buFont typeface="Arial" panose="020B0604020202020204" pitchFamily="34" charset="0"/>
+                  <a:buChar char="•"/>
+                  <a:defRPr sz="1500" kern="1200">
+                    <a:solidFill>
+                      <a:schemeClr val="tx1"/>
+                    </a:solidFill>
+                    <a:latin typeface="+mn-lt"/>
+                    <a:ea typeface="+mn-ea"/>
+                    <a:cs typeface="+mn-cs"/>
+                  </a:defRPr>
+                </a:lvl3pPr>
+                <a:lvl4pPr marL="1200150" indent="-171450" algn="l" defTabSz="685800" rtl="0" eaLnBrk="1" latinLnBrk="0" hangingPunct="1">
+                  <a:lnSpc>
+                    <a:spcPct val="90000"/>
+                  </a:lnSpc>
+                  <a:spcBef>
+                    <a:spcPts val="375"/>
+                  </a:spcBef>
+                  <a:buFont typeface="Arial" panose="020B0604020202020204" pitchFamily="34" charset="0"/>
+                  <a:buChar char="•"/>
+                  <a:defRPr sz="1350" kern="1200">
+                    <a:solidFill>
+                      <a:schemeClr val="tx1"/>
+                    </a:solidFill>
+                    <a:latin typeface="+mn-lt"/>
+                    <a:ea typeface="+mn-ea"/>
+                    <a:cs typeface="+mn-cs"/>
+                  </a:defRPr>
+                </a:lvl4pPr>
+                <a:lvl5pPr marL="1543050" indent="-171450" algn="l" defTabSz="685800" rtl="0" eaLnBrk="1" latinLnBrk="0" hangingPunct="1">
+                  <a:lnSpc>
+                    <a:spcPct val="90000"/>
+                  </a:lnSpc>
+                  <a:spcBef>
+                    <a:spcPts val="375"/>
+                  </a:spcBef>
+                  <a:buFont typeface="Arial" panose="020B0604020202020204" pitchFamily="34" charset="0"/>
+                  <a:buChar char="•"/>
+                  <a:defRPr sz="1350" kern="1200">
+                    <a:solidFill>
+                      <a:schemeClr val="tx1"/>
+                    </a:solidFill>
+                    <a:latin typeface="+mn-lt"/>
+                    <a:ea typeface="+mn-ea"/>
+                    <a:cs typeface="+mn-cs"/>
+                  </a:defRPr>
+                </a:lvl5pPr>
+                <a:lvl6pPr marL="1885950" indent="-171450" algn="l" defTabSz="685800" rtl="0" eaLnBrk="1" latinLnBrk="0" hangingPunct="1">
+                  <a:lnSpc>
+                    <a:spcPct val="90000"/>
+                  </a:lnSpc>
+                  <a:spcBef>
+                    <a:spcPts val="375"/>
+                  </a:spcBef>
+                  <a:buFont typeface="Arial" panose="020B0604020202020204" pitchFamily="34" charset="0"/>
+                  <a:buChar char="•"/>
+                  <a:defRPr sz="1350" kern="1200">
+                    <a:solidFill>
+                      <a:schemeClr val="tx1"/>
+                    </a:solidFill>
+                    <a:latin typeface="+mn-lt"/>
+                    <a:ea typeface="+mn-ea"/>
+                    <a:cs typeface="+mn-cs"/>
+                  </a:defRPr>
+                </a:lvl6pPr>
+                <a:lvl7pPr marL="2228850" indent="-171450" algn="l" defTabSz="685800" rtl="0" eaLnBrk="1" latinLnBrk="0" hangingPunct="1">
+                  <a:lnSpc>
+                    <a:spcPct val="90000"/>
+                  </a:lnSpc>
+                  <a:spcBef>
+                    <a:spcPts val="375"/>
+                  </a:spcBef>
+                  <a:buFont typeface="Arial" panose="020B0604020202020204" pitchFamily="34" charset="0"/>
+                  <a:buChar char="•"/>
+                  <a:defRPr sz="1350" kern="1200">
+                    <a:solidFill>
+                      <a:schemeClr val="tx1"/>
+                    </a:solidFill>
+                    <a:latin typeface="+mn-lt"/>
+                    <a:ea typeface="+mn-ea"/>
+                    <a:cs typeface="+mn-cs"/>
+                  </a:defRPr>
+                </a:lvl7pPr>
+                <a:lvl8pPr marL="2571750" indent="-171450" algn="l" defTabSz="685800" rtl="0" eaLnBrk="1" latinLnBrk="0" hangingPunct="1">
+                  <a:lnSpc>
+                    <a:spcPct val="90000"/>
+                  </a:lnSpc>
+                  <a:spcBef>
+                    <a:spcPts val="375"/>
+                  </a:spcBef>
+                  <a:buFont typeface="Arial" panose="020B0604020202020204" pitchFamily="34" charset="0"/>
+                  <a:buChar char="•"/>
+                  <a:defRPr sz="1350" kern="1200">
+                    <a:solidFill>
+                      <a:schemeClr val="tx1"/>
+                    </a:solidFill>
+                    <a:latin typeface="+mn-lt"/>
+                    <a:ea typeface="+mn-ea"/>
+                    <a:cs typeface="+mn-cs"/>
+                  </a:defRPr>
+                </a:lvl8pPr>
+                <a:lvl9pPr marL="2914650" indent="-171450" algn="l" defTabSz="685800" rtl="0" eaLnBrk="1" latinLnBrk="0" hangingPunct="1">
+                  <a:lnSpc>
+                    <a:spcPct val="90000"/>
+                  </a:lnSpc>
+                  <a:spcBef>
+                    <a:spcPts val="375"/>
+                  </a:spcBef>
+                  <a:buFont typeface="Arial" panose="020B0604020202020204" pitchFamily="34" charset="0"/>
+                  <a:buChar char="•"/>
+                  <a:defRPr sz="1350" kern="1200">
+                    <a:solidFill>
+                      <a:schemeClr val="tx1"/>
+                    </a:solidFill>
+                    <a:latin typeface="+mn-lt"/>
+                    <a:ea typeface="+mn-ea"/>
+                    <a:cs typeface="+mn-cs"/>
+                  </a:defRPr>
+                </a:lvl9pPr>
+              </a:lstStyle>
+              <a:p>
+                <a:pPr marL="0" indent="0">
+                  <a:lnSpc>
+                    <a:spcPct val="110000"/>
+                  </a:lnSpc>
+                  <a:buNone/>
+                </a:pPr>
+                <a14:m>
+                  <m:oMathPara xmlns:m="http://schemas.openxmlformats.org/officeDocument/2006/math">
+                    <m:oMathParaPr>
+                      <m:jc m:val="left"/>
+                    </m:oMathParaPr>
+                    <m:oMath xmlns:m="http://schemas.openxmlformats.org/officeDocument/2006/math">
+                      <m:r>
+                        <a:rPr lang="it-IT" sz="1800" b="1" i="1" smtClean="0">
+                          <a:solidFill>
+                            <a:srgbClr val="727272"/>
+                          </a:solidFill>
+                          <a:latin typeface="Cambria Math" panose="02040503050406030204" pitchFamily="18" charset="0"/>
+                          <a:ea typeface="Verdana" panose="020B0604030504040204" pitchFamily="34" charset="0"/>
+                          <a:cs typeface="Verdana" panose="020B0604030504040204" pitchFamily="34" charset="0"/>
+                        </a:rPr>
+                        <m:t>𝑪𝒐𝒎𝒑𝒐𝒏𝒆𝒏𝒕𝒆</m:t>
+                      </m:r>
+                      <m:r>
+                        <a:rPr lang="it-IT" sz="1800" b="1" i="1" smtClean="0">
+                          <a:solidFill>
+                            <a:srgbClr val="727272"/>
+                          </a:solidFill>
+                          <a:latin typeface="Cambria Math" panose="02040503050406030204" pitchFamily="18" charset="0"/>
+                          <a:ea typeface="Verdana" panose="020B0604030504040204" pitchFamily="34" charset="0"/>
+                          <a:cs typeface="Verdana" panose="020B0604030504040204" pitchFamily="34" charset="0"/>
+                        </a:rPr>
+                        <m:t> </m:t>
+                      </m:r>
+                      <m:r>
+                        <a:rPr lang="it-IT" sz="1800" b="1" i="1" smtClean="0">
+                          <a:solidFill>
+                            <a:srgbClr val="727272"/>
+                          </a:solidFill>
+                          <a:latin typeface="Cambria Math" panose="02040503050406030204" pitchFamily="18" charset="0"/>
+                          <a:ea typeface="Verdana" panose="020B0604030504040204" pitchFamily="34" charset="0"/>
+                          <a:cs typeface="Verdana" panose="020B0604030504040204" pitchFamily="34" charset="0"/>
+                        </a:rPr>
+                        <m:t>𝑩𝒓𝒐𝒘𝒏𝒊𝒂𝒏𝒂</m:t>
+                      </m:r>
+                    </m:oMath>
+                  </m:oMathPara>
+                </a14:m>
+                <a:endParaRPr lang="it-IT" dirty="0"/>
+              </a:p>
+              <a:p>
+                <a:pPr>
+                  <a:lnSpc>
+                    <a:spcPct val="110000"/>
+                  </a:lnSpc>
+                </a:pPr>
+                <a14:m>
+                  <m:oMath xmlns:m="http://schemas.openxmlformats.org/officeDocument/2006/math">
+                    <m:sSub>
+                      <m:sSubPr>
+                        <m:ctrlPr>
+                          <a:rPr lang="it-IT" sz="1400" b="1">
+                            <a:solidFill>
+                              <a:srgbClr val="727272"/>
+                            </a:solidFill>
+                            <a:ea typeface="Verdana" panose="020B0604030504040204" pitchFamily="34" charset="0"/>
+                          </a:rPr>
+                        </m:ctrlPr>
+                      </m:sSubPr>
+                      <m:e>
+                        <m:r>
+                          <m:rPr>
+                            <m:nor/>
+                          </m:rPr>
+                          <a:rPr lang="el-GR" sz="1400" b="1" dirty="0">
+                            <a:solidFill>
+                              <a:srgbClr val="727272"/>
+                            </a:solidFill>
+                            <a:ea typeface="Verdana" panose="020B0604030504040204" pitchFamily="34" charset="0"/>
+                          </a:rPr>
+                          <m:t>η</m:t>
+                        </m:r>
+                      </m:e>
+                      <m:sub>
+                        <m:r>
+                          <a:rPr lang="it-IT" sz="1400" b="1">
+                            <a:solidFill>
+                              <a:srgbClr val="727272"/>
+                            </a:solidFill>
+                            <a:ea typeface="Verdana" panose="020B0604030504040204" pitchFamily="34" charset="0"/>
+                          </a:rPr>
+                          <m:t>𝑖</m:t>
+                        </m:r>
+                      </m:sub>
+                    </m:sSub>
+                    <m:d>
+                      <m:dPr>
+                        <m:ctrlPr>
+                          <a:rPr lang="it-IT" sz="1400" b="1">
+                            <a:solidFill>
+                              <a:srgbClr val="727272"/>
+                            </a:solidFill>
+                            <a:ea typeface="Verdana" panose="020B0604030504040204" pitchFamily="34" charset="0"/>
+                          </a:rPr>
+                        </m:ctrlPr>
+                      </m:dPr>
+                      <m:e>
+                        <m:r>
+                          <a:rPr lang="it-IT" sz="1400" b="1">
+                            <a:solidFill>
+                              <a:srgbClr val="727272"/>
+                            </a:solidFill>
+                            <a:ea typeface="Verdana" panose="020B0604030504040204" pitchFamily="34" charset="0"/>
+                          </a:rPr>
+                          <m:t>𝑡</m:t>
+                        </m:r>
+                      </m:e>
+                    </m:d>
+                    <m:r>
+                      <a:rPr lang="it-IT" sz="1400" b="1">
+                        <a:solidFill>
+                          <a:srgbClr val="727272"/>
+                        </a:solidFill>
+                        <a:ea typeface="Verdana" panose="020B0604030504040204" pitchFamily="34" charset="0"/>
+                      </a:rPr>
+                      <m:t>=</m:t>
+                    </m:r>
+                    <m:d>
+                      <m:dPr>
+                        <m:begChr m:val="["/>
+                        <m:endChr m:val="]"/>
+                        <m:ctrlPr>
+                          <a:rPr lang="it-IT" sz="1400" b="1">
+                            <a:solidFill>
+                              <a:srgbClr val="727272"/>
+                            </a:solidFill>
+                            <a:ea typeface="Verdana" panose="020B0604030504040204" pitchFamily="34" charset="0"/>
+                          </a:rPr>
+                        </m:ctrlPr>
+                      </m:dPr>
+                      <m:e>
+                        <m:m>
+                          <m:mPr>
+                            <m:mcs>
+                              <m:mc>
+                                <m:mcPr>
+                                  <m:count m:val="2"/>
+                                  <m:mcJc m:val="center"/>
+                                </m:mcPr>
+                              </m:mc>
+                            </m:mcs>
+                            <m:ctrlPr>
+                              <a:rPr lang="it-IT" sz="1400" b="1">
+                                <a:solidFill>
+                                  <a:srgbClr val="727272"/>
+                                </a:solidFill>
+                                <a:ea typeface="Verdana" panose="020B0604030504040204" pitchFamily="34" charset="0"/>
+                              </a:rPr>
+                            </m:ctrlPr>
+                          </m:mPr>
+                          <m:mr>
+                            <m:e>
+                              <m:sSub>
+                                <m:sSubPr>
+                                  <m:ctrlPr>
+                                    <a:rPr lang="it-IT" sz="1400" b="1">
+                                      <a:solidFill>
+                                        <a:srgbClr val="727272"/>
+                                      </a:solidFill>
+                                      <a:ea typeface="Verdana" panose="020B0604030504040204" pitchFamily="34" charset="0"/>
+                                    </a:rPr>
+                                  </m:ctrlPr>
+                                </m:sSubPr>
+                                <m:e>
+                                  <m:r>
+                                    <a:rPr lang="it-IT" sz="1400" b="1">
+                                      <a:solidFill>
+                                        <a:srgbClr val="727272"/>
+                                      </a:solidFill>
+                                      <a:ea typeface="Verdana" panose="020B0604030504040204" pitchFamily="34" charset="0"/>
+                                    </a:rPr>
+                                    <m:t>𝑔𝑎𝑢𝑠𝑠</m:t>
+                                  </m:r>
+                                </m:e>
+                                <m:sub>
+                                  <m:r>
+                                    <a:rPr lang="it-IT" sz="1400" b="1">
+                                      <a:solidFill>
+                                        <a:srgbClr val="727272"/>
+                                      </a:solidFill>
+                                      <a:ea typeface="Verdana" panose="020B0604030504040204" pitchFamily="34" charset="0"/>
+                                    </a:rPr>
+                                    <m:t>𝑖</m:t>
+                                  </m:r>
+                                </m:sub>
+                              </m:sSub>
+                              <m:d>
+                                <m:dPr>
+                                  <m:ctrlPr>
+                                    <a:rPr lang="it-IT" sz="1400" b="1">
+                                      <a:solidFill>
+                                        <a:srgbClr val="727272"/>
+                                      </a:solidFill>
+                                      <a:ea typeface="Verdana" panose="020B0604030504040204" pitchFamily="34" charset="0"/>
+                                    </a:rPr>
+                                  </m:ctrlPr>
+                                </m:dPr>
+                                <m:e>
+                                  <m:r>
+                                    <m:rPr>
+                                      <m:brk m:alnAt="7"/>
+                                    </m:rPr>
+                                    <a:rPr lang="it-IT" sz="1400" b="1">
+                                      <a:solidFill>
+                                        <a:srgbClr val="727272"/>
+                                      </a:solidFill>
+                                      <a:ea typeface="Verdana" panose="020B0604030504040204" pitchFamily="34" charset="0"/>
+                                    </a:rPr>
+                                    <m:t>𝑡</m:t>
+                                  </m:r>
+                                </m:e>
+                              </m:d>
+                              <m:r>
+                                <m:rPr>
+                                  <m:brk m:alnAt="7"/>
+                                </m:rPr>
+                                <a:rPr lang="it-IT" sz="1400" b="1">
+                                  <a:solidFill>
+                                    <a:srgbClr val="727272"/>
+                                  </a:solidFill>
+                                  <a:ea typeface="Verdana" panose="020B0604030504040204" pitchFamily="34" charset="0"/>
+                                </a:rPr>
+                                <m:t>   </m:t>
+                              </m:r>
+                              <m:r>
+                                <a:rPr lang="it-IT" sz="1400" b="1">
+                                  <a:solidFill>
+                                    <a:srgbClr val="727272"/>
+                                  </a:solidFill>
+                                  <a:ea typeface="Verdana" panose="020B0604030504040204" pitchFamily="34" charset="0"/>
+                                </a:rPr>
+                                <m:t> </m:t>
+                              </m:r>
+                              <m:r>
+                                <a:rPr lang="it-IT" sz="1400" b="1">
+                                  <a:solidFill>
+                                    <a:srgbClr val="727272"/>
+                                  </a:solidFill>
+                                  <a:ea typeface="Verdana" panose="020B0604030504040204" pitchFamily="34" charset="0"/>
+                                </a:rPr>
+                                <m:t>∗</m:t>
+                              </m:r>
+                            </m:e>
+                            <m:e>
+                              <m:func>
+                                <m:funcPr>
+                                  <m:ctrlPr>
+                                    <a:rPr lang="it-IT" sz="1400" b="1">
+                                      <a:solidFill>
+                                        <a:srgbClr val="727272"/>
+                                      </a:solidFill>
+                                      <a:ea typeface="Verdana" panose="020B0604030504040204" pitchFamily="34" charset="0"/>
+                                    </a:rPr>
+                                  </m:ctrlPr>
+                                </m:funcPr>
+                                <m:fName>
+                                  <m:r>
+                                    <m:rPr>
+                                      <m:sty m:val="p"/>
+                                    </m:rPr>
+                                    <a:rPr lang="it-IT" sz="1400" b="1">
+                                      <a:solidFill>
+                                        <a:srgbClr val="727272"/>
+                                      </a:solidFill>
+                                      <a:ea typeface="Verdana" panose="020B0604030504040204" pitchFamily="34" charset="0"/>
+                                    </a:rPr>
+                                    <m:t>cos</m:t>
+                                  </m:r>
+                                </m:fName>
+                                <m:e>
+                                  <m:r>
+                                    <a:rPr lang="it-IT" sz="1400" b="1">
+                                      <a:solidFill>
+                                        <a:srgbClr val="727272"/>
+                                      </a:solidFill>
+                                      <a:ea typeface="Verdana" panose="020B0604030504040204" pitchFamily="34" charset="0"/>
+                                    </a:rPr>
+                                    <m:t>(</m:t>
+                                  </m:r>
+                                  <m:sSub>
+                                    <m:sSubPr>
+                                      <m:ctrlPr>
+                                        <a:rPr lang="it-IT" sz="1400" b="1">
+                                          <a:solidFill>
+                                            <a:srgbClr val="727272"/>
+                                          </a:solidFill>
+                                          <a:ea typeface="Verdana" panose="020B0604030504040204" pitchFamily="34" charset="0"/>
+                                        </a:rPr>
+                                      </m:ctrlPr>
+                                    </m:sSubPr>
+                                    <m:e>
+                                      <m:r>
+                                        <a:rPr lang="it-IT" sz="1400" b="1">
+                                          <a:solidFill>
+                                            <a:srgbClr val="727272"/>
+                                          </a:solidFill>
+                                          <a:ea typeface="Verdana" panose="020B0604030504040204" pitchFamily="34" charset="0"/>
+                                        </a:rPr>
+                                        <m:t>𝜃</m:t>
+                                      </m:r>
+                                    </m:e>
+                                    <m:sub>
+                                      <m:r>
+                                        <a:rPr lang="it-IT" sz="1400" b="1">
+                                          <a:solidFill>
+                                            <a:srgbClr val="727272"/>
+                                          </a:solidFill>
+                                          <a:ea typeface="Verdana" panose="020B0604030504040204" pitchFamily="34" charset="0"/>
+                                        </a:rPr>
+                                        <m:t>𝑖</m:t>
+                                      </m:r>
+                                    </m:sub>
+                                  </m:sSub>
+                                  <m:r>
+                                    <a:rPr lang="it-IT" sz="1400" b="1">
+                                      <a:solidFill>
+                                        <a:srgbClr val="727272"/>
+                                      </a:solidFill>
+                                      <a:ea typeface="Verdana" panose="020B0604030504040204" pitchFamily="34" charset="0"/>
+                                    </a:rPr>
+                                    <m:t>(</m:t>
+                                  </m:r>
+                                  <m:r>
+                                    <a:rPr lang="it-IT" sz="1400" b="1">
+                                      <a:solidFill>
+                                        <a:srgbClr val="727272"/>
+                                      </a:solidFill>
+                                      <a:ea typeface="Verdana" panose="020B0604030504040204" pitchFamily="34" charset="0"/>
+                                    </a:rPr>
+                                    <m:t>𝑡</m:t>
+                                  </m:r>
+                                  <m:r>
+                                    <a:rPr lang="it-IT" sz="1400" b="1">
+                                      <a:solidFill>
+                                        <a:srgbClr val="727272"/>
+                                      </a:solidFill>
+                                      <a:ea typeface="Verdana" panose="020B0604030504040204" pitchFamily="34" charset="0"/>
+                                    </a:rPr>
+                                    <m:t>))</m:t>
+                                  </m:r>
+                                </m:e>
+                              </m:func>
+                            </m:e>
+                          </m:mr>
+                          <m:mr>
+                            <m:e>
+                              <m:sSub>
+                                <m:sSubPr>
+                                  <m:ctrlPr>
+                                    <a:rPr lang="it-IT" sz="1400" b="1">
+                                      <a:solidFill>
+                                        <a:srgbClr val="727272"/>
+                                      </a:solidFill>
+                                      <a:ea typeface="Verdana" panose="020B0604030504040204" pitchFamily="34" charset="0"/>
+                                    </a:rPr>
+                                  </m:ctrlPr>
+                                </m:sSubPr>
+                                <m:e>
+                                  <m:r>
+                                    <a:rPr lang="it-IT" sz="1400" b="1">
+                                      <a:solidFill>
+                                        <a:srgbClr val="727272"/>
+                                      </a:solidFill>
+                                      <a:ea typeface="Verdana" panose="020B0604030504040204" pitchFamily="34" charset="0"/>
+                                    </a:rPr>
+                                    <m:t>𝑔𝑎𝑢𝑠𝑠</m:t>
+                                  </m:r>
+                                </m:e>
+                                <m:sub>
+                                  <m:r>
+                                    <a:rPr lang="it-IT" sz="1400" b="1">
+                                      <a:solidFill>
+                                        <a:srgbClr val="727272"/>
+                                      </a:solidFill>
+                                      <a:ea typeface="Verdana" panose="020B0604030504040204" pitchFamily="34" charset="0"/>
+                                    </a:rPr>
+                                    <m:t>𝑖</m:t>
+                                  </m:r>
+                                </m:sub>
+                              </m:sSub>
+                              <m:d>
+                                <m:dPr>
+                                  <m:ctrlPr>
+                                    <a:rPr lang="it-IT" sz="1400" b="1">
+                                      <a:solidFill>
+                                        <a:srgbClr val="727272"/>
+                                      </a:solidFill>
+                                      <a:ea typeface="Verdana" panose="020B0604030504040204" pitchFamily="34" charset="0"/>
+                                    </a:rPr>
+                                  </m:ctrlPr>
+                                </m:dPr>
+                                <m:e>
+                                  <m:r>
+                                    <a:rPr lang="it-IT" sz="1400" b="1">
+                                      <a:solidFill>
+                                        <a:srgbClr val="727272"/>
+                                      </a:solidFill>
+                                      <a:ea typeface="Verdana" panose="020B0604030504040204" pitchFamily="34" charset="0"/>
+                                    </a:rPr>
+                                    <m:t>𝑡</m:t>
+                                  </m:r>
+                                </m:e>
+                              </m:d>
+                              <m:r>
+                                <a:rPr lang="it-IT" sz="1400" b="1">
+                                  <a:solidFill>
+                                    <a:srgbClr val="727272"/>
+                                  </a:solidFill>
+                                  <a:ea typeface="Verdana" panose="020B0604030504040204" pitchFamily="34" charset="0"/>
+                                </a:rPr>
+                                <m:t>   </m:t>
+                              </m:r>
+                              <m:r>
+                                <a:rPr lang="it-IT" sz="1400" b="1">
+                                  <a:solidFill>
+                                    <a:srgbClr val="727272"/>
+                                  </a:solidFill>
+                                  <a:ea typeface="Verdana" panose="020B0604030504040204" pitchFamily="34" charset="0"/>
+                                </a:rPr>
+                                <m:t> </m:t>
+                              </m:r>
+                              <m:r>
+                                <a:rPr lang="it-IT" sz="1400" b="1">
+                                  <a:solidFill>
+                                    <a:srgbClr val="727272"/>
+                                  </a:solidFill>
+                                  <a:ea typeface="Verdana" panose="020B0604030504040204" pitchFamily="34" charset="0"/>
+                                </a:rPr>
+                                <m:t>∗</m:t>
+                              </m:r>
+                            </m:e>
+                            <m:e>
+                              <m:func>
+                                <m:funcPr>
+                                  <m:ctrlPr>
+                                    <a:rPr lang="it-IT" sz="1400" b="1">
+                                      <a:solidFill>
+                                        <a:srgbClr val="727272"/>
+                                      </a:solidFill>
+                                      <a:ea typeface="Verdana" panose="020B0604030504040204" pitchFamily="34" charset="0"/>
+                                    </a:rPr>
+                                  </m:ctrlPr>
+                                </m:funcPr>
+                                <m:fName>
+                                  <m:r>
+                                    <m:rPr>
+                                      <m:sty m:val="p"/>
+                                    </m:rPr>
+                                    <a:rPr lang="it-IT" sz="1400" b="1">
+                                      <a:solidFill>
+                                        <a:srgbClr val="727272"/>
+                                      </a:solidFill>
+                                      <a:ea typeface="Verdana" panose="020B0604030504040204" pitchFamily="34" charset="0"/>
+                                    </a:rPr>
+                                    <m:t>sin</m:t>
+                                  </m:r>
+                                </m:fName>
+                                <m:e>
+                                  <m:r>
+                                    <a:rPr lang="it-IT" sz="1400" b="1">
+                                      <a:solidFill>
+                                        <a:srgbClr val="727272"/>
+                                      </a:solidFill>
+                                      <a:ea typeface="Verdana" panose="020B0604030504040204" pitchFamily="34" charset="0"/>
+                                    </a:rPr>
+                                    <m:t>(</m:t>
+                                  </m:r>
+                                  <m:sSub>
+                                    <m:sSubPr>
+                                      <m:ctrlPr>
+                                        <a:rPr lang="it-IT" sz="1400" b="1">
+                                          <a:solidFill>
+                                            <a:srgbClr val="727272"/>
+                                          </a:solidFill>
+                                          <a:ea typeface="Verdana" panose="020B0604030504040204" pitchFamily="34" charset="0"/>
+                                        </a:rPr>
+                                      </m:ctrlPr>
+                                    </m:sSubPr>
+                                    <m:e>
+                                      <m:r>
+                                        <a:rPr lang="it-IT" sz="1400" b="1">
+                                          <a:solidFill>
+                                            <a:srgbClr val="727272"/>
+                                          </a:solidFill>
+                                          <a:ea typeface="Verdana" panose="020B0604030504040204" pitchFamily="34" charset="0"/>
+                                        </a:rPr>
+                                        <m:t>𝜃</m:t>
+                                      </m:r>
+                                    </m:e>
+                                    <m:sub>
+                                      <m:r>
+                                        <a:rPr lang="it-IT" sz="1400" b="1">
+                                          <a:solidFill>
+                                            <a:srgbClr val="727272"/>
+                                          </a:solidFill>
+                                          <a:ea typeface="Verdana" panose="020B0604030504040204" pitchFamily="34" charset="0"/>
+                                        </a:rPr>
+                                        <m:t>𝑖</m:t>
+                                      </m:r>
+                                    </m:sub>
+                                  </m:sSub>
+                                  <m:r>
+                                    <a:rPr lang="it-IT" sz="1400" b="1">
+                                      <a:solidFill>
+                                        <a:srgbClr val="727272"/>
+                                      </a:solidFill>
+                                      <a:ea typeface="Verdana" panose="020B0604030504040204" pitchFamily="34" charset="0"/>
+                                    </a:rPr>
+                                    <m:t>(</m:t>
+                                  </m:r>
+                                  <m:r>
+                                    <a:rPr lang="it-IT" sz="1400" b="1">
+                                      <a:solidFill>
+                                        <a:srgbClr val="727272"/>
+                                      </a:solidFill>
+                                      <a:ea typeface="Verdana" panose="020B0604030504040204" pitchFamily="34" charset="0"/>
+                                    </a:rPr>
+                                    <m:t>𝑡</m:t>
+                                  </m:r>
+                                  <m:r>
+                                    <a:rPr lang="it-IT" sz="1400" b="1">
+                                      <a:solidFill>
+                                        <a:srgbClr val="727272"/>
+                                      </a:solidFill>
+                                      <a:ea typeface="Verdana" panose="020B0604030504040204" pitchFamily="34" charset="0"/>
+                                    </a:rPr>
+                                    <m:t>))</m:t>
+                                  </m:r>
+                                </m:e>
+                              </m:func>
+                            </m:e>
+                          </m:mr>
+                        </m:m>
+                      </m:e>
+                    </m:d>
+                  </m:oMath>
+                </a14:m>
+                <a:endParaRPr lang="it-IT" sz="1400" b="1" dirty="0">
+                  <a:solidFill>
+                    <a:srgbClr val="727272"/>
+                  </a:solidFill>
+                  <a:ea typeface="Verdana" panose="020B0604030504040204" pitchFamily="34" charset="0"/>
+                </a:endParaRPr>
+              </a:p>
+              <a:p>
+                <a:pPr>
+                  <a:lnSpc>
+                    <a:spcPct val="110000"/>
+                  </a:lnSpc>
+                </a:pPr>
+                <a:endParaRPr lang="it-IT" sz="1400" b="1" dirty="0">
+                  <a:solidFill>
+                    <a:srgbClr val="727272"/>
+                  </a:solidFill>
+                  <a:ea typeface="Verdana" panose="020B0604030504040204" pitchFamily="34" charset="0"/>
+                </a:endParaRPr>
+              </a:p>
+              <a:p>
+                <a:pPr>
+                  <a:lnSpc>
+                    <a:spcPct val="110000"/>
+                  </a:lnSpc>
+                </a:pPr>
+                <a:r>
+                  <a:rPr lang="it-IT" sz="1400" b="1" dirty="0">
+                    <a:solidFill>
+                      <a:srgbClr val="727272"/>
+                    </a:solidFill>
+                    <a:ea typeface="Verdana" panose="020B0604030504040204" pitchFamily="34" charset="0"/>
+                  </a:rPr>
+                  <a:t>Direzione casuale del moto: </a:t>
+                </a:r>
+                <a14:m>
+                  <m:oMath xmlns:m="http://schemas.openxmlformats.org/officeDocument/2006/math">
+                    <m:sSub>
+                      <m:sSubPr>
+                        <m:ctrlPr>
+                          <a:rPr lang="it-IT" sz="1400" b="1" i="1" smtClean="0">
+                            <a:solidFill>
+                              <a:srgbClr val="727272"/>
+                            </a:solidFill>
+                            <a:latin typeface="Cambria Math" panose="02040503050406030204" pitchFamily="18" charset="0"/>
+                            <a:ea typeface="Verdana" panose="020B0604030504040204" pitchFamily="34" charset="0"/>
+                          </a:rPr>
+                        </m:ctrlPr>
+                      </m:sSubPr>
+                      <m:e>
+                        <m:r>
+                          <a:rPr lang="it-IT" sz="1400" b="1" i="1" smtClean="0">
+                            <a:solidFill>
+                              <a:srgbClr val="727272"/>
+                            </a:solidFill>
+                            <a:latin typeface="Cambria Math" panose="02040503050406030204" pitchFamily="18" charset="0"/>
+                            <a:ea typeface="Cambria Math" panose="02040503050406030204" pitchFamily="18" charset="0"/>
+                          </a:rPr>
+                          <m:t>𝜽</m:t>
+                        </m:r>
+                      </m:e>
+                      <m:sub>
+                        <m:r>
+                          <a:rPr lang="it-IT" sz="1400" b="1" i="1" smtClean="0">
+                            <a:solidFill>
+                              <a:srgbClr val="727272"/>
+                            </a:solidFill>
+                            <a:latin typeface="Cambria Math" panose="02040503050406030204" pitchFamily="18" charset="0"/>
+                            <a:ea typeface="Verdana" panose="020B0604030504040204" pitchFamily="34" charset="0"/>
+                          </a:rPr>
+                          <m:t>𝒊</m:t>
+                        </m:r>
+                      </m:sub>
+                    </m:sSub>
+                    <m:d>
+                      <m:dPr>
+                        <m:ctrlPr>
+                          <a:rPr lang="it-IT" sz="1400" b="1" i="1" smtClean="0">
+                            <a:solidFill>
+                              <a:srgbClr val="727272"/>
+                            </a:solidFill>
+                            <a:latin typeface="Cambria Math" panose="02040503050406030204" pitchFamily="18" charset="0"/>
+                            <a:ea typeface="Verdana" panose="020B0604030504040204" pitchFamily="34" charset="0"/>
+                          </a:rPr>
+                        </m:ctrlPr>
+                      </m:dPr>
+                      <m:e>
+                        <m:r>
+                          <a:rPr lang="it-IT" sz="1400" b="1" i="1" smtClean="0">
+                            <a:solidFill>
+                              <a:srgbClr val="727272"/>
+                            </a:solidFill>
+                            <a:latin typeface="Cambria Math" panose="02040503050406030204" pitchFamily="18" charset="0"/>
+                            <a:ea typeface="Verdana" panose="020B0604030504040204" pitchFamily="34" charset="0"/>
+                          </a:rPr>
+                          <m:t>𝒕</m:t>
+                        </m:r>
+                      </m:e>
+                    </m:d>
+                    <m:r>
+                      <a:rPr lang="it-IT" sz="1400" b="1" i="1" smtClean="0">
+                        <a:solidFill>
+                          <a:srgbClr val="727272"/>
+                        </a:solidFill>
+                        <a:latin typeface="Cambria Math" panose="02040503050406030204" pitchFamily="18" charset="0"/>
+                        <a:ea typeface="Verdana" panose="020B0604030504040204" pitchFamily="34" charset="0"/>
+                      </a:rPr>
+                      <m:t> </m:t>
+                    </m:r>
+                    <m:r>
+                      <a:rPr lang="it-IT" sz="1400" b="1" i="1" smtClean="0">
+                        <a:solidFill>
+                          <a:srgbClr val="727272"/>
+                        </a:solidFill>
+                        <a:latin typeface="Cambria Math" panose="02040503050406030204" pitchFamily="18" charset="0"/>
+                        <a:ea typeface="Cambria Math" panose="02040503050406030204" pitchFamily="18" charset="0"/>
+                      </a:rPr>
+                      <m:t>~ </m:t>
+                    </m:r>
+                    <m:r>
+                      <a:rPr lang="it-IT" sz="1400" b="1" i="1" smtClean="0">
+                        <a:solidFill>
+                          <a:srgbClr val="727272"/>
+                        </a:solidFill>
+                        <a:latin typeface="Cambria Math" panose="02040503050406030204" pitchFamily="18" charset="0"/>
+                        <a:ea typeface="Cambria Math" panose="02040503050406030204" pitchFamily="18" charset="0"/>
+                      </a:rPr>
+                      <m:t>𝑼</m:t>
+                    </m:r>
+                    <m:d>
+                      <m:dPr>
+                        <m:ctrlPr>
+                          <a:rPr lang="it-IT" sz="1400" b="1" i="1" smtClean="0">
+                            <a:solidFill>
+                              <a:srgbClr val="727272"/>
+                            </a:solidFill>
+                            <a:latin typeface="Cambria Math" panose="02040503050406030204" pitchFamily="18" charset="0"/>
+                            <a:ea typeface="Cambria Math" panose="02040503050406030204" pitchFamily="18" charset="0"/>
+                          </a:rPr>
+                        </m:ctrlPr>
+                      </m:dPr>
+                      <m:e>
+                        <m:r>
+                          <a:rPr lang="it-IT" sz="1400" b="1" i="1" smtClean="0">
+                            <a:solidFill>
+                              <a:srgbClr val="727272"/>
+                            </a:solidFill>
+                            <a:latin typeface="Cambria Math" panose="02040503050406030204" pitchFamily="18" charset="0"/>
+                            <a:ea typeface="Cambria Math" panose="02040503050406030204" pitchFamily="18" charset="0"/>
+                          </a:rPr>
+                          <m:t>𝟎</m:t>
+                        </m:r>
+                        <m:r>
+                          <a:rPr lang="it-IT" sz="1400" b="1" i="1" smtClean="0">
+                            <a:solidFill>
+                              <a:srgbClr val="727272"/>
+                            </a:solidFill>
+                            <a:latin typeface="Cambria Math" panose="02040503050406030204" pitchFamily="18" charset="0"/>
+                            <a:ea typeface="Cambria Math" panose="02040503050406030204" pitchFamily="18" charset="0"/>
+                          </a:rPr>
+                          <m:t>, </m:t>
+                        </m:r>
+                        <m:r>
+                          <a:rPr lang="it-IT" sz="1400" b="1" i="1" smtClean="0">
+                            <a:solidFill>
+                              <a:srgbClr val="727272"/>
+                            </a:solidFill>
+                            <a:latin typeface="Cambria Math" panose="02040503050406030204" pitchFamily="18" charset="0"/>
+                            <a:ea typeface="Cambria Math" panose="02040503050406030204" pitchFamily="18" charset="0"/>
+                          </a:rPr>
+                          <m:t>𝟐</m:t>
+                        </m:r>
+                        <m:r>
+                          <a:rPr lang="it-IT" sz="1400" b="1" i="1" smtClean="0">
+                            <a:solidFill>
+                              <a:srgbClr val="727272"/>
+                            </a:solidFill>
+                            <a:latin typeface="Cambria Math" panose="02040503050406030204" pitchFamily="18" charset="0"/>
+                            <a:ea typeface="Cambria Math" panose="02040503050406030204" pitchFamily="18" charset="0"/>
+                          </a:rPr>
+                          <m:t>𝝅</m:t>
+                        </m:r>
+                      </m:e>
+                    </m:d>
+                  </m:oMath>
+                </a14:m>
+                <a:endParaRPr lang="it-IT" sz="1400" b="1" i="1" dirty="0">
+                  <a:solidFill>
+                    <a:srgbClr val="727272"/>
+                  </a:solidFill>
+                  <a:latin typeface="Cambria Math" panose="02040503050406030204" pitchFamily="18" charset="0"/>
+                  <a:ea typeface="Verdana" panose="020B0604030504040204" pitchFamily="34" charset="0"/>
+                </a:endParaRPr>
+              </a:p>
+              <a:p>
+                <a:pPr>
+                  <a:lnSpc>
+                    <a:spcPct val="110000"/>
+                  </a:lnSpc>
+                </a:pPr>
+                <a:endParaRPr lang="it-IT" sz="1400" b="1" i="1" dirty="0">
+                  <a:solidFill>
+                    <a:srgbClr val="727272"/>
+                  </a:solidFill>
+                  <a:latin typeface="Cambria Math" panose="02040503050406030204" pitchFamily="18" charset="0"/>
+                  <a:ea typeface="Verdana" panose="020B0604030504040204" pitchFamily="34" charset="0"/>
+                </a:endParaRPr>
+              </a:p>
+              <a:p>
+                <a:pPr>
+                  <a:lnSpc>
+                    <a:spcPct val="110000"/>
+                  </a:lnSpc>
+                </a:pPr>
+                <a:r>
+                  <a:rPr lang="it-IT" sz="1400" b="1" dirty="0">
+                    <a:solidFill>
+                      <a:srgbClr val="727272"/>
+                    </a:solidFill>
+                    <a:ea typeface="Verdana" panose="020B0604030504040204" pitchFamily="34" charset="0"/>
+                  </a:rPr>
+                  <a:t>Intensità del moto:     </a:t>
+                </a:r>
+                <a14:m>
+                  <m:oMath xmlns:m="http://schemas.openxmlformats.org/officeDocument/2006/math">
+                    <m:sSub>
+                      <m:sSubPr>
+                        <m:ctrlPr>
+                          <a:rPr lang="it-IT" sz="1400" b="1">
+                            <a:solidFill>
+                              <a:srgbClr val="727272"/>
+                            </a:solidFill>
+                            <a:ea typeface="Verdana" panose="020B0604030504040204" pitchFamily="34" charset="0"/>
+                          </a:rPr>
+                        </m:ctrlPr>
+                      </m:sSubPr>
+                      <m:e>
+                        <m:r>
+                          <a:rPr lang="it-IT" sz="1400" b="1">
+                            <a:solidFill>
+                              <a:srgbClr val="727272"/>
+                            </a:solidFill>
+                            <a:ea typeface="Verdana" panose="020B0604030504040204" pitchFamily="34" charset="0"/>
+                          </a:rPr>
+                          <m:t>𝒈𝒂𝒖𝒔𝒔</m:t>
+                        </m:r>
+                      </m:e>
+                      <m:sub>
+                        <m:r>
+                          <a:rPr lang="it-IT" sz="1400" b="1">
+                            <a:solidFill>
+                              <a:srgbClr val="727272"/>
+                            </a:solidFill>
+                            <a:ea typeface="Verdana" panose="020B0604030504040204" pitchFamily="34" charset="0"/>
+                          </a:rPr>
+                          <m:t>𝒊</m:t>
+                        </m:r>
+                      </m:sub>
+                    </m:sSub>
+                    <m:d>
+                      <m:dPr>
+                        <m:ctrlPr>
+                          <a:rPr lang="it-IT" sz="1400" b="1">
+                            <a:solidFill>
+                              <a:srgbClr val="727272"/>
+                            </a:solidFill>
+                            <a:ea typeface="Verdana" panose="020B0604030504040204" pitchFamily="34" charset="0"/>
+                          </a:rPr>
+                        </m:ctrlPr>
+                      </m:dPr>
+                      <m:e>
+                        <m:r>
+                          <a:rPr lang="it-IT" sz="1400" b="1">
+                            <a:solidFill>
+                              <a:srgbClr val="727272"/>
+                            </a:solidFill>
+                            <a:ea typeface="Verdana" panose="020B0604030504040204" pitchFamily="34" charset="0"/>
+                          </a:rPr>
+                          <m:t>𝒕</m:t>
+                        </m:r>
+                      </m:e>
+                    </m:d>
+                    <m:r>
+                      <a:rPr lang="it-IT" sz="1400" b="1">
+                        <a:solidFill>
+                          <a:srgbClr val="727272"/>
+                        </a:solidFill>
+                        <a:ea typeface="Verdana" panose="020B0604030504040204" pitchFamily="34" charset="0"/>
+                      </a:rPr>
+                      <m:t> ~ </m:t>
+                    </m:r>
+                    <m:r>
+                      <a:rPr lang="it-IT" sz="1400" b="1">
+                        <a:solidFill>
+                          <a:srgbClr val="727272"/>
+                        </a:solidFill>
+                        <a:ea typeface="Verdana" panose="020B0604030504040204" pitchFamily="34" charset="0"/>
+                      </a:rPr>
+                      <m:t>𝑵</m:t>
+                    </m:r>
+                    <m:r>
+                      <a:rPr lang="it-IT" sz="1400" b="1">
+                        <a:solidFill>
+                          <a:srgbClr val="727272"/>
+                        </a:solidFill>
+                        <a:ea typeface="Verdana" panose="020B0604030504040204" pitchFamily="34" charset="0"/>
+                      </a:rPr>
+                      <m:t>(</m:t>
+                    </m:r>
+                    <m:r>
+                      <a:rPr lang="it-IT" sz="1400" b="1">
+                        <a:solidFill>
+                          <a:srgbClr val="727272"/>
+                        </a:solidFill>
+                        <a:ea typeface="Verdana" panose="020B0604030504040204" pitchFamily="34" charset="0"/>
+                      </a:rPr>
+                      <m:t>𝟎</m:t>
+                    </m:r>
+                    <m:r>
+                      <a:rPr lang="it-IT" sz="1400" b="1">
+                        <a:solidFill>
+                          <a:srgbClr val="727272"/>
+                        </a:solidFill>
+                        <a:ea typeface="Verdana" panose="020B0604030504040204" pitchFamily="34" charset="0"/>
+                      </a:rPr>
+                      <m:t>,</m:t>
+                    </m:r>
+                    <m:r>
+                      <a:rPr lang="it-IT" sz="1400" b="1">
+                        <a:solidFill>
+                          <a:srgbClr val="727272"/>
+                        </a:solidFill>
+                        <a:ea typeface="Verdana" panose="020B0604030504040204" pitchFamily="34" charset="0"/>
+                      </a:rPr>
+                      <m:t>𝟏</m:t>
+                    </m:r>
+                    <m:r>
+                      <a:rPr lang="it-IT" sz="1400" b="1">
+                        <a:solidFill>
+                          <a:srgbClr val="727272"/>
+                        </a:solidFill>
+                        <a:ea typeface="Verdana" panose="020B0604030504040204" pitchFamily="34" charset="0"/>
+                      </a:rPr>
+                      <m:t>)</m:t>
+                    </m:r>
+                  </m:oMath>
+                </a14:m>
+                <a:endParaRPr lang="it-IT" sz="1400" b="1" dirty="0">
+                  <a:solidFill>
+                    <a:srgbClr val="727272"/>
+                  </a:solidFill>
+                  <a:ea typeface="Verdana" panose="020B0604030504040204" pitchFamily="34" charset="0"/>
+                </a:endParaRPr>
+              </a:p>
+            </p:txBody>
+          </p:sp>
+        </mc:Choice>
+        <mc:Fallback>
+          <p:sp>
+            <p:nvSpPr>
+              <p:cNvPr id="7" name="Segnaposto testo 5">
+                <a:extLst>
+                  <a:ext uri="{FF2B5EF4-FFF2-40B4-BE49-F238E27FC236}">
+                    <a16:creationId xmlns:a16="http://schemas.microsoft.com/office/drawing/2014/main" id="{42B8622F-76FF-A8FC-E342-9690CB458867}"/>
+                  </a:ext>
+                </a:extLst>
+              </p:cNvPr>
+              <p:cNvSpPr txBox="1">
+                <a:spLocks noRot="1" noChangeAspect="1" noMove="1" noResize="1" noEditPoints="1" noAdjustHandles="1" noChangeArrowheads="1" noChangeShapeType="1" noTextEdit="1"/>
+              </p:cNvSpPr>
+              <p:nvPr/>
+            </p:nvSpPr>
+            <p:spPr>
+              <a:xfrm>
+                <a:off x="246588" y="926743"/>
+                <a:ext cx="3246640" cy="3840480"/>
+              </a:xfrm>
+              <a:prstGeom prst="rect">
+                <a:avLst/>
+              </a:prstGeom>
+              <a:blipFill>
+                <a:blip r:embed="rId3"/>
+                <a:stretch>
+                  <a:fillRect l="-375"/>
+                </a:stretch>
+              </a:blipFill>
+            </p:spPr>
+            <p:txBody>
+              <a:bodyPr/>
+              <a:lstStyle/>
+              <a:p>
+                <a:r>
+                  <a:rPr lang="it-IT">
+                    <a:noFill/>
+                  </a:rPr>
+                  <a:t> </a:t>
+                </a:r>
+              </a:p>
+            </p:txBody>
+          </p:sp>
+        </mc:Fallback>
+      </mc:AlternateContent>
     </p:spTree>
     <p:extLst>
       <p:ext uri="{BB962C8B-B14F-4D97-AF65-F5344CB8AC3E}">
-        <p14:creationId xmlns:p14="http://schemas.microsoft.com/office/powerpoint/2010/main" val="4048937340"/>
+        <p14:creationId xmlns:p14="http://schemas.microsoft.com/office/powerpoint/2010/main" val="770601815"/>
       </p:ext>
     </p:extLst>
   </p:cSld>
@@ -14453,10 +16525,10 @@
       </p:grpSpPr>
       <p:sp>
         <p:nvSpPr>
-          <p:cNvPr id="2" name="Titolo 1">
+          <p:cNvPr id="3" name="Titolo 2">
             <a:extLst>
               <a:ext uri="{FF2B5EF4-FFF2-40B4-BE49-F238E27FC236}">
-                <a16:creationId xmlns:a16="http://schemas.microsoft.com/office/drawing/2014/main" id="{F9BA5B94-538F-17B2-7B92-C5FE2E056D67}"/>
+                <a16:creationId xmlns:a16="http://schemas.microsoft.com/office/drawing/2014/main" id="{3C39F8EF-079C-0635-E0EB-307ECF0A1999}"/>
               </a:ext>
             </a:extLst>
           </p:cNvPr>
@@ -14467,6 +16539,47 @@
             <p:ph type="title"/>
           </p:nvPr>
         </p:nvSpPr>
+        <p:spPr>
+          <a:xfrm>
+            <a:off x="1454668" y="276630"/>
+            <a:ext cx="6985947" cy="483077"/>
+          </a:xfrm>
+        </p:spPr>
+        <p:txBody>
+          <a:bodyPr/>
+          <a:lstStyle/>
+          <a:p>
+            <a:r>
+              <a:rPr lang="it-IT" sz="1900" dirty="0">
+                <a:solidFill>
+                  <a:srgbClr val="727272"/>
+                </a:solidFill>
+                <a:cs typeface="+mn-cs"/>
+              </a:rPr>
+              <a:t>Versione 3: aggiunta di un potenziale repulsivo</a:t>
+            </a:r>
+          </a:p>
+        </p:txBody>
+      </p:sp>
+      <p:sp>
+        <p:nvSpPr>
+          <p:cNvPr id="4" name="Segnaposto testo 3">
+            <a:extLst>
+              <a:ext uri="{FF2B5EF4-FFF2-40B4-BE49-F238E27FC236}">
+                <a16:creationId xmlns:a16="http://schemas.microsoft.com/office/drawing/2014/main" id="{FA2625F9-0BB8-F254-5575-2691C4992EBE}"/>
+              </a:ext>
+              <a:ext uri="{C183D7F6-B498-43B3-948B-1728B52AA6E4}">
+                <adec:decorative xmlns:adec="http://schemas.microsoft.com/office/drawing/2017/decorative" val="1"/>
+              </a:ext>
+            </a:extLst>
+          </p:cNvPr>
+          <p:cNvSpPr>
+            <a:spLocks noGrp="1"/>
+          </p:cNvSpPr>
+          <p:nvPr>
+            <p:ph type="body" sz="quarter" idx="14"/>
+          </p:nvPr>
+        </p:nvSpPr>
         <p:spPr/>
         <p:txBody>
           <a:bodyPr/>
@@ -14474,15 +16587,264 @@
           <a:p>
             <a:r>
               <a:rPr lang="it-IT" dirty="0"/>
-              <a:t>Alcuni schemi di diapositiva…</a:t>
+              <a:t>Algoritmi</a:t>
             </a:r>
+          </a:p>
+          <a:p>
+            <a:endParaRPr lang="it-IT" dirty="0"/>
           </a:p>
         </p:txBody>
       </p:sp>
+      <p:pic>
+        <p:nvPicPr>
+          <p:cNvPr id="6" name="Immagine 5" descr="Immagine che contiene testo, schermata, schermo, Carattere&#10;&#10;Descrizione generata automaticamente">
+            <a:extLst>
+              <a:ext uri="{FF2B5EF4-FFF2-40B4-BE49-F238E27FC236}">
+                <a16:creationId xmlns:a16="http://schemas.microsoft.com/office/drawing/2014/main" id="{6B4E204C-4F9E-E6F2-0653-C5A553AA7D70}"/>
+              </a:ext>
+            </a:extLst>
+          </p:cNvPr>
+          <p:cNvPicPr>
+            <a:picLocks noChangeAspect="1"/>
+          </p:cNvPicPr>
+          <p:nvPr/>
+        </p:nvPicPr>
+        <p:blipFill>
+          <a:blip r:embed="rId2"/>
+          <a:stretch>
+            <a:fillRect/>
+          </a:stretch>
+        </p:blipFill>
+        <p:spPr>
+          <a:xfrm>
+            <a:off x="1010886" y="797134"/>
+            <a:ext cx="7122228" cy="3432465"/>
+          </a:xfrm>
+          <a:prstGeom prst="rect">
+            <a:avLst/>
+          </a:prstGeom>
+        </p:spPr>
+      </p:pic>
+      <mc:AlternateContent xmlns:mc="http://schemas.openxmlformats.org/markup-compatibility/2006">
+        <mc:Choice xmlns:a14="http://schemas.microsoft.com/office/drawing/2010/main" Requires="a14">
+          <p:sp>
+            <p:nvSpPr>
+              <p:cNvPr id="8" name="CasellaDiTesto 7">
+                <a:extLst>
+                  <a:ext uri="{FF2B5EF4-FFF2-40B4-BE49-F238E27FC236}">
+                    <a16:creationId xmlns:a16="http://schemas.microsoft.com/office/drawing/2014/main" id="{0E57E4CF-363A-57D5-B0D6-4B0E10293465}"/>
+                  </a:ext>
+                </a:extLst>
+              </p:cNvPr>
+              <p:cNvSpPr txBox="1"/>
+              <p:nvPr/>
+            </p:nvSpPr>
+            <p:spPr>
+              <a:xfrm>
+                <a:off x="246588" y="4383413"/>
+                <a:ext cx="5049898" cy="397032"/>
+              </a:xfrm>
+              <a:prstGeom prst="rect">
+                <a:avLst/>
+              </a:prstGeom>
+              <a:noFill/>
+            </p:spPr>
+            <p:txBody>
+              <a:bodyPr wrap="square">
+                <a:spAutoFit/>
+              </a:bodyPr>
+              <a:lstStyle/>
+              <a:p>
+                <a:pPr marL="0" indent="0">
+                  <a:lnSpc>
+                    <a:spcPct val="110000"/>
+                  </a:lnSpc>
+                  <a:buNone/>
+                </a:pPr>
+                <a14:m>
+                  <m:oMathPara xmlns:m="http://schemas.openxmlformats.org/officeDocument/2006/math">
+                    <m:oMathParaPr>
+                      <m:jc m:val="left"/>
+                    </m:oMathParaPr>
+                    <m:oMath xmlns:m="http://schemas.openxmlformats.org/officeDocument/2006/math">
+                      <m:r>
+                        <a:rPr lang="it-IT" sz="1800" b="1" i="1" smtClean="0">
+                          <a:solidFill>
+                            <a:srgbClr val="727272"/>
+                          </a:solidFill>
+                          <a:latin typeface="Cambria Math" panose="02040503050406030204" pitchFamily="18" charset="0"/>
+                          <a:ea typeface="Verdana" panose="020B0604030504040204" pitchFamily="34" charset="0"/>
+                          <a:cs typeface="Verdana" panose="020B0604030504040204" pitchFamily="34" charset="0"/>
+                        </a:rPr>
+                        <m:t>𝑹𝒊𝒔𝒐𝒍𝒗𝒆</m:t>
+                      </m:r>
+                      <m:r>
+                        <a:rPr lang="it-IT" sz="1800" b="1" i="1" smtClean="0">
+                          <a:solidFill>
+                            <a:srgbClr val="727272"/>
+                          </a:solidFill>
+                          <a:latin typeface="Cambria Math" panose="02040503050406030204" pitchFamily="18" charset="0"/>
+                          <a:ea typeface="Verdana" panose="020B0604030504040204" pitchFamily="34" charset="0"/>
+                          <a:cs typeface="Verdana" panose="020B0604030504040204" pitchFamily="34" charset="0"/>
+                        </a:rPr>
+                        <m:t> </m:t>
+                      </m:r>
+                      <m:r>
+                        <a:rPr lang="it-IT" sz="1800" b="1" i="1" smtClean="0">
+                          <a:solidFill>
+                            <a:srgbClr val="727272"/>
+                          </a:solidFill>
+                          <a:latin typeface="Cambria Math" panose="02040503050406030204" pitchFamily="18" charset="0"/>
+                          <a:ea typeface="Verdana" panose="020B0604030504040204" pitchFamily="34" charset="0"/>
+                          <a:cs typeface="Verdana" panose="020B0604030504040204" pitchFamily="34" charset="0"/>
+                        </a:rPr>
+                        <m:t>𝒍𝒂</m:t>
+                      </m:r>
+                      <m:r>
+                        <a:rPr lang="it-IT" sz="1800" b="1" i="1" smtClean="0">
+                          <a:solidFill>
+                            <a:srgbClr val="727272"/>
+                          </a:solidFill>
+                          <a:latin typeface="Cambria Math" panose="02040503050406030204" pitchFamily="18" charset="0"/>
+                          <a:ea typeface="Verdana" panose="020B0604030504040204" pitchFamily="34" charset="0"/>
+                          <a:cs typeface="Verdana" panose="020B0604030504040204" pitchFamily="34" charset="0"/>
+                        </a:rPr>
+                        <m:t> </m:t>
+                      </m:r>
+                      <m:r>
+                        <a:rPr lang="it-IT" sz="1800" b="1" i="1" smtClean="0">
+                          <a:solidFill>
+                            <a:srgbClr val="727272"/>
+                          </a:solidFill>
+                          <a:latin typeface="Cambria Math" panose="02040503050406030204" pitchFamily="18" charset="0"/>
+                          <a:ea typeface="Verdana" panose="020B0604030504040204" pitchFamily="34" charset="0"/>
+                          <a:cs typeface="Verdana" panose="020B0604030504040204" pitchFamily="34" charset="0"/>
+                        </a:rPr>
+                        <m:t>𝒄𝒐𝒍𝒍𝒊𝒔𝒊𝒐𝒏𝒆</m:t>
+                      </m:r>
+                      <m:r>
+                        <a:rPr lang="it-IT" sz="1800" b="1" i="1" smtClean="0">
+                          <a:solidFill>
+                            <a:srgbClr val="727272"/>
+                          </a:solidFill>
+                          <a:latin typeface="Cambria Math" panose="02040503050406030204" pitchFamily="18" charset="0"/>
+                          <a:ea typeface="Verdana" panose="020B0604030504040204" pitchFamily="34" charset="0"/>
+                          <a:cs typeface="Verdana" panose="020B0604030504040204" pitchFamily="34" charset="0"/>
+                        </a:rPr>
+                        <m:t> </m:t>
+                      </m:r>
+                      <m:r>
+                        <a:rPr lang="it-IT" sz="1800" b="1" i="1" smtClean="0">
+                          <a:solidFill>
+                            <a:srgbClr val="727272"/>
+                          </a:solidFill>
+                          <a:latin typeface="Cambria Math" panose="02040503050406030204" pitchFamily="18" charset="0"/>
+                          <a:ea typeface="Verdana" panose="020B0604030504040204" pitchFamily="34" charset="0"/>
+                          <a:cs typeface="Verdana" panose="020B0604030504040204" pitchFamily="34" charset="0"/>
+                        </a:rPr>
+                        <m:t>𝒕𝒓𝒂</m:t>
+                      </m:r>
+                      <m:r>
+                        <a:rPr lang="it-IT" sz="1800" b="1" i="1" smtClean="0">
+                          <a:solidFill>
+                            <a:srgbClr val="727272"/>
+                          </a:solidFill>
+                          <a:latin typeface="Cambria Math" panose="02040503050406030204" pitchFamily="18" charset="0"/>
+                          <a:ea typeface="Verdana" panose="020B0604030504040204" pitchFamily="34" charset="0"/>
+                          <a:cs typeface="Verdana" panose="020B0604030504040204" pitchFamily="34" charset="0"/>
+                        </a:rPr>
+                        <m:t> </m:t>
+                      </m:r>
+                      <m:r>
+                        <a:rPr lang="it-IT" sz="1800" b="1" i="1" smtClean="0">
+                          <a:solidFill>
+                            <a:srgbClr val="727272"/>
+                          </a:solidFill>
+                          <a:latin typeface="Cambria Math" panose="02040503050406030204" pitchFamily="18" charset="0"/>
+                          <a:ea typeface="Verdana" panose="020B0604030504040204" pitchFamily="34" charset="0"/>
+                          <a:cs typeface="Verdana" panose="020B0604030504040204" pitchFamily="34" charset="0"/>
+                        </a:rPr>
+                        <m:t>𝒈𝒍𝒊</m:t>
+                      </m:r>
+                      <m:r>
+                        <a:rPr lang="it-IT" sz="1800" b="1" i="1" smtClean="0">
+                          <a:solidFill>
+                            <a:srgbClr val="727272"/>
+                          </a:solidFill>
+                          <a:latin typeface="Cambria Math" panose="02040503050406030204" pitchFamily="18" charset="0"/>
+                          <a:ea typeface="Verdana" panose="020B0604030504040204" pitchFamily="34" charset="0"/>
+                          <a:cs typeface="Verdana" panose="020B0604030504040204" pitchFamily="34" charset="0"/>
+                        </a:rPr>
+                        <m:t> </m:t>
+                      </m:r>
+                      <m:r>
+                        <a:rPr lang="it-IT" sz="1800" b="1" i="1" smtClean="0">
+                          <a:solidFill>
+                            <a:srgbClr val="727272"/>
+                          </a:solidFill>
+                          <a:latin typeface="Cambria Math" panose="02040503050406030204" pitchFamily="18" charset="0"/>
+                          <a:ea typeface="Verdana" panose="020B0604030504040204" pitchFamily="34" charset="0"/>
+                          <a:cs typeface="Verdana" panose="020B0604030504040204" pitchFamily="34" charset="0"/>
+                        </a:rPr>
+                        <m:t>𝒂𝒈𝒆𝒏𝒕𝒊</m:t>
+                      </m:r>
+                    </m:oMath>
+                  </m:oMathPara>
+                </a14:m>
+                <a:endParaRPr lang="it-IT" dirty="0"/>
+              </a:p>
+            </p:txBody>
+          </p:sp>
+        </mc:Choice>
+        <mc:Fallback>
+          <p:sp>
+            <p:nvSpPr>
+              <p:cNvPr id="8" name="CasellaDiTesto 7">
+                <a:extLst>
+                  <a:ext uri="{FF2B5EF4-FFF2-40B4-BE49-F238E27FC236}">
+                    <a16:creationId xmlns:a16="http://schemas.microsoft.com/office/drawing/2014/main" id="{0E57E4CF-363A-57D5-B0D6-4B0E10293465}"/>
+                  </a:ext>
+                </a:extLst>
+              </p:cNvPr>
+              <p:cNvSpPr txBox="1">
+                <a:spLocks noRot="1" noChangeAspect="1" noMove="1" noResize="1" noEditPoints="1" noAdjustHandles="1" noChangeArrowheads="1" noChangeShapeType="1" noTextEdit="1"/>
+              </p:cNvSpPr>
+              <p:nvPr/>
+            </p:nvSpPr>
+            <p:spPr>
+              <a:xfrm>
+                <a:off x="246588" y="4383413"/>
+                <a:ext cx="5049898" cy="397032"/>
+              </a:xfrm>
+              <a:prstGeom prst="rect">
+                <a:avLst/>
+              </a:prstGeom>
+              <a:blipFill>
+                <a:blip r:embed="rId3"/>
+                <a:stretch>
+                  <a:fillRect b="-9231"/>
+                </a:stretch>
+              </a:blipFill>
+            </p:spPr>
+            <p:txBody>
+              <a:bodyPr/>
+              <a:lstStyle/>
+              <a:p>
+                <a:r>
+                  <a:rPr lang="it-IT">
+                    <a:noFill/>
+                  </a:rPr>
+                  <a:t> </a:t>
+                </a:r>
+              </a:p>
+            </p:txBody>
+          </p:sp>
+        </mc:Fallback>
+      </mc:AlternateContent>
     </p:spTree>
     <p:extLst>
       <p:ext uri="{BB962C8B-B14F-4D97-AF65-F5344CB8AC3E}">
-        <p14:creationId xmlns:p14="http://schemas.microsoft.com/office/powerpoint/2010/main" val="1092629568"/>
+        <p14:creationId xmlns:p14="http://schemas.microsoft.com/office/powerpoint/2010/main" val="3141151599"/>
       </p:ext>
     </p:extLst>
   </p:cSld>
@@ -14511,95 +16873,10 @@
       </p:grpSpPr>
       <p:sp>
         <p:nvSpPr>
-          <p:cNvPr id="4" name="Titolo 3">
+          <p:cNvPr id="4" name="Segnaposto testo 3">
             <a:extLst>
               <a:ext uri="{FF2B5EF4-FFF2-40B4-BE49-F238E27FC236}">
-                <a16:creationId xmlns:a16="http://schemas.microsoft.com/office/drawing/2014/main" id="{4D7FAB61-73E3-4AC7-D81E-D60AD856413E}"/>
-              </a:ext>
-            </a:extLst>
-          </p:cNvPr>
-          <p:cNvSpPr>
-            <a:spLocks noGrp="1"/>
-          </p:cNvSpPr>
-          <p:nvPr>
-            <p:ph type="title"/>
-          </p:nvPr>
-        </p:nvSpPr>
-        <p:spPr/>
-        <p:txBody>
-          <a:bodyPr/>
-          <a:lstStyle/>
-          <a:p>
-            <a:r>
-              <a:rPr lang="it-IT" dirty="0"/>
-              <a:t>Slide solo testo</a:t>
-            </a:r>
-          </a:p>
-        </p:txBody>
-      </p:sp>
-      <p:sp>
-        <p:nvSpPr>
-          <p:cNvPr id="3" name="Segnaposto testo 2">
-            <a:extLst>
-              <a:ext uri="{FF2B5EF4-FFF2-40B4-BE49-F238E27FC236}">
-                <a16:creationId xmlns:a16="http://schemas.microsoft.com/office/drawing/2014/main" id="{94929320-154D-CED2-0608-C6E5AF7F4022}"/>
-              </a:ext>
-            </a:extLst>
-          </p:cNvPr>
-          <p:cNvSpPr>
-            <a:spLocks noGrp="1"/>
-          </p:cNvSpPr>
-          <p:nvPr>
-            <p:ph type="body" sz="quarter" idx="13"/>
-          </p:nvPr>
-        </p:nvSpPr>
-        <p:spPr/>
-        <p:txBody>
-          <a:bodyPr/>
-          <a:lstStyle/>
-          <a:p>
-            <a:r>
-              <a:rPr lang="it-IT" dirty="0"/>
-              <a:t>Questi sono due esempi di </a:t>
-            </a:r>
-            <a:r>
-              <a:rPr lang="it-IT" b="1" dirty="0"/>
-              <a:t>collegamento ipertestuale:</a:t>
-            </a:r>
-            <a:endParaRPr lang="it-IT" dirty="0"/>
-          </a:p>
-          <a:p>
-            <a:endParaRPr lang="it-IT" dirty="0"/>
-          </a:p>
-          <a:p>
-            <a:r>
-              <a:rPr lang="it-IT" dirty="0">
-                <a:hlinkClick r:id="rId3" tooltip="Sito web dell'Università degli Studi di Firenze"/>
-              </a:rPr>
-              <a:t>Sito dell’Università di Firenze</a:t>
-            </a:r>
-            <a:endParaRPr lang="it-IT" dirty="0"/>
-          </a:p>
-          <a:p>
-            <a:r>
-              <a:rPr lang="it-IT" dirty="0">
-                <a:hlinkClick r:id="rId4"/>
-              </a:rPr>
-              <a:t>Orto botanico di Firenze</a:t>
-            </a:r>
-            <a:endParaRPr lang="it-IT" dirty="0"/>
-          </a:p>
-        </p:txBody>
-      </p:sp>
-      <p:sp>
-        <p:nvSpPr>
-          <p:cNvPr id="2" name="Segnaposto testo 1">
-            <a:extLst>
-              <a:ext uri="{FF2B5EF4-FFF2-40B4-BE49-F238E27FC236}">
-                <a16:creationId xmlns:a16="http://schemas.microsoft.com/office/drawing/2014/main" id="{C87A16C5-CC44-2BFC-D340-25F6ACE0196F}"/>
-              </a:ext>
-              <a:ext uri="{C183D7F6-B498-43B3-948B-1728B52AA6E4}">
-                <adec:decorative xmlns:adec="http://schemas.microsoft.com/office/drawing/2017/decorative" val="1"/>
+                <a16:creationId xmlns:a16="http://schemas.microsoft.com/office/drawing/2014/main" id="{A0356F0E-C03E-698B-FA95-5EE08052C10A}"/>
               </a:ext>
             </a:extLst>
           </p:cNvPr>
@@ -14615,14 +16892,2318 @@
           <a:bodyPr/>
           <a:lstStyle/>
           <a:p>
-            <a:endParaRPr lang="it-IT"/>
+            <a:r>
+              <a:rPr lang="it-IT" dirty="0"/>
+              <a:t>Algoritmi</a:t>
+            </a:r>
           </a:p>
         </p:txBody>
       </p:sp>
+      <p:sp>
+        <p:nvSpPr>
+          <p:cNvPr id="6" name="Segnaposto testo 5">
+            <a:extLst>
+              <a:ext uri="{FF2B5EF4-FFF2-40B4-BE49-F238E27FC236}">
+                <a16:creationId xmlns:a16="http://schemas.microsoft.com/office/drawing/2014/main" id="{C35DC1DB-5BF5-3611-5F38-5A76A26BDBD8}"/>
+              </a:ext>
+            </a:extLst>
+          </p:cNvPr>
+          <p:cNvSpPr txBox="1">
+            <a:spLocks/>
+          </p:cNvSpPr>
+          <p:nvPr/>
+        </p:nvSpPr>
+        <p:spPr>
+          <a:xfrm>
+            <a:off x="511941" y="879614"/>
+            <a:ext cx="2540748" cy="2749190"/>
+          </a:xfrm>
+          <a:prstGeom prst="rect">
+            <a:avLst/>
+          </a:prstGeom>
+        </p:spPr>
+        <p:txBody>
+          <a:bodyPr>
+            <a:normAutofit/>
+          </a:bodyPr>
+          <a:lstStyle>
+            <a:lvl1pPr marL="171450" indent="-171450" algn="l" defTabSz="685800" rtl="0" eaLnBrk="1" latinLnBrk="0" hangingPunct="1">
+              <a:lnSpc>
+                <a:spcPct val="90000"/>
+              </a:lnSpc>
+              <a:spcBef>
+                <a:spcPts val="750"/>
+              </a:spcBef>
+              <a:buFont typeface="Arial" panose="020B0604020202020204" pitchFamily="34" charset="0"/>
+              <a:buChar char="•"/>
+              <a:defRPr sz="2100" kern="1200">
+                <a:solidFill>
+                  <a:schemeClr val="tx1"/>
+                </a:solidFill>
+                <a:latin typeface="+mn-lt"/>
+                <a:ea typeface="+mn-ea"/>
+                <a:cs typeface="+mn-cs"/>
+              </a:defRPr>
+            </a:lvl1pPr>
+            <a:lvl2pPr marL="514350" indent="-171450" algn="l" defTabSz="685800" rtl="0" eaLnBrk="1" latinLnBrk="0" hangingPunct="1">
+              <a:lnSpc>
+                <a:spcPct val="90000"/>
+              </a:lnSpc>
+              <a:spcBef>
+                <a:spcPts val="375"/>
+              </a:spcBef>
+              <a:buFont typeface="Arial" panose="020B0604020202020204" pitchFamily="34" charset="0"/>
+              <a:buChar char="•"/>
+              <a:defRPr sz="1800" kern="1200">
+                <a:solidFill>
+                  <a:schemeClr val="tx1"/>
+                </a:solidFill>
+                <a:latin typeface="+mn-lt"/>
+                <a:ea typeface="+mn-ea"/>
+                <a:cs typeface="+mn-cs"/>
+              </a:defRPr>
+            </a:lvl2pPr>
+            <a:lvl3pPr marL="857250" indent="-171450" algn="l" defTabSz="685800" rtl="0" eaLnBrk="1" latinLnBrk="0" hangingPunct="1">
+              <a:lnSpc>
+                <a:spcPct val="90000"/>
+              </a:lnSpc>
+              <a:spcBef>
+                <a:spcPts val="375"/>
+              </a:spcBef>
+              <a:buFont typeface="Arial" panose="020B0604020202020204" pitchFamily="34" charset="0"/>
+              <a:buChar char="•"/>
+              <a:defRPr sz="1500" kern="1200">
+                <a:solidFill>
+                  <a:schemeClr val="tx1"/>
+                </a:solidFill>
+                <a:latin typeface="+mn-lt"/>
+                <a:ea typeface="+mn-ea"/>
+                <a:cs typeface="+mn-cs"/>
+              </a:defRPr>
+            </a:lvl3pPr>
+            <a:lvl4pPr marL="1200150" indent="-171450" algn="l" defTabSz="685800" rtl="0" eaLnBrk="1" latinLnBrk="0" hangingPunct="1">
+              <a:lnSpc>
+                <a:spcPct val="90000"/>
+              </a:lnSpc>
+              <a:spcBef>
+                <a:spcPts val="375"/>
+              </a:spcBef>
+              <a:buFont typeface="Arial" panose="020B0604020202020204" pitchFamily="34" charset="0"/>
+              <a:buChar char="•"/>
+              <a:defRPr sz="1350" kern="1200">
+                <a:solidFill>
+                  <a:schemeClr val="tx1"/>
+                </a:solidFill>
+                <a:latin typeface="+mn-lt"/>
+                <a:ea typeface="+mn-ea"/>
+                <a:cs typeface="+mn-cs"/>
+              </a:defRPr>
+            </a:lvl4pPr>
+            <a:lvl5pPr marL="1543050" indent="-171450" algn="l" defTabSz="685800" rtl="0" eaLnBrk="1" latinLnBrk="0" hangingPunct="1">
+              <a:lnSpc>
+                <a:spcPct val="90000"/>
+              </a:lnSpc>
+              <a:spcBef>
+                <a:spcPts val="375"/>
+              </a:spcBef>
+              <a:buFont typeface="Arial" panose="020B0604020202020204" pitchFamily="34" charset="0"/>
+              <a:buChar char="•"/>
+              <a:defRPr sz="1350" kern="1200">
+                <a:solidFill>
+                  <a:schemeClr val="tx1"/>
+                </a:solidFill>
+                <a:latin typeface="+mn-lt"/>
+                <a:ea typeface="+mn-ea"/>
+                <a:cs typeface="+mn-cs"/>
+              </a:defRPr>
+            </a:lvl5pPr>
+            <a:lvl6pPr marL="1885950" indent="-171450" algn="l" defTabSz="685800" rtl="0" eaLnBrk="1" latinLnBrk="0" hangingPunct="1">
+              <a:lnSpc>
+                <a:spcPct val="90000"/>
+              </a:lnSpc>
+              <a:spcBef>
+                <a:spcPts val="375"/>
+              </a:spcBef>
+              <a:buFont typeface="Arial" panose="020B0604020202020204" pitchFamily="34" charset="0"/>
+              <a:buChar char="•"/>
+              <a:defRPr sz="1350" kern="1200">
+                <a:solidFill>
+                  <a:schemeClr val="tx1"/>
+                </a:solidFill>
+                <a:latin typeface="+mn-lt"/>
+                <a:ea typeface="+mn-ea"/>
+                <a:cs typeface="+mn-cs"/>
+              </a:defRPr>
+            </a:lvl6pPr>
+            <a:lvl7pPr marL="2228850" indent="-171450" algn="l" defTabSz="685800" rtl="0" eaLnBrk="1" latinLnBrk="0" hangingPunct="1">
+              <a:lnSpc>
+                <a:spcPct val="90000"/>
+              </a:lnSpc>
+              <a:spcBef>
+                <a:spcPts val="375"/>
+              </a:spcBef>
+              <a:buFont typeface="Arial" panose="020B0604020202020204" pitchFamily="34" charset="0"/>
+              <a:buChar char="•"/>
+              <a:defRPr sz="1350" kern="1200">
+                <a:solidFill>
+                  <a:schemeClr val="tx1"/>
+                </a:solidFill>
+                <a:latin typeface="+mn-lt"/>
+                <a:ea typeface="+mn-ea"/>
+                <a:cs typeface="+mn-cs"/>
+              </a:defRPr>
+            </a:lvl7pPr>
+            <a:lvl8pPr marL="2571750" indent="-171450" algn="l" defTabSz="685800" rtl="0" eaLnBrk="1" latinLnBrk="0" hangingPunct="1">
+              <a:lnSpc>
+                <a:spcPct val="90000"/>
+              </a:lnSpc>
+              <a:spcBef>
+                <a:spcPts val="375"/>
+              </a:spcBef>
+              <a:buFont typeface="Arial" panose="020B0604020202020204" pitchFamily="34" charset="0"/>
+              <a:buChar char="•"/>
+              <a:defRPr sz="1350" kern="1200">
+                <a:solidFill>
+                  <a:schemeClr val="tx1"/>
+                </a:solidFill>
+                <a:latin typeface="+mn-lt"/>
+                <a:ea typeface="+mn-ea"/>
+                <a:cs typeface="+mn-cs"/>
+              </a:defRPr>
+            </a:lvl8pPr>
+            <a:lvl9pPr marL="2914650" indent="-171450" algn="l" defTabSz="685800" rtl="0" eaLnBrk="1" latinLnBrk="0" hangingPunct="1">
+              <a:lnSpc>
+                <a:spcPct val="90000"/>
+              </a:lnSpc>
+              <a:spcBef>
+                <a:spcPts val="375"/>
+              </a:spcBef>
+              <a:buFont typeface="Arial" panose="020B0604020202020204" pitchFamily="34" charset="0"/>
+              <a:buChar char="•"/>
+              <a:defRPr sz="1350" kern="1200">
+                <a:solidFill>
+                  <a:schemeClr val="tx1"/>
+                </a:solidFill>
+                <a:latin typeface="+mn-lt"/>
+                <a:ea typeface="+mn-ea"/>
+                <a:cs typeface="+mn-cs"/>
+              </a:defRPr>
+            </a:lvl9pPr>
+          </a:lstStyle>
+          <a:p>
+            <a:pPr>
+              <a:lnSpc>
+                <a:spcPct val="110000"/>
+              </a:lnSpc>
+            </a:pPr>
+            <a:endParaRPr lang="it-IT" dirty="0"/>
+          </a:p>
+          <a:p>
+            <a:endParaRPr lang="it-IT" dirty="0"/>
+          </a:p>
+        </p:txBody>
+      </p:sp>
+      <p:sp>
+        <p:nvSpPr>
+          <p:cNvPr id="13" name="Segnaposto testo 4">
+            <a:extLst>
+              <a:ext uri="{FF2B5EF4-FFF2-40B4-BE49-F238E27FC236}">
+                <a16:creationId xmlns:a16="http://schemas.microsoft.com/office/drawing/2014/main" id="{F03667D6-B829-884D-3B7B-6BF2B2F94CFB}"/>
+              </a:ext>
+            </a:extLst>
+          </p:cNvPr>
+          <p:cNvSpPr>
+            <a:spLocks noGrp="1"/>
+          </p:cNvSpPr>
+          <p:nvPr>
+            <p:ph type="body" sz="quarter" idx="11"/>
+          </p:nvPr>
+        </p:nvSpPr>
+        <p:spPr>
+          <a:xfrm>
+            <a:off x="4274826" y="3848563"/>
+            <a:ext cx="4869174" cy="604241"/>
+          </a:xfrm>
+        </p:spPr>
+        <p:txBody>
+          <a:bodyPr/>
+          <a:lstStyle/>
+          <a:p>
+            <a:r>
+              <a:rPr lang="it-IT" dirty="0"/>
+              <a:t>Definizione dei parametri </a:t>
+            </a:r>
+          </a:p>
+        </p:txBody>
+      </p:sp>
+      <mc:AlternateContent xmlns:mc="http://schemas.openxmlformats.org/markup-compatibility/2006">
+        <mc:Choice xmlns:a14="http://schemas.microsoft.com/office/drawing/2010/main" Requires="a14">
+          <p:sp>
+            <p:nvSpPr>
+              <p:cNvPr id="2" name="Segnaposto testo 6">
+                <a:extLst>
+                  <a:ext uri="{FF2B5EF4-FFF2-40B4-BE49-F238E27FC236}">
+                    <a16:creationId xmlns:a16="http://schemas.microsoft.com/office/drawing/2014/main" id="{77B9A1C3-B0F6-133D-42FD-47154C27C0EC}"/>
+                  </a:ext>
+                </a:extLst>
+              </p:cNvPr>
+              <p:cNvSpPr txBox="1">
+                <a:spLocks/>
+              </p:cNvSpPr>
+              <p:nvPr/>
+            </p:nvSpPr>
+            <p:spPr>
+              <a:xfrm>
+                <a:off x="140076" y="1016622"/>
+                <a:ext cx="4589036" cy="1023194"/>
+              </a:xfrm>
+              <a:prstGeom prst="rect">
+                <a:avLst/>
+              </a:prstGeom>
+            </p:spPr>
+            <p:txBody>
+              <a:bodyPr/>
+              <a:lstStyle>
+                <a:lvl1pPr marL="171450" indent="-171450" algn="l" defTabSz="685800" rtl="0" eaLnBrk="1" latinLnBrk="0" hangingPunct="1">
+                  <a:lnSpc>
+                    <a:spcPct val="90000"/>
+                  </a:lnSpc>
+                  <a:spcBef>
+                    <a:spcPts val="750"/>
+                  </a:spcBef>
+                  <a:buFont typeface="Arial" panose="020B0604020202020204" pitchFamily="34" charset="0"/>
+                  <a:buChar char="•"/>
+                  <a:defRPr sz="2100" kern="1200">
+                    <a:solidFill>
+                      <a:schemeClr val="tx1"/>
+                    </a:solidFill>
+                    <a:latin typeface="+mn-lt"/>
+                    <a:ea typeface="+mn-ea"/>
+                    <a:cs typeface="+mn-cs"/>
+                  </a:defRPr>
+                </a:lvl1pPr>
+                <a:lvl2pPr marL="514350" indent="-171450" algn="l" defTabSz="685800" rtl="0" eaLnBrk="1" latinLnBrk="0" hangingPunct="1">
+                  <a:lnSpc>
+                    <a:spcPct val="90000"/>
+                  </a:lnSpc>
+                  <a:spcBef>
+                    <a:spcPts val="375"/>
+                  </a:spcBef>
+                  <a:buFont typeface="Arial" panose="020B0604020202020204" pitchFamily="34" charset="0"/>
+                  <a:buChar char="•"/>
+                  <a:defRPr sz="1800" kern="1200">
+                    <a:solidFill>
+                      <a:schemeClr val="tx1"/>
+                    </a:solidFill>
+                    <a:latin typeface="+mn-lt"/>
+                    <a:ea typeface="+mn-ea"/>
+                    <a:cs typeface="+mn-cs"/>
+                  </a:defRPr>
+                </a:lvl2pPr>
+                <a:lvl3pPr marL="857250" indent="-171450" algn="l" defTabSz="685800" rtl="0" eaLnBrk="1" latinLnBrk="0" hangingPunct="1">
+                  <a:lnSpc>
+                    <a:spcPct val="90000"/>
+                  </a:lnSpc>
+                  <a:spcBef>
+                    <a:spcPts val="375"/>
+                  </a:spcBef>
+                  <a:buFont typeface="Arial" panose="020B0604020202020204" pitchFamily="34" charset="0"/>
+                  <a:buChar char="•"/>
+                  <a:defRPr sz="1500" kern="1200">
+                    <a:solidFill>
+                      <a:schemeClr val="tx1"/>
+                    </a:solidFill>
+                    <a:latin typeface="+mn-lt"/>
+                    <a:ea typeface="+mn-ea"/>
+                    <a:cs typeface="+mn-cs"/>
+                  </a:defRPr>
+                </a:lvl3pPr>
+                <a:lvl4pPr marL="1200150" indent="-171450" algn="l" defTabSz="685800" rtl="0" eaLnBrk="1" latinLnBrk="0" hangingPunct="1">
+                  <a:lnSpc>
+                    <a:spcPct val="90000"/>
+                  </a:lnSpc>
+                  <a:spcBef>
+                    <a:spcPts val="375"/>
+                  </a:spcBef>
+                  <a:buFont typeface="Arial" panose="020B0604020202020204" pitchFamily="34" charset="0"/>
+                  <a:buChar char="•"/>
+                  <a:defRPr sz="1350" kern="1200">
+                    <a:solidFill>
+                      <a:schemeClr val="tx1"/>
+                    </a:solidFill>
+                    <a:latin typeface="+mn-lt"/>
+                    <a:ea typeface="+mn-ea"/>
+                    <a:cs typeface="+mn-cs"/>
+                  </a:defRPr>
+                </a:lvl4pPr>
+                <a:lvl5pPr marL="1543050" indent="-171450" algn="l" defTabSz="685800" rtl="0" eaLnBrk="1" latinLnBrk="0" hangingPunct="1">
+                  <a:lnSpc>
+                    <a:spcPct val="90000"/>
+                  </a:lnSpc>
+                  <a:spcBef>
+                    <a:spcPts val="375"/>
+                  </a:spcBef>
+                  <a:buFont typeface="Arial" panose="020B0604020202020204" pitchFamily="34" charset="0"/>
+                  <a:buChar char="•"/>
+                  <a:defRPr sz="1350" kern="1200">
+                    <a:solidFill>
+                      <a:schemeClr val="tx1"/>
+                    </a:solidFill>
+                    <a:latin typeface="+mn-lt"/>
+                    <a:ea typeface="+mn-ea"/>
+                    <a:cs typeface="+mn-cs"/>
+                  </a:defRPr>
+                </a:lvl5pPr>
+                <a:lvl6pPr marL="1885950" indent="-171450" algn="l" defTabSz="685800" rtl="0" eaLnBrk="1" latinLnBrk="0" hangingPunct="1">
+                  <a:lnSpc>
+                    <a:spcPct val="90000"/>
+                  </a:lnSpc>
+                  <a:spcBef>
+                    <a:spcPts val="375"/>
+                  </a:spcBef>
+                  <a:buFont typeface="Arial" panose="020B0604020202020204" pitchFamily="34" charset="0"/>
+                  <a:buChar char="•"/>
+                  <a:defRPr sz="1350" kern="1200">
+                    <a:solidFill>
+                      <a:schemeClr val="tx1"/>
+                    </a:solidFill>
+                    <a:latin typeface="+mn-lt"/>
+                    <a:ea typeface="+mn-ea"/>
+                    <a:cs typeface="+mn-cs"/>
+                  </a:defRPr>
+                </a:lvl6pPr>
+                <a:lvl7pPr marL="2228850" indent="-171450" algn="l" defTabSz="685800" rtl="0" eaLnBrk="1" latinLnBrk="0" hangingPunct="1">
+                  <a:lnSpc>
+                    <a:spcPct val="90000"/>
+                  </a:lnSpc>
+                  <a:spcBef>
+                    <a:spcPts val="375"/>
+                  </a:spcBef>
+                  <a:buFont typeface="Arial" panose="020B0604020202020204" pitchFamily="34" charset="0"/>
+                  <a:buChar char="•"/>
+                  <a:defRPr sz="1350" kern="1200">
+                    <a:solidFill>
+                      <a:schemeClr val="tx1"/>
+                    </a:solidFill>
+                    <a:latin typeface="+mn-lt"/>
+                    <a:ea typeface="+mn-ea"/>
+                    <a:cs typeface="+mn-cs"/>
+                  </a:defRPr>
+                </a:lvl7pPr>
+                <a:lvl8pPr marL="2571750" indent="-171450" algn="l" defTabSz="685800" rtl="0" eaLnBrk="1" latinLnBrk="0" hangingPunct="1">
+                  <a:lnSpc>
+                    <a:spcPct val="90000"/>
+                  </a:lnSpc>
+                  <a:spcBef>
+                    <a:spcPts val="375"/>
+                  </a:spcBef>
+                  <a:buFont typeface="Arial" panose="020B0604020202020204" pitchFamily="34" charset="0"/>
+                  <a:buChar char="•"/>
+                  <a:defRPr sz="1350" kern="1200">
+                    <a:solidFill>
+                      <a:schemeClr val="tx1"/>
+                    </a:solidFill>
+                    <a:latin typeface="+mn-lt"/>
+                    <a:ea typeface="+mn-ea"/>
+                    <a:cs typeface="+mn-cs"/>
+                  </a:defRPr>
+                </a:lvl8pPr>
+                <a:lvl9pPr marL="2914650" indent="-171450" algn="l" defTabSz="685800" rtl="0" eaLnBrk="1" latinLnBrk="0" hangingPunct="1">
+                  <a:lnSpc>
+                    <a:spcPct val="90000"/>
+                  </a:lnSpc>
+                  <a:spcBef>
+                    <a:spcPts val="375"/>
+                  </a:spcBef>
+                  <a:buFont typeface="Arial" panose="020B0604020202020204" pitchFamily="34" charset="0"/>
+                  <a:buChar char="•"/>
+                  <a:defRPr sz="1350" kern="1200">
+                    <a:solidFill>
+                      <a:schemeClr val="tx1"/>
+                    </a:solidFill>
+                    <a:latin typeface="+mn-lt"/>
+                    <a:ea typeface="+mn-ea"/>
+                    <a:cs typeface="+mn-cs"/>
+                  </a:defRPr>
+                </a:lvl9pPr>
+              </a:lstStyle>
+              <a:p>
+                <a:pPr marL="0" indent="0">
+                  <a:buNone/>
+                </a:pPr>
+                <a:r>
+                  <a:rPr lang="it-IT" sz="1125" b="1" dirty="0">
+                    <a:solidFill>
+                      <a:srgbClr val="727272"/>
+                    </a:solidFill>
+                    <a:latin typeface="Verdana" panose="020B0604030504040204" pitchFamily="34" charset="0"/>
+                    <a:ea typeface="Verdana" panose="020B0604030504040204" pitchFamily="34" charset="0"/>
+                  </a:rPr>
+                  <a:t>Forza repulsiva totale tra l’agente ‘i’ e l’agente ‘k’:</a:t>
+                </a:r>
+              </a:p>
+              <a:p>
+                <a:pPr marL="0" indent="0">
+                  <a:buNone/>
+                </a:pPr>
+                <a:endParaRPr lang="it-IT" sz="1125" b="1" dirty="0">
+                  <a:solidFill>
+                    <a:srgbClr val="727272"/>
+                  </a:solidFill>
+                  <a:latin typeface="Verdana" panose="020B0604030504040204" pitchFamily="34" charset="0"/>
+                  <a:ea typeface="Verdana" panose="020B0604030504040204" pitchFamily="34" charset="0"/>
+                </a:endParaRPr>
+              </a:p>
+              <a:p>
+                <a:pPr marL="0" indent="0">
+                  <a:buNone/>
+                </a:pPr>
+                <a14:m>
+                  <m:oMathPara xmlns:m="http://schemas.openxmlformats.org/officeDocument/2006/math">
+                    <m:oMathParaPr>
+                      <m:jc m:val="centerGroup"/>
+                    </m:oMathParaPr>
+                    <m:oMath xmlns:m="http://schemas.openxmlformats.org/officeDocument/2006/math">
+                      <m:r>
+                        <m:rPr>
+                          <m:nor/>
+                        </m:rPr>
+                        <a:rPr lang="el-GR" sz="1400" b="1" i="1" dirty="0">
+                          <a:solidFill>
+                            <a:srgbClr val="727272"/>
+                          </a:solidFill>
+                          <a:ea typeface="Verdana" panose="020B0604030504040204" pitchFamily="34" charset="0"/>
+                        </a:rPr>
+                        <m:t>η</m:t>
+                      </m:r>
+                      <m:r>
+                        <m:rPr>
+                          <m:nor/>
+                        </m:rPr>
+                        <a:rPr lang="it-IT" sz="1400" b="1" i="1" dirty="0" smtClean="0">
+                          <a:solidFill>
+                            <a:srgbClr val="727272"/>
+                          </a:solidFill>
+                          <a:ea typeface="Verdana" panose="020B0604030504040204" pitchFamily="34" charset="0"/>
+                        </a:rPr>
+                        <m:t> </m:t>
+                      </m:r>
+                      <m:r>
+                        <m:rPr>
+                          <m:nor/>
+                        </m:rPr>
+                        <a:rPr lang="it-IT" sz="1400" b="1" i="1" dirty="0">
+                          <a:solidFill>
+                            <a:srgbClr val="727272"/>
+                          </a:solidFill>
+                          <a:ea typeface="Verdana" panose="020B0604030504040204" pitchFamily="34" charset="0"/>
+                        </a:rPr>
+                        <m:t>=</m:t>
+                      </m:r>
+                      <m:nary>
+                        <m:naryPr>
+                          <m:chr m:val="∑"/>
+                          <m:supHide m:val="on"/>
+                          <m:ctrlPr>
+                            <a:rPr lang="it-IT" sz="1400" b="1" i="1" dirty="0">
+                              <a:solidFill>
+                                <a:srgbClr val="727272"/>
+                              </a:solidFill>
+                              <a:ea typeface="Verdana" panose="020B0604030504040204" pitchFamily="34" charset="0"/>
+                            </a:rPr>
+                          </m:ctrlPr>
+                        </m:naryPr>
+                        <m:sub>
+                          <m:r>
+                            <m:rPr>
+                              <m:brk m:alnAt="7"/>
+                            </m:rPr>
+                            <a:rPr lang="it-IT" sz="1400" b="1" i="1" dirty="0">
+                              <a:solidFill>
+                                <a:srgbClr val="727272"/>
+                              </a:solidFill>
+                              <a:ea typeface="Verdana" panose="020B0604030504040204" pitchFamily="34" charset="0"/>
+                            </a:rPr>
+                            <m:t>𝒌</m:t>
+                          </m:r>
+                          <m:r>
+                            <a:rPr lang="it-IT" sz="1400" b="1" i="1" dirty="0">
+                              <a:solidFill>
+                                <a:srgbClr val="727272"/>
+                              </a:solidFill>
+                              <a:ea typeface="Verdana" panose="020B0604030504040204" pitchFamily="34" charset="0"/>
+                            </a:rPr>
+                            <m:t>≠</m:t>
+                          </m:r>
+                          <m:r>
+                            <a:rPr lang="it-IT" sz="1400" b="1" i="1" dirty="0">
+                              <a:solidFill>
+                                <a:srgbClr val="727272"/>
+                              </a:solidFill>
+                              <a:ea typeface="Verdana" panose="020B0604030504040204" pitchFamily="34" charset="0"/>
+                            </a:rPr>
+                            <m:t>𝒊</m:t>
+                          </m:r>
+                        </m:sub>
+                        <m:sup/>
+                        <m:e>
+                          <m:sSubSup>
+                            <m:sSubSupPr>
+                              <m:ctrlPr>
+                                <a:rPr lang="it-IT" sz="1400" b="1" i="1" dirty="0">
+                                  <a:solidFill>
+                                    <a:srgbClr val="727272"/>
+                                  </a:solidFill>
+                                  <a:ea typeface="Verdana" panose="020B0604030504040204" pitchFamily="34" charset="0"/>
+                                </a:rPr>
+                              </m:ctrlPr>
+                            </m:sSubSupPr>
+                            <m:e>
+                              <m:r>
+                                <m:rPr>
+                                  <m:nor/>
+                                </m:rPr>
+                                <a:rPr lang="el-GR" sz="1400" b="1" i="1" dirty="0">
+                                  <a:solidFill>
+                                    <a:srgbClr val="727272"/>
+                                  </a:solidFill>
+                                  <a:ea typeface="Verdana" panose="020B0604030504040204" pitchFamily="34" charset="0"/>
+                                </a:rPr>
+                                <m:t>η</m:t>
+                              </m:r>
+                            </m:e>
+                            <m:sub>
+                              <m:r>
+                                <a:rPr lang="it-IT" sz="1400" b="1" i="1" dirty="0">
+                                  <a:solidFill>
+                                    <a:srgbClr val="727272"/>
+                                  </a:solidFill>
+                                  <a:ea typeface="Verdana" panose="020B0604030504040204" pitchFamily="34" charset="0"/>
+                                </a:rPr>
+                                <m:t>𝒊</m:t>
+                              </m:r>
+                            </m:sub>
+                            <m:sup>
+                              <m:r>
+                                <a:rPr lang="it-IT" sz="1400" b="1" i="1" dirty="0">
+                                  <a:solidFill>
+                                    <a:srgbClr val="727272"/>
+                                  </a:solidFill>
+                                  <a:ea typeface="Verdana" panose="020B0604030504040204" pitchFamily="34" charset="0"/>
+                                </a:rPr>
+                                <m:t>𝒌</m:t>
+                              </m:r>
+                            </m:sup>
+                          </m:sSubSup>
+                          <m:r>
+                            <a:rPr lang="it-IT" sz="1400" b="1" i="1" dirty="0">
+                              <a:solidFill>
+                                <a:srgbClr val="727272"/>
+                              </a:solidFill>
+                              <a:ea typeface="Verdana" panose="020B0604030504040204" pitchFamily="34" charset="0"/>
+                            </a:rPr>
+                            <m:t>(</m:t>
+                          </m:r>
+                          <m:r>
+                            <a:rPr lang="it-IT" sz="1400" b="1" i="1" dirty="0">
+                              <a:solidFill>
+                                <a:srgbClr val="727272"/>
+                              </a:solidFill>
+                              <a:ea typeface="Verdana" panose="020B0604030504040204" pitchFamily="34" charset="0"/>
+                            </a:rPr>
+                            <m:t>𝒕</m:t>
+                          </m:r>
+                          <m:r>
+                            <a:rPr lang="it-IT" sz="1400" b="1" i="1" dirty="0">
+                              <a:solidFill>
+                                <a:srgbClr val="727272"/>
+                              </a:solidFill>
+                              <a:ea typeface="Verdana" panose="020B0604030504040204" pitchFamily="34" charset="0"/>
+                            </a:rPr>
+                            <m:t>)</m:t>
+                          </m:r>
+                        </m:e>
+                      </m:nary>
+                    </m:oMath>
+                  </m:oMathPara>
+                </a14:m>
+                <a:endParaRPr lang="it-IT" sz="1400" b="1" i="1" dirty="0">
+                  <a:solidFill>
+                    <a:srgbClr val="727272"/>
+                  </a:solidFill>
+                  <a:ea typeface="Verdana" panose="020B0604030504040204" pitchFamily="34" charset="0"/>
+                </a:endParaRPr>
+              </a:p>
+            </p:txBody>
+          </p:sp>
+        </mc:Choice>
+        <mc:Fallback>
+          <p:sp>
+            <p:nvSpPr>
+              <p:cNvPr id="2" name="Segnaposto testo 6">
+                <a:extLst>
+                  <a:ext uri="{FF2B5EF4-FFF2-40B4-BE49-F238E27FC236}">
+                    <a16:creationId xmlns:a16="http://schemas.microsoft.com/office/drawing/2014/main" id="{77B9A1C3-B0F6-133D-42FD-47154C27C0EC}"/>
+                  </a:ext>
+                </a:extLst>
+              </p:cNvPr>
+              <p:cNvSpPr txBox="1">
+                <a:spLocks noRot="1" noChangeAspect="1" noMove="1" noResize="1" noEditPoints="1" noAdjustHandles="1" noChangeArrowheads="1" noChangeShapeType="1" noTextEdit="1"/>
+              </p:cNvSpPr>
+              <p:nvPr/>
+            </p:nvSpPr>
+            <p:spPr>
+              <a:xfrm>
+                <a:off x="140076" y="1016622"/>
+                <a:ext cx="4589036" cy="1023194"/>
+              </a:xfrm>
+              <a:prstGeom prst="rect">
+                <a:avLst/>
+              </a:prstGeom>
+              <a:blipFill>
+                <a:blip r:embed="rId2"/>
+                <a:stretch>
+                  <a:fillRect t="-33929" b="-95833"/>
+                </a:stretch>
+              </a:blipFill>
+            </p:spPr>
+            <p:txBody>
+              <a:bodyPr/>
+              <a:lstStyle/>
+              <a:p>
+                <a:r>
+                  <a:rPr lang="it-IT">
+                    <a:noFill/>
+                  </a:rPr>
+                  <a:t> </a:t>
+                </a:r>
+              </a:p>
+            </p:txBody>
+          </p:sp>
+        </mc:Fallback>
+      </mc:AlternateContent>
+      <mc:AlternateContent xmlns:mc="http://schemas.openxmlformats.org/markup-compatibility/2006">
+        <mc:Choice xmlns:a14="http://schemas.microsoft.com/office/drawing/2010/main" Requires="a14">
+          <p:sp>
+            <p:nvSpPr>
+              <p:cNvPr id="3" name="Segnaposto testo 6">
+                <a:extLst>
+                  <a:ext uri="{FF2B5EF4-FFF2-40B4-BE49-F238E27FC236}">
+                    <a16:creationId xmlns:a16="http://schemas.microsoft.com/office/drawing/2014/main" id="{736D8610-C620-EEAF-A978-7C5D694F996D}"/>
+                  </a:ext>
+                </a:extLst>
+              </p:cNvPr>
+              <p:cNvSpPr txBox="1">
+                <a:spLocks/>
+              </p:cNvSpPr>
+              <p:nvPr/>
+            </p:nvSpPr>
+            <p:spPr>
+              <a:xfrm>
+                <a:off x="140076" y="2317083"/>
+                <a:ext cx="4589036" cy="1023194"/>
+              </a:xfrm>
+              <a:prstGeom prst="rect">
+                <a:avLst/>
+              </a:prstGeom>
+            </p:spPr>
+            <p:txBody>
+              <a:bodyPr/>
+              <a:lstStyle>
+                <a:lvl1pPr marL="171450" indent="-171450" algn="l" defTabSz="685800" rtl="0" eaLnBrk="1" latinLnBrk="0" hangingPunct="1">
+                  <a:lnSpc>
+                    <a:spcPct val="90000"/>
+                  </a:lnSpc>
+                  <a:spcBef>
+                    <a:spcPts val="750"/>
+                  </a:spcBef>
+                  <a:buFont typeface="Arial" panose="020B0604020202020204" pitchFamily="34" charset="0"/>
+                  <a:buChar char="•"/>
+                  <a:defRPr sz="2100" kern="1200">
+                    <a:solidFill>
+                      <a:schemeClr val="tx1"/>
+                    </a:solidFill>
+                    <a:latin typeface="+mn-lt"/>
+                    <a:ea typeface="+mn-ea"/>
+                    <a:cs typeface="+mn-cs"/>
+                  </a:defRPr>
+                </a:lvl1pPr>
+                <a:lvl2pPr marL="514350" indent="-171450" algn="l" defTabSz="685800" rtl="0" eaLnBrk="1" latinLnBrk="0" hangingPunct="1">
+                  <a:lnSpc>
+                    <a:spcPct val="90000"/>
+                  </a:lnSpc>
+                  <a:spcBef>
+                    <a:spcPts val="375"/>
+                  </a:spcBef>
+                  <a:buFont typeface="Arial" panose="020B0604020202020204" pitchFamily="34" charset="0"/>
+                  <a:buChar char="•"/>
+                  <a:defRPr sz="1800" kern="1200">
+                    <a:solidFill>
+                      <a:schemeClr val="tx1"/>
+                    </a:solidFill>
+                    <a:latin typeface="+mn-lt"/>
+                    <a:ea typeface="+mn-ea"/>
+                    <a:cs typeface="+mn-cs"/>
+                  </a:defRPr>
+                </a:lvl2pPr>
+                <a:lvl3pPr marL="857250" indent="-171450" algn="l" defTabSz="685800" rtl="0" eaLnBrk="1" latinLnBrk="0" hangingPunct="1">
+                  <a:lnSpc>
+                    <a:spcPct val="90000"/>
+                  </a:lnSpc>
+                  <a:spcBef>
+                    <a:spcPts val="375"/>
+                  </a:spcBef>
+                  <a:buFont typeface="Arial" panose="020B0604020202020204" pitchFamily="34" charset="0"/>
+                  <a:buChar char="•"/>
+                  <a:defRPr sz="1500" kern="1200">
+                    <a:solidFill>
+                      <a:schemeClr val="tx1"/>
+                    </a:solidFill>
+                    <a:latin typeface="+mn-lt"/>
+                    <a:ea typeface="+mn-ea"/>
+                    <a:cs typeface="+mn-cs"/>
+                  </a:defRPr>
+                </a:lvl3pPr>
+                <a:lvl4pPr marL="1200150" indent="-171450" algn="l" defTabSz="685800" rtl="0" eaLnBrk="1" latinLnBrk="0" hangingPunct="1">
+                  <a:lnSpc>
+                    <a:spcPct val="90000"/>
+                  </a:lnSpc>
+                  <a:spcBef>
+                    <a:spcPts val="375"/>
+                  </a:spcBef>
+                  <a:buFont typeface="Arial" panose="020B0604020202020204" pitchFamily="34" charset="0"/>
+                  <a:buChar char="•"/>
+                  <a:defRPr sz="1350" kern="1200">
+                    <a:solidFill>
+                      <a:schemeClr val="tx1"/>
+                    </a:solidFill>
+                    <a:latin typeface="+mn-lt"/>
+                    <a:ea typeface="+mn-ea"/>
+                    <a:cs typeface="+mn-cs"/>
+                  </a:defRPr>
+                </a:lvl4pPr>
+                <a:lvl5pPr marL="1543050" indent="-171450" algn="l" defTabSz="685800" rtl="0" eaLnBrk="1" latinLnBrk="0" hangingPunct="1">
+                  <a:lnSpc>
+                    <a:spcPct val="90000"/>
+                  </a:lnSpc>
+                  <a:spcBef>
+                    <a:spcPts val="375"/>
+                  </a:spcBef>
+                  <a:buFont typeface="Arial" panose="020B0604020202020204" pitchFamily="34" charset="0"/>
+                  <a:buChar char="•"/>
+                  <a:defRPr sz="1350" kern="1200">
+                    <a:solidFill>
+                      <a:schemeClr val="tx1"/>
+                    </a:solidFill>
+                    <a:latin typeface="+mn-lt"/>
+                    <a:ea typeface="+mn-ea"/>
+                    <a:cs typeface="+mn-cs"/>
+                  </a:defRPr>
+                </a:lvl5pPr>
+                <a:lvl6pPr marL="1885950" indent="-171450" algn="l" defTabSz="685800" rtl="0" eaLnBrk="1" latinLnBrk="0" hangingPunct="1">
+                  <a:lnSpc>
+                    <a:spcPct val="90000"/>
+                  </a:lnSpc>
+                  <a:spcBef>
+                    <a:spcPts val="375"/>
+                  </a:spcBef>
+                  <a:buFont typeface="Arial" panose="020B0604020202020204" pitchFamily="34" charset="0"/>
+                  <a:buChar char="•"/>
+                  <a:defRPr sz="1350" kern="1200">
+                    <a:solidFill>
+                      <a:schemeClr val="tx1"/>
+                    </a:solidFill>
+                    <a:latin typeface="+mn-lt"/>
+                    <a:ea typeface="+mn-ea"/>
+                    <a:cs typeface="+mn-cs"/>
+                  </a:defRPr>
+                </a:lvl6pPr>
+                <a:lvl7pPr marL="2228850" indent="-171450" algn="l" defTabSz="685800" rtl="0" eaLnBrk="1" latinLnBrk="0" hangingPunct="1">
+                  <a:lnSpc>
+                    <a:spcPct val="90000"/>
+                  </a:lnSpc>
+                  <a:spcBef>
+                    <a:spcPts val="375"/>
+                  </a:spcBef>
+                  <a:buFont typeface="Arial" panose="020B0604020202020204" pitchFamily="34" charset="0"/>
+                  <a:buChar char="•"/>
+                  <a:defRPr sz="1350" kern="1200">
+                    <a:solidFill>
+                      <a:schemeClr val="tx1"/>
+                    </a:solidFill>
+                    <a:latin typeface="+mn-lt"/>
+                    <a:ea typeface="+mn-ea"/>
+                    <a:cs typeface="+mn-cs"/>
+                  </a:defRPr>
+                </a:lvl7pPr>
+                <a:lvl8pPr marL="2571750" indent="-171450" algn="l" defTabSz="685800" rtl="0" eaLnBrk="1" latinLnBrk="0" hangingPunct="1">
+                  <a:lnSpc>
+                    <a:spcPct val="90000"/>
+                  </a:lnSpc>
+                  <a:spcBef>
+                    <a:spcPts val="375"/>
+                  </a:spcBef>
+                  <a:buFont typeface="Arial" panose="020B0604020202020204" pitchFamily="34" charset="0"/>
+                  <a:buChar char="•"/>
+                  <a:defRPr sz="1350" kern="1200">
+                    <a:solidFill>
+                      <a:schemeClr val="tx1"/>
+                    </a:solidFill>
+                    <a:latin typeface="+mn-lt"/>
+                    <a:ea typeface="+mn-ea"/>
+                    <a:cs typeface="+mn-cs"/>
+                  </a:defRPr>
+                </a:lvl8pPr>
+                <a:lvl9pPr marL="2914650" indent="-171450" algn="l" defTabSz="685800" rtl="0" eaLnBrk="1" latinLnBrk="0" hangingPunct="1">
+                  <a:lnSpc>
+                    <a:spcPct val="90000"/>
+                  </a:lnSpc>
+                  <a:spcBef>
+                    <a:spcPts val="375"/>
+                  </a:spcBef>
+                  <a:buFont typeface="Arial" panose="020B0604020202020204" pitchFamily="34" charset="0"/>
+                  <a:buChar char="•"/>
+                  <a:defRPr sz="1350" kern="1200">
+                    <a:solidFill>
+                      <a:schemeClr val="tx1"/>
+                    </a:solidFill>
+                    <a:latin typeface="+mn-lt"/>
+                    <a:ea typeface="+mn-ea"/>
+                    <a:cs typeface="+mn-cs"/>
+                  </a:defRPr>
+                </a:lvl9pPr>
+              </a:lstStyle>
+              <a:p>
+                <a:pPr marL="0" indent="0">
+                  <a:buNone/>
+                </a:pPr>
+                <a:r>
+                  <a:rPr lang="it-IT" sz="1125" b="1" dirty="0">
+                    <a:solidFill>
+                      <a:srgbClr val="727272"/>
+                    </a:solidFill>
+                    <a:latin typeface="Verdana" panose="020B0604030504040204" pitchFamily="34" charset="0"/>
+                    <a:ea typeface="Verdana" panose="020B0604030504040204" pitchFamily="34" charset="0"/>
+                  </a:rPr>
+                  <a:t>Componente repulsiva:</a:t>
+                </a:r>
+              </a:p>
+              <a:p>
+                <a:pPr marL="0" indent="0">
+                  <a:buNone/>
+                </a:pPr>
+                <a:endParaRPr lang="it-IT" sz="1125" b="1" dirty="0">
+                  <a:solidFill>
+                    <a:srgbClr val="727272"/>
+                  </a:solidFill>
+                  <a:latin typeface="Verdana" panose="020B0604030504040204" pitchFamily="34" charset="0"/>
+                  <a:ea typeface="Verdana" panose="020B0604030504040204" pitchFamily="34" charset="0"/>
+                </a:endParaRPr>
+              </a:p>
+              <a:p>
+                <a:pPr marL="0" indent="0">
+                  <a:buNone/>
+                </a:pPr>
+                <a14:m>
+                  <m:oMathPara xmlns:m="http://schemas.openxmlformats.org/officeDocument/2006/math">
+                    <m:oMathParaPr>
+                      <m:jc m:val="centerGroup"/>
+                    </m:oMathParaPr>
+                    <m:oMath xmlns:m="http://schemas.openxmlformats.org/officeDocument/2006/math">
+                      <m:sSubSup>
+                        <m:sSubSupPr>
+                          <m:ctrlPr>
+                            <a:rPr lang="it-IT" sz="1200" b="1" i="1" smtClean="0">
+                              <a:solidFill>
+                                <a:srgbClr val="727272"/>
+                              </a:solidFill>
+                              <a:latin typeface="Cambria Math" panose="02040503050406030204" pitchFamily="18" charset="0"/>
+                              <a:ea typeface="Verdana" panose="020B0604030504040204" pitchFamily="34" charset="0"/>
+                            </a:rPr>
+                          </m:ctrlPr>
+                        </m:sSubSupPr>
+                        <m:e>
+                          <m:r>
+                            <m:rPr>
+                              <m:nor/>
+                            </m:rPr>
+                            <a:rPr lang="el-GR" sz="1200" b="1" i="1" dirty="0">
+                              <a:solidFill>
+                                <a:srgbClr val="727272"/>
+                              </a:solidFill>
+                              <a:ea typeface="Verdana" panose="020B0604030504040204" pitchFamily="34" charset="0"/>
+                            </a:rPr>
+                            <m:t>η</m:t>
+                          </m:r>
+                        </m:e>
+                        <m:sub>
+                          <m:r>
+                            <a:rPr lang="it-IT" sz="1200" b="1" i="1" smtClean="0">
+                              <a:solidFill>
+                                <a:srgbClr val="727272"/>
+                              </a:solidFill>
+                              <a:latin typeface="Cambria Math" panose="02040503050406030204" pitchFamily="18" charset="0"/>
+                              <a:ea typeface="Verdana" panose="020B0604030504040204" pitchFamily="34" charset="0"/>
+                            </a:rPr>
+                            <m:t>𝒊</m:t>
+                          </m:r>
+                        </m:sub>
+                        <m:sup>
+                          <m:r>
+                            <a:rPr lang="it-IT" sz="1200" b="1" i="1" smtClean="0">
+                              <a:solidFill>
+                                <a:srgbClr val="727272"/>
+                              </a:solidFill>
+                              <a:latin typeface="Cambria Math" panose="02040503050406030204" pitchFamily="18" charset="0"/>
+                              <a:ea typeface="Verdana" panose="020B0604030504040204" pitchFamily="34" charset="0"/>
+                            </a:rPr>
+                            <m:t>𝒌</m:t>
+                          </m:r>
+                        </m:sup>
+                      </m:sSubSup>
+                      <m:d>
+                        <m:dPr>
+                          <m:ctrlPr>
+                            <a:rPr lang="it-IT" sz="1200" b="1" i="1" smtClean="0">
+                              <a:solidFill>
+                                <a:srgbClr val="727272"/>
+                              </a:solidFill>
+                              <a:latin typeface="Cambria Math" panose="02040503050406030204" pitchFamily="18" charset="0"/>
+                              <a:ea typeface="Verdana" panose="020B0604030504040204" pitchFamily="34" charset="0"/>
+                            </a:rPr>
+                          </m:ctrlPr>
+                        </m:dPr>
+                        <m:e>
+                          <m:r>
+                            <a:rPr lang="it-IT" sz="1200" b="1" i="1" smtClean="0">
+                              <a:solidFill>
+                                <a:srgbClr val="727272"/>
+                              </a:solidFill>
+                              <a:latin typeface="Cambria Math" panose="02040503050406030204" pitchFamily="18" charset="0"/>
+                              <a:ea typeface="Verdana" panose="020B0604030504040204" pitchFamily="34" charset="0"/>
+                            </a:rPr>
+                            <m:t>𝒕</m:t>
+                          </m:r>
+                        </m:e>
+                      </m:d>
+                      <m:r>
+                        <a:rPr lang="it-IT" sz="1200" b="1" i="1" smtClean="0">
+                          <a:solidFill>
+                            <a:srgbClr val="727272"/>
+                          </a:solidFill>
+                          <a:latin typeface="Cambria Math" panose="02040503050406030204" pitchFamily="18" charset="0"/>
+                          <a:ea typeface="Verdana" panose="020B0604030504040204" pitchFamily="34" charset="0"/>
+                        </a:rPr>
+                        <m:t>= </m:t>
+                      </m:r>
+                      <m:d>
+                        <m:dPr>
+                          <m:begChr m:val="{"/>
+                          <m:endChr m:val=""/>
+                          <m:ctrlPr>
+                            <a:rPr lang="it-IT" sz="1200" b="1" i="1" smtClean="0">
+                              <a:solidFill>
+                                <a:srgbClr val="727272"/>
+                              </a:solidFill>
+                              <a:latin typeface="Cambria Math" panose="02040503050406030204" pitchFamily="18" charset="0"/>
+                              <a:ea typeface="Verdana" panose="020B0604030504040204" pitchFamily="34" charset="0"/>
+                            </a:rPr>
+                          </m:ctrlPr>
+                        </m:dPr>
+                        <m:e>
+                          <m:eqArr>
+                            <m:eqArrPr>
+                              <m:ctrlPr>
+                                <a:rPr lang="it-IT" sz="1200" b="1" i="1" smtClean="0">
+                                  <a:solidFill>
+                                    <a:srgbClr val="727272"/>
+                                  </a:solidFill>
+                                  <a:latin typeface="Cambria Math" panose="02040503050406030204" pitchFamily="18" charset="0"/>
+                                  <a:ea typeface="Verdana" panose="020B0604030504040204" pitchFamily="34" charset="0"/>
+                                </a:rPr>
+                              </m:ctrlPr>
+                            </m:eqArrPr>
+                            <m:e>
+                              <m:d>
+                                <m:dPr>
+                                  <m:begChr m:val="["/>
+                                  <m:endChr m:val="]"/>
+                                  <m:ctrlPr>
+                                    <a:rPr lang="it-IT" sz="1200" b="1" i="1" smtClean="0">
+                                      <a:solidFill>
+                                        <a:srgbClr val="727272"/>
+                                      </a:solidFill>
+                                      <a:latin typeface="Cambria Math" panose="02040503050406030204" pitchFamily="18" charset="0"/>
+                                      <a:ea typeface="Verdana" panose="020B0604030504040204" pitchFamily="34" charset="0"/>
+                                    </a:rPr>
+                                  </m:ctrlPr>
+                                </m:dPr>
+                                <m:e>
+                                  <m:f>
+                                    <m:fPr>
+                                      <m:ctrlPr>
+                                        <a:rPr lang="it-IT" sz="1200" b="1" i="1" smtClean="0">
+                                          <a:solidFill>
+                                            <a:srgbClr val="727272"/>
+                                          </a:solidFill>
+                                          <a:latin typeface="Cambria Math" panose="02040503050406030204" pitchFamily="18" charset="0"/>
+                                          <a:ea typeface="Verdana" panose="020B0604030504040204" pitchFamily="34" charset="0"/>
+                                        </a:rPr>
+                                      </m:ctrlPr>
+                                    </m:fPr>
+                                    <m:num>
+                                      <m:sSub>
+                                        <m:sSubPr>
+                                          <m:ctrlPr>
+                                            <a:rPr lang="it-IT" sz="1200" b="1" i="1" smtClean="0">
+                                              <a:solidFill>
+                                                <a:srgbClr val="727272"/>
+                                              </a:solidFill>
+                                              <a:latin typeface="Cambria Math" panose="02040503050406030204" pitchFamily="18" charset="0"/>
+                                              <a:ea typeface="Verdana" panose="020B0604030504040204" pitchFamily="34" charset="0"/>
+                                            </a:rPr>
+                                          </m:ctrlPr>
+                                        </m:sSubPr>
+                                        <m:e>
+                                          <m:r>
+                                            <a:rPr lang="it-IT" sz="1200" b="1" i="1" smtClean="0">
+                                              <a:solidFill>
+                                                <a:srgbClr val="727272"/>
+                                              </a:solidFill>
+                                              <a:latin typeface="Cambria Math" panose="02040503050406030204" pitchFamily="18" charset="0"/>
+                                              <a:ea typeface="Verdana" panose="020B0604030504040204" pitchFamily="34" charset="0"/>
+                                            </a:rPr>
+                                            <m:t>𝒑</m:t>
+                                          </m:r>
+                                        </m:e>
+                                        <m:sub>
+                                          <m:r>
+                                            <a:rPr lang="it-IT" sz="1200" b="1" i="1" smtClean="0">
+                                              <a:solidFill>
+                                                <a:srgbClr val="727272"/>
+                                              </a:solidFill>
+                                              <a:latin typeface="Cambria Math" panose="02040503050406030204" pitchFamily="18" charset="0"/>
+                                              <a:ea typeface="Verdana" panose="020B0604030504040204" pitchFamily="34" charset="0"/>
+                                            </a:rPr>
+                                            <m:t>𝒊</m:t>
+                                          </m:r>
+                                        </m:sub>
+                                      </m:sSub>
+                                      <m:d>
+                                        <m:dPr>
+                                          <m:ctrlPr>
+                                            <a:rPr lang="it-IT" sz="1200" b="1" i="1" smtClean="0">
+                                              <a:solidFill>
+                                                <a:srgbClr val="727272"/>
+                                              </a:solidFill>
+                                              <a:latin typeface="Cambria Math" panose="02040503050406030204" pitchFamily="18" charset="0"/>
+                                              <a:ea typeface="Verdana" panose="020B0604030504040204" pitchFamily="34" charset="0"/>
+                                            </a:rPr>
+                                          </m:ctrlPr>
+                                        </m:dPr>
+                                        <m:e>
+                                          <m:r>
+                                            <a:rPr lang="it-IT" sz="1200" b="1" i="1" smtClean="0">
+                                              <a:solidFill>
+                                                <a:srgbClr val="727272"/>
+                                              </a:solidFill>
+                                              <a:latin typeface="Cambria Math" panose="02040503050406030204" pitchFamily="18" charset="0"/>
+                                              <a:ea typeface="Verdana" panose="020B0604030504040204" pitchFamily="34" charset="0"/>
+                                            </a:rPr>
+                                            <m:t>𝒕</m:t>
+                                          </m:r>
+                                        </m:e>
+                                      </m:d>
+                                      <m:r>
+                                        <a:rPr lang="it-IT" sz="1200" b="1" i="1" smtClean="0">
+                                          <a:solidFill>
+                                            <a:srgbClr val="727272"/>
+                                          </a:solidFill>
+                                          <a:latin typeface="Cambria Math" panose="02040503050406030204" pitchFamily="18" charset="0"/>
+                                          <a:ea typeface="Verdana" panose="020B0604030504040204" pitchFamily="34" charset="0"/>
+                                        </a:rPr>
+                                        <m:t>−</m:t>
+                                      </m:r>
+                                      <m:sSub>
+                                        <m:sSubPr>
+                                          <m:ctrlPr>
+                                            <a:rPr lang="it-IT" sz="1200" b="1" i="1" smtClean="0">
+                                              <a:solidFill>
+                                                <a:srgbClr val="727272"/>
+                                              </a:solidFill>
+                                              <a:latin typeface="Cambria Math" panose="02040503050406030204" pitchFamily="18" charset="0"/>
+                                              <a:ea typeface="Verdana" panose="020B0604030504040204" pitchFamily="34" charset="0"/>
+                                            </a:rPr>
+                                          </m:ctrlPr>
+                                        </m:sSubPr>
+                                        <m:e>
+                                          <m:r>
+                                            <a:rPr lang="it-IT" sz="1200" b="1" i="1" smtClean="0">
+                                              <a:solidFill>
+                                                <a:srgbClr val="727272"/>
+                                              </a:solidFill>
+                                              <a:latin typeface="Cambria Math" panose="02040503050406030204" pitchFamily="18" charset="0"/>
+                                              <a:ea typeface="Verdana" panose="020B0604030504040204" pitchFamily="34" charset="0"/>
+                                            </a:rPr>
+                                            <m:t>𝒑</m:t>
+                                          </m:r>
+                                        </m:e>
+                                        <m:sub>
+                                          <m:r>
+                                            <a:rPr lang="it-IT" sz="1200" b="1" i="1" smtClean="0">
+                                              <a:solidFill>
+                                                <a:srgbClr val="727272"/>
+                                              </a:solidFill>
+                                              <a:latin typeface="Cambria Math" panose="02040503050406030204" pitchFamily="18" charset="0"/>
+                                              <a:ea typeface="Verdana" panose="020B0604030504040204" pitchFamily="34" charset="0"/>
+                                            </a:rPr>
+                                            <m:t>𝒌</m:t>
+                                          </m:r>
+                                        </m:sub>
+                                      </m:sSub>
+                                      <m:r>
+                                        <a:rPr lang="it-IT" sz="1200" b="1" i="1" smtClean="0">
+                                          <a:solidFill>
+                                            <a:srgbClr val="727272"/>
+                                          </a:solidFill>
+                                          <a:latin typeface="Cambria Math" panose="02040503050406030204" pitchFamily="18" charset="0"/>
+                                          <a:ea typeface="Verdana" panose="020B0604030504040204" pitchFamily="34" charset="0"/>
+                                        </a:rPr>
+                                        <m:t>(</m:t>
+                                      </m:r>
+                                      <m:r>
+                                        <a:rPr lang="it-IT" sz="1200" b="1" i="1" smtClean="0">
+                                          <a:solidFill>
+                                            <a:srgbClr val="727272"/>
+                                          </a:solidFill>
+                                          <a:latin typeface="Cambria Math" panose="02040503050406030204" pitchFamily="18" charset="0"/>
+                                          <a:ea typeface="Verdana" panose="020B0604030504040204" pitchFamily="34" charset="0"/>
+                                        </a:rPr>
+                                        <m:t>𝒕</m:t>
+                                      </m:r>
+                                      <m:r>
+                                        <a:rPr lang="it-IT" sz="1200" b="1" i="1" smtClean="0">
+                                          <a:solidFill>
+                                            <a:srgbClr val="727272"/>
+                                          </a:solidFill>
+                                          <a:latin typeface="Cambria Math" panose="02040503050406030204" pitchFamily="18" charset="0"/>
+                                          <a:ea typeface="Verdana" panose="020B0604030504040204" pitchFamily="34" charset="0"/>
+                                        </a:rPr>
+                                        <m:t>)</m:t>
+                                      </m:r>
+                                    </m:num>
+                                    <m:den>
+                                      <m:sSub>
+                                        <m:sSubPr>
+                                          <m:ctrlPr>
+                                            <a:rPr lang="it-IT" sz="1200" b="1" i="1" smtClean="0">
+                                              <a:solidFill>
+                                                <a:srgbClr val="727272"/>
+                                              </a:solidFill>
+                                              <a:latin typeface="Cambria Math" panose="02040503050406030204" pitchFamily="18" charset="0"/>
+                                              <a:ea typeface="Verdana" panose="020B0604030504040204" pitchFamily="34" charset="0"/>
+                                            </a:rPr>
+                                          </m:ctrlPr>
+                                        </m:sSubPr>
+                                        <m:e>
+                                          <m:r>
+                                            <a:rPr lang="it-IT" sz="1200" b="1" i="1" smtClean="0">
+                                              <a:solidFill>
+                                                <a:srgbClr val="727272"/>
+                                              </a:solidFill>
+                                              <a:latin typeface="Cambria Math" panose="02040503050406030204" pitchFamily="18" charset="0"/>
+                                              <a:ea typeface="Verdana" panose="020B0604030504040204" pitchFamily="34" charset="0"/>
+                                            </a:rPr>
+                                            <m:t>𝒅</m:t>
+                                          </m:r>
+                                        </m:e>
+                                        <m:sub>
+                                          <m:r>
+                                            <a:rPr lang="it-IT" sz="1200" b="1" i="1" smtClean="0">
+                                              <a:solidFill>
+                                                <a:srgbClr val="727272"/>
+                                              </a:solidFill>
+                                              <a:latin typeface="Cambria Math" panose="02040503050406030204" pitchFamily="18" charset="0"/>
+                                              <a:ea typeface="Verdana" panose="020B0604030504040204" pitchFamily="34" charset="0"/>
+                                            </a:rPr>
+                                            <m:t>𝒊𝒌</m:t>
+                                          </m:r>
+                                        </m:sub>
+                                      </m:sSub>
+                                      <m:r>
+                                        <a:rPr lang="it-IT" sz="1200" b="1" i="1" smtClean="0">
+                                          <a:solidFill>
+                                            <a:srgbClr val="727272"/>
+                                          </a:solidFill>
+                                          <a:latin typeface="Cambria Math" panose="02040503050406030204" pitchFamily="18" charset="0"/>
+                                          <a:ea typeface="Verdana" panose="020B0604030504040204" pitchFamily="34" charset="0"/>
+                                        </a:rPr>
+                                        <m:t>(</m:t>
+                                      </m:r>
+                                      <m:r>
+                                        <a:rPr lang="it-IT" sz="1200" b="1" i="1" smtClean="0">
+                                          <a:solidFill>
+                                            <a:srgbClr val="727272"/>
+                                          </a:solidFill>
+                                          <a:latin typeface="Cambria Math" panose="02040503050406030204" pitchFamily="18" charset="0"/>
+                                          <a:ea typeface="Verdana" panose="020B0604030504040204" pitchFamily="34" charset="0"/>
+                                        </a:rPr>
+                                        <m:t>𝒕</m:t>
+                                      </m:r>
+                                      <m:r>
+                                        <a:rPr lang="it-IT" sz="1200" b="1" i="1" smtClean="0">
+                                          <a:solidFill>
+                                            <a:srgbClr val="727272"/>
+                                          </a:solidFill>
+                                          <a:latin typeface="Cambria Math" panose="02040503050406030204" pitchFamily="18" charset="0"/>
+                                          <a:ea typeface="Verdana" panose="020B0604030504040204" pitchFamily="34" charset="0"/>
+                                        </a:rPr>
+                                        <m:t>)</m:t>
+                                      </m:r>
+                                    </m:den>
+                                  </m:f>
+                                </m:e>
+                              </m:d>
+                              <m:r>
+                                <a:rPr lang="it-IT" sz="1200" b="1" i="1" smtClean="0">
+                                  <a:solidFill>
+                                    <a:srgbClr val="727272"/>
+                                  </a:solidFill>
+                                  <a:latin typeface="Cambria Math" panose="02040503050406030204" pitchFamily="18" charset="0"/>
+                                  <a:ea typeface="Verdana" panose="020B0604030504040204" pitchFamily="34" charset="0"/>
+                                </a:rPr>
+                                <m:t>∗ </m:t>
+                              </m:r>
+                              <m:d>
+                                <m:dPr>
+                                  <m:begChr m:val="["/>
+                                  <m:endChr m:val="]"/>
+                                  <m:ctrlPr>
+                                    <a:rPr lang="it-IT" sz="1200" b="1" i="1" smtClean="0">
+                                      <a:solidFill>
+                                        <a:srgbClr val="727272"/>
+                                      </a:solidFill>
+                                      <a:latin typeface="Cambria Math" panose="02040503050406030204" pitchFamily="18" charset="0"/>
+                                      <a:ea typeface="Verdana" panose="020B0604030504040204" pitchFamily="34" charset="0"/>
+                                    </a:rPr>
+                                  </m:ctrlPr>
+                                </m:dPr>
+                                <m:e>
+                                  <m:f>
+                                    <m:fPr>
+                                      <m:ctrlPr>
+                                        <a:rPr lang="it-IT" sz="1200" b="1" i="1" smtClean="0">
+                                          <a:solidFill>
+                                            <a:srgbClr val="727272"/>
+                                          </a:solidFill>
+                                          <a:latin typeface="Cambria Math" panose="02040503050406030204" pitchFamily="18" charset="0"/>
+                                          <a:ea typeface="Verdana" panose="020B0604030504040204" pitchFamily="34" charset="0"/>
+                                        </a:rPr>
+                                      </m:ctrlPr>
+                                    </m:fPr>
+                                    <m:num>
+                                      <m:r>
+                                        <a:rPr lang="it-IT" sz="1200" b="1" i="1" smtClean="0">
+                                          <a:solidFill>
+                                            <a:srgbClr val="727272"/>
+                                          </a:solidFill>
+                                          <a:latin typeface="Cambria Math" panose="02040503050406030204" pitchFamily="18" charset="0"/>
+                                          <a:ea typeface="Cambria Math" panose="02040503050406030204" pitchFamily="18" charset="0"/>
+                                        </a:rPr>
+                                        <m:t>𝜹</m:t>
+                                      </m:r>
+                                      <m:r>
+                                        <a:rPr lang="it-IT" sz="1200" b="1" i="1" smtClean="0">
+                                          <a:solidFill>
+                                            <a:srgbClr val="727272"/>
+                                          </a:solidFill>
+                                          <a:latin typeface="Cambria Math" panose="02040503050406030204" pitchFamily="18" charset="0"/>
+                                          <a:ea typeface="Cambria Math" panose="02040503050406030204" pitchFamily="18" charset="0"/>
+                                        </a:rPr>
+                                        <m:t>−</m:t>
+                                      </m:r>
+                                      <m:sSub>
+                                        <m:sSubPr>
+                                          <m:ctrlPr>
+                                            <a:rPr lang="it-IT" sz="1200" b="1" i="1" smtClean="0">
+                                              <a:solidFill>
+                                                <a:srgbClr val="727272"/>
+                                              </a:solidFill>
+                                              <a:latin typeface="Cambria Math" panose="02040503050406030204" pitchFamily="18" charset="0"/>
+                                              <a:ea typeface="Cambria Math" panose="02040503050406030204" pitchFamily="18" charset="0"/>
+                                            </a:rPr>
+                                          </m:ctrlPr>
+                                        </m:sSubPr>
+                                        <m:e>
+                                          <m:r>
+                                            <a:rPr lang="it-IT" sz="1200" b="1" i="1" smtClean="0">
+                                              <a:solidFill>
+                                                <a:srgbClr val="727272"/>
+                                              </a:solidFill>
+                                              <a:latin typeface="Cambria Math" panose="02040503050406030204" pitchFamily="18" charset="0"/>
+                                              <a:ea typeface="Cambria Math" panose="02040503050406030204" pitchFamily="18" charset="0"/>
+                                            </a:rPr>
+                                            <m:t>𝒅</m:t>
+                                          </m:r>
+                                        </m:e>
+                                        <m:sub>
+                                          <m:r>
+                                            <a:rPr lang="it-IT" sz="1200" b="1" i="1" smtClean="0">
+                                              <a:solidFill>
+                                                <a:srgbClr val="727272"/>
+                                              </a:solidFill>
+                                              <a:latin typeface="Cambria Math" panose="02040503050406030204" pitchFamily="18" charset="0"/>
+                                              <a:ea typeface="Cambria Math" panose="02040503050406030204" pitchFamily="18" charset="0"/>
+                                            </a:rPr>
+                                            <m:t>𝒊𝒌</m:t>
+                                          </m:r>
+                                        </m:sub>
+                                      </m:sSub>
+                                      <m:d>
+                                        <m:dPr>
+                                          <m:ctrlPr>
+                                            <a:rPr lang="it-IT" sz="1200" b="1" i="1" smtClean="0">
+                                              <a:solidFill>
+                                                <a:srgbClr val="727272"/>
+                                              </a:solidFill>
+                                              <a:latin typeface="Cambria Math" panose="02040503050406030204" pitchFamily="18" charset="0"/>
+                                              <a:ea typeface="Cambria Math" panose="02040503050406030204" pitchFamily="18" charset="0"/>
+                                            </a:rPr>
+                                          </m:ctrlPr>
+                                        </m:dPr>
+                                        <m:e>
+                                          <m:r>
+                                            <a:rPr lang="it-IT" sz="1200" b="1" i="1" smtClean="0">
+                                              <a:solidFill>
+                                                <a:srgbClr val="727272"/>
+                                              </a:solidFill>
+                                              <a:latin typeface="Cambria Math" panose="02040503050406030204" pitchFamily="18" charset="0"/>
+                                              <a:ea typeface="Cambria Math" panose="02040503050406030204" pitchFamily="18" charset="0"/>
+                                            </a:rPr>
+                                            <m:t>𝒕</m:t>
+                                          </m:r>
+                                        </m:e>
+                                      </m:d>
+                                    </m:num>
+                                    <m:den>
+                                      <m:sSub>
+                                        <m:sSubPr>
+                                          <m:ctrlPr>
+                                            <a:rPr lang="it-IT" sz="1200" b="1" i="1" smtClean="0">
+                                              <a:solidFill>
+                                                <a:srgbClr val="727272"/>
+                                              </a:solidFill>
+                                              <a:latin typeface="Cambria Math" panose="02040503050406030204" pitchFamily="18" charset="0"/>
+                                              <a:ea typeface="Verdana" panose="020B0604030504040204" pitchFamily="34" charset="0"/>
+                                            </a:rPr>
+                                          </m:ctrlPr>
+                                        </m:sSubPr>
+                                        <m:e>
+                                          <m:r>
+                                            <a:rPr lang="it-IT" sz="1200" b="1" i="1" smtClean="0">
+                                              <a:solidFill>
+                                                <a:srgbClr val="727272"/>
+                                              </a:solidFill>
+                                              <a:latin typeface="Cambria Math" panose="02040503050406030204" pitchFamily="18" charset="0"/>
+                                              <a:ea typeface="Verdana" panose="020B0604030504040204" pitchFamily="34" charset="0"/>
+                                            </a:rPr>
+                                            <m:t>𝒅</m:t>
+                                          </m:r>
+                                        </m:e>
+                                        <m:sub>
+                                          <m:r>
+                                            <a:rPr lang="it-IT" sz="1200" b="1" i="1" smtClean="0">
+                                              <a:solidFill>
+                                                <a:srgbClr val="727272"/>
+                                              </a:solidFill>
+                                              <a:latin typeface="Cambria Math" panose="02040503050406030204" pitchFamily="18" charset="0"/>
+                                              <a:ea typeface="Verdana" panose="020B0604030504040204" pitchFamily="34" charset="0"/>
+                                            </a:rPr>
+                                            <m:t>𝒊𝒌</m:t>
+                                          </m:r>
+                                        </m:sub>
+                                      </m:sSub>
+                                      <m:d>
+                                        <m:dPr>
+                                          <m:ctrlPr>
+                                            <a:rPr lang="it-IT" sz="1200" b="1" i="1" smtClean="0">
+                                              <a:solidFill>
+                                                <a:srgbClr val="727272"/>
+                                              </a:solidFill>
+                                              <a:latin typeface="Cambria Math" panose="02040503050406030204" pitchFamily="18" charset="0"/>
+                                              <a:ea typeface="Verdana" panose="020B0604030504040204" pitchFamily="34" charset="0"/>
+                                            </a:rPr>
+                                          </m:ctrlPr>
+                                        </m:dPr>
+                                        <m:e>
+                                          <m:r>
+                                            <a:rPr lang="it-IT" sz="1200" b="1" i="1" smtClean="0">
+                                              <a:solidFill>
+                                                <a:srgbClr val="727272"/>
+                                              </a:solidFill>
+                                              <a:latin typeface="Cambria Math" panose="02040503050406030204" pitchFamily="18" charset="0"/>
+                                              <a:ea typeface="Verdana" panose="020B0604030504040204" pitchFamily="34" charset="0"/>
+                                            </a:rPr>
+                                            <m:t>𝒕</m:t>
+                                          </m:r>
+                                        </m:e>
+                                      </m:d>
+                                    </m:den>
+                                  </m:f>
+                                </m:e>
+                              </m:d>
+                              <m:r>
+                                <a:rPr lang="it-IT" sz="1200" b="1" i="1" smtClean="0">
+                                  <a:solidFill>
+                                    <a:srgbClr val="727272"/>
+                                  </a:solidFill>
+                                  <a:latin typeface="Cambria Math" panose="02040503050406030204" pitchFamily="18" charset="0"/>
+                                  <a:ea typeface="Verdana" panose="020B0604030504040204" pitchFamily="34" charset="0"/>
+                                </a:rPr>
+                                <m:t>,   </m:t>
+                              </m:r>
+                              <m:r>
+                                <a:rPr lang="it-IT" sz="1200" b="1" i="1" smtClean="0">
+                                  <a:solidFill>
+                                    <a:srgbClr val="727272"/>
+                                  </a:solidFill>
+                                  <a:latin typeface="Cambria Math" panose="02040503050406030204" pitchFamily="18" charset="0"/>
+                                  <a:ea typeface="Verdana" panose="020B0604030504040204" pitchFamily="34" charset="0"/>
+                                </a:rPr>
+                                <m:t>𝒔𝒆</m:t>
+                              </m:r>
+                              <m:r>
+                                <a:rPr lang="it-IT" sz="1200" b="1" i="1" smtClean="0">
+                                  <a:solidFill>
+                                    <a:srgbClr val="727272"/>
+                                  </a:solidFill>
+                                  <a:latin typeface="Cambria Math" panose="02040503050406030204" pitchFamily="18" charset="0"/>
+                                  <a:ea typeface="Verdana" panose="020B0604030504040204" pitchFamily="34" charset="0"/>
+                                </a:rPr>
+                                <m:t> </m:t>
+                              </m:r>
+                              <m:sSub>
+                                <m:sSubPr>
+                                  <m:ctrlPr>
+                                    <a:rPr lang="it-IT" sz="1200" b="1" i="1" smtClean="0">
+                                      <a:solidFill>
+                                        <a:srgbClr val="727272"/>
+                                      </a:solidFill>
+                                      <a:latin typeface="Cambria Math" panose="02040503050406030204" pitchFamily="18" charset="0"/>
+                                      <a:ea typeface="Verdana" panose="020B0604030504040204" pitchFamily="34" charset="0"/>
+                                    </a:rPr>
+                                  </m:ctrlPr>
+                                </m:sSubPr>
+                                <m:e>
+                                  <m:r>
+                                    <a:rPr lang="it-IT" sz="1200" b="1" i="1" smtClean="0">
+                                      <a:solidFill>
+                                        <a:srgbClr val="727272"/>
+                                      </a:solidFill>
+                                      <a:latin typeface="Cambria Math" panose="02040503050406030204" pitchFamily="18" charset="0"/>
+                                      <a:ea typeface="Verdana" panose="020B0604030504040204" pitchFamily="34" charset="0"/>
+                                    </a:rPr>
+                                    <m:t>𝒅</m:t>
+                                  </m:r>
+                                </m:e>
+                                <m:sub>
+                                  <m:r>
+                                    <a:rPr lang="it-IT" sz="1200" b="1" i="1" smtClean="0">
+                                      <a:solidFill>
+                                        <a:srgbClr val="727272"/>
+                                      </a:solidFill>
+                                      <a:latin typeface="Cambria Math" panose="02040503050406030204" pitchFamily="18" charset="0"/>
+                                      <a:ea typeface="Verdana" panose="020B0604030504040204" pitchFamily="34" charset="0"/>
+                                    </a:rPr>
+                                    <m:t>𝒊𝒌</m:t>
+                                  </m:r>
+                                </m:sub>
+                              </m:sSub>
+                              <m:d>
+                                <m:dPr>
+                                  <m:ctrlPr>
+                                    <a:rPr lang="it-IT" sz="1200" b="1" i="1" smtClean="0">
+                                      <a:solidFill>
+                                        <a:srgbClr val="727272"/>
+                                      </a:solidFill>
+                                      <a:latin typeface="Cambria Math" panose="02040503050406030204" pitchFamily="18" charset="0"/>
+                                      <a:ea typeface="Verdana" panose="020B0604030504040204" pitchFamily="34" charset="0"/>
+                                    </a:rPr>
+                                  </m:ctrlPr>
+                                </m:dPr>
+                                <m:e>
+                                  <m:r>
+                                    <a:rPr lang="it-IT" sz="1200" b="1" i="1" smtClean="0">
+                                      <a:solidFill>
+                                        <a:srgbClr val="727272"/>
+                                      </a:solidFill>
+                                      <a:latin typeface="Cambria Math" panose="02040503050406030204" pitchFamily="18" charset="0"/>
+                                      <a:ea typeface="Verdana" panose="020B0604030504040204" pitchFamily="34" charset="0"/>
+                                    </a:rPr>
+                                    <m:t>𝒕</m:t>
+                                  </m:r>
+                                </m:e>
+                              </m:d>
+                              <m:r>
+                                <a:rPr lang="it-IT" sz="1200" b="1" i="1" smtClean="0">
+                                  <a:solidFill>
+                                    <a:srgbClr val="727272"/>
+                                  </a:solidFill>
+                                  <a:latin typeface="Cambria Math" panose="02040503050406030204" pitchFamily="18" charset="0"/>
+                                  <a:ea typeface="Verdana" panose="020B0604030504040204" pitchFamily="34" charset="0"/>
+                                </a:rPr>
+                                <m:t>≤</m:t>
+                              </m:r>
+                              <m:r>
+                                <a:rPr lang="it-IT" sz="1200" b="1" i="1" smtClean="0">
+                                  <a:solidFill>
+                                    <a:srgbClr val="727272"/>
+                                  </a:solidFill>
+                                  <a:latin typeface="Cambria Math" panose="02040503050406030204" pitchFamily="18" charset="0"/>
+                                  <a:ea typeface="Cambria Math" panose="02040503050406030204" pitchFamily="18" charset="0"/>
+                                </a:rPr>
+                                <m:t>𝜹</m:t>
+                              </m:r>
+                            </m:e>
+                            <m:e>
+                              <m:r>
+                                <a:rPr lang="it-IT" sz="1200" b="1" i="1" smtClean="0">
+                                  <a:solidFill>
+                                    <a:srgbClr val="727272"/>
+                                  </a:solidFill>
+                                  <a:latin typeface="Cambria Math" panose="02040503050406030204" pitchFamily="18" charset="0"/>
+                                  <a:ea typeface="Verdana" panose="020B0604030504040204" pitchFamily="34" charset="0"/>
+                                </a:rPr>
+                                <m:t>𝟎</m:t>
+                              </m:r>
+                              <m:r>
+                                <a:rPr lang="it-IT" sz="1200" b="1" i="1" smtClean="0">
+                                  <a:solidFill>
+                                    <a:srgbClr val="727272"/>
+                                  </a:solidFill>
+                                  <a:latin typeface="Cambria Math" panose="02040503050406030204" pitchFamily="18" charset="0"/>
+                                  <a:ea typeface="Verdana" panose="020B0604030504040204" pitchFamily="34" charset="0"/>
+                                </a:rPr>
+                                <m:t>,                                                            </m:t>
+                              </m:r>
+                              <m:r>
+                                <a:rPr lang="it-IT" sz="1200" b="1" i="1" smtClean="0">
+                                  <a:solidFill>
+                                    <a:srgbClr val="727272"/>
+                                  </a:solidFill>
+                                  <a:latin typeface="Cambria Math" panose="02040503050406030204" pitchFamily="18" charset="0"/>
+                                  <a:ea typeface="Verdana" panose="020B0604030504040204" pitchFamily="34" charset="0"/>
+                                </a:rPr>
+                                <m:t>𝒔𝒆</m:t>
+                              </m:r>
+                              <m:r>
+                                <a:rPr lang="it-IT" sz="1200" b="1" i="1" smtClean="0">
+                                  <a:solidFill>
+                                    <a:srgbClr val="727272"/>
+                                  </a:solidFill>
+                                  <a:latin typeface="Cambria Math" panose="02040503050406030204" pitchFamily="18" charset="0"/>
+                                  <a:ea typeface="Verdana" panose="020B0604030504040204" pitchFamily="34" charset="0"/>
+                                </a:rPr>
+                                <m:t> </m:t>
+                              </m:r>
+                              <m:sSub>
+                                <m:sSubPr>
+                                  <m:ctrlPr>
+                                    <a:rPr lang="it-IT" sz="1200" b="1" i="1" smtClean="0">
+                                      <a:solidFill>
+                                        <a:srgbClr val="727272"/>
+                                      </a:solidFill>
+                                      <a:latin typeface="Cambria Math" panose="02040503050406030204" pitchFamily="18" charset="0"/>
+                                      <a:ea typeface="Verdana" panose="020B0604030504040204" pitchFamily="34" charset="0"/>
+                                    </a:rPr>
+                                  </m:ctrlPr>
+                                </m:sSubPr>
+                                <m:e>
+                                  <m:r>
+                                    <a:rPr lang="it-IT" sz="1200" b="1" i="1" smtClean="0">
+                                      <a:solidFill>
+                                        <a:srgbClr val="727272"/>
+                                      </a:solidFill>
+                                      <a:latin typeface="Cambria Math" panose="02040503050406030204" pitchFamily="18" charset="0"/>
+                                      <a:ea typeface="Verdana" panose="020B0604030504040204" pitchFamily="34" charset="0"/>
+                                    </a:rPr>
+                                    <m:t>𝒅</m:t>
+                                  </m:r>
+                                </m:e>
+                                <m:sub>
+                                  <m:r>
+                                    <a:rPr lang="it-IT" sz="1200" b="1" i="1" smtClean="0">
+                                      <a:solidFill>
+                                        <a:srgbClr val="727272"/>
+                                      </a:solidFill>
+                                      <a:latin typeface="Cambria Math" panose="02040503050406030204" pitchFamily="18" charset="0"/>
+                                      <a:ea typeface="Verdana" panose="020B0604030504040204" pitchFamily="34" charset="0"/>
+                                    </a:rPr>
+                                    <m:t>𝒊𝒌</m:t>
+                                  </m:r>
+                                </m:sub>
+                              </m:sSub>
+                              <m:d>
+                                <m:dPr>
+                                  <m:ctrlPr>
+                                    <a:rPr lang="it-IT" sz="1200" b="1" i="1" smtClean="0">
+                                      <a:solidFill>
+                                        <a:srgbClr val="727272"/>
+                                      </a:solidFill>
+                                      <a:latin typeface="Cambria Math" panose="02040503050406030204" pitchFamily="18" charset="0"/>
+                                      <a:ea typeface="Verdana" panose="020B0604030504040204" pitchFamily="34" charset="0"/>
+                                    </a:rPr>
+                                  </m:ctrlPr>
+                                </m:dPr>
+                                <m:e>
+                                  <m:r>
+                                    <a:rPr lang="it-IT" sz="1200" b="1" i="1" smtClean="0">
+                                      <a:solidFill>
+                                        <a:srgbClr val="727272"/>
+                                      </a:solidFill>
+                                      <a:latin typeface="Cambria Math" panose="02040503050406030204" pitchFamily="18" charset="0"/>
+                                      <a:ea typeface="Verdana" panose="020B0604030504040204" pitchFamily="34" charset="0"/>
+                                    </a:rPr>
+                                    <m:t>𝒕</m:t>
+                                  </m:r>
+                                </m:e>
+                              </m:d>
+                              <m:r>
+                                <a:rPr lang="it-IT" sz="1200" b="1" i="1" smtClean="0">
+                                  <a:solidFill>
+                                    <a:srgbClr val="727272"/>
+                                  </a:solidFill>
+                                  <a:latin typeface="Cambria Math" panose="02040503050406030204" pitchFamily="18" charset="0"/>
+                                  <a:ea typeface="Verdana" panose="020B0604030504040204" pitchFamily="34" charset="0"/>
+                                </a:rPr>
+                                <m:t>&gt;</m:t>
+                              </m:r>
+                              <m:r>
+                                <a:rPr lang="it-IT" sz="1200" b="1" i="1" smtClean="0">
+                                  <a:solidFill>
+                                    <a:srgbClr val="727272"/>
+                                  </a:solidFill>
+                                  <a:latin typeface="Cambria Math" panose="02040503050406030204" pitchFamily="18" charset="0"/>
+                                  <a:ea typeface="Cambria Math" panose="02040503050406030204" pitchFamily="18" charset="0"/>
+                                </a:rPr>
+                                <m:t>𝜹</m:t>
+                              </m:r>
+                            </m:e>
+                          </m:eqArr>
+                        </m:e>
+                      </m:d>
+                    </m:oMath>
+                  </m:oMathPara>
+                </a14:m>
+                <a:endParaRPr lang="it-IT" sz="1125" b="1" i="1" dirty="0">
+                  <a:solidFill>
+                    <a:srgbClr val="727272"/>
+                  </a:solidFill>
+                  <a:latin typeface="Verdana" panose="020B0604030504040204" pitchFamily="34" charset="0"/>
+                  <a:ea typeface="Verdana" panose="020B0604030504040204" pitchFamily="34" charset="0"/>
+                </a:endParaRPr>
+              </a:p>
+            </p:txBody>
+          </p:sp>
+        </mc:Choice>
+        <mc:Fallback>
+          <p:sp>
+            <p:nvSpPr>
+              <p:cNvPr id="3" name="Segnaposto testo 6">
+                <a:extLst>
+                  <a:ext uri="{FF2B5EF4-FFF2-40B4-BE49-F238E27FC236}">
+                    <a16:creationId xmlns:a16="http://schemas.microsoft.com/office/drawing/2014/main" id="{736D8610-C620-EEAF-A978-7C5D694F996D}"/>
+                  </a:ext>
+                </a:extLst>
+              </p:cNvPr>
+              <p:cNvSpPr txBox="1">
+                <a:spLocks noRot="1" noChangeAspect="1" noMove="1" noResize="1" noEditPoints="1" noAdjustHandles="1" noChangeArrowheads="1" noChangeShapeType="1" noTextEdit="1"/>
+              </p:cNvSpPr>
+              <p:nvPr/>
+            </p:nvSpPr>
+            <p:spPr>
+              <a:xfrm>
+                <a:off x="140076" y="2317083"/>
+                <a:ext cx="4589036" cy="1023194"/>
+              </a:xfrm>
+              <a:prstGeom prst="rect">
+                <a:avLst/>
+              </a:prstGeom>
+              <a:blipFill>
+                <a:blip r:embed="rId3"/>
+                <a:stretch>
+                  <a:fillRect t="-1786" b="-5952"/>
+                </a:stretch>
+              </a:blipFill>
+            </p:spPr>
+            <p:txBody>
+              <a:bodyPr/>
+              <a:lstStyle/>
+              <a:p>
+                <a:r>
+                  <a:rPr lang="it-IT">
+                    <a:noFill/>
+                  </a:rPr>
+                  <a:t> </a:t>
+                </a:r>
+              </a:p>
+            </p:txBody>
+          </p:sp>
+        </mc:Fallback>
+      </mc:AlternateContent>
+      <mc:AlternateContent xmlns:mc="http://schemas.openxmlformats.org/markup-compatibility/2006">
+        <mc:Choice xmlns:a14="http://schemas.microsoft.com/office/drawing/2010/main" Requires="a14">
+          <p:sp>
+            <p:nvSpPr>
+              <p:cNvPr id="5" name="Segnaposto testo 6">
+                <a:extLst>
+                  <a:ext uri="{FF2B5EF4-FFF2-40B4-BE49-F238E27FC236}">
+                    <a16:creationId xmlns:a16="http://schemas.microsoft.com/office/drawing/2014/main" id="{A0CFC6DE-1975-443B-00C0-0A60C5909326}"/>
+                  </a:ext>
+                </a:extLst>
+              </p:cNvPr>
+              <p:cNvSpPr txBox="1">
+                <a:spLocks/>
+              </p:cNvSpPr>
+              <p:nvPr/>
+            </p:nvSpPr>
+            <p:spPr>
+              <a:xfrm>
+                <a:off x="140076" y="3906071"/>
+                <a:ext cx="4589036" cy="1023194"/>
+              </a:xfrm>
+              <a:prstGeom prst="rect">
+                <a:avLst/>
+              </a:prstGeom>
+            </p:spPr>
+            <p:txBody>
+              <a:bodyPr/>
+              <a:lstStyle>
+                <a:lvl1pPr marL="171450" indent="-171450" algn="l" defTabSz="685800" rtl="0" eaLnBrk="1" latinLnBrk="0" hangingPunct="1">
+                  <a:lnSpc>
+                    <a:spcPct val="90000"/>
+                  </a:lnSpc>
+                  <a:spcBef>
+                    <a:spcPts val="750"/>
+                  </a:spcBef>
+                  <a:buFont typeface="Arial" panose="020B0604020202020204" pitchFamily="34" charset="0"/>
+                  <a:buChar char="•"/>
+                  <a:defRPr sz="2100" kern="1200">
+                    <a:solidFill>
+                      <a:schemeClr val="tx1"/>
+                    </a:solidFill>
+                    <a:latin typeface="+mn-lt"/>
+                    <a:ea typeface="+mn-ea"/>
+                    <a:cs typeface="+mn-cs"/>
+                  </a:defRPr>
+                </a:lvl1pPr>
+                <a:lvl2pPr marL="514350" indent="-171450" algn="l" defTabSz="685800" rtl="0" eaLnBrk="1" latinLnBrk="0" hangingPunct="1">
+                  <a:lnSpc>
+                    <a:spcPct val="90000"/>
+                  </a:lnSpc>
+                  <a:spcBef>
+                    <a:spcPts val="375"/>
+                  </a:spcBef>
+                  <a:buFont typeface="Arial" panose="020B0604020202020204" pitchFamily="34" charset="0"/>
+                  <a:buChar char="•"/>
+                  <a:defRPr sz="1800" kern="1200">
+                    <a:solidFill>
+                      <a:schemeClr val="tx1"/>
+                    </a:solidFill>
+                    <a:latin typeface="+mn-lt"/>
+                    <a:ea typeface="+mn-ea"/>
+                    <a:cs typeface="+mn-cs"/>
+                  </a:defRPr>
+                </a:lvl2pPr>
+                <a:lvl3pPr marL="857250" indent="-171450" algn="l" defTabSz="685800" rtl="0" eaLnBrk="1" latinLnBrk="0" hangingPunct="1">
+                  <a:lnSpc>
+                    <a:spcPct val="90000"/>
+                  </a:lnSpc>
+                  <a:spcBef>
+                    <a:spcPts val="375"/>
+                  </a:spcBef>
+                  <a:buFont typeface="Arial" panose="020B0604020202020204" pitchFamily="34" charset="0"/>
+                  <a:buChar char="•"/>
+                  <a:defRPr sz="1500" kern="1200">
+                    <a:solidFill>
+                      <a:schemeClr val="tx1"/>
+                    </a:solidFill>
+                    <a:latin typeface="+mn-lt"/>
+                    <a:ea typeface="+mn-ea"/>
+                    <a:cs typeface="+mn-cs"/>
+                  </a:defRPr>
+                </a:lvl3pPr>
+                <a:lvl4pPr marL="1200150" indent="-171450" algn="l" defTabSz="685800" rtl="0" eaLnBrk="1" latinLnBrk="0" hangingPunct="1">
+                  <a:lnSpc>
+                    <a:spcPct val="90000"/>
+                  </a:lnSpc>
+                  <a:spcBef>
+                    <a:spcPts val="375"/>
+                  </a:spcBef>
+                  <a:buFont typeface="Arial" panose="020B0604020202020204" pitchFamily="34" charset="0"/>
+                  <a:buChar char="•"/>
+                  <a:defRPr sz="1350" kern="1200">
+                    <a:solidFill>
+                      <a:schemeClr val="tx1"/>
+                    </a:solidFill>
+                    <a:latin typeface="+mn-lt"/>
+                    <a:ea typeface="+mn-ea"/>
+                    <a:cs typeface="+mn-cs"/>
+                  </a:defRPr>
+                </a:lvl4pPr>
+                <a:lvl5pPr marL="1543050" indent="-171450" algn="l" defTabSz="685800" rtl="0" eaLnBrk="1" latinLnBrk="0" hangingPunct="1">
+                  <a:lnSpc>
+                    <a:spcPct val="90000"/>
+                  </a:lnSpc>
+                  <a:spcBef>
+                    <a:spcPts val="375"/>
+                  </a:spcBef>
+                  <a:buFont typeface="Arial" panose="020B0604020202020204" pitchFamily="34" charset="0"/>
+                  <a:buChar char="•"/>
+                  <a:defRPr sz="1350" kern="1200">
+                    <a:solidFill>
+                      <a:schemeClr val="tx1"/>
+                    </a:solidFill>
+                    <a:latin typeface="+mn-lt"/>
+                    <a:ea typeface="+mn-ea"/>
+                    <a:cs typeface="+mn-cs"/>
+                  </a:defRPr>
+                </a:lvl5pPr>
+                <a:lvl6pPr marL="1885950" indent="-171450" algn="l" defTabSz="685800" rtl="0" eaLnBrk="1" latinLnBrk="0" hangingPunct="1">
+                  <a:lnSpc>
+                    <a:spcPct val="90000"/>
+                  </a:lnSpc>
+                  <a:spcBef>
+                    <a:spcPts val="375"/>
+                  </a:spcBef>
+                  <a:buFont typeface="Arial" panose="020B0604020202020204" pitchFamily="34" charset="0"/>
+                  <a:buChar char="•"/>
+                  <a:defRPr sz="1350" kern="1200">
+                    <a:solidFill>
+                      <a:schemeClr val="tx1"/>
+                    </a:solidFill>
+                    <a:latin typeface="+mn-lt"/>
+                    <a:ea typeface="+mn-ea"/>
+                    <a:cs typeface="+mn-cs"/>
+                  </a:defRPr>
+                </a:lvl6pPr>
+                <a:lvl7pPr marL="2228850" indent="-171450" algn="l" defTabSz="685800" rtl="0" eaLnBrk="1" latinLnBrk="0" hangingPunct="1">
+                  <a:lnSpc>
+                    <a:spcPct val="90000"/>
+                  </a:lnSpc>
+                  <a:spcBef>
+                    <a:spcPts val="375"/>
+                  </a:spcBef>
+                  <a:buFont typeface="Arial" panose="020B0604020202020204" pitchFamily="34" charset="0"/>
+                  <a:buChar char="•"/>
+                  <a:defRPr sz="1350" kern="1200">
+                    <a:solidFill>
+                      <a:schemeClr val="tx1"/>
+                    </a:solidFill>
+                    <a:latin typeface="+mn-lt"/>
+                    <a:ea typeface="+mn-ea"/>
+                    <a:cs typeface="+mn-cs"/>
+                  </a:defRPr>
+                </a:lvl7pPr>
+                <a:lvl8pPr marL="2571750" indent="-171450" algn="l" defTabSz="685800" rtl="0" eaLnBrk="1" latinLnBrk="0" hangingPunct="1">
+                  <a:lnSpc>
+                    <a:spcPct val="90000"/>
+                  </a:lnSpc>
+                  <a:spcBef>
+                    <a:spcPts val="375"/>
+                  </a:spcBef>
+                  <a:buFont typeface="Arial" panose="020B0604020202020204" pitchFamily="34" charset="0"/>
+                  <a:buChar char="•"/>
+                  <a:defRPr sz="1350" kern="1200">
+                    <a:solidFill>
+                      <a:schemeClr val="tx1"/>
+                    </a:solidFill>
+                    <a:latin typeface="+mn-lt"/>
+                    <a:ea typeface="+mn-ea"/>
+                    <a:cs typeface="+mn-cs"/>
+                  </a:defRPr>
+                </a:lvl8pPr>
+                <a:lvl9pPr marL="2914650" indent="-171450" algn="l" defTabSz="685800" rtl="0" eaLnBrk="1" latinLnBrk="0" hangingPunct="1">
+                  <a:lnSpc>
+                    <a:spcPct val="90000"/>
+                  </a:lnSpc>
+                  <a:spcBef>
+                    <a:spcPts val="375"/>
+                  </a:spcBef>
+                  <a:buFont typeface="Arial" panose="020B0604020202020204" pitchFamily="34" charset="0"/>
+                  <a:buChar char="•"/>
+                  <a:defRPr sz="1350" kern="1200">
+                    <a:solidFill>
+                      <a:schemeClr val="tx1"/>
+                    </a:solidFill>
+                    <a:latin typeface="+mn-lt"/>
+                    <a:ea typeface="+mn-ea"/>
+                    <a:cs typeface="+mn-cs"/>
+                  </a:defRPr>
+                </a:lvl9pPr>
+              </a:lstStyle>
+              <a:p>
+                <a:pPr marL="0" indent="0">
+                  <a:buNone/>
+                </a:pPr>
+                <a:r>
+                  <a:rPr lang="it-IT" sz="1125" b="1" dirty="0">
+                    <a:solidFill>
+                      <a:srgbClr val="727272"/>
+                    </a:solidFill>
+                    <a:latin typeface="Verdana" panose="020B0604030504040204" pitchFamily="34" charset="0"/>
+                    <a:ea typeface="Verdana" panose="020B0604030504040204" pitchFamily="34" charset="0"/>
+                  </a:rPr>
+                  <a:t>Distanza tra l’agente ‘i’ e l’agente ‘k’ al tempo ‘t’:</a:t>
+                </a:r>
+              </a:p>
+              <a:p>
+                <a:pPr marL="0" indent="0">
+                  <a:buNone/>
+                </a:pPr>
+                <a:endParaRPr lang="it-IT" sz="1125" b="1" dirty="0">
+                  <a:solidFill>
+                    <a:srgbClr val="727272"/>
+                  </a:solidFill>
+                  <a:latin typeface="Verdana" panose="020B0604030504040204" pitchFamily="34" charset="0"/>
+                  <a:ea typeface="Verdana" panose="020B0604030504040204" pitchFamily="34" charset="0"/>
+                </a:endParaRPr>
+              </a:p>
+              <a:p>
+                <a:pPr marL="0" indent="0">
+                  <a:buNone/>
+                </a:pPr>
+                <a14:m>
+                  <m:oMathPara xmlns:m="http://schemas.openxmlformats.org/officeDocument/2006/math">
+                    <m:oMathParaPr>
+                      <m:jc m:val="centerGroup"/>
+                    </m:oMathParaPr>
+                    <m:oMath xmlns:m="http://schemas.openxmlformats.org/officeDocument/2006/math">
+                      <m:sSub>
+                        <m:sSubPr>
+                          <m:ctrlPr>
+                            <a:rPr lang="it-IT" sz="1200" b="1" i="1">
+                              <a:solidFill>
+                                <a:srgbClr val="727272"/>
+                              </a:solidFill>
+                              <a:latin typeface="Cambria Math" panose="02040503050406030204" pitchFamily="18" charset="0"/>
+                              <a:ea typeface="Verdana" panose="020B0604030504040204" pitchFamily="34" charset="0"/>
+                            </a:rPr>
+                          </m:ctrlPr>
+                        </m:sSubPr>
+                        <m:e>
+                          <m:r>
+                            <a:rPr lang="it-IT" sz="1200" b="1" i="1">
+                              <a:solidFill>
+                                <a:srgbClr val="727272"/>
+                              </a:solidFill>
+                              <a:latin typeface="Cambria Math" panose="02040503050406030204" pitchFamily="18" charset="0"/>
+                              <a:ea typeface="Verdana" panose="020B0604030504040204" pitchFamily="34" charset="0"/>
+                            </a:rPr>
+                            <m:t>𝒅</m:t>
+                          </m:r>
+                        </m:e>
+                        <m:sub>
+                          <m:r>
+                            <a:rPr lang="it-IT" sz="1200" b="1" i="1">
+                              <a:solidFill>
+                                <a:srgbClr val="727272"/>
+                              </a:solidFill>
+                              <a:latin typeface="Cambria Math" panose="02040503050406030204" pitchFamily="18" charset="0"/>
+                              <a:ea typeface="Verdana" panose="020B0604030504040204" pitchFamily="34" charset="0"/>
+                            </a:rPr>
+                            <m:t>𝒊𝒌</m:t>
+                          </m:r>
+                        </m:sub>
+                      </m:sSub>
+                      <m:d>
+                        <m:dPr>
+                          <m:ctrlPr>
+                            <a:rPr lang="it-IT" sz="1200" b="1" i="1">
+                              <a:solidFill>
+                                <a:srgbClr val="727272"/>
+                              </a:solidFill>
+                              <a:latin typeface="Cambria Math" panose="02040503050406030204" pitchFamily="18" charset="0"/>
+                              <a:ea typeface="Verdana" panose="020B0604030504040204" pitchFamily="34" charset="0"/>
+                            </a:rPr>
+                          </m:ctrlPr>
+                        </m:dPr>
+                        <m:e>
+                          <m:r>
+                            <a:rPr lang="it-IT" sz="1200" b="1" i="1">
+                              <a:solidFill>
+                                <a:srgbClr val="727272"/>
+                              </a:solidFill>
+                              <a:latin typeface="Cambria Math" panose="02040503050406030204" pitchFamily="18" charset="0"/>
+                              <a:ea typeface="Verdana" panose="020B0604030504040204" pitchFamily="34" charset="0"/>
+                            </a:rPr>
+                            <m:t>𝒕</m:t>
+                          </m:r>
+                        </m:e>
+                      </m:d>
+                      <m:r>
+                        <a:rPr lang="it-IT" sz="1200" b="1" i="1">
+                          <a:solidFill>
+                            <a:srgbClr val="727272"/>
+                          </a:solidFill>
+                          <a:latin typeface="Cambria Math" panose="02040503050406030204" pitchFamily="18" charset="0"/>
+                          <a:ea typeface="Verdana" panose="020B0604030504040204" pitchFamily="34" charset="0"/>
+                        </a:rPr>
+                        <m:t>=|</m:t>
+                      </m:r>
+                      <m:d>
+                        <m:dPr>
+                          <m:begChr m:val="|"/>
+                          <m:endChr m:val="|"/>
+                          <m:ctrlPr>
+                            <a:rPr lang="it-IT" sz="1200" b="1" i="1">
+                              <a:solidFill>
+                                <a:srgbClr val="727272"/>
+                              </a:solidFill>
+                              <a:latin typeface="Cambria Math" panose="02040503050406030204" pitchFamily="18" charset="0"/>
+                              <a:ea typeface="Verdana" panose="020B0604030504040204" pitchFamily="34" charset="0"/>
+                            </a:rPr>
+                          </m:ctrlPr>
+                        </m:dPr>
+                        <m:e>
+                          <m:sSub>
+                            <m:sSubPr>
+                              <m:ctrlPr>
+                                <a:rPr lang="it-IT" sz="1200" b="1" i="1">
+                                  <a:solidFill>
+                                    <a:srgbClr val="727272"/>
+                                  </a:solidFill>
+                                  <a:latin typeface="Cambria Math" panose="02040503050406030204" pitchFamily="18" charset="0"/>
+                                  <a:ea typeface="Verdana" panose="020B0604030504040204" pitchFamily="34" charset="0"/>
+                                </a:rPr>
+                              </m:ctrlPr>
+                            </m:sSubPr>
+                            <m:e>
+                              <m:r>
+                                <a:rPr lang="it-IT" sz="1200" b="1" i="1">
+                                  <a:solidFill>
+                                    <a:srgbClr val="727272"/>
+                                  </a:solidFill>
+                                  <a:latin typeface="Cambria Math" panose="02040503050406030204" pitchFamily="18" charset="0"/>
+                                  <a:ea typeface="Verdana" panose="020B0604030504040204" pitchFamily="34" charset="0"/>
+                                </a:rPr>
+                                <m:t>𝒑</m:t>
+                              </m:r>
+                            </m:e>
+                            <m:sub>
+                              <m:r>
+                                <a:rPr lang="it-IT" sz="1200" b="1" i="1">
+                                  <a:solidFill>
+                                    <a:srgbClr val="727272"/>
+                                  </a:solidFill>
+                                  <a:latin typeface="Cambria Math" panose="02040503050406030204" pitchFamily="18" charset="0"/>
+                                  <a:ea typeface="Verdana" panose="020B0604030504040204" pitchFamily="34" charset="0"/>
+                                </a:rPr>
+                                <m:t>𝒊</m:t>
+                              </m:r>
+                            </m:sub>
+                          </m:sSub>
+                          <m:d>
+                            <m:dPr>
+                              <m:ctrlPr>
+                                <a:rPr lang="it-IT" sz="1200" b="1" i="1">
+                                  <a:solidFill>
+                                    <a:srgbClr val="727272"/>
+                                  </a:solidFill>
+                                  <a:latin typeface="Cambria Math" panose="02040503050406030204" pitchFamily="18" charset="0"/>
+                                  <a:ea typeface="Verdana" panose="020B0604030504040204" pitchFamily="34" charset="0"/>
+                                </a:rPr>
+                              </m:ctrlPr>
+                            </m:dPr>
+                            <m:e>
+                              <m:r>
+                                <a:rPr lang="it-IT" sz="1200" b="1" i="1">
+                                  <a:solidFill>
+                                    <a:srgbClr val="727272"/>
+                                  </a:solidFill>
+                                  <a:latin typeface="Cambria Math" panose="02040503050406030204" pitchFamily="18" charset="0"/>
+                                  <a:ea typeface="Verdana" panose="020B0604030504040204" pitchFamily="34" charset="0"/>
+                                </a:rPr>
+                                <m:t>𝒕</m:t>
+                              </m:r>
+                            </m:e>
+                          </m:d>
+                          <m:r>
+                            <a:rPr lang="it-IT" sz="1200" b="1" i="1">
+                              <a:solidFill>
+                                <a:srgbClr val="727272"/>
+                              </a:solidFill>
+                              <a:latin typeface="Cambria Math" panose="02040503050406030204" pitchFamily="18" charset="0"/>
+                              <a:ea typeface="Verdana" panose="020B0604030504040204" pitchFamily="34" charset="0"/>
+                            </a:rPr>
+                            <m:t>− </m:t>
+                          </m:r>
+                          <m:sSub>
+                            <m:sSubPr>
+                              <m:ctrlPr>
+                                <a:rPr lang="it-IT" sz="1200" b="1" i="1">
+                                  <a:solidFill>
+                                    <a:srgbClr val="727272"/>
+                                  </a:solidFill>
+                                  <a:latin typeface="Cambria Math" panose="02040503050406030204" pitchFamily="18" charset="0"/>
+                                  <a:ea typeface="Verdana" panose="020B0604030504040204" pitchFamily="34" charset="0"/>
+                                </a:rPr>
+                              </m:ctrlPr>
+                            </m:sSubPr>
+                            <m:e>
+                              <m:r>
+                                <a:rPr lang="it-IT" sz="1200" b="1" i="1">
+                                  <a:solidFill>
+                                    <a:srgbClr val="727272"/>
+                                  </a:solidFill>
+                                  <a:latin typeface="Cambria Math" panose="02040503050406030204" pitchFamily="18" charset="0"/>
+                                  <a:ea typeface="Verdana" panose="020B0604030504040204" pitchFamily="34" charset="0"/>
+                                </a:rPr>
+                                <m:t>𝒑</m:t>
+                              </m:r>
+                            </m:e>
+                            <m:sub>
+                              <m:r>
+                                <a:rPr lang="it-IT" sz="1200" b="1" i="1">
+                                  <a:solidFill>
+                                    <a:srgbClr val="727272"/>
+                                  </a:solidFill>
+                                  <a:latin typeface="Cambria Math" panose="02040503050406030204" pitchFamily="18" charset="0"/>
+                                  <a:ea typeface="Verdana" panose="020B0604030504040204" pitchFamily="34" charset="0"/>
+                                </a:rPr>
+                                <m:t>𝒌</m:t>
+                              </m:r>
+                            </m:sub>
+                          </m:sSub>
+                          <m:d>
+                            <m:dPr>
+                              <m:ctrlPr>
+                                <a:rPr lang="it-IT" sz="1200" b="1" i="1">
+                                  <a:solidFill>
+                                    <a:srgbClr val="727272"/>
+                                  </a:solidFill>
+                                  <a:latin typeface="Cambria Math" panose="02040503050406030204" pitchFamily="18" charset="0"/>
+                                  <a:ea typeface="Verdana" panose="020B0604030504040204" pitchFamily="34" charset="0"/>
+                                </a:rPr>
+                              </m:ctrlPr>
+                            </m:dPr>
+                            <m:e>
+                              <m:r>
+                                <a:rPr lang="it-IT" sz="1200" b="1" i="1">
+                                  <a:solidFill>
+                                    <a:srgbClr val="727272"/>
+                                  </a:solidFill>
+                                  <a:latin typeface="Cambria Math" panose="02040503050406030204" pitchFamily="18" charset="0"/>
+                                  <a:ea typeface="Verdana" panose="020B0604030504040204" pitchFamily="34" charset="0"/>
+                                </a:rPr>
+                                <m:t>𝒕</m:t>
+                              </m:r>
+                            </m:e>
+                          </m:d>
+                        </m:e>
+                      </m:d>
+                      <m:r>
+                        <a:rPr lang="it-IT" sz="1200" b="1" i="1">
+                          <a:solidFill>
+                            <a:srgbClr val="727272"/>
+                          </a:solidFill>
+                          <a:latin typeface="Cambria Math" panose="02040503050406030204" pitchFamily="18" charset="0"/>
+                          <a:ea typeface="Verdana" panose="020B0604030504040204" pitchFamily="34" charset="0"/>
+                        </a:rPr>
+                        <m:t>|</m:t>
+                      </m:r>
+                    </m:oMath>
+                  </m:oMathPara>
+                </a14:m>
+                <a:endParaRPr lang="it-IT" sz="1200" b="1" i="1" dirty="0">
+                  <a:solidFill>
+                    <a:srgbClr val="727272"/>
+                  </a:solidFill>
+                  <a:latin typeface="Cambria Math" panose="02040503050406030204" pitchFamily="18" charset="0"/>
+                  <a:ea typeface="Verdana" panose="020B0604030504040204" pitchFamily="34" charset="0"/>
+                </a:endParaRPr>
+              </a:p>
+            </p:txBody>
+          </p:sp>
+        </mc:Choice>
+        <mc:Fallback>
+          <p:sp>
+            <p:nvSpPr>
+              <p:cNvPr id="5" name="Segnaposto testo 6">
+                <a:extLst>
+                  <a:ext uri="{FF2B5EF4-FFF2-40B4-BE49-F238E27FC236}">
+                    <a16:creationId xmlns:a16="http://schemas.microsoft.com/office/drawing/2014/main" id="{A0CFC6DE-1975-443B-00C0-0A60C5909326}"/>
+                  </a:ext>
+                </a:extLst>
+              </p:cNvPr>
+              <p:cNvSpPr txBox="1">
+                <a:spLocks noRot="1" noChangeAspect="1" noMove="1" noResize="1" noEditPoints="1" noAdjustHandles="1" noChangeArrowheads="1" noChangeShapeType="1" noTextEdit="1"/>
+              </p:cNvSpPr>
+              <p:nvPr/>
+            </p:nvSpPr>
+            <p:spPr>
+              <a:xfrm>
+                <a:off x="140076" y="3906071"/>
+                <a:ext cx="4589036" cy="1023194"/>
+              </a:xfrm>
+              <a:prstGeom prst="rect">
+                <a:avLst/>
+              </a:prstGeom>
+              <a:blipFill>
+                <a:blip r:embed="rId4"/>
+                <a:stretch>
+                  <a:fillRect t="-1786"/>
+                </a:stretch>
+              </a:blipFill>
+            </p:spPr>
+            <p:txBody>
+              <a:bodyPr/>
+              <a:lstStyle/>
+              <a:p>
+                <a:r>
+                  <a:rPr lang="it-IT">
+                    <a:noFill/>
+                  </a:rPr>
+                  <a:t> </a:t>
+                </a:r>
+              </a:p>
+            </p:txBody>
+          </p:sp>
+        </mc:Fallback>
+      </mc:AlternateContent>
+      <p:pic>
+        <p:nvPicPr>
+          <p:cNvPr id="9" name="Immagine 8" descr="Immagine che contiene testo, linea, Diagramma, diagramma&#10;&#10;Descrizione generata automaticamente">
+            <a:extLst>
+              <a:ext uri="{FF2B5EF4-FFF2-40B4-BE49-F238E27FC236}">
+                <a16:creationId xmlns:a16="http://schemas.microsoft.com/office/drawing/2014/main" id="{AAAA5738-03FD-F016-CC44-B8E2C60A42AD}"/>
+              </a:ext>
+            </a:extLst>
+          </p:cNvPr>
+          <p:cNvPicPr>
+            <a:picLocks noChangeAspect="1"/>
+          </p:cNvPicPr>
+          <p:nvPr/>
+        </p:nvPicPr>
+        <p:blipFill rotWithShape="1">
+          <a:blip r:embed="rId5"/>
+          <a:srcRect l="3333" t="11351" r="8462" b="3282"/>
+          <a:stretch/>
+        </p:blipFill>
+        <p:spPr>
+          <a:xfrm>
+            <a:off x="4485841" y="916499"/>
+            <a:ext cx="4019155" cy="2917393"/>
+          </a:xfrm>
+          <a:prstGeom prst="rect">
+            <a:avLst/>
+          </a:prstGeom>
+        </p:spPr>
+      </p:pic>
     </p:spTree>
     <p:extLst>
       <p:ext uri="{BB962C8B-B14F-4D97-AF65-F5344CB8AC3E}">
-        <p14:creationId xmlns:p14="http://schemas.microsoft.com/office/powerpoint/2010/main" val="209078195"/>
+        <p14:creationId xmlns:p14="http://schemas.microsoft.com/office/powerpoint/2010/main" val="1238433552"/>
       </p:ext>
     </p:extLst>
   </p:cSld>

--- a/PowerPoint/TesiNecerini_Presentazione.pptx
+++ b/PowerPoint/TesiNecerini_Presentazione.pptx
@@ -5,10 +5,10 @@
     <p:sldMasterId id="2147483691" r:id="rId1"/>
   </p:sldMasterIdLst>
   <p:notesMasterIdLst>
-    <p:notesMasterId r:id="rId22"/>
+    <p:notesMasterId r:id="rId24"/>
   </p:notesMasterIdLst>
   <p:handoutMasterIdLst>
-    <p:handoutMasterId r:id="rId23"/>
+    <p:handoutMasterId r:id="rId25"/>
   </p:handoutMasterIdLst>
   <p:sldIdLst>
     <p:sldId id="277" r:id="rId2"/>
@@ -21,16 +21,18 @@
     <p:sldId id="307" r:id="rId9"/>
     <p:sldId id="308" r:id="rId10"/>
     <p:sldId id="301" r:id="rId11"/>
-    <p:sldId id="302" r:id="rId12"/>
-    <p:sldId id="278" r:id="rId13"/>
-    <p:sldId id="287" r:id="rId14"/>
-    <p:sldId id="296" r:id="rId15"/>
-    <p:sldId id="293" r:id="rId16"/>
-    <p:sldId id="294" r:id="rId17"/>
-    <p:sldId id="295" r:id="rId18"/>
-    <p:sldId id="297" r:id="rId19"/>
-    <p:sldId id="298" r:id="rId20"/>
-    <p:sldId id="262" r:id="rId21"/>
+    <p:sldId id="309" r:id="rId12"/>
+    <p:sldId id="310" r:id="rId13"/>
+    <p:sldId id="302" r:id="rId14"/>
+    <p:sldId id="278" r:id="rId15"/>
+    <p:sldId id="287" r:id="rId16"/>
+    <p:sldId id="296" r:id="rId17"/>
+    <p:sldId id="293" r:id="rId18"/>
+    <p:sldId id="294" r:id="rId19"/>
+    <p:sldId id="295" r:id="rId20"/>
+    <p:sldId id="297" r:id="rId21"/>
+    <p:sldId id="298" r:id="rId22"/>
+    <p:sldId id="262" r:id="rId23"/>
   </p:sldIdLst>
   <p:sldSz cx="9144000" cy="5143500" type="screen16x9"/>
   <p:notesSz cx="6858000" cy="9144000"/>
@@ -144,6 +146,8 @@
             <p14:sldId id="307"/>
             <p14:sldId id="308"/>
             <p14:sldId id="301"/>
+            <p14:sldId id="309"/>
+            <p14:sldId id="310"/>
             <p14:sldId id="302"/>
             <p14:sldId id="278"/>
             <p14:sldId id="287"/>
@@ -840,7 +844,7 @@
           <a:p>
             <a:fld id="{79E7D7B2-511C-5746-97D1-507EEDB38854}" type="slidenum">
               <a:rPr lang="it-IT" smtClean="0"/>
-              <a:t>13</a:t>
+              <a:t>15</a:t>
             </a:fld>
             <a:endParaRPr lang="it-IT"/>
           </a:p>
@@ -929,7 +933,7 @@
           <a:p>
             <a:fld id="{79E7D7B2-511C-5746-97D1-507EEDB38854}" type="slidenum">
               <a:rPr lang="it-IT" smtClean="0"/>
-              <a:t>20</a:t>
+              <a:t>22</a:t>
             </a:fld>
             <a:endParaRPr lang="it-IT"/>
           </a:p>
@@ -6721,6 +6725,1232 @@
       </p:grpSpPr>
       <p:sp>
         <p:nvSpPr>
+          <p:cNvPr id="4" name="Segnaposto testo 3">
+            <a:extLst>
+              <a:ext uri="{FF2B5EF4-FFF2-40B4-BE49-F238E27FC236}">
+                <a16:creationId xmlns:a16="http://schemas.microsoft.com/office/drawing/2014/main" id="{A0356F0E-C03E-698B-FA95-5EE08052C10A}"/>
+              </a:ext>
+            </a:extLst>
+          </p:cNvPr>
+          <p:cNvSpPr>
+            <a:spLocks noGrp="1"/>
+          </p:cNvSpPr>
+          <p:nvPr>
+            <p:ph type="body" sz="quarter" idx="14"/>
+          </p:nvPr>
+        </p:nvSpPr>
+        <p:spPr/>
+        <p:txBody>
+          <a:bodyPr/>
+          <a:lstStyle/>
+          <a:p>
+            <a:r>
+              <a:rPr lang="it-IT" dirty="0"/>
+              <a:t>Simulazione</a:t>
+            </a:r>
+          </a:p>
+        </p:txBody>
+      </p:sp>
+      <p:sp>
+        <p:nvSpPr>
+          <p:cNvPr id="6" name="Segnaposto testo 5">
+            <a:extLst>
+              <a:ext uri="{FF2B5EF4-FFF2-40B4-BE49-F238E27FC236}">
+                <a16:creationId xmlns:a16="http://schemas.microsoft.com/office/drawing/2014/main" id="{C35DC1DB-5BF5-3611-5F38-5A76A26BDBD8}"/>
+              </a:ext>
+            </a:extLst>
+          </p:cNvPr>
+          <p:cNvSpPr txBox="1">
+            <a:spLocks/>
+          </p:cNvSpPr>
+          <p:nvPr/>
+        </p:nvSpPr>
+        <p:spPr>
+          <a:xfrm>
+            <a:off x="511941" y="879614"/>
+            <a:ext cx="2540748" cy="2749190"/>
+          </a:xfrm>
+          <a:prstGeom prst="rect">
+            <a:avLst/>
+          </a:prstGeom>
+        </p:spPr>
+        <p:txBody>
+          <a:bodyPr>
+            <a:normAutofit/>
+          </a:bodyPr>
+          <a:lstStyle>
+            <a:lvl1pPr marL="171450" indent="-171450" algn="l" defTabSz="685800" rtl="0" eaLnBrk="1" latinLnBrk="0" hangingPunct="1">
+              <a:lnSpc>
+                <a:spcPct val="90000"/>
+              </a:lnSpc>
+              <a:spcBef>
+                <a:spcPts val="750"/>
+              </a:spcBef>
+              <a:buFont typeface="Arial" panose="020B0604020202020204" pitchFamily="34" charset="0"/>
+              <a:buChar char="•"/>
+              <a:defRPr sz="2100" kern="1200">
+                <a:solidFill>
+                  <a:schemeClr val="tx1"/>
+                </a:solidFill>
+                <a:latin typeface="+mn-lt"/>
+                <a:ea typeface="+mn-ea"/>
+                <a:cs typeface="+mn-cs"/>
+              </a:defRPr>
+            </a:lvl1pPr>
+            <a:lvl2pPr marL="514350" indent="-171450" algn="l" defTabSz="685800" rtl="0" eaLnBrk="1" latinLnBrk="0" hangingPunct="1">
+              <a:lnSpc>
+                <a:spcPct val="90000"/>
+              </a:lnSpc>
+              <a:spcBef>
+                <a:spcPts val="375"/>
+              </a:spcBef>
+              <a:buFont typeface="Arial" panose="020B0604020202020204" pitchFamily="34" charset="0"/>
+              <a:buChar char="•"/>
+              <a:defRPr sz="1800" kern="1200">
+                <a:solidFill>
+                  <a:schemeClr val="tx1"/>
+                </a:solidFill>
+                <a:latin typeface="+mn-lt"/>
+                <a:ea typeface="+mn-ea"/>
+                <a:cs typeface="+mn-cs"/>
+              </a:defRPr>
+            </a:lvl2pPr>
+            <a:lvl3pPr marL="857250" indent="-171450" algn="l" defTabSz="685800" rtl="0" eaLnBrk="1" latinLnBrk="0" hangingPunct="1">
+              <a:lnSpc>
+                <a:spcPct val="90000"/>
+              </a:lnSpc>
+              <a:spcBef>
+                <a:spcPts val="375"/>
+              </a:spcBef>
+              <a:buFont typeface="Arial" panose="020B0604020202020204" pitchFamily="34" charset="0"/>
+              <a:buChar char="•"/>
+              <a:defRPr sz="1500" kern="1200">
+                <a:solidFill>
+                  <a:schemeClr val="tx1"/>
+                </a:solidFill>
+                <a:latin typeface="+mn-lt"/>
+                <a:ea typeface="+mn-ea"/>
+                <a:cs typeface="+mn-cs"/>
+              </a:defRPr>
+            </a:lvl3pPr>
+            <a:lvl4pPr marL="1200150" indent="-171450" algn="l" defTabSz="685800" rtl="0" eaLnBrk="1" latinLnBrk="0" hangingPunct="1">
+              <a:lnSpc>
+                <a:spcPct val="90000"/>
+              </a:lnSpc>
+              <a:spcBef>
+                <a:spcPts val="375"/>
+              </a:spcBef>
+              <a:buFont typeface="Arial" panose="020B0604020202020204" pitchFamily="34" charset="0"/>
+              <a:buChar char="•"/>
+              <a:defRPr sz="1350" kern="1200">
+                <a:solidFill>
+                  <a:schemeClr val="tx1"/>
+                </a:solidFill>
+                <a:latin typeface="+mn-lt"/>
+                <a:ea typeface="+mn-ea"/>
+                <a:cs typeface="+mn-cs"/>
+              </a:defRPr>
+            </a:lvl4pPr>
+            <a:lvl5pPr marL="1543050" indent="-171450" algn="l" defTabSz="685800" rtl="0" eaLnBrk="1" latinLnBrk="0" hangingPunct="1">
+              <a:lnSpc>
+                <a:spcPct val="90000"/>
+              </a:lnSpc>
+              <a:spcBef>
+                <a:spcPts val="375"/>
+              </a:spcBef>
+              <a:buFont typeface="Arial" panose="020B0604020202020204" pitchFamily="34" charset="0"/>
+              <a:buChar char="•"/>
+              <a:defRPr sz="1350" kern="1200">
+                <a:solidFill>
+                  <a:schemeClr val="tx1"/>
+                </a:solidFill>
+                <a:latin typeface="+mn-lt"/>
+                <a:ea typeface="+mn-ea"/>
+                <a:cs typeface="+mn-cs"/>
+              </a:defRPr>
+            </a:lvl5pPr>
+            <a:lvl6pPr marL="1885950" indent="-171450" algn="l" defTabSz="685800" rtl="0" eaLnBrk="1" latinLnBrk="0" hangingPunct="1">
+              <a:lnSpc>
+                <a:spcPct val="90000"/>
+              </a:lnSpc>
+              <a:spcBef>
+                <a:spcPts val="375"/>
+              </a:spcBef>
+              <a:buFont typeface="Arial" panose="020B0604020202020204" pitchFamily="34" charset="0"/>
+              <a:buChar char="•"/>
+              <a:defRPr sz="1350" kern="1200">
+                <a:solidFill>
+                  <a:schemeClr val="tx1"/>
+                </a:solidFill>
+                <a:latin typeface="+mn-lt"/>
+                <a:ea typeface="+mn-ea"/>
+                <a:cs typeface="+mn-cs"/>
+              </a:defRPr>
+            </a:lvl6pPr>
+            <a:lvl7pPr marL="2228850" indent="-171450" algn="l" defTabSz="685800" rtl="0" eaLnBrk="1" latinLnBrk="0" hangingPunct="1">
+              <a:lnSpc>
+                <a:spcPct val="90000"/>
+              </a:lnSpc>
+              <a:spcBef>
+                <a:spcPts val="375"/>
+              </a:spcBef>
+              <a:buFont typeface="Arial" panose="020B0604020202020204" pitchFamily="34" charset="0"/>
+              <a:buChar char="•"/>
+              <a:defRPr sz="1350" kern="1200">
+                <a:solidFill>
+                  <a:schemeClr val="tx1"/>
+                </a:solidFill>
+                <a:latin typeface="+mn-lt"/>
+                <a:ea typeface="+mn-ea"/>
+                <a:cs typeface="+mn-cs"/>
+              </a:defRPr>
+            </a:lvl7pPr>
+            <a:lvl8pPr marL="2571750" indent="-171450" algn="l" defTabSz="685800" rtl="0" eaLnBrk="1" latinLnBrk="0" hangingPunct="1">
+              <a:lnSpc>
+                <a:spcPct val="90000"/>
+              </a:lnSpc>
+              <a:spcBef>
+                <a:spcPts val="375"/>
+              </a:spcBef>
+              <a:buFont typeface="Arial" panose="020B0604020202020204" pitchFamily="34" charset="0"/>
+              <a:buChar char="•"/>
+              <a:defRPr sz="1350" kern="1200">
+                <a:solidFill>
+                  <a:schemeClr val="tx1"/>
+                </a:solidFill>
+                <a:latin typeface="+mn-lt"/>
+                <a:ea typeface="+mn-ea"/>
+                <a:cs typeface="+mn-cs"/>
+              </a:defRPr>
+            </a:lvl8pPr>
+            <a:lvl9pPr marL="2914650" indent="-171450" algn="l" defTabSz="685800" rtl="0" eaLnBrk="1" latinLnBrk="0" hangingPunct="1">
+              <a:lnSpc>
+                <a:spcPct val="90000"/>
+              </a:lnSpc>
+              <a:spcBef>
+                <a:spcPts val="375"/>
+              </a:spcBef>
+              <a:buFont typeface="Arial" panose="020B0604020202020204" pitchFamily="34" charset="0"/>
+              <a:buChar char="•"/>
+              <a:defRPr sz="1350" kern="1200">
+                <a:solidFill>
+                  <a:schemeClr val="tx1"/>
+                </a:solidFill>
+                <a:latin typeface="+mn-lt"/>
+                <a:ea typeface="+mn-ea"/>
+                <a:cs typeface="+mn-cs"/>
+              </a:defRPr>
+            </a:lvl9pPr>
+          </a:lstStyle>
+          <a:p>
+            <a:pPr>
+              <a:lnSpc>
+                <a:spcPct val="110000"/>
+              </a:lnSpc>
+            </a:pPr>
+            <a:endParaRPr lang="it-IT" dirty="0"/>
+          </a:p>
+          <a:p>
+            <a:endParaRPr lang="it-IT" dirty="0"/>
+          </a:p>
+        </p:txBody>
+      </p:sp>
+      <p:sp>
+        <p:nvSpPr>
+          <p:cNvPr id="13" name="Segnaposto testo 4">
+            <a:extLst>
+              <a:ext uri="{FF2B5EF4-FFF2-40B4-BE49-F238E27FC236}">
+                <a16:creationId xmlns:a16="http://schemas.microsoft.com/office/drawing/2014/main" id="{F03667D6-B829-884D-3B7B-6BF2B2F94CFB}"/>
+              </a:ext>
+            </a:extLst>
+          </p:cNvPr>
+          <p:cNvSpPr>
+            <a:spLocks noGrp="1"/>
+          </p:cNvSpPr>
+          <p:nvPr>
+            <p:ph type="body" sz="quarter" idx="11"/>
+          </p:nvPr>
+        </p:nvSpPr>
+        <p:spPr>
+          <a:xfrm>
+            <a:off x="4274826" y="3848563"/>
+            <a:ext cx="4869174" cy="604241"/>
+          </a:xfrm>
+        </p:spPr>
+        <p:txBody>
+          <a:bodyPr/>
+          <a:lstStyle/>
+          <a:p>
+            <a:r>
+              <a:rPr lang="it-IT" dirty="0"/>
+              <a:t>Dataset contenente le traiettorie dei target</a:t>
+            </a:r>
+          </a:p>
+        </p:txBody>
+      </p:sp>
+      <p:pic>
+        <p:nvPicPr>
+          <p:cNvPr id="9" name="Immagine 8" descr="Immagine che contiene Policromia, Elementi grafici, Arte frattale, arte&#10;&#10;Descrizione generata automaticamente">
+            <a:extLst>
+              <a:ext uri="{FF2B5EF4-FFF2-40B4-BE49-F238E27FC236}">
+                <a16:creationId xmlns:a16="http://schemas.microsoft.com/office/drawing/2014/main" id="{70702D02-CA83-01FA-0718-DA729EF9388B}"/>
+              </a:ext>
+            </a:extLst>
+          </p:cNvPr>
+          <p:cNvPicPr>
+            <a:picLocks noChangeAspect="1"/>
+          </p:cNvPicPr>
+          <p:nvPr/>
+        </p:nvPicPr>
+        <p:blipFill rotWithShape="1">
+          <a:blip r:embed="rId2"/>
+          <a:srcRect l="4207" t="11665" r="7692" b="1633"/>
+          <a:stretch/>
+        </p:blipFill>
+        <p:spPr>
+          <a:xfrm>
+            <a:off x="4274826" y="896892"/>
+            <a:ext cx="4054694" cy="2937000"/>
+          </a:xfrm>
+          <a:prstGeom prst="rect">
+            <a:avLst/>
+          </a:prstGeom>
+        </p:spPr>
+      </p:pic>
+      <mc:AlternateContent xmlns:mc="http://schemas.openxmlformats.org/markup-compatibility/2006">
+        <mc:Choice xmlns:a14="http://schemas.microsoft.com/office/drawing/2010/main" Requires="a14">
+          <p:sp>
+            <p:nvSpPr>
+              <p:cNvPr id="10" name="Segnaposto testo 5">
+                <a:extLst>
+                  <a:ext uri="{FF2B5EF4-FFF2-40B4-BE49-F238E27FC236}">
+                    <a16:creationId xmlns:a16="http://schemas.microsoft.com/office/drawing/2014/main" id="{5A74F9E7-2C3E-EAFC-88B4-432C1E2A1515}"/>
+                  </a:ext>
+                </a:extLst>
+              </p:cNvPr>
+              <p:cNvSpPr txBox="1">
+                <a:spLocks/>
+              </p:cNvSpPr>
+              <p:nvPr/>
+            </p:nvSpPr>
+            <p:spPr>
+              <a:xfrm>
+                <a:off x="510495" y="861262"/>
+                <a:ext cx="3431742" cy="3402624"/>
+              </a:xfrm>
+              <a:prstGeom prst="rect">
+                <a:avLst/>
+              </a:prstGeom>
+            </p:spPr>
+            <p:txBody>
+              <a:bodyPr>
+                <a:normAutofit fontScale="92500" lnSpcReduction="20000"/>
+              </a:bodyPr>
+              <a:lstStyle>
+                <a:lvl1pPr marL="171450" indent="-171450" algn="l" defTabSz="685800" rtl="0" eaLnBrk="1" latinLnBrk="0" hangingPunct="1">
+                  <a:lnSpc>
+                    <a:spcPct val="90000"/>
+                  </a:lnSpc>
+                  <a:spcBef>
+                    <a:spcPts val="750"/>
+                  </a:spcBef>
+                  <a:buFont typeface="Arial" panose="020B0604020202020204" pitchFamily="34" charset="0"/>
+                  <a:buChar char="•"/>
+                  <a:defRPr sz="2100" kern="1200">
+                    <a:solidFill>
+                      <a:schemeClr val="tx1"/>
+                    </a:solidFill>
+                    <a:latin typeface="+mn-lt"/>
+                    <a:ea typeface="+mn-ea"/>
+                    <a:cs typeface="+mn-cs"/>
+                  </a:defRPr>
+                </a:lvl1pPr>
+                <a:lvl2pPr marL="514350" indent="-171450" algn="l" defTabSz="685800" rtl="0" eaLnBrk="1" latinLnBrk="0" hangingPunct="1">
+                  <a:lnSpc>
+                    <a:spcPct val="90000"/>
+                  </a:lnSpc>
+                  <a:spcBef>
+                    <a:spcPts val="375"/>
+                  </a:spcBef>
+                  <a:buFont typeface="Arial" panose="020B0604020202020204" pitchFamily="34" charset="0"/>
+                  <a:buChar char="•"/>
+                  <a:defRPr sz="1800" kern="1200">
+                    <a:solidFill>
+                      <a:schemeClr val="tx1"/>
+                    </a:solidFill>
+                    <a:latin typeface="+mn-lt"/>
+                    <a:ea typeface="+mn-ea"/>
+                    <a:cs typeface="+mn-cs"/>
+                  </a:defRPr>
+                </a:lvl2pPr>
+                <a:lvl3pPr marL="857250" indent="-171450" algn="l" defTabSz="685800" rtl="0" eaLnBrk="1" latinLnBrk="0" hangingPunct="1">
+                  <a:lnSpc>
+                    <a:spcPct val="90000"/>
+                  </a:lnSpc>
+                  <a:spcBef>
+                    <a:spcPts val="375"/>
+                  </a:spcBef>
+                  <a:buFont typeface="Arial" panose="020B0604020202020204" pitchFamily="34" charset="0"/>
+                  <a:buChar char="•"/>
+                  <a:defRPr sz="1500" kern="1200">
+                    <a:solidFill>
+                      <a:schemeClr val="tx1"/>
+                    </a:solidFill>
+                    <a:latin typeface="+mn-lt"/>
+                    <a:ea typeface="+mn-ea"/>
+                    <a:cs typeface="+mn-cs"/>
+                  </a:defRPr>
+                </a:lvl3pPr>
+                <a:lvl4pPr marL="1200150" indent="-171450" algn="l" defTabSz="685800" rtl="0" eaLnBrk="1" latinLnBrk="0" hangingPunct="1">
+                  <a:lnSpc>
+                    <a:spcPct val="90000"/>
+                  </a:lnSpc>
+                  <a:spcBef>
+                    <a:spcPts val="375"/>
+                  </a:spcBef>
+                  <a:buFont typeface="Arial" panose="020B0604020202020204" pitchFamily="34" charset="0"/>
+                  <a:buChar char="•"/>
+                  <a:defRPr sz="1350" kern="1200">
+                    <a:solidFill>
+                      <a:schemeClr val="tx1"/>
+                    </a:solidFill>
+                    <a:latin typeface="+mn-lt"/>
+                    <a:ea typeface="+mn-ea"/>
+                    <a:cs typeface="+mn-cs"/>
+                  </a:defRPr>
+                </a:lvl4pPr>
+                <a:lvl5pPr marL="1543050" indent="-171450" algn="l" defTabSz="685800" rtl="0" eaLnBrk="1" latinLnBrk="0" hangingPunct="1">
+                  <a:lnSpc>
+                    <a:spcPct val="90000"/>
+                  </a:lnSpc>
+                  <a:spcBef>
+                    <a:spcPts val="375"/>
+                  </a:spcBef>
+                  <a:buFont typeface="Arial" panose="020B0604020202020204" pitchFamily="34" charset="0"/>
+                  <a:buChar char="•"/>
+                  <a:defRPr sz="1350" kern="1200">
+                    <a:solidFill>
+                      <a:schemeClr val="tx1"/>
+                    </a:solidFill>
+                    <a:latin typeface="+mn-lt"/>
+                    <a:ea typeface="+mn-ea"/>
+                    <a:cs typeface="+mn-cs"/>
+                  </a:defRPr>
+                </a:lvl5pPr>
+                <a:lvl6pPr marL="1885950" indent="-171450" algn="l" defTabSz="685800" rtl="0" eaLnBrk="1" latinLnBrk="0" hangingPunct="1">
+                  <a:lnSpc>
+                    <a:spcPct val="90000"/>
+                  </a:lnSpc>
+                  <a:spcBef>
+                    <a:spcPts val="375"/>
+                  </a:spcBef>
+                  <a:buFont typeface="Arial" panose="020B0604020202020204" pitchFamily="34" charset="0"/>
+                  <a:buChar char="•"/>
+                  <a:defRPr sz="1350" kern="1200">
+                    <a:solidFill>
+                      <a:schemeClr val="tx1"/>
+                    </a:solidFill>
+                    <a:latin typeface="+mn-lt"/>
+                    <a:ea typeface="+mn-ea"/>
+                    <a:cs typeface="+mn-cs"/>
+                  </a:defRPr>
+                </a:lvl6pPr>
+                <a:lvl7pPr marL="2228850" indent="-171450" algn="l" defTabSz="685800" rtl="0" eaLnBrk="1" latinLnBrk="0" hangingPunct="1">
+                  <a:lnSpc>
+                    <a:spcPct val="90000"/>
+                  </a:lnSpc>
+                  <a:spcBef>
+                    <a:spcPts val="375"/>
+                  </a:spcBef>
+                  <a:buFont typeface="Arial" panose="020B0604020202020204" pitchFamily="34" charset="0"/>
+                  <a:buChar char="•"/>
+                  <a:defRPr sz="1350" kern="1200">
+                    <a:solidFill>
+                      <a:schemeClr val="tx1"/>
+                    </a:solidFill>
+                    <a:latin typeface="+mn-lt"/>
+                    <a:ea typeface="+mn-ea"/>
+                    <a:cs typeface="+mn-cs"/>
+                  </a:defRPr>
+                </a:lvl7pPr>
+                <a:lvl8pPr marL="2571750" indent="-171450" algn="l" defTabSz="685800" rtl="0" eaLnBrk="1" latinLnBrk="0" hangingPunct="1">
+                  <a:lnSpc>
+                    <a:spcPct val="90000"/>
+                  </a:lnSpc>
+                  <a:spcBef>
+                    <a:spcPts val="375"/>
+                  </a:spcBef>
+                  <a:buFont typeface="Arial" panose="020B0604020202020204" pitchFamily="34" charset="0"/>
+                  <a:buChar char="•"/>
+                  <a:defRPr sz="1350" kern="1200">
+                    <a:solidFill>
+                      <a:schemeClr val="tx1"/>
+                    </a:solidFill>
+                    <a:latin typeface="+mn-lt"/>
+                    <a:ea typeface="+mn-ea"/>
+                    <a:cs typeface="+mn-cs"/>
+                  </a:defRPr>
+                </a:lvl8pPr>
+                <a:lvl9pPr marL="2914650" indent="-171450" algn="l" defTabSz="685800" rtl="0" eaLnBrk="1" latinLnBrk="0" hangingPunct="1">
+                  <a:lnSpc>
+                    <a:spcPct val="90000"/>
+                  </a:lnSpc>
+                  <a:spcBef>
+                    <a:spcPts val="375"/>
+                  </a:spcBef>
+                  <a:buFont typeface="Arial" panose="020B0604020202020204" pitchFamily="34" charset="0"/>
+                  <a:buChar char="•"/>
+                  <a:defRPr sz="1350" kern="1200">
+                    <a:solidFill>
+                      <a:schemeClr val="tx1"/>
+                    </a:solidFill>
+                    <a:latin typeface="+mn-lt"/>
+                    <a:ea typeface="+mn-ea"/>
+                    <a:cs typeface="+mn-cs"/>
+                  </a:defRPr>
+                </a:lvl9pPr>
+              </a:lstStyle>
+              <a:p>
+                <a:pPr>
+                  <a:lnSpc>
+                    <a:spcPct val="110000"/>
+                  </a:lnSpc>
+                </a:pPr>
+                <a14:m>
+                  <m:oMath xmlns:m="http://schemas.openxmlformats.org/officeDocument/2006/math">
+                    <m:r>
+                      <a:rPr lang="it-IT" sz="1600" b="1" i="1" smtClean="0">
+                        <a:solidFill>
+                          <a:srgbClr val="727272"/>
+                        </a:solidFill>
+                        <a:latin typeface="Cambria Math" panose="02040503050406030204" pitchFamily="18" charset="0"/>
+                        <a:ea typeface="Verdana" panose="020B0604030504040204" pitchFamily="34" charset="0"/>
+                        <a:cs typeface="Verdana" panose="020B0604030504040204" pitchFamily="34" charset="0"/>
+                      </a:rPr>
+                      <m:t>𝑴</m:t>
+                    </m:r>
+                    <m:r>
+                      <a:rPr lang="it-IT" sz="1600" b="1" i="1" smtClean="0">
+                        <a:solidFill>
+                          <a:srgbClr val="727272"/>
+                        </a:solidFill>
+                        <a:latin typeface="Cambria Math" panose="02040503050406030204" pitchFamily="18" charset="0"/>
+                        <a:ea typeface="Verdana" panose="020B0604030504040204" pitchFamily="34" charset="0"/>
+                        <a:cs typeface="Verdana" panose="020B0604030504040204" pitchFamily="34" charset="0"/>
+                      </a:rPr>
+                      <m:t>=</m:t>
+                    </m:r>
+                    <m:r>
+                      <a:rPr lang="it-IT" sz="1600" b="1" i="1" smtClean="0">
+                        <a:solidFill>
+                          <a:srgbClr val="727272"/>
+                        </a:solidFill>
+                        <a:latin typeface="Cambria Math" panose="02040503050406030204" pitchFamily="18" charset="0"/>
+                        <a:ea typeface="Verdana" panose="020B0604030504040204" pitchFamily="34" charset="0"/>
+                        <a:cs typeface="Verdana" panose="020B0604030504040204" pitchFamily="34" charset="0"/>
+                      </a:rPr>
+                      <m:t>𝟏𝟎</m:t>
+                    </m:r>
+                  </m:oMath>
+                </a14:m>
+                <a:endParaRPr lang="it-IT" sz="1400" i="1" dirty="0">
+                  <a:solidFill>
+                    <a:srgbClr val="727272"/>
+                  </a:solidFill>
+                  <a:latin typeface="Verdana" panose="020B0604030504040204" pitchFamily="34" charset="0"/>
+                  <a:ea typeface="Verdana" panose="020B0604030504040204" pitchFamily="34" charset="0"/>
+                </a:endParaRPr>
+              </a:p>
+              <a:p>
+                <a:pPr>
+                  <a:lnSpc>
+                    <a:spcPct val="110000"/>
+                  </a:lnSpc>
+                </a:pPr>
+                <a14:m>
+                  <m:oMath xmlns:m="http://schemas.openxmlformats.org/officeDocument/2006/math">
+                    <m:r>
+                      <a:rPr lang="it-IT" sz="1600" b="1" i="1">
+                        <a:solidFill>
+                          <a:srgbClr val="727272"/>
+                        </a:solidFill>
+                        <a:latin typeface="Cambria Math" panose="02040503050406030204" pitchFamily="18" charset="0"/>
+                        <a:ea typeface="Verdana" panose="020B0604030504040204" pitchFamily="34" charset="0"/>
+                        <a:cs typeface="Verdana" panose="020B0604030504040204" pitchFamily="34" charset="0"/>
+                      </a:rPr>
+                      <m:t>𝑵</m:t>
+                    </m:r>
+                    <m:r>
+                      <a:rPr lang="it-IT" sz="1600" b="1" i="1" smtClean="0">
+                        <a:solidFill>
+                          <a:srgbClr val="727272"/>
+                        </a:solidFill>
+                        <a:latin typeface="Cambria Math" panose="02040503050406030204" pitchFamily="18" charset="0"/>
+                        <a:ea typeface="Verdana" panose="020B0604030504040204" pitchFamily="34" charset="0"/>
+                        <a:cs typeface="Verdana" panose="020B0604030504040204" pitchFamily="34" charset="0"/>
+                      </a:rPr>
+                      <m:t>=</m:t>
+                    </m:r>
+                    <m:r>
+                      <a:rPr lang="it-IT" sz="1600" b="1" i="1" smtClean="0">
+                        <a:solidFill>
+                          <a:srgbClr val="727272"/>
+                        </a:solidFill>
+                        <a:latin typeface="Cambria Math" panose="02040503050406030204" pitchFamily="18" charset="0"/>
+                        <a:ea typeface="Verdana" panose="020B0604030504040204" pitchFamily="34" charset="0"/>
+                        <a:cs typeface="Verdana" panose="020B0604030504040204" pitchFamily="34" charset="0"/>
+                      </a:rPr>
+                      <m:t>𝟒</m:t>
+                    </m:r>
+                  </m:oMath>
+                </a14:m>
+                <a:endParaRPr lang="it-IT" sz="1400" i="1" dirty="0">
+                  <a:solidFill>
+                    <a:srgbClr val="727272"/>
+                  </a:solidFill>
+                  <a:latin typeface="Verdana" panose="020B0604030504040204" pitchFamily="34" charset="0"/>
+                  <a:ea typeface="Verdana" panose="020B0604030504040204" pitchFamily="34" charset="0"/>
+                </a:endParaRPr>
+              </a:p>
+              <a:p>
+                <a:pPr>
+                  <a:lnSpc>
+                    <a:spcPct val="120000"/>
+                  </a:lnSpc>
+                </a:pPr>
+                <a:r>
+                  <a:rPr lang="it-IT" sz="1600" b="1" i="1" dirty="0" err="1">
+                    <a:solidFill>
+                      <a:srgbClr val="727272"/>
+                    </a:solidFill>
+                    <a:latin typeface="Cambria Math" panose="02040503050406030204" pitchFamily="18" charset="0"/>
+                    <a:ea typeface="Verdana" panose="020B0604030504040204" pitchFamily="34" charset="0"/>
+                  </a:rPr>
+                  <a:t>initialAreaSize</a:t>
+                </a:r>
+                <a:r>
+                  <a:rPr lang="it-IT" sz="1600" b="1" i="1" dirty="0">
+                    <a:solidFill>
+                      <a:srgbClr val="727272"/>
+                    </a:solidFill>
+                    <a:latin typeface="Cambria Math" panose="02040503050406030204" pitchFamily="18" charset="0"/>
+                    <a:ea typeface="Verdana" panose="020B0604030504040204" pitchFamily="34" charset="0"/>
+                  </a:rPr>
+                  <a:t> = 200</a:t>
+                </a:r>
+              </a:p>
+              <a:p>
+                <a:pPr>
+                  <a:lnSpc>
+                    <a:spcPct val="120000"/>
+                  </a:lnSpc>
+                </a:pPr>
+                <a:r>
+                  <a:rPr lang="it-IT" sz="1600" b="1" i="1" dirty="0">
+                    <a:solidFill>
+                      <a:srgbClr val="727272"/>
+                    </a:solidFill>
+                    <a:latin typeface="Cambria Math" panose="02040503050406030204" pitchFamily="18" charset="0"/>
+                    <a:ea typeface="Verdana" panose="020B0604030504040204" pitchFamily="34" charset="0"/>
+                  </a:rPr>
+                  <a:t>Duration = 150  [s]</a:t>
+                </a:r>
+              </a:p>
+              <a:p>
+                <a:pPr>
+                  <a:lnSpc>
+                    <a:spcPct val="110000"/>
+                  </a:lnSpc>
+                </a:pPr>
+                <a14:m>
+                  <m:oMath xmlns:m="http://schemas.openxmlformats.org/officeDocument/2006/math">
+                    <m:r>
+                      <a:rPr lang="it-IT" sz="1600" b="1" i="1">
+                        <a:solidFill>
+                          <a:srgbClr val="727272"/>
+                        </a:solidFill>
+                        <a:latin typeface="Cambria Math" panose="02040503050406030204" pitchFamily="18" charset="0"/>
+                        <a:ea typeface="Verdana" panose="020B0604030504040204" pitchFamily="34" charset="0"/>
+                        <a:cs typeface="Verdana" panose="020B0604030504040204" pitchFamily="34" charset="0"/>
+                      </a:rPr>
+                      <m:t>𝒓</m:t>
+                    </m:r>
+                    <m:r>
+                      <a:rPr lang="it-IT" sz="1600" b="1" i="1" smtClean="0">
+                        <a:solidFill>
+                          <a:srgbClr val="727272"/>
+                        </a:solidFill>
+                        <a:latin typeface="Cambria Math" panose="02040503050406030204" pitchFamily="18" charset="0"/>
+                        <a:ea typeface="Verdana" panose="020B0604030504040204" pitchFamily="34" charset="0"/>
+                        <a:cs typeface="Verdana" panose="020B0604030504040204" pitchFamily="34" charset="0"/>
+                      </a:rPr>
+                      <m:t>=</m:t>
+                    </m:r>
+                    <m:r>
+                      <a:rPr lang="it-IT" sz="1600" b="1" i="1" smtClean="0">
+                        <a:solidFill>
+                          <a:srgbClr val="727272"/>
+                        </a:solidFill>
+                        <a:latin typeface="Cambria Math" panose="02040503050406030204" pitchFamily="18" charset="0"/>
+                        <a:ea typeface="Verdana" panose="020B0604030504040204" pitchFamily="34" charset="0"/>
+                        <a:cs typeface="Verdana" panose="020B0604030504040204" pitchFamily="34" charset="0"/>
+                      </a:rPr>
+                      <m:t>𝟏𝟓𝟎</m:t>
+                    </m:r>
+                  </m:oMath>
+                </a14:m>
+                <a:endParaRPr lang="it-IT" sz="1400" i="1" dirty="0">
+                  <a:solidFill>
+                    <a:srgbClr val="727272"/>
+                  </a:solidFill>
+                  <a:latin typeface="Verdana" panose="020B0604030504040204" pitchFamily="34" charset="0"/>
+                  <a:ea typeface="Verdana" panose="020B0604030504040204" pitchFamily="34" charset="0"/>
+                </a:endParaRPr>
+              </a:p>
+              <a:p>
+                <a:pPr>
+                  <a:lnSpc>
+                    <a:spcPct val="110000"/>
+                  </a:lnSpc>
+                </a:pPr>
+                <a14:m>
+                  <m:oMath xmlns:m="http://schemas.openxmlformats.org/officeDocument/2006/math">
+                    <m:sSub>
+                      <m:sSubPr>
+                        <m:ctrlPr>
+                          <a:rPr lang="it-IT" sz="1600" b="1" i="1">
+                            <a:solidFill>
+                              <a:srgbClr val="727272"/>
+                            </a:solidFill>
+                            <a:latin typeface="Cambria Math" panose="02040503050406030204" pitchFamily="18" charset="0"/>
+                            <a:ea typeface="Verdana" panose="020B0604030504040204" pitchFamily="34" charset="0"/>
+                            <a:cs typeface="Verdana" panose="020B0604030504040204" pitchFamily="34" charset="0"/>
+                          </a:rPr>
+                        </m:ctrlPr>
+                      </m:sSubPr>
+                      <m:e>
+                        <m:r>
+                          <a:rPr lang="it-IT" sz="1600" b="1" i="1">
+                            <a:solidFill>
+                              <a:srgbClr val="727272"/>
+                            </a:solidFill>
+                            <a:latin typeface="Cambria Math" panose="02040503050406030204" pitchFamily="18" charset="0"/>
+                            <a:ea typeface="Verdana" panose="020B0604030504040204" pitchFamily="34" charset="0"/>
+                            <a:cs typeface="Verdana" panose="020B0604030504040204" pitchFamily="34" charset="0"/>
+                          </a:rPr>
+                          <m:t>𝑴</m:t>
+                        </m:r>
+                      </m:e>
+                      <m:sub>
+                        <m:r>
+                          <a:rPr lang="it-IT" sz="1600" b="1" i="1">
+                            <a:solidFill>
+                              <a:srgbClr val="727272"/>
+                            </a:solidFill>
+                            <a:latin typeface="Cambria Math" panose="02040503050406030204" pitchFamily="18" charset="0"/>
+                            <a:ea typeface="Verdana" panose="020B0604030504040204" pitchFamily="34" charset="0"/>
+                            <a:cs typeface="Verdana" panose="020B0604030504040204" pitchFamily="34" charset="0"/>
+                          </a:rPr>
+                          <m:t>𝒑</m:t>
+                        </m:r>
+                      </m:sub>
+                    </m:sSub>
+                    <m:r>
+                      <a:rPr lang="it-IT" sz="1600" b="1" i="1" smtClean="0">
+                        <a:solidFill>
+                          <a:srgbClr val="727272"/>
+                        </a:solidFill>
+                        <a:latin typeface="Cambria Math" panose="02040503050406030204" pitchFamily="18" charset="0"/>
+                        <a:ea typeface="Verdana" panose="020B0604030504040204" pitchFamily="34" charset="0"/>
+                        <a:cs typeface="Verdana" panose="020B0604030504040204" pitchFamily="34" charset="0"/>
+                      </a:rPr>
+                      <m:t>=</m:t>
+                    </m:r>
+                    <m:r>
+                      <a:rPr lang="it-IT" sz="1600" b="1" i="1" smtClean="0">
+                        <a:solidFill>
+                          <a:srgbClr val="727272"/>
+                        </a:solidFill>
+                        <a:latin typeface="Cambria Math" panose="02040503050406030204" pitchFamily="18" charset="0"/>
+                        <a:ea typeface="Verdana" panose="020B0604030504040204" pitchFamily="34" charset="0"/>
+                        <a:cs typeface="Verdana" panose="020B0604030504040204" pitchFamily="34" charset="0"/>
+                      </a:rPr>
+                      <m:t>𝟏</m:t>
+                    </m:r>
+                  </m:oMath>
+                </a14:m>
+                <a:r>
+                  <a:rPr lang="it-IT" dirty="0"/>
+                  <a:t> </a:t>
+                </a:r>
+                <a:r>
+                  <a:rPr lang="it-IT" sz="1600" b="1" i="1" dirty="0">
+                    <a:solidFill>
+                      <a:srgbClr val="727272"/>
+                    </a:solidFill>
+                    <a:latin typeface="Cambria Math" panose="02040503050406030204" pitchFamily="18" charset="0"/>
+                    <a:ea typeface="Verdana" panose="020B0604030504040204" pitchFamily="34" charset="0"/>
+                  </a:rPr>
+                  <a:t>(determina il contributo di ogni agente)</a:t>
+                </a:r>
+              </a:p>
+              <a:p>
+                <a:pPr>
+                  <a:lnSpc>
+                    <a:spcPct val="110000"/>
+                  </a:lnSpc>
+                </a:pPr>
+                <a:r>
+                  <a:rPr lang="it-IT" sz="1600" b="1" i="1" dirty="0">
+                    <a:solidFill>
+                      <a:srgbClr val="727272"/>
+                    </a:solidFill>
+                    <a:latin typeface="Cambria Math" panose="02040503050406030204" pitchFamily="18" charset="0"/>
+                    <a:ea typeface="Verdana" panose="020B0604030504040204" pitchFamily="34" charset="0"/>
+                  </a:rPr>
+                  <a:t>E* = [1, 2]</a:t>
+                </a:r>
+              </a:p>
+              <a:p>
+                <a:pPr>
+                  <a:lnSpc>
+                    <a:spcPct val="110000"/>
+                  </a:lnSpc>
+                </a:pPr>
+                <a14:m>
+                  <m:oMath xmlns:m="http://schemas.openxmlformats.org/officeDocument/2006/math">
+                    <m:r>
+                      <a:rPr lang="it-IT" sz="1600" b="1" i="1" smtClean="0">
+                        <a:solidFill>
+                          <a:srgbClr val="727272"/>
+                        </a:solidFill>
+                        <a:latin typeface="Cambria Math" panose="02040503050406030204" pitchFamily="18" charset="0"/>
+                        <a:ea typeface="Cambria Math" panose="02040503050406030204" pitchFamily="18" charset="0"/>
+                      </a:rPr>
+                      <m:t>𝜺</m:t>
+                    </m:r>
+                    <m:r>
+                      <a:rPr lang="it-IT" sz="1600" b="1" i="1" smtClean="0">
+                        <a:solidFill>
+                          <a:srgbClr val="727272"/>
+                        </a:solidFill>
+                        <a:latin typeface="Cambria Math" panose="02040503050406030204" pitchFamily="18" charset="0"/>
+                        <a:ea typeface="Cambria Math" panose="02040503050406030204" pitchFamily="18" charset="0"/>
+                      </a:rPr>
+                      <m:t>=</m:t>
+                    </m:r>
+                    <m:r>
+                      <a:rPr lang="it-IT" sz="1600" b="1" i="1" smtClean="0">
+                        <a:solidFill>
+                          <a:srgbClr val="727272"/>
+                        </a:solidFill>
+                        <a:latin typeface="Cambria Math" panose="02040503050406030204" pitchFamily="18" charset="0"/>
+                        <a:ea typeface="Cambria Math" panose="02040503050406030204" pitchFamily="18" charset="0"/>
+                      </a:rPr>
+                      <m:t>𝟏𝟓𝟎</m:t>
+                    </m:r>
+                  </m:oMath>
+                </a14:m>
+                <a:endParaRPr lang="it-IT" sz="1600" b="1" i="1" dirty="0">
+                  <a:solidFill>
+                    <a:srgbClr val="727272"/>
+                  </a:solidFill>
+                  <a:latin typeface="Cambria Math" panose="02040503050406030204" pitchFamily="18" charset="0"/>
+                  <a:ea typeface="Cambria Math" panose="02040503050406030204" pitchFamily="18" charset="0"/>
+                </a:endParaRPr>
+              </a:p>
+              <a:p>
+                <a:pPr>
+                  <a:lnSpc>
+                    <a:spcPct val="110000"/>
+                  </a:lnSpc>
+                </a:pPr>
+                <a14:m>
+                  <m:oMath xmlns:m="http://schemas.openxmlformats.org/officeDocument/2006/math">
+                    <m:r>
+                      <a:rPr lang="it-IT" sz="1600" b="1" i="1" smtClean="0">
+                        <a:solidFill>
+                          <a:srgbClr val="727272"/>
+                        </a:solidFill>
+                        <a:latin typeface="Cambria Math" panose="02040503050406030204" pitchFamily="18" charset="0"/>
+                        <a:ea typeface="Cambria Math" panose="02040503050406030204" pitchFamily="18" charset="0"/>
+                      </a:rPr>
+                      <m:t>𝜹</m:t>
+                    </m:r>
+                    <m:r>
+                      <a:rPr lang="it-IT" sz="1600" b="1" i="1" smtClean="0">
+                        <a:solidFill>
+                          <a:srgbClr val="727272"/>
+                        </a:solidFill>
+                        <a:latin typeface="Cambria Math" panose="02040503050406030204" pitchFamily="18" charset="0"/>
+                        <a:ea typeface="Cambria Math" panose="02040503050406030204" pitchFamily="18" charset="0"/>
+                      </a:rPr>
+                      <m:t>=</m:t>
+                    </m:r>
+                    <m:r>
+                      <a:rPr lang="it-IT" sz="1600" b="1" i="1" smtClean="0">
+                        <a:solidFill>
+                          <a:srgbClr val="727272"/>
+                        </a:solidFill>
+                        <a:latin typeface="Cambria Math" panose="02040503050406030204" pitchFamily="18" charset="0"/>
+                        <a:ea typeface="Cambria Math" panose="02040503050406030204" pitchFamily="18" charset="0"/>
+                      </a:rPr>
+                      <m:t>𝟑𝟎</m:t>
+                    </m:r>
+                  </m:oMath>
+                </a14:m>
+                <a:endParaRPr lang="it-IT" sz="1600" b="1" i="1" dirty="0">
+                  <a:solidFill>
+                    <a:srgbClr val="727272"/>
+                  </a:solidFill>
+                  <a:latin typeface="Cambria Math" panose="02040503050406030204" pitchFamily="18" charset="0"/>
+                  <a:ea typeface="Cambria Math" panose="02040503050406030204" pitchFamily="18" charset="0"/>
+                </a:endParaRPr>
+              </a:p>
+              <a:p>
+                <a:pPr>
+                  <a:lnSpc>
+                    <a:spcPct val="110000"/>
+                  </a:lnSpc>
+                </a:pPr>
+                <a:endParaRPr lang="it-IT" sz="1600" b="1" i="1" dirty="0">
+                  <a:solidFill>
+                    <a:srgbClr val="727272"/>
+                  </a:solidFill>
+                  <a:latin typeface="Cambria Math" panose="02040503050406030204" pitchFamily="18" charset="0"/>
+                  <a:ea typeface="Verdana" panose="020B0604030504040204" pitchFamily="34" charset="0"/>
+                </a:endParaRPr>
+              </a:p>
+              <a:p>
+                <a:endParaRPr lang="it-IT" dirty="0"/>
+              </a:p>
+            </p:txBody>
+          </p:sp>
+        </mc:Choice>
+        <mc:Fallback>
+          <p:sp>
+            <p:nvSpPr>
+              <p:cNvPr id="10" name="Segnaposto testo 5">
+                <a:extLst>
+                  <a:ext uri="{FF2B5EF4-FFF2-40B4-BE49-F238E27FC236}">
+                    <a16:creationId xmlns:a16="http://schemas.microsoft.com/office/drawing/2014/main" id="{5A74F9E7-2C3E-EAFC-88B4-432C1E2A1515}"/>
+                  </a:ext>
+                </a:extLst>
+              </p:cNvPr>
+              <p:cNvSpPr txBox="1">
+                <a:spLocks noRot="1" noChangeAspect="1" noMove="1" noResize="1" noEditPoints="1" noAdjustHandles="1" noChangeArrowheads="1" noChangeShapeType="1" noTextEdit="1"/>
+              </p:cNvSpPr>
+              <p:nvPr/>
+            </p:nvSpPr>
+            <p:spPr>
+              <a:xfrm>
+                <a:off x="510495" y="861262"/>
+                <a:ext cx="3431742" cy="3402624"/>
+              </a:xfrm>
+              <a:prstGeom prst="rect">
+                <a:avLst/>
+              </a:prstGeom>
+              <a:blipFill>
+                <a:blip r:embed="rId3"/>
+                <a:stretch>
+                  <a:fillRect l="-533"/>
+                </a:stretch>
+              </a:blipFill>
+            </p:spPr>
+            <p:txBody>
+              <a:bodyPr/>
+              <a:lstStyle/>
+              <a:p>
+                <a:r>
+                  <a:rPr lang="it-IT">
+                    <a:noFill/>
+                  </a:rPr>
+                  <a:t> </a:t>
+                </a:r>
+              </a:p>
+            </p:txBody>
+          </p:sp>
+        </mc:Fallback>
+      </mc:AlternateContent>
+    </p:spTree>
+    <p:extLst>
+      <p:ext uri="{BB962C8B-B14F-4D97-AF65-F5344CB8AC3E}">
+        <p14:creationId xmlns:p14="http://schemas.microsoft.com/office/powerpoint/2010/main" val="1132469727"/>
+      </p:ext>
+    </p:extLst>
+  </p:cSld>
+  <p:clrMapOvr>
+    <a:masterClrMapping/>
+  </p:clrMapOvr>
+</p:sld>
+</file>
+
+<file path=ppt/slides/slide12.xml><?xml version="1.0" encoding="utf-8"?>
+<p:sld xmlns:a="http://schemas.openxmlformats.org/drawingml/2006/main" xmlns:r="http://schemas.openxmlformats.org/officeDocument/2006/relationships" xmlns:p="http://schemas.openxmlformats.org/presentationml/2006/main">
+  <p:cSld>
+    <p:spTree>
+      <p:nvGrpSpPr>
+        <p:cNvPr id="1" name=""/>
+        <p:cNvGrpSpPr/>
+        <p:nvPr/>
+      </p:nvGrpSpPr>
+      <p:grpSpPr>
+        <a:xfrm>
+          <a:off x="0" y="0"/>
+          <a:ext cx="0" cy="0"/>
+          <a:chOff x="0" y="0"/>
+          <a:chExt cx="0" cy="0"/>
+        </a:xfrm>
+      </p:grpSpPr>
+      <p:sp>
+        <p:nvSpPr>
+          <p:cNvPr id="3" name="Titolo 2">
+            <a:extLst>
+              <a:ext uri="{FF2B5EF4-FFF2-40B4-BE49-F238E27FC236}">
+                <a16:creationId xmlns:a16="http://schemas.microsoft.com/office/drawing/2014/main" id="{3C39F8EF-079C-0635-E0EB-307ECF0A1999}"/>
+              </a:ext>
+            </a:extLst>
+          </p:cNvPr>
+          <p:cNvSpPr>
+            <a:spLocks noGrp="1"/>
+          </p:cNvSpPr>
+          <p:nvPr>
+            <p:ph type="title"/>
+          </p:nvPr>
+        </p:nvSpPr>
+        <p:spPr>
+          <a:xfrm>
+            <a:off x="2846565" y="353659"/>
+            <a:ext cx="3450870" cy="455479"/>
+          </a:xfrm>
+        </p:spPr>
+        <p:txBody>
+          <a:bodyPr/>
+          <a:lstStyle/>
+          <a:p>
+            <a:r>
+              <a:rPr lang="it-IT" sz="2000" dirty="0">
+                <a:solidFill>
+                  <a:srgbClr val="727272"/>
+                </a:solidFill>
+                <a:cs typeface="+mn-cs"/>
+              </a:rPr>
+              <a:t>Simulazione con E*=2</a:t>
+            </a:r>
+          </a:p>
+        </p:txBody>
+      </p:sp>
+      <p:sp>
+        <p:nvSpPr>
+          <p:cNvPr id="4" name="Segnaposto testo 3">
+            <a:extLst>
+              <a:ext uri="{FF2B5EF4-FFF2-40B4-BE49-F238E27FC236}">
+                <a16:creationId xmlns:a16="http://schemas.microsoft.com/office/drawing/2014/main" id="{FA2625F9-0BB8-F254-5575-2691C4992EBE}"/>
+              </a:ext>
+              <a:ext uri="{C183D7F6-B498-43B3-948B-1728B52AA6E4}">
+                <adec:decorative xmlns:adec="http://schemas.microsoft.com/office/drawing/2017/decorative" val="1"/>
+              </a:ext>
+            </a:extLst>
+          </p:cNvPr>
+          <p:cNvSpPr>
+            <a:spLocks noGrp="1"/>
+          </p:cNvSpPr>
+          <p:nvPr>
+            <p:ph type="body" sz="quarter" idx="14"/>
+          </p:nvPr>
+        </p:nvSpPr>
+        <p:spPr/>
+        <p:txBody>
+          <a:bodyPr/>
+          <a:lstStyle/>
+          <a:p>
+            <a:r>
+              <a:rPr lang="it-IT" dirty="0"/>
+              <a:t>Simulazione, E*=2</a:t>
+            </a:r>
+          </a:p>
+          <a:p>
+            <a:endParaRPr lang="it-IT" dirty="0"/>
+          </a:p>
+        </p:txBody>
+      </p:sp>
+      <p:pic>
+        <p:nvPicPr>
+          <p:cNvPr id="14" name="Immagine 13" descr="Immagine che contiene testo, diagramma, linea, Diagramma&#10;&#10;Descrizione generata automaticamente">
+            <a:extLst>
+              <a:ext uri="{FF2B5EF4-FFF2-40B4-BE49-F238E27FC236}">
+                <a16:creationId xmlns:a16="http://schemas.microsoft.com/office/drawing/2014/main" id="{F68C2053-FCA4-B15B-4ADA-9D645417AA28}"/>
+              </a:ext>
+            </a:extLst>
+          </p:cNvPr>
+          <p:cNvPicPr>
+            <a:picLocks noChangeAspect="1"/>
+          </p:cNvPicPr>
+          <p:nvPr/>
+        </p:nvPicPr>
+        <p:blipFill rotWithShape="1">
+          <a:blip r:embed="rId2"/>
+          <a:srcRect r="14587"/>
+          <a:stretch/>
+        </p:blipFill>
+        <p:spPr>
+          <a:xfrm>
+            <a:off x="0" y="2206034"/>
+            <a:ext cx="3009690" cy="2487498"/>
+          </a:xfrm>
+          <a:prstGeom prst="rect">
+            <a:avLst/>
+          </a:prstGeom>
+        </p:spPr>
+      </p:pic>
+      <p:pic>
+        <p:nvPicPr>
+          <p:cNvPr id="16" name="Immagine 15" descr="Immagine che contiene testo, diagramma, linea, Diagramma&#10;&#10;Descrizione generata automaticamente">
+            <a:extLst>
+              <a:ext uri="{FF2B5EF4-FFF2-40B4-BE49-F238E27FC236}">
+                <a16:creationId xmlns:a16="http://schemas.microsoft.com/office/drawing/2014/main" id="{26E229FD-5863-2217-0A1C-29D344C987F8}"/>
+              </a:ext>
+            </a:extLst>
+          </p:cNvPr>
+          <p:cNvPicPr>
+            <a:picLocks noChangeAspect="1"/>
+          </p:cNvPicPr>
+          <p:nvPr/>
+        </p:nvPicPr>
+        <p:blipFill rotWithShape="1">
+          <a:blip r:embed="rId3"/>
+          <a:srcRect r="14587"/>
+          <a:stretch/>
+        </p:blipFill>
+        <p:spPr>
+          <a:xfrm>
+            <a:off x="3069937" y="2206034"/>
+            <a:ext cx="3009687" cy="2487498"/>
+          </a:xfrm>
+          <a:prstGeom prst="rect">
+            <a:avLst/>
+          </a:prstGeom>
+        </p:spPr>
+      </p:pic>
+      <p:pic>
+        <p:nvPicPr>
+          <p:cNvPr id="18" name="Immagine 17" descr="Immagine che contiene testo, diagramma, linea, Diagramma&#10;&#10;Descrizione generata automaticamente">
+            <a:extLst>
+              <a:ext uri="{FF2B5EF4-FFF2-40B4-BE49-F238E27FC236}">
+                <a16:creationId xmlns:a16="http://schemas.microsoft.com/office/drawing/2014/main" id="{249156D2-0861-01AA-579D-592719DFBC94}"/>
+              </a:ext>
+            </a:extLst>
+          </p:cNvPr>
+          <p:cNvPicPr>
+            <a:picLocks noChangeAspect="1"/>
+          </p:cNvPicPr>
+          <p:nvPr/>
+        </p:nvPicPr>
+        <p:blipFill rotWithShape="1">
+          <a:blip r:embed="rId4"/>
+          <a:srcRect r="14667"/>
+          <a:stretch/>
+        </p:blipFill>
+        <p:spPr>
+          <a:xfrm>
+            <a:off x="6134313" y="2206034"/>
+            <a:ext cx="3009687" cy="2489842"/>
+          </a:xfrm>
+          <a:prstGeom prst="rect">
+            <a:avLst/>
+          </a:prstGeom>
+        </p:spPr>
+      </p:pic>
+      <p:pic>
+        <p:nvPicPr>
+          <p:cNvPr id="20" name="Immagine 19" descr="Immagine che contiene testo, diagramma, linea, Diagramma&#10;&#10;Descrizione generata automaticamente">
+            <a:extLst>
+              <a:ext uri="{FF2B5EF4-FFF2-40B4-BE49-F238E27FC236}">
+                <a16:creationId xmlns:a16="http://schemas.microsoft.com/office/drawing/2014/main" id="{C2B3DD53-3F5E-40E8-9193-AFF06C3300D5}"/>
+              </a:ext>
+            </a:extLst>
+          </p:cNvPr>
+          <p:cNvPicPr>
+            <a:picLocks noChangeAspect="1"/>
+          </p:cNvPicPr>
+          <p:nvPr/>
+        </p:nvPicPr>
+        <p:blipFill rotWithShape="1">
+          <a:blip r:embed="rId2"/>
+          <a:srcRect l="85527" t="4614" r="1152" b="57843"/>
+          <a:stretch/>
+        </p:blipFill>
+        <p:spPr>
+          <a:xfrm>
+            <a:off x="1795773" y="353660"/>
+            <a:ext cx="847179" cy="1685332"/>
+          </a:xfrm>
+          <a:prstGeom prst="rect">
+            <a:avLst/>
+          </a:prstGeom>
+        </p:spPr>
+      </p:pic>
+      <p:pic>
+        <p:nvPicPr>
+          <p:cNvPr id="22" name="Immagine 21" descr="Immagine che contiene testo, diagramma, linea, Diagramma&#10;&#10;Descrizione generata automaticamente">
+            <a:extLst>
+              <a:ext uri="{FF2B5EF4-FFF2-40B4-BE49-F238E27FC236}">
+                <a16:creationId xmlns:a16="http://schemas.microsoft.com/office/drawing/2014/main" id="{781A53E7-EF95-253D-B115-28FCDAF8A2D1}"/>
+              </a:ext>
+            </a:extLst>
+          </p:cNvPr>
+          <p:cNvPicPr>
+            <a:picLocks noChangeAspect="1"/>
+          </p:cNvPicPr>
+          <p:nvPr/>
+        </p:nvPicPr>
+        <p:blipFill rotWithShape="1">
+          <a:blip r:embed="rId2"/>
+          <a:srcRect l="86009" t="42097" r="1055" b="52137"/>
+          <a:stretch/>
+        </p:blipFill>
+        <p:spPr>
+          <a:xfrm>
+            <a:off x="2846565" y="1742399"/>
+            <a:ext cx="942535" cy="296591"/>
+          </a:xfrm>
+          <a:prstGeom prst="rect">
+            <a:avLst/>
+          </a:prstGeom>
+        </p:spPr>
+      </p:pic>
+    </p:spTree>
+    <p:extLst>
+      <p:ext uri="{BB962C8B-B14F-4D97-AF65-F5344CB8AC3E}">
+        <p14:creationId xmlns:p14="http://schemas.microsoft.com/office/powerpoint/2010/main" val="389178455"/>
+      </p:ext>
+    </p:extLst>
+  </p:cSld>
+  <p:clrMapOvr>
+    <a:masterClrMapping/>
+  </p:clrMapOvr>
+</p:sld>
+</file>
+
+<file path=ppt/slides/slide13.xml><?xml version="1.0" encoding="utf-8"?>
+<p:sld xmlns:a="http://schemas.openxmlformats.org/drawingml/2006/main" xmlns:r="http://schemas.openxmlformats.org/officeDocument/2006/relationships" xmlns:p="http://schemas.openxmlformats.org/presentationml/2006/main">
+  <p:cSld>
+    <p:spTree>
+      <p:nvGrpSpPr>
+        <p:cNvPr id="1" name=""/>
+        <p:cNvGrpSpPr/>
+        <p:nvPr/>
+      </p:nvGrpSpPr>
+      <p:grpSpPr>
+        <a:xfrm>
+          <a:off x="0" y="0"/>
+          <a:ext cx="0" cy="0"/>
+          <a:chOff x="0" y="0"/>
+          <a:chExt cx="0" cy="0"/>
+        </a:xfrm>
+      </p:grpSpPr>
+      <p:sp>
+        <p:nvSpPr>
           <p:cNvPr id="2" name="Segnaposto immagine 1">
             <a:extLst>
               <a:ext uri="{FF2B5EF4-FFF2-40B4-BE49-F238E27FC236}">
@@ -6832,7 +8062,7 @@
 </p:sld>
 </file>
 
-<file path=ppt/slides/slide12.xml><?xml version="1.0" encoding="utf-8"?>
+<file path=ppt/slides/slide14.xml><?xml version="1.0" encoding="utf-8"?>
 <p:sld xmlns:a="http://schemas.openxmlformats.org/drawingml/2006/main" xmlns:r="http://schemas.openxmlformats.org/officeDocument/2006/relationships" xmlns:p="http://schemas.openxmlformats.org/presentationml/2006/main">
   <p:cSld>
     <p:spTree>
@@ -6890,7 +8120,7 @@
 </p:sld>
 </file>
 
-<file path=ppt/slides/slide13.xml><?xml version="1.0" encoding="utf-8"?>
+<file path=ppt/slides/slide15.xml><?xml version="1.0" encoding="utf-8"?>
 <p:sld xmlns:a="http://schemas.openxmlformats.org/drawingml/2006/main" xmlns:r="http://schemas.openxmlformats.org/officeDocument/2006/relationships" xmlns:p="http://schemas.openxmlformats.org/presentationml/2006/main">
   <p:cSld>
     <p:spTree>
@@ -7030,7 +8260,7 @@
 </p:sld>
 </file>
 
-<file path=ppt/slides/slide14.xml><?xml version="1.0" encoding="utf-8"?>
+<file path=ppt/slides/slide16.xml><?xml version="1.0" encoding="utf-8"?>
 <p:sld xmlns:a="http://schemas.openxmlformats.org/drawingml/2006/main" xmlns:r="http://schemas.openxmlformats.org/officeDocument/2006/relationships" xmlns:p="http://schemas.openxmlformats.org/presentationml/2006/main">
   <p:cSld>
     <p:spTree>
@@ -7629,7 +8859,7 @@
 </p:sld>
 </file>
 
-<file path=ppt/slides/slide15.xml><?xml version="1.0" encoding="utf-8"?>
+<file path=ppt/slides/slide17.xml><?xml version="1.0" encoding="utf-8"?>
 <p:sld xmlns:a="http://schemas.openxmlformats.org/drawingml/2006/main" xmlns:r="http://schemas.openxmlformats.org/officeDocument/2006/relationships" xmlns:p="http://schemas.openxmlformats.org/presentationml/2006/main">
   <p:cSld>
     <p:spTree>
@@ -7687,7 +8917,7 @@
 </p:sld>
 </file>
 
-<file path=ppt/slides/slide16.xml><?xml version="1.0" encoding="utf-8"?>
+<file path=ppt/slides/slide18.xml><?xml version="1.0" encoding="utf-8"?>
 <p:sld xmlns:a="http://schemas.openxmlformats.org/drawingml/2006/main" xmlns:r="http://schemas.openxmlformats.org/officeDocument/2006/relationships" xmlns:p="http://schemas.openxmlformats.org/presentationml/2006/main">
   <p:cSld>
     <p:spTree>
@@ -7851,7 +9081,7 @@
 </p:sld>
 </file>
 
-<file path=ppt/slides/slide17.xml><?xml version="1.0" encoding="utf-8"?>
+<file path=ppt/slides/slide19.xml><?xml version="1.0" encoding="utf-8"?>
 <p:sld xmlns:a="http://schemas.openxmlformats.org/drawingml/2006/main" xmlns:r="http://schemas.openxmlformats.org/officeDocument/2006/relationships" xmlns:p="http://schemas.openxmlformats.org/presentationml/2006/main">
   <p:cSld>
     <p:spTree>
@@ -8036,428 +9266,6 @@
     <p:extLst>
       <p:ext uri="{BB962C8B-B14F-4D97-AF65-F5344CB8AC3E}">
         <p14:creationId xmlns:p14="http://schemas.microsoft.com/office/powerpoint/2010/main" val="3777500202"/>
-      </p:ext>
-    </p:extLst>
-  </p:cSld>
-  <p:clrMapOvr>
-    <a:masterClrMapping/>
-  </p:clrMapOvr>
-</p:sld>
-</file>
-
-<file path=ppt/slides/slide18.xml><?xml version="1.0" encoding="utf-8"?>
-<p:sld xmlns:a="http://schemas.openxmlformats.org/drawingml/2006/main" xmlns:r="http://schemas.openxmlformats.org/officeDocument/2006/relationships" xmlns:p="http://schemas.openxmlformats.org/presentationml/2006/main">
-  <p:cSld>
-    <p:spTree>
-      <p:nvGrpSpPr>
-        <p:cNvPr id="1" name=""/>
-        <p:cNvGrpSpPr/>
-        <p:nvPr/>
-      </p:nvGrpSpPr>
-      <p:grpSpPr>
-        <a:xfrm>
-          <a:off x="0" y="0"/>
-          <a:ext cx="0" cy="0"/>
-          <a:chOff x="0" y="0"/>
-          <a:chExt cx="0" cy="0"/>
-        </a:xfrm>
-      </p:grpSpPr>
-      <p:sp>
-        <p:nvSpPr>
-          <p:cNvPr id="2" name="Titolo 1">
-            <a:extLst>
-              <a:ext uri="{FF2B5EF4-FFF2-40B4-BE49-F238E27FC236}">
-                <a16:creationId xmlns:a16="http://schemas.microsoft.com/office/drawing/2014/main" id="{AE0A3129-65E5-F23F-92DE-937F55F4F424}"/>
-              </a:ext>
-            </a:extLst>
-          </p:cNvPr>
-          <p:cNvSpPr>
-            <a:spLocks noGrp="1"/>
-          </p:cNvSpPr>
-          <p:nvPr>
-            <p:ph type="title"/>
-          </p:nvPr>
-        </p:nvSpPr>
-        <p:spPr/>
-        <p:txBody>
-          <a:bodyPr/>
-          <a:lstStyle/>
-          <a:p>
-            <a:r>
-              <a:rPr lang="it-IT" dirty="0"/>
-              <a:t>Slide a 2 colonne di testo</a:t>
-            </a:r>
-          </a:p>
-        </p:txBody>
-      </p:sp>
-      <p:sp>
-        <p:nvSpPr>
-          <p:cNvPr id="5" name="Segnaposto testo 4">
-            <a:extLst>
-              <a:ext uri="{FF2B5EF4-FFF2-40B4-BE49-F238E27FC236}">
-                <a16:creationId xmlns:a16="http://schemas.microsoft.com/office/drawing/2014/main" id="{F1B08D8C-D67B-78D3-20E1-9F798DC5A063}"/>
-              </a:ext>
-            </a:extLst>
-          </p:cNvPr>
-          <p:cNvSpPr>
-            <a:spLocks noGrp="1"/>
-          </p:cNvSpPr>
-          <p:nvPr>
-            <p:ph type="body" sz="quarter" idx="13"/>
-          </p:nvPr>
-        </p:nvSpPr>
-        <p:spPr/>
-        <p:txBody>
-          <a:bodyPr/>
-          <a:lstStyle/>
-          <a:p>
-            <a:endParaRPr lang="it-IT"/>
-          </a:p>
-        </p:txBody>
-      </p:sp>
-      <p:sp>
-        <p:nvSpPr>
-          <p:cNvPr id="3" name="Segnaposto testo 2">
-            <a:extLst>
-              <a:ext uri="{FF2B5EF4-FFF2-40B4-BE49-F238E27FC236}">
-                <a16:creationId xmlns:a16="http://schemas.microsoft.com/office/drawing/2014/main" id="{5F424246-ED3B-B3D9-D3BF-C22D145344FB}"/>
-              </a:ext>
-            </a:extLst>
-          </p:cNvPr>
-          <p:cNvSpPr>
-            <a:spLocks noGrp="1"/>
-          </p:cNvSpPr>
-          <p:nvPr>
-            <p:ph type="body" sz="half" idx="2"/>
-          </p:nvPr>
-        </p:nvSpPr>
-        <p:spPr/>
-        <p:txBody>
-          <a:bodyPr/>
-          <a:lstStyle/>
-          <a:p>
-            <a:endParaRPr lang="it-IT"/>
-          </a:p>
-        </p:txBody>
-      </p:sp>
-      <p:sp>
-        <p:nvSpPr>
-          <p:cNvPr id="6" name="Segnaposto testo 5">
-            <a:extLst>
-              <a:ext uri="{FF2B5EF4-FFF2-40B4-BE49-F238E27FC236}">
-                <a16:creationId xmlns:a16="http://schemas.microsoft.com/office/drawing/2014/main" id="{2CEC069C-669F-1616-E410-3FD415D779F8}"/>
-              </a:ext>
-            </a:extLst>
-          </p:cNvPr>
-          <p:cNvSpPr>
-            <a:spLocks noGrp="1"/>
-          </p:cNvSpPr>
-          <p:nvPr>
-            <p:ph type="body" sz="quarter" idx="15"/>
-          </p:nvPr>
-        </p:nvSpPr>
-        <p:spPr/>
-        <p:txBody>
-          <a:bodyPr/>
-          <a:lstStyle/>
-          <a:p>
-            <a:endParaRPr lang="it-IT"/>
-          </a:p>
-        </p:txBody>
-      </p:sp>
-      <p:sp>
-        <p:nvSpPr>
-          <p:cNvPr id="4" name="Segnaposto testo 3">
-            <a:extLst>
-              <a:ext uri="{FF2B5EF4-FFF2-40B4-BE49-F238E27FC236}">
-                <a16:creationId xmlns:a16="http://schemas.microsoft.com/office/drawing/2014/main" id="{00500F27-E965-C28F-B938-1571356C25D2}"/>
-              </a:ext>
-            </a:extLst>
-          </p:cNvPr>
-          <p:cNvSpPr>
-            <a:spLocks noGrp="1"/>
-          </p:cNvSpPr>
-          <p:nvPr>
-            <p:ph type="body" sz="half" idx="10"/>
-          </p:nvPr>
-        </p:nvSpPr>
-        <p:spPr/>
-        <p:txBody>
-          <a:bodyPr/>
-          <a:lstStyle/>
-          <a:p>
-            <a:endParaRPr lang="it-IT"/>
-          </a:p>
-        </p:txBody>
-      </p:sp>
-      <p:sp>
-        <p:nvSpPr>
-          <p:cNvPr id="7" name="Segnaposto testo 6">
-            <a:extLst>
-              <a:ext uri="{FF2B5EF4-FFF2-40B4-BE49-F238E27FC236}">
-                <a16:creationId xmlns:a16="http://schemas.microsoft.com/office/drawing/2014/main" id="{08093F5C-0C01-2A95-57A6-C50E77DF3C5B}"/>
-              </a:ext>
-              <a:ext uri="{C183D7F6-B498-43B3-948B-1728B52AA6E4}">
-                <adec:decorative xmlns:adec="http://schemas.microsoft.com/office/drawing/2017/decorative" val="1"/>
-              </a:ext>
-            </a:extLst>
-          </p:cNvPr>
-          <p:cNvSpPr>
-            <a:spLocks noGrp="1"/>
-          </p:cNvSpPr>
-          <p:nvPr>
-            <p:ph type="body" sz="quarter" idx="14"/>
-          </p:nvPr>
-        </p:nvSpPr>
-        <p:spPr/>
-        <p:txBody>
-          <a:bodyPr/>
-          <a:lstStyle/>
-          <a:p>
-            <a:endParaRPr lang="it-IT"/>
-          </a:p>
-        </p:txBody>
-      </p:sp>
-    </p:spTree>
-    <p:extLst>
-      <p:ext uri="{BB962C8B-B14F-4D97-AF65-F5344CB8AC3E}">
-        <p14:creationId xmlns:p14="http://schemas.microsoft.com/office/powerpoint/2010/main" val="3181468734"/>
-      </p:ext>
-    </p:extLst>
-  </p:cSld>
-  <p:clrMapOvr>
-    <a:masterClrMapping/>
-  </p:clrMapOvr>
-</p:sld>
-</file>
-
-<file path=ppt/slides/slide19.xml><?xml version="1.0" encoding="utf-8"?>
-<p:sld xmlns:a="http://schemas.openxmlformats.org/drawingml/2006/main" xmlns:r="http://schemas.openxmlformats.org/officeDocument/2006/relationships" xmlns:p="http://schemas.openxmlformats.org/presentationml/2006/main">
-  <p:cSld>
-    <p:spTree>
-      <p:nvGrpSpPr>
-        <p:cNvPr id="1" name=""/>
-        <p:cNvGrpSpPr/>
-        <p:nvPr/>
-      </p:nvGrpSpPr>
-      <p:grpSpPr>
-        <a:xfrm>
-          <a:off x="0" y="0"/>
-          <a:ext cx="0" cy="0"/>
-          <a:chOff x="0" y="0"/>
-          <a:chExt cx="0" cy="0"/>
-        </a:xfrm>
-      </p:grpSpPr>
-      <p:sp>
-        <p:nvSpPr>
-          <p:cNvPr id="2" name="Titolo 1">
-            <a:extLst>
-              <a:ext uri="{FF2B5EF4-FFF2-40B4-BE49-F238E27FC236}">
-                <a16:creationId xmlns:a16="http://schemas.microsoft.com/office/drawing/2014/main" id="{F87F85E0-7649-A68E-6513-C4555F085488}"/>
-              </a:ext>
-            </a:extLst>
-          </p:cNvPr>
-          <p:cNvSpPr>
-            <a:spLocks noGrp="1"/>
-          </p:cNvSpPr>
-          <p:nvPr>
-            <p:ph type="title"/>
-          </p:nvPr>
-        </p:nvSpPr>
-        <p:spPr/>
-        <p:txBody>
-          <a:bodyPr/>
-          <a:lstStyle/>
-          <a:p>
-            <a:r>
-              <a:rPr lang="it-IT" dirty="0"/>
-              <a:t>Slide a 3 colonne di testo</a:t>
-            </a:r>
-          </a:p>
-        </p:txBody>
-      </p:sp>
-      <p:sp>
-        <p:nvSpPr>
-          <p:cNvPr id="6" name="Segnaposto testo 5">
-            <a:extLst>
-              <a:ext uri="{FF2B5EF4-FFF2-40B4-BE49-F238E27FC236}">
-                <a16:creationId xmlns:a16="http://schemas.microsoft.com/office/drawing/2014/main" id="{472A1808-55C2-08F5-5A35-AE1802E3D929}"/>
-              </a:ext>
-            </a:extLst>
-          </p:cNvPr>
-          <p:cNvSpPr>
-            <a:spLocks noGrp="1"/>
-          </p:cNvSpPr>
-          <p:nvPr>
-            <p:ph type="body" sz="quarter" idx="13"/>
-          </p:nvPr>
-        </p:nvSpPr>
-        <p:spPr/>
-        <p:txBody>
-          <a:bodyPr/>
-          <a:lstStyle/>
-          <a:p>
-            <a:endParaRPr lang="it-IT"/>
-          </a:p>
-        </p:txBody>
-      </p:sp>
-      <p:sp>
-        <p:nvSpPr>
-          <p:cNvPr id="3" name="Segnaposto testo 2">
-            <a:extLst>
-              <a:ext uri="{FF2B5EF4-FFF2-40B4-BE49-F238E27FC236}">
-                <a16:creationId xmlns:a16="http://schemas.microsoft.com/office/drawing/2014/main" id="{F9D56A04-5725-EE22-9AA2-9392F72418B6}"/>
-              </a:ext>
-            </a:extLst>
-          </p:cNvPr>
-          <p:cNvSpPr>
-            <a:spLocks noGrp="1"/>
-          </p:cNvSpPr>
-          <p:nvPr>
-            <p:ph type="body" sz="half" idx="2"/>
-          </p:nvPr>
-        </p:nvSpPr>
-        <p:spPr/>
-        <p:txBody>
-          <a:bodyPr/>
-          <a:lstStyle/>
-          <a:p>
-            <a:endParaRPr lang="it-IT"/>
-          </a:p>
-        </p:txBody>
-      </p:sp>
-      <p:sp>
-        <p:nvSpPr>
-          <p:cNvPr id="7" name="Segnaposto testo 6">
-            <a:extLst>
-              <a:ext uri="{FF2B5EF4-FFF2-40B4-BE49-F238E27FC236}">
-                <a16:creationId xmlns:a16="http://schemas.microsoft.com/office/drawing/2014/main" id="{D67943FE-52BD-257B-D420-426587CCBE1B}"/>
-              </a:ext>
-            </a:extLst>
-          </p:cNvPr>
-          <p:cNvSpPr>
-            <a:spLocks noGrp="1"/>
-          </p:cNvSpPr>
-          <p:nvPr>
-            <p:ph type="body" sz="quarter" idx="15"/>
-          </p:nvPr>
-        </p:nvSpPr>
-        <p:spPr/>
-        <p:txBody>
-          <a:bodyPr/>
-          <a:lstStyle/>
-          <a:p>
-            <a:endParaRPr lang="it-IT"/>
-          </a:p>
-        </p:txBody>
-      </p:sp>
-      <p:sp>
-        <p:nvSpPr>
-          <p:cNvPr id="4" name="Segnaposto testo 3">
-            <a:extLst>
-              <a:ext uri="{FF2B5EF4-FFF2-40B4-BE49-F238E27FC236}">
-                <a16:creationId xmlns:a16="http://schemas.microsoft.com/office/drawing/2014/main" id="{D27C546E-C5CB-DCC3-2C34-F6788D8C8476}"/>
-              </a:ext>
-            </a:extLst>
-          </p:cNvPr>
-          <p:cNvSpPr>
-            <a:spLocks noGrp="1"/>
-          </p:cNvSpPr>
-          <p:nvPr>
-            <p:ph type="body" sz="half" idx="10"/>
-          </p:nvPr>
-        </p:nvSpPr>
-        <p:spPr/>
-        <p:txBody>
-          <a:bodyPr/>
-          <a:lstStyle/>
-          <a:p>
-            <a:endParaRPr lang="it-IT"/>
-          </a:p>
-        </p:txBody>
-      </p:sp>
-      <p:sp>
-        <p:nvSpPr>
-          <p:cNvPr id="8" name="Segnaposto testo 7">
-            <a:extLst>
-              <a:ext uri="{FF2B5EF4-FFF2-40B4-BE49-F238E27FC236}">
-                <a16:creationId xmlns:a16="http://schemas.microsoft.com/office/drawing/2014/main" id="{1A453966-93BF-5ED0-037E-6EBF39B01BF6}"/>
-              </a:ext>
-            </a:extLst>
-          </p:cNvPr>
-          <p:cNvSpPr>
-            <a:spLocks noGrp="1"/>
-          </p:cNvSpPr>
-          <p:nvPr>
-            <p:ph type="body" sz="quarter" idx="16"/>
-          </p:nvPr>
-        </p:nvSpPr>
-        <p:spPr/>
-        <p:txBody>
-          <a:bodyPr/>
-          <a:lstStyle/>
-          <a:p>
-            <a:endParaRPr lang="it-IT"/>
-          </a:p>
-        </p:txBody>
-      </p:sp>
-      <p:sp>
-        <p:nvSpPr>
-          <p:cNvPr id="5" name="Segnaposto testo 4">
-            <a:extLst>
-              <a:ext uri="{FF2B5EF4-FFF2-40B4-BE49-F238E27FC236}">
-                <a16:creationId xmlns:a16="http://schemas.microsoft.com/office/drawing/2014/main" id="{643A5C7E-87C8-C8B0-C4E0-8614F2BBBCA8}"/>
-              </a:ext>
-            </a:extLst>
-          </p:cNvPr>
-          <p:cNvSpPr>
-            <a:spLocks noGrp="1"/>
-          </p:cNvSpPr>
-          <p:nvPr>
-            <p:ph type="body" sz="half" idx="11"/>
-          </p:nvPr>
-        </p:nvSpPr>
-        <p:spPr/>
-        <p:txBody>
-          <a:bodyPr/>
-          <a:lstStyle/>
-          <a:p>
-            <a:endParaRPr lang="it-IT"/>
-          </a:p>
-        </p:txBody>
-      </p:sp>
-      <p:sp>
-        <p:nvSpPr>
-          <p:cNvPr id="9" name="Segnaposto testo 8">
-            <a:extLst>
-              <a:ext uri="{FF2B5EF4-FFF2-40B4-BE49-F238E27FC236}">
-                <a16:creationId xmlns:a16="http://schemas.microsoft.com/office/drawing/2014/main" id="{610E58B2-807C-0F9D-F674-7D69F9FEFE9C}"/>
-              </a:ext>
-              <a:ext uri="{C183D7F6-B498-43B3-948B-1728B52AA6E4}">
-                <adec:decorative xmlns:adec="http://schemas.microsoft.com/office/drawing/2017/decorative" val="1"/>
-              </a:ext>
-            </a:extLst>
-          </p:cNvPr>
-          <p:cNvSpPr>
-            <a:spLocks noGrp="1"/>
-          </p:cNvSpPr>
-          <p:nvPr>
-            <p:ph type="body" sz="quarter" idx="14"/>
-          </p:nvPr>
-        </p:nvSpPr>
-        <p:spPr/>
-        <p:txBody>
-          <a:bodyPr/>
-          <a:lstStyle/>
-          <a:p>
-            <a:endParaRPr lang="it-IT"/>
-          </a:p>
-        </p:txBody>
-      </p:sp>
-    </p:spTree>
-    <p:extLst>
-      <p:ext uri="{BB962C8B-B14F-4D97-AF65-F5344CB8AC3E}">
-        <p14:creationId xmlns:p14="http://schemas.microsoft.com/office/powerpoint/2010/main" val="2167055390"/>
       </p:ext>
     </p:extLst>
   </p:cSld>
@@ -9365,6 +10173,428 @@
       </p:grpSpPr>
       <p:sp>
         <p:nvSpPr>
+          <p:cNvPr id="2" name="Titolo 1">
+            <a:extLst>
+              <a:ext uri="{FF2B5EF4-FFF2-40B4-BE49-F238E27FC236}">
+                <a16:creationId xmlns:a16="http://schemas.microsoft.com/office/drawing/2014/main" id="{AE0A3129-65E5-F23F-92DE-937F55F4F424}"/>
+              </a:ext>
+            </a:extLst>
+          </p:cNvPr>
+          <p:cNvSpPr>
+            <a:spLocks noGrp="1"/>
+          </p:cNvSpPr>
+          <p:nvPr>
+            <p:ph type="title"/>
+          </p:nvPr>
+        </p:nvSpPr>
+        <p:spPr/>
+        <p:txBody>
+          <a:bodyPr/>
+          <a:lstStyle/>
+          <a:p>
+            <a:r>
+              <a:rPr lang="it-IT" dirty="0"/>
+              <a:t>Slide a 2 colonne di testo</a:t>
+            </a:r>
+          </a:p>
+        </p:txBody>
+      </p:sp>
+      <p:sp>
+        <p:nvSpPr>
+          <p:cNvPr id="5" name="Segnaposto testo 4">
+            <a:extLst>
+              <a:ext uri="{FF2B5EF4-FFF2-40B4-BE49-F238E27FC236}">
+                <a16:creationId xmlns:a16="http://schemas.microsoft.com/office/drawing/2014/main" id="{F1B08D8C-D67B-78D3-20E1-9F798DC5A063}"/>
+              </a:ext>
+            </a:extLst>
+          </p:cNvPr>
+          <p:cNvSpPr>
+            <a:spLocks noGrp="1"/>
+          </p:cNvSpPr>
+          <p:nvPr>
+            <p:ph type="body" sz="quarter" idx="13"/>
+          </p:nvPr>
+        </p:nvSpPr>
+        <p:spPr/>
+        <p:txBody>
+          <a:bodyPr/>
+          <a:lstStyle/>
+          <a:p>
+            <a:endParaRPr lang="it-IT"/>
+          </a:p>
+        </p:txBody>
+      </p:sp>
+      <p:sp>
+        <p:nvSpPr>
+          <p:cNvPr id="3" name="Segnaposto testo 2">
+            <a:extLst>
+              <a:ext uri="{FF2B5EF4-FFF2-40B4-BE49-F238E27FC236}">
+                <a16:creationId xmlns:a16="http://schemas.microsoft.com/office/drawing/2014/main" id="{5F424246-ED3B-B3D9-D3BF-C22D145344FB}"/>
+              </a:ext>
+            </a:extLst>
+          </p:cNvPr>
+          <p:cNvSpPr>
+            <a:spLocks noGrp="1"/>
+          </p:cNvSpPr>
+          <p:nvPr>
+            <p:ph type="body" sz="half" idx="2"/>
+          </p:nvPr>
+        </p:nvSpPr>
+        <p:spPr/>
+        <p:txBody>
+          <a:bodyPr/>
+          <a:lstStyle/>
+          <a:p>
+            <a:endParaRPr lang="it-IT"/>
+          </a:p>
+        </p:txBody>
+      </p:sp>
+      <p:sp>
+        <p:nvSpPr>
+          <p:cNvPr id="6" name="Segnaposto testo 5">
+            <a:extLst>
+              <a:ext uri="{FF2B5EF4-FFF2-40B4-BE49-F238E27FC236}">
+                <a16:creationId xmlns:a16="http://schemas.microsoft.com/office/drawing/2014/main" id="{2CEC069C-669F-1616-E410-3FD415D779F8}"/>
+              </a:ext>
+            </a:extLst>
+          </p:cNvPr>
+          <p:cNvSpPr>
+            <a:spLocks noGrp="1"/>
+          </p:cNvSpPr>
+          <p:nvPr>
+            <p:ph type="body" sz="quarter" idx="15"/>
+          </p:nvPr>
+        </p:nvSpPr>
+        <p:spPr/>
+        <p:txBody>
+          <a:bodyPr/>
+          <a:lstStyle/>
+          <a:p>
+            <a:endParaRPr lang="it-IT"/>
+          </a:p>
+        </p:txBody>
+      </p:sp>
+      <p:sp>
+        <p:nvSpPr>
+          <p:cNvPr id="4" name="Segnaposto testo 3">
+            <a:extLst>
+              <a:ext uri="{FF2B5EF4-FFF2-40B4-BE49-F238E27FC236}">
+                <a16:creationId xmlns:a16="http://schemas.microsoft.com/office/drawing/2014/main" id="{00500F27-E965-C28F-B938-1571356C25D2}"/>
+              </a:ext>
+            </a:extLst>
+          </p:cNvPr>
+          <p:cNvSpPr>
+            <a:spLocks noGrp="1"/>
+          </p:cNvSpPr>
+          <p:nvPr>
+            <p:ph type="body" sz="half" idx="10"/>
+          </p:nvPr>
+        </p:nvSpPr>
+        <p:spPr/>
+        <p:txBody>
+          <a:bodyPr/>
+          <a:lstStyle/>
+          <a:p>
+            <a:endParaRPr lang="it-IT"/>
+          </a:p>
+        </p:txBody>
+      </p:sp>
+      <p:sp>
+        <p:nvSpPr>
+          <p:cNvPr id="7" name="Segnaposto testo 6">
+            <a:extLst>
+              <a:ext uri="{FF2B5EF4-FFF2-40B4-BE49-F238E27FC236}">
+                <a16:creationId xmlns:a16="http://schemas.microsoft.com/office/drawing/2014/main" id="{08093F5C-0C01-2A95-57A6-C50E77DF3C5B}"/>
+              </a:ext>
+              <a:ext uri="{C183D7F6-B498-43B3-948B-1728B52AA6E4}">
+                <adec:decorative xmlns:adec="http://schemas.microsoft.com/office/drawing/2017/decorative" val="1"/>
+              </a:ext>
+            </a:extLst>
+          </p:cNvPr>
+          <p:cNvSpPr>
+            <a:spLocks noGrp="1"/>
+          </p:cNvSpPr>
+          <p:nvPr>
+            <p:ph type="body" sz="quarter" idx="14"/>
+          </p:nvPr>
+        </p:nvSpPr>
+        <p:spPr/>
+        <p:txBody>
+          <a:bodyPr/>
+          <a:lstStyle/>
+          <a:p>
+            <a:endParaRPr lang="it-IT"/>
+          </a:p>
+        </p:txBody>
+      </p:sp>
+    </p:spTree>
+    <p:extLst>
+      <p:ext uri="{BB962C8B-B14F-4D97-AF65-F5344CB8AC3E}">
+        <p14:creationId xmlns:p14="http://schemas.microsoft.com/office/powerpoint/2010/main" val="3181468734"/>
+      </p:ext>
+    </p:extLst>
+  </p:cSld>
+  <p:clrMapOvr>
+    <a:masterClrMapping/>
+  </p:clrMapOvr>
+</p:sld>
+</file>
+
+<file path=ppt/slides/slide21.xml><?xml version="1.0" encoding="utf-8"?>
+<p:sld xmlns:a="http://schemas.openxmlformats.org/drawingml/2006/main" xmlns:r="http://schemas.openxmlformats.org/officeDocument/2006/relationships" xmlns:p="http://schemas.openxmlformats.org/presentationml/2006/main">
+  <p:cSld>
+    <p:spTree>
+      <p:nvGrpSpPr>
+        <p:cNvPr id="1" name=""/>
+        <p:cNvGrpSpPr/>
+        <p:nvPr/>
+      </p:nvGrpSpPr>
+      <p:grpSpPr>
+        <a:xfrm>
+          <a:off x="0" y="0"/>
+          <a:ext cx="0" cy="0"/>
+          <a:chOff x="0" y="0"/>
+          <a:chExt cx="0" cy="0"/>
+        </a:xfrm>
+      </p:grpSpPr>
+      <p:sp>
+        <p:nvSpPr>
+          <p:cNvPr id="2" name="Titolo 1">
+            <a:extLst>
+              <a:ext uri="{FF2B5EF4-FFF2-40B4-BE49-F238E27FC236}">
+                <a16:creationId xmlns:a16="http://schemas.microsoft.com/office/drawing/2014/main" id="{F87F85E0-7649-A68E-6513-C4555F085488}"/>
+              </a:ext>
+            </a:extLst>
+          </p:cNvPr>
+          <p:cNvSpPr>
+            <a:spLocks noGrp="1"/>
+          </p:cNvSpPr>
+          <p:nvPr>
+            <p:ph type="title"/>
+          </p:nvPr>
+        </p:nvSpPr>
+        <p:spPr/>
+        <p:txBody>
+          <a:bodyPr/>
+          <a:lstStyle/>
+          <a:p>
+            <a:r>
+              <a:rPr lang="it-IT" dirty="0"/>
+              <a:t>Slide a 3 colonne di testo</a:t>
+            </a:r>
+          </a:p>
+        </p:txBody>
+      </p:sp>
+      <p:sp>
+        <p:nvSpPr>
+          <p:cNvPr id="6" name="Segnaposto testo 5">
+            <a:extLst>
+              <a:ext uri="{FF2B5EF4-FFF2-40B4-BE49-F238E27FC236}">
+                <a16:creationId xmlns:a16="http://schemas.microsoft.com/office/drawing/2014/main" id="{472A1808-55C2-08F5-5A35-AE1802E3D929}"/>
+              </a:ext>
+            </a:extLst>
+          </p:cNvPr>
+          <p:cNvSpPr>
+            <a:spLocks noGrp="1"/>
+          </p:cNvSpPr>
+          <p:nvPr>
+            <p:ph type="body" sz="quarter" idx="13"/>
+          </p:nvPr>
+        </p:nvSpPr>
+        <p:spPr/>
+        <p:txBody>
+          <a:bodyPr/>
+          <a:lstStyle/>
+          <a:p>
+            <a:endParaRPr lang="it-IT"/>
+          </a:p>
+        </p:txBody>
+      </p:sp>
+      <p:sp>
+        <p:nvSpPr>
+          <p:cNvPr id="3" name="Segnaposto testo 2">
+            <a:extLst>
+              <a:ext uri="{FF2B5EF4-FFF2-40B4-BE49-F238E27FC236}">
+                <a16:creationId xmlns:a16="http://schemas.microsoft.com/office/drawing/2014/main" id="{F9D56A04-5725-EE22-9AA2-9392F72418B6}"/>
+              </a:ext>
+            </a:extLst>
+          </p:cNvPr>
+          <p:cNvSpPr>
+            <a:spLocks noGrp="1"/>
+          </p:cNvSpPr>
+          <p:nvPr>
+            <p:ph type="body" sz="half" idx="2"/>
+          </p:nvPr>
+        </p:nvSpPr>
+        <p:spPr/>
+        <p:txBody>
+          <a:bodyPr/>
+          <a:lstStyle/>
+          <a:p>
+            <a:endParaRPr lang="it-IT"/>
+          </a:p>
+        </p:txBody>
+      </p:sp>
+      <p:sp>
+        <p:nvSpPr>
+          <p:cNvPr id="7" name="Segnaposto testo 6">
+            <a:extLst>
+              <a:ext uri="{FF2B5EF4-FFF2-40B4-BE49-F238E27FC236}">
+                <a16:creationId xmlns:a16="http://schemas.microsoft.com/office/drawing/2014/main" id="{D67943FE-52BD-257B-D420-426587CCBE1B}"/>
+              </a:ext>
+            </a:extLst>
+          </p:cNvPr>
+          <p:cNvSpPr>
+            <a:spLocks noGrp="1"/>
+          </p:cNvSpPr>
+          <p:nvPr>
+            <p:ph type="body" sz="quarter" idx="15"/>
+          </p:nvPr>
+        </p:nvSpPr>
+        <p:spPr/>
+        <p:txBody>
+          <a:bodyPr/>
+          <a:lstStyle/>
+          <a:p>
+            <a:endParaRPr lang="it-IT"/>
+          </a:p>
+        </p:txBody>
+      </p:sp>
+      <p:sp>
+        <p:nvSpPr>
+          <p:cNvPr id="4" name="Segnaposto testo 3">
+            <a:extLst>
+              <a:ext uri="{FF2B5EF4-FFF2-40B4-BE49-F238E27FC236}">
+                <a16:creationId xmlns:a16="http://schemas.microsoft.com/office/drawing/2014/main" id="{D27C546E-C5CB-DCC3-2C34-F6788D8C8476}"/>
+              </a:ext>
+            </a:extLst>
+          </p:cNvPr>
+          <p:cNvSpPr>
+            <a:spLocks noGrp="1"/>
+          </p:cNvSpPr>
+          <p:nvPr>
+            <p:ph type="body" sz="half" idx="10"/>
+          </p:nvPr>
+        </p:nvSpPr>
+        <p:spPr/>
+        <p:txBody>
+          <a:bodyPr/>
+          <a:lstStyle/>
+          <a:p>
+            <a:endParaRPr lang="it-IT"/>
+          </a:p>
+        </p:txBody>
+      </p:sp>
+      <p:sp>
+        <p:nvSpPr>
+          <p:cNvPr id="8" name="Segnaposto testo 7">
+            <a:extLst>
+              <a:ext uri="{FF2B5EF4-FFF2-40B4-BE49-F238E27FC236}">
+                <a16:creationId xmlns:a16="http://schemas.microsoft.com/office/drawing/2014/main" id="{1A453966-93BF-5ED0-037E-6EBF39B01BF6}"/>
+              </a:ext>
+            </a:extLst>
+          </p:cNvPr>
+          <p:cNvSpPr>
+            <a:spLocks noGrp="1"/>
+          </p:cNvSpPr>
+          <p:nvPr>
+            <p:ph type="body" sz="quarter" idx="16"/>
+          </p:nvPr>
+        </p:nvSpPr>
+        <p:spPr/>
+        <p:txBody>
+          <a:bodyPr/>
+          <a:lstStyle/>
+          <a:p>
+            <a:endParaRPr lang="it-IT"/>
+          </a:p>
+        </p:txBody>
+      </p:sp>
+      <p:sp>
+        <p:nvSpPr>
+          <p:cNvPr id="5" name="Segnaposto testo 4">
+            <a:extLst>
+              <a:ext uri="{FF2B5EF4-FFF2-40B4-BE49-F238E27FC236}">
+                <a16:creationId xmlns:a16="http://schemas.microsoft.com/office/drawing/2014/main" id="{643A5C7E-87C8-C8B0-C4E0-8614F2BBBCA8}"/>
+              </a:ext>
+            </a:extLst>
+          </p:cNvPr>
+          <p:cNvSpPr>
+            <a:spLocks noGrp="1"/>
+          </p:cNvSpPr>
+          <p:nvPr>
+            <p:ph type="body" sz="half" idx="11"/>
+          </p:nvPr>
+        </p:nvSpPr>
+        <p:spPr/>
+        <p:txBody>
+          <a:bodyPr/>
+          <a:lstStyle/>
+          <a:p>
+            <a:endParaRPr lang="it-IT"/>
+          </a:p>
+        </p:txBody>
+      </p:sp>
+      <p:sp>
+        <p:nvSpPr>
+          <p:cNvPr id="9" name="Segnaposto testo 8">
+            <a:extLst>
+              <a:ext uri="{FF2B5EF4-FFF2-40B4-BE49-F238E27FC236}">
+                <a16:creationId xmlns:a16="http://schemas.microsoft.com/office/drawing/2014/main" id="{610E58B2-807C-0F9D-F674-7D69F9FEFE9C}"/>
+              </a:ext>
+              <a:ext uri="{C183D7F6-B498-43B3-948B-1728B52AA6E4}">
+                <adec:decorative xmlns:adec="http://schemas.microsoft.com/office/drawing/2017/decorative" val="1"/>
+              </a:ext>
+            </a:extLst>
+          </p:cNvPr>
+          <p:cNvSpPr>
+            <a:spLocks noGrp="1"/>
+          </p:cNvSpPr>
+          <p:nvPr>
+            <p:ph type="body" sz="quarter" idx="14"/>
+          </p:nvPr>
+        </p:nvSpPr>
+        <p:spPr/>
+        <p:txBody>
+          <a:bodyPr/>
+          <a:lstStyle/>
+          <a:p>
+            <a:endParaRPr lang="it-IT"/>
+          </a:p>
+        </p:txBody>
+      </p:sp>
+    </p:spTree>
+    <p:extLst>
+      <p:ext uri="{BB962C8B-B14F-4D97-AF65-F5344CB8AC3E}">
+        <p14:creationId xmlns:p14="http://schemas.microsoft.com/office/powerpoint/2010/main" val="2167055390"/>
+      </p:ext>
+    </p:extLst>
+  </p:cSld>
+  <p:clrMapOvr>
+    <a:masterClrMapping/>
+  </p:clrMapOvr>
+</p:sld>
+</file>
+
+<file path=ppt/slides/slide22.xml><?xml version="1.0" encoding="utf-8"?>
+<p:sld xmlns:a="http://schemas.openxmlformats.org/drawingml/2006/main" xmlns:r="http://schemas.openxmlformats.org/officeDocument/2006/relationships" xmlns:p="http://schemas.openxmlformats.org/presentationml/2006/main">
+  <p:cSld>
+    <p:spTree>
+      <p:nvGrpSpPr>
+        <p:cNvPr id="1" name=""/>
+        <p:cNvGrpSpPr/>
+        <p:nvPr/>
+      </p:nvGrpSpPr>
+      <p:grpSpPr>
+        <a:xfrm>
+          <a:off x="0" y="0"/>
+          <a:ext cx="0" cy="0"/>
+          <a:chOff x="0" y="0"/>
+          <a:chExt cx="0" cy="0"/>
+        </a:xfrm>
+      </p:grpSpPr>
+      <p:sp>
+        <p:nvSpPr>
           <p:cNvPr id="8" name="Titolo 7">
             <a:extLst>
               <a:ext uri="{FF2B5EF4-FFF2-40B4-BE49-F238E27FC236}">
@@ -9605,8 +10835,8 @@
           </a:p>
         </p:txBody>
       </p:sp>
-      <mc:AlternateContent xmlns:mc="http://schemas.openxmlformats.org/markup-compatibility/2006">
-        <mc:Choice xmlns:a14="http://schemas.microsoft.com/office/drawing/2010/main" Requires="a14">
+      <mc:AlternateContent xmlns:mc="http://schemas.openxmlformats.org/markup-compatibility/2006" xmlns:a14="http://schemas.microsoft.com/office/drawing/2010/main">
+        <mc:Choice Requires="a14">
           <p:sp>
             <p:nvSpPr>
               <p:cNvPr id="6" name="Segnaposto testo 5">
@@ -10759,7 +11989,7 @@
             </p:txBody>
           </p:sp>
         </mc:Choice>
-        <mc:Fallback>
+        <mc:Fallback xmlns="">
           <p:sp>
             <p:nvSpPr>
               <p:cNvPr id="6" name="Segnaposto testo 5">
@@ -10804,8 +12034,8 @@
           </p:sp>
         </mc:Fallback>
       </mc:AlternateContent>
-      <mc:AlternateContent xmlns:mc="http://schemas.openxmlformats.org/markup-compatibility/2006">
-        <mc:Choice xmlns:a14="http://schemas.microsoft.com/office/drawing/2010/main" Requires="a14">
+      <mc:AlternateContent xmlns:mc="http://schemas.openxmlformats.org/markup-compatibility/2006" xmlns:a14="http://schemas.microsoft.com/office/drawing/2010/main">
+        <mc:Choice Requires="a14">
           <p:sp>
             <p:nvSpPr>
               <p:cNvPr id="7" name="Segnaposto testo 6">
@@ -11614,7 +12844,7 @@
                                   </a:solidFill>
                                   <a:latin typeface="Cambria Math" panose="02040503050406030204" pitchFamily="18" charset="0"/>
                                 </a:rPr>
-                                <m:t>,      </m:t>
+                                <m:t>,          </m:t>
                               </m:r>
                               <m:r>
                                 <a:rPr lang="it-IT" sz="1200" b="1" i="0" smtClean="0">
@@ -11623,7 +12853,7 @@
                                   </a:solidFill>
                                   <a:latin typeface="Cambria Math" panose="02040503050406030204" pitchFamily="18" charset="0"/>
                                 </a:rPr>
-                                <m:t>                                </m:t>
+                                <m:t>                            </m:t>
                               </m:r>
                               <m:r>
                                 <a:rPr lang="it-IT" sz="1200" b="1">
@@ -11761,7 +12991,7 @@
             </p:txBody>
           </p:sp>
         </mc:Choice>
-        <mc:Fallback>
+        <mc:Fallback xmlns="">
           <p:sp>
             <p:nvSpPr>
               <p:cNvPr id="7" name="Segnaposto testo 6">
@@ -13313,8 +14543,8 @@
           </p:sp>
         </mc:Fallback>
       </mc:AlternateContent>
-      <mc:AlternateContent xmlns:mc="http://schemas.openxmlformats.org/markup-compatibility/2006">
-        <mc:Choice xmlns:a14="http://schemas.microsoft.com/office/drawing/2010/main" Requires="a14">
+      <mc:AlternateContent xmlns:mc="http://schemas.openxmlformats.org/markup-compatibility/2006" xmlns:a14="http://schemas.microsoft.com/office/drawing/2010/main">
+        <mc:Choice Requires="a14">
           <p:sp>
             <p:nvSpPr>
               <p:cNvPr id="5" name="Segnaposto testo 6">
@@ -13554,7 +14784,7 @@
                       <m:d>
                         <m:dPr>
                           <m:ctrlPr>
-                            <a:rPr lang="it-IT" sz="1125" b="1" smtClean="0">
+                            <a:rPr lang="it-IT" sz="1125" b="1" i="1" smtClean="0">
                               <a:solidFill>
                                 <a:srgbClr val="727272"/>
                               </a:solidFill>
@@ -13567,7 +14797,7 @@
                           <m:sSub>
                             <m:sSubPr>
                               <m:ctrlPr>
-                                <a:rPr lang="it-IT" sz="1125" b="1" smtClean="0">
+                                <a:rPr lang="it-IT" sz="1125" b="1" i="1" smtClean="0">
                                   <a:solidFill>
                                     <a:srgbClr val="727272"/>
                                   </a:solidFill>
@@ -13604,7 +14834,7 @@
                           <m:d>
                             <m:dPr>
                               <m:ctrlPr>
-                                <a:rPr lang="it-IT" sz="1125" b="1" smtClean="0">
+                                <a:rPr lang="it-IT" sz="1125" b="1" i="1" smtClean="0">
                                   <a:solidFill>
                                     <a:srgbClr val="727272"/>
                                   </a:solidFill>
@@ -13641,7 +14871,7 @@
                       <m:f>
                         <m:fPr>
                           <m:ctrlPr>
-                            <a:rPr lang="it-IT" sz="1125" b="1" smtClean="0">
+                            <a:rPr lang="it-IT" sz="1125" b="1" i="1" smtClean="0">
                               <a:solidFill>
                                 <a:srgbClr val="727272"/>
                               </a:solidFill>
@@ -13654,7 +14884,7 @@
                           <m:func>
                             <m:funcPr>
                               <m:ctrlPr>
-                                <a:rPr lang="it-IT" sz="1125" b="1" smtClean="0">
+                                <a:rPr lang="it-IT" sz="1125" b="1" i="1" smtClean="0">
                                   <a:solidFill>
                                     <a:srgbClr val="727272"/>
                                   </a:solidFill>
@@ -13679,7 +14909,7 @@
                               <m:d>
                                 <m:dPr>
                                   <m:ctrlPr>
-                                    <a:rPr lang="it-IT" sz="1125" b="1" smtClean="0">
+                                    <a:rPr lang="it-IT" sz="1125" b="1" i="1" smtClean="0">
                                       <a:solidFill>
                                         <a:srgbClr val="727272"/>
                                       </a:solidFill>
@@ -13692,7 +14922,7 @@
                                   <m:sSub>
                                     <m:sSubPr>
                                       <m:ctrlPr>
-                                        <a:rPr lang="it-IT" sz="1125" b="1" smtClean="0">
+                                        <a:rPr lang="it-IT" sz="1125" b="1" i="1" smtClean="0">
                                           <a:solidFill>
                                             <a:srgbClr val="727272"/>
                                           </a:solidFill>
@@ -13729,7 +14959,7 @@
                                   <m:d>
                                     <m:dPr>
                                       <m:ctrlPr>
-                                        <a:rPr lang="it-IT" sz="1125" b="1" smtClean="0">
+                                        <a:rPr lang="it-IT" sz="1125" b="1" i="1" smtClean="0">
                                           <a:solidFill>
                                             <a:srgbClr val="727272"/>
                                           </a:solidFill>
@@ -13764,7 +14994,7 @@
                                   <m:sSup>
                                     <m:sSupPr>
                                       <m:ctrlPr>
-                                        <a:rPr lang="it-IT" sz="1125" b="1" smtClean="0">
+                                        <a:rPr lang="it-IT" sz="1125" b="1" i="1" smtClean="0">
                                           <a:solidFill>
                                             <a:srgbClr val="727272"/>
                                           </a:solidFill>
@@ -13850,7 +15080,7 @@
             </p:txBody>
           </p:sp>
         </mc:Choice>
-        <mc:Fallback>
+        <mc:Fallback xmlns="">
           <p:sp>
             <p:nvSpPr>
               <p:cNvPr id="5" name="Segnaposto testo 6">
@@ -13895,8 +15125,8 @@
           </p:sp>
         </mc:Fallback>
       </mc:AlternateContent>
-      <mc:AlternateContent xmlns:mc="http://schemas.openxmlformats.org/markup-compatibility/2006">
-        <mc:Choice xmlns:a14="http://schemas.microsoft.com/office/drawing/2010/main" Requires="a14">
+      <mc:AlternateContent xmlns:mc="http://schemas.openxmlformats.org/markup-compatibility/2006" xmlns:a14="http://schemas.microsoft.com/office/drawing/2010/main">
+        <mc:Choice Requires="a14">
           <p:sp>
             <p:nvSpPr>
               <p:cNvPr id="8" name="Segnaposto testo 6">
@@ -14252,7 +15482,7 @@
             </p:txBody>
           </p:sp>
         </mc:Choice>
-        <mc:Fallback>
+        <mc:Fallback xmlns="">
           <p:sp>
             <p:nvSpPr>
               <p:cNvPr id="8" name="Segnaposto testo 6">
@@ -14994,16 +16224,16 @@
         </p:blipFill>
         <p:spPr>
           <a:xfrm>
-            <a:off x="914637" y="882114"/>
-            <a:ext cx="7314724" cy="3223693"/>
+            <a:off x="1375260" y="975332"/>
+            <a:ext cx="6393480" cy="2817689"/>
           </a:xfrm>
           <a:prstGeom prst="rect">
             <a:avLst/>
           </a:prstGeom>
         </p:spPr>
       </p:pic>
-      <mc:AlternateContent xmlns:mc="http://schemas.openxmlformats.org/markup-compatibility/2006">
-        <mc:Choice xmlns:a14="http://schemas.microsoft.com/office/drawing/2010/main" Requires="a14">
+      <mc:AlternateContent xmlns:mc="http://schemas.openxmlformats.org/markup-compatibility/2006" xmlns:a14="http://schemas.microsoft.com/office/drawing/2010/main">
+        <mc:Choice Requires="a14">
           <p:sp>
             <p:nvSpPr>
               <p:cNvPr id="8" name="CasellaDiTesto 7">
@@ -15173,7 +16403,7 @@
             </p:txBody>
           </p:sp>
         </mc:Choice>
-        <mc:Fallback>
+        <mc:Fallback xmlns="">
           <p:sp>
             <p:nvSpPr>
               <p:cNvPr id="8" name="CasellaDiTesto 7">
@@ -15200,6 +16430,126 @@
                 <a:blip r:embed="rId3"/>
                 <a:stretch>
                   <a:fillRect b="-9231"/>
+                </a:stretch>
+              </a:blipFill>
+            </p:spPr>
+            <p:txBody>
+              <a:bodyPr/>
+              <a:lstStyle/>
+              <a:p>
+                <a:r>
+                  <a:rPr lang="it-IT">
+                    <a:noFill/>
+                  </a:rPr>
+                  <a:t> </a:t>
+                </a:r>
+              </a:p>
+            </p:txBody>
+          </p:sp>
+        </mc:Fallback>
+      </mc:AlternateContent>
+      <mc:AlternateContent xmlns:mc="http://schemas.openxmlformats.org/markup-compatibility/2006">
+        <mc:Choice xmlns:a14="http://schemas.microsoft.com/office/drawing/2010/main" Requires="a14">
+          <p:sp>
+            <p:nvSpPr>
+              <p:cNvPr id="5" name="CasellaDiTesto 4">
+                <a:extLst>
+                  <a:ext uri="{FF2B5EF4-FFF2-40B4-BE49-F238E27FC236}">
+                    <a16:creationId xmlns:a16="http://schemas.microsoft.com/office/drawing/2014/main" id="{1DA69236-3695-1DF5-C5B6-9A81F472ED93}"/>
+                  </a:ext>
+                </a:extLst>
+              </p:cNvPr>
+              <p:cNvSpPr txBox="1"/>
+              <p:nvPr/>
+            </p:nvSpPr>
+            <p:spPr>
+              <a:xfrm>
+                <a:off x="246588" y="3930225"/>
+                <a:ext cx="8208095" cy="293991"/>
+              </a:xfrm>
+              <a:prstGeom prst="rect">
+                <a:avLst/>
+              </a:prstGeom>
+              <a:noFill/>
+            </p:spPr>
+            <p:txBody>
+              <a:bodyPr wrap="square">
+                <a:spAutoFit/>
+              </a:bodyPr>
+              <a:lstStyle/>
+              <a:p>
+                <a:pPr>
+                  <a:lnSpc>
+                    <a:spcPct val="110000"/>
+                  </a:lnSpc>
+                </a:pPr>
+                <a14:m>
+                  <m:oMath xmlns:m="http://schemas.openxmlformats.org/officeDocument/2006/math">
+                    <m:r>
+                      <a:rPr lang="it-IT" sz="1300" b="1" i="1" smtClean="0">
+                        <a:solidFill>
+                          <a:srgbClr val="727272"/>
+                        </a:solidFill>
+                        <a:latin typeface="Cambria Math" panose="02040503050406030204" pitchFamily="18" charset="0"/>
+                        <a:ea typeface="Cambria Math" panose="02040503050406030204" pitchFamily="18" charset="0"/>
+                        <a:cs typeface="Verdana" panose="020B0604030504040204" pitchFamily="34" charset="0"/>
+                      </a:rPr>
+                      <m:t>𝜺</m:t>
+                    </m:r>
+                    <m:r>
+                      <a:rPr lang="it-IT" sz="1300" b="1" i="1" smtClean="0">
+                        <a:solidFill>
+                          <a:srgbClr val="727272"/>
+                        </a:solidFill>
+                        <a:latin typeface="Cambria Math" panose="02040503050406030204" pitchFamily="18" charset="0"/>
+                        <a:ea typeface="Cambria Math" panose="02040503050406030204" pitchFamily="18" charset="0"/>
+                        <a:cs typeface="Verdana" panose="020B0604030504040204" pitchFamily="34" charset="0"/>
+                      </a:rPr>
+                      <m:t>:</m:t>
+                    </m:r>
+                  </m:oMath>
+                </a14:m>
+                <a:r>
+                  <a:rPr lang="it-IT" sz="1300" i="1" dirty="0">
+                    <a:solidFill>
+                      <a:srgbClr val="727272"/>
+                    </a:solidFill>
+                    <a:latin typeface="Verdana" panose="020B0604030504040204" pitchFamily="34" charset="0"/>
+                    <a:ea typeface="Verdana" panose="020B0604030504040204" pitchFamily="34" charset="0"/>
+                  </a:rPr>
+                  <a:t> passo di salita, responsabile della velocità con cui gli agenti si muovono seguendo il gradiente</a:t>
+                </a:r>
+              </a:p>
+            </p:txBody>
+          </p:sp>
+        </mc:Choice>
+        <mc:Fallback>
+          <p:sp>
+            <p:nvSpPr>
+              <p:cNvPr id="5" name="CasellaDiTesto 4">
+                <a:extLst>
+                  <a:ext uri="{FF2B5EF4-FFF2-40B4-BE49-F238E27FC236}">
+                    <a16:creationId xmlns:a16="http://schemas.microsoft.com/office/drawing/2014/main" id="{1DA69236-3695-1DF5-C5B6-9A81F472ED93}"/>
+                  </a:ext>
+                </a:extLst>
+              </p:cNvPr>
+              <p:cNvSpPr txBox="1">
+                <a:spLocks noRot="1" noChangeAspect="1" noMove="1" noResize="1" noEditPoints="1" noAdjustHandles="1" noChangeArrowheads="1" noChangeShapeType="1" noTextEdit="1"/>
+              </p:cNvSpPr>
+              <p:nvPr/>
+            </p:nvSpPr>
+            <p:spPr>
+              <a:xfrm>
+                <a:off x="246588" y="3930225"/>
+                <a:ext cx="8208095" cy="293991"/>
+              </a:xfrm>
+              <a:prstGeom prst="rect">
+                <a:avLst/>
+              </a:prstGeom>
+              <a:blipFill>
+                <a:blip r:embed="rId4"/>
+                <a:stretch>
+                  <a:fillRect b="-18750"/>
                 </a:stretch>
               </a:blipFill>
             </p:spPr>
@@ -15350,8 +16700,8 @@
           </a:prstGeom>
         </p:spPr>
       </p:pic>
-      <mc:AlternateContent xmlns:mc="http://schemas.openxmlformats.org/markup-compatibility/2006">
-        <mc:Choice xmlns:a14="http://schemas.microsoft.com/office/drawing/2010/main" Requires="a14">
+      <mc:AlternateContent xmlns:mc="http://schemas.openxmlformats.org/markup-compatibility/2006" xmlns:a14="http://schemas.microsoft.com/office/drawing/2010/main">
+        <mc:Choice Requires="a14">
           <p:sp>
             <p:nvSpPr>
               <p:cNvPr id="7" name="Segnaposto testo 5">
@@ -15605,10 +16955,11 @@
                     <m:sSub>
                       <m:sSubPr>
                         <m:ctrlPr>
-                          <a:rPr lang="it-IT" sz="1400" b="1">
+                          <a:rPr lang="it-IT" sz="1400" b="1" i="1">
                             <a:solidFill>
                               <a:srgbClr val="727272"/>
                             </a:solidFill>
+                            <a:latin typeface="Cambria Math" panose="02040503050406030204" pitchFamily="18" charset="0"/>
                             <a:ea typeface="Verdana" panose="020B0604030504040204" pitchFamily="34" charset="0"/>
                           </a:rPr>
                         </m:ctrlPr>
@@ -15633,6 +16984,7 @@
                             <a:solidFill>
                               <a:srgbClr val="727272"/>
                             </a:solidFill>
+                            <a:latin typeface="Cambria Math" panose="02040503050406030204" pitchFamily="18" charset="0"/>
                             <a:ea typeface="Verdana" panose="020B0604030504040204" pitchFamily="34" charset="0"/>
                           </a:rPr>
                           <m:t>𝑖</m:t>
@@ -15642,10 +16994,11 @@
                     <m:d>
                       <m:dPr>
                         <m:ctrlPr>
-                          <a:rPr lang="it-IT" sz="1400" b="1">
+                          <a:rPr lang="it-IT" sz="1400" b="1" i="1">
                             <a:solidFill>
                               <a:srgbClr val="727272"/>
                             </a:solidFill>
+                            <a:latin typeface="Cambria Math" panose="02040503050406030204" pitchFamily="18" charset="0"/>
                             <a:ea typeface="Verdana" panose="020B0604030504040204" pitchFamily="34" charset="0"/>
                           </a:rPr>
                         </m:ctrlPr>
@@ -15656,6 +17009,7 @@
                             <a:solidFill>
                               <a:srgbClr val="727272"/>
                             </a:solidFill>
+                            <a:latin typeface="Cambria Math" panose="02040503050406030204" pitchFamily="18" charset="0"/>
                             <a:ea typeface="Verdana" panose="020B0604030504040204" pitchFamily="34" charset="0"/>
                           </a:rPr>
                           <m:t>𝑡</m:t>
@@ -15667,6 +17021,7 @@
                         <a:solidFill>
                           <a:srgbClr val="727272"/>
                         </a:solidFill>
+                        <a:latin typeface="Cambria Math" panose="02040503050406030204" pitchFamily="18" charset="0"/>
                         <a:ea typeface="Verdana" panose="020B0604030504040204" pitchFamily="34" charset="0"/>
                       </a:rPr>
                       <m:t>=</m:t>
@@ -15676,10 +17031,11 @@
                         <m:begChr m:val="["/>
                         <m:endChr m:val="]"/>
                         <m:ctrlPr>
-                          <a:rPr lang="it-IT" sz="1400" b="1">
+                          <a:rPr lang="it-IT" sz="1400" b="1" i="1">
                             <a:solidFill>
                               <a:srgbClr val="727272"/>
                             </a:solidFill>
+                            <a:latin typeface="Cambria Math" panose="02040503050406030204" pitchFamily="18" charset="0"/>
                             <a:ea typeface="Verdana" panose="020B0604030504040204" pitchFamily="34" charset="0"/>
                           </a:rPr>
                         </m:ctrlPr>
@@ -15696,10 +17052,11 @@
                               </m:mc>
                             </m:mcs>
                             <m:ctrlPr>
-                              <a:rPr lang="it-IT" sz="1400" b="1">
+                              <a:rPr lang="it-IT" sz="1400" b="1" i="1">
                                 <a:solidFill>
                                   <a:srgbClr val="727272"/>
                                 </a:solidFill>
+                                <a:latin typeface="Cambria Math" panose="02040503050406030204" pitchFamily="18" charset="0"/>
                                 <a:ea typeface="Verdana" panose="020B0604030504040204" pitchFamily="34" charset="0"/>
                               </a:rPr>
                             </m:ctrlPr>
@@ -15709,10 +17066,11 @@
                               <m:sSub>
                                 <m:sSubPr>
                                   <m:ctrlPr>
-                                    <a:rPr lang="it-IT" sz="1400" b="1">
+                                    <a:rPr lang="it-IT" sz="1400" b="1" i="1">
                                       <a:solidFill>
                                         <a:srgbClr val="727272"/>
                                       </a:solidFill>
+                                      <a:latin typeface="Cambria Math" panose="02040503050406030204" pitchFamily="18" charset="0"/>
                                       <a:ea typeface="Verdana" panose="020B0604030504040204" pitchFamily="34" charset="0"/>
                                     </a:rPr>
                                   </m:ctrlPr>
@@ -15723,6 +17081,7 @@
                                       <a:solidFill>
                                         <a:srgbClr val="727272"/>
                                       </a:solidFill>
+                                      <a:latin typeface="Cambria Math" panose="02040503050406030204" pitchFamily="18" charset="0"/>
                                       <a:ea typeface="Verdana" panose="020B0604030504040204" pitchFamily="34" charset="0"/>
                                     </a:rPr>
                                     <m:t>𝑔𝑎𝑢𝑠𝑠</m:t>
@@ -15734,6 +17093,7 @@
                                       <a:solidFill>
                                         <a:srgbClr val="727272"/>
                                       </a:solidFill>
+                                      <a:latin typeface="Cambria Math" panose="02040503050406030204" pitchFamily="18" charset="0"/>
                                       <a:ea typeface="Verdana" panose="020B0604030504040204" pitchFamily="34" charset="0"/>
                                     </a:rPr>
                                     <m:t>𝑖</m:t>
@@ -15743,10 +17103,11 @@
                               <m:d>
                                 <m:dPr>
                                   <m:ctrlPr>
-                                    <a:rPr lang="it-IT" sz="1400" b="1">
+                                    <a:rPr lang="it-IT" sz="1400" b="1" i="1">
                                       <a:solidFill>
                                         <a:srgbClr val="727272"/>
                                       </a:solidFill>
+                                      <a:latin typeface="Cambria Math" panose="02040503050406030204" pitchFamily="18" charset="0"/>
                                       <a:ea typeface="Verdana" panose="020B0604030504040204" pitchFamily="34" charset="0"/>
                                     </a:rPr>
                                   </m:ctrlPr>
@@ -15760,6 +17121,7 @@
                                       <a:solidFill>
                                         <a:srgbClr val="727272"/>
                                       </a:solidFill>
+                                      <a:latin typeface="Cambria Math" panose="02040503050406030204" pitchFamily="18" charset="0"/>
                                       <a:ea typeface="Verdana" panose="020B0604030504040204" pitchFamily="34" charset="0"/>
                                     </a:rPr>
                                     <m:t>𝑡</m:t>
@@ -15774,15 +17136,7 @@
                                   <a:solidFill>
                                     <a:srgbClr val="727272"/>
                                   </a:solidFill>
-                                  <a:ea typeface="Verdana" panose="020B0604030504040204" pitchFamily="34" charset="0"/>
-                                </a:rPr>
-                                <m:t>   </m:t>
-                              </m:r>
-                              <m:r>
-                                <a:rPr lang="it-IT" sz="1400" b="1">
-                                  <a:solidFill>
-                                    <a:srgbClr val="727272"/>
-                                  </a:solidFill>
+                                  <a:latin typeface="Cambria Math" panose="02040503050406030204" pitchFamily="18" charset="0"/>
                                   <a:ea typeface="Verdana" panose="020B0604030504040204" pitchFamily="34" charset="0"/>
                                 </a:rPr>
                                 <m:t> </m:t>
@@ -15792,19 +17146,21 @@
                                   <a:solidFill>
                                     <a:srgbClr val="727272"/>
                                   </a:solidFill>
+                                  <a:latin typeface="Cambria Math" panose="02040503050406030204" pitchFamily="18" charset="0"/>
                                   <a:ea typeface="Verdana" panose="020B0604030504040204" pitchFamily="34" charset="0"/>
                                 </a:rPr>
-                                <m:t>∗</m:t>
+                                <m:t>   ∗</m:t>
                               </m:r>
                             </m:e>
                             <m:e>
                               <m:func>
                                 <m:funcPr>
                                   <m:ctrlPr>
-                                    <a:rPr lang="it-IT" sz="1400" b="1">
+                                    <a:rPr lang="it-IT" sz="1400" b="1" i="1">
                                       <a:solidFill>
                                         <a:srgbClr val="727272"/>
                                       </a:solidFill>
+                                      <a:latin typeface="Cambria Math" panose="02040503050406030204" pitchFamily="18" charset="0"/>
                                       <a:ea typeface="Verdana" panose="020B0604030504040204" pitchFamily="34" charset="0"/>
                                     </a:rPr>
                                   </m:ctrlPr>
@@ -15818,6 +17174,7 @@
                                       <a:solidFill>
                                         <a:srgbClr val="727272"/>
                                       </a:solidFill>
+                                      <a:latin typeface="Cambria Math" panose="02040503050406030204" pitchFamily="18" charset="0"/>
                                       <a:ea typeface="Verdana" panose="020B0604030504040204" pitchFamily="34" charset="0"/>
                                     </a:rPr>
                                     <m:t>cos</m:t>
@@ -15829,6 +17186,7 @@
                                       <a:solidFill>
                                         <a:srgbClr val="727272"/>
                                       </a:solidFill>
+                                      <a:latin typeface="Cambria Math" panose="02040503050406030204" pitchFamily="18" charset="0"/>
                                       <a:ea typeface="Verdana" panose="020B0604030504040204" pitchFamily="34" charset="0"/>
                                     </a:rPr>
                                     <m:t>(</m:t>
@@ -15836,10 +17194,11 @@
                                   <m:sSub>
                                     <m:sSubPr>
                                       <m:ctrlPr>
-                                        <a:rPr lang="it-IT" sz="1400" b="1">
+                                        <a:rPr lang="it-IT" sz="1400" b="1" i="1">
                                           <a:solidFill>
                                             <a:srgbClr val="727272"/>
                                           </a:solidFill>
+                                          <a:latin typeface="Cambria Math" panose="02040503050406030204" pitchFamily="18" charset="0"/>
                                           <a:ea typeface="Verdana" panose="020B0604030504040204" pitchFamily="34" charset="0"/>
                                         </a:rPr>
                                       </m:ctrlPr>
@@ -15850,6 +17209,7 @@
                                           <a:solidFill>
                                             <a:srgbClr val="727272"/>
                                           </a:solidFill>
+                                          <a:latin typeface="Cambria Math" panose="02040503050406030204" pitchFamily="18" charset="0"/>
                                           <a:ea typeface="Verdana" panose="020B0604030504040204" pitchFamily="34" charset="0"/>
                                         </a:rPr>
                                         <m:t>𝜃</m:t>
@@ -15861,6 +17221,7 @@
                                           <a:solidFill>
                                             <a:srgbClr val="727272"/>
                                           </a:solidFill>
+                                          <a:latin typeface="Cambria Math" panose="02040503050406030204" pitchFamily="18" charset="0"/>
                                           <a:ea typeface="Verdana" panose="020B0604030504040204" pitchFamily="34" charset="0"/>
                                         </a:rPr>
                                         <m:t>𝑖</m:t>
@@ -15872,6 +17233,7 @@
                                       <a:solidFill>
                                         <a:srgbClr val="727272"/>
                                       </a:solidFill>
+                                      <a:latin typeface="Cambria Math" panose="02040503050406030204" pitchFamily="18" charset="0"/>
                                       <a:ea typeface="Verdana" panose="020B0604030504040204" pitchFamily="34" charset="0"/>
                                     </a:rPr>
                                     <m:t>(</m:t>
@@ -15881,6 +17243,7 @@
                                       <a:solidFill>
                                         <a:srgbClr val="727272"/>
                                       </a:solidFill>
+                                      <a:latin typeface="Cambria Math" panose="02040503050406030204" pitchFamily="18" charset="0"/>
                                       <a:ea typeface="Verdana" panose="020B0604030504040204" pitchFamily="34" charset="0"/>
                                     </a:rPr>
                                     <m:t>𝑡</m:t>
@@ -15890,6 +17253,7 @@
                                       <a:solidFill>
                                         <a:srgbClr val="727272"/>
                                       </a:solidFill>
+                                      <a:latin typeface="Cambria Math" panose="02040503050406030204" pitchFamily="18" charset="0"/>
                                       <a:ea typeface="Verdana" panose="020B0604030504040204" pitchFamily="34" charset="0"/>
                                     </a:rPr>
                                     <m:t>))</m:t>
@@ -15903,10 +17267,11 @@
                               <m:sSub>
                                 <m:sSubPr>
                                   <m:ctrlPr>
-                                    <a:rPr lang="it-IT" sz="1400" b="1">
+                                    <a:rPr lang="it-IT" sz="1400" b="1" i="1">
                                       <a:solidFill>
                                         <a:srgbClr val="727272"/>
                                       </a:solidFill>
+                                      <a:latin typeface="Cambria Math" panose="02040503050406030204" pitchFamily="18" charset="0"/>
                                       <a:ea typeface="Verdana" panose="020B0604030504040204" pitchFamily="34" charset="0"/>
                                     </a:rPr>
                                   </m:ctrlPr>
@@ -15917,6 +17282,7 @@
                                       <a:solidFill>
                                         <a:srgbClr val="727272"/>
                                       </a:solidFill>
+                                      <a:latin typeface="Cambria Math" panose="02040503050406030204" pitchFamily="18" charset="0"/>
                                       <a:ea typeface="Verdana" panose="020B0604030504040204" pitchFamily="34" charset="0"/>
                                     </a:rPr>
                                     <m:t>𝑔𝑎𝑢𝑠𝑠</m:t>
@@ -15928,6 +17294,7 @@
                                       <a:solidFill>
                                         <a:srgbClr val="727272"/>
                                       </a:solidFill>
+                                      <a:latin typeface="Cambria Math" panose="02040503050406030204" pitchFamily="18" charset="0"/>
                                       <a:ea typeface="Verdana" panose="020B0604030504040204" pitchFamily="34" charset="0"/>
                                     </a:rPr>
                                     <m:t>𝑖</m:t>
@@ -15937,10 +17304,11 @@
                               <m:d>
                                 <m:dPr>
                                   <m:ctrlPr>
-                                    <a:rPr lang="it-IT" sz="1400" b="1">
+                                    <a:rPr lang="it-IT" sz="1400" b="1" i="1">
                                       <a:solidFill>
                                         <a:srgbClr val="727272"/>
                                       </a:solidFill>
+                                      <a:latin typeface="Cambria Math" panose="02040503050406030204" pitchFamily="18" charset="0"/>
                                       <a:ea typeface="Verdana" panose="020B0604030504040204" pitchFamily="34" charset="0"/>
                                     </a:rPr>
                                   </m:ctrlPr>
@@ -15951,6 +17319,7 @@
                                       <a:solidFill>
                                         <a:srgbClr val="727272"/>
                                       </a:solidFill>
+                                      <a:latin typeface="Cambria Math" panose="02040503050406030204" pitchFamily="18" charset="0"/>
                                       <a:ea typeface="Verdana" panose="020B0604030504040204" pitchFamily="34" charset="0"/>
                                     </a:rPr>
                                     <m:t>𝑡</m:t>
@@ -15962,37 +17331,21 @@
                                   <a:solidFill>
                                     <a:srgbClr val="727272"/>
                                   </a:solidFill>
+                                  <a:latin typeface="Cambria Math" panose="02040503050406030204" pitchFamily="18" charset="0"/>
                                   <a:ea typeface="Verdana" panose="020B0604030504040204" pitchFamily="34" charset="0"/>
                                 </a:rPr>
-                                <m:t>   </m:t>
-                              </m:r>
-                              <m:r>
-                                <a:rPr lang="it-IT" sz="1400" b="1">
-                                  <a:solidFill>
-                                    <a:srgbClr val="727272"/>
-                                  </a:solidFill>
-                                  <a:ea typeface="Verdana" panose="020B0604030504040204" pitchFamily="34" charset="0"/>
-                                </a:rPr>
-                                <m:t> </m:t>
-                              </m:r>
-                              <m:r>
-                                <a:rPr lang="it-IT" sz="1400" b="1">
-                                  <a:solidFill>
-                                    <a:srgbClr val="727272"/>
-                                  </a:solidFill>
-                                  <a:ea typeface="Verdana" panose="020B0604030504040204" pitchFamily="34" charset="0"/>
-                                </a:rPr>
-                                <m:t>∗</m:t>
+                                <m:t>    ∗</m:t>
                               </m:r>
                             </m:e>
                             <m:e>
                               <m:func>
                                 <m:funcPr>
                                   <m:ctrlPr>
-                                    <a:rPr lang="it-IT" sz="1400" b="1">
+                                    <a:rPr lang="it-IT" sz="1400" b="1" i="1">
                                       <a:solidFill>
                                         <a:srgbClr val="727272"/>
                                       </a:solidFill>
+                                      <a:latin typeface="Cambria Math" panose="02040503050406030204" pitchFamily="18" charset="0"/>
                                       <a:ea typeface="Verdana" panose="020B0604030504040204" pitchFamily="34" charset="0"/>
                                     </a:rPr>
                                   </m:ctrlPr>
@@ -16006,6 +17359,7 @@
                                       <a:solidFill>
                                         <a:srgbClr val="727272"/>
                                       </a:solidFill>
+                                      <a:latin typeface="Cambria Math" panose="02040503050406030204" pitchFamily="18" charset="0"/>
                                       <a:ea typeface="Verdana" panose="020B0604030504040204" pitchFamily="34" charset="0"/>
                                     </a:rPr>
                                     <m:t>sin</m:t>
@@ -16017,6 +17371,7 @@
                                       <a:solidFill>
                                         <a:srgbClr val="727272"/>
                                       </a:solidFill>
+                                      <a:latin typeface="Cambria Math" panose="02040503050406030204" pitchFamily="18" charset="0"/>
                                       <a:ea typeface="Verdana" panose="020B0604030504040204" pitchFamily="34" charset="0"/>
                                     </a:rPr>
                                     <m:t>(</m:t>
@@ -16024,10 +17379,11 @@
                                   <m:sSub>
                                     <m:sSubPr>
                                       <m:ctrlPr>
-                                        <a:rPr lang="it-IT" sz="1400" b="1">
+                                        <a:rPr lang="it-IT" sz="1400" b="1" i="1">
                                           <a:solidFill>
                                             <a:srgbClr val="727272"/>
                                           </a:solidFill>
+                                          <a:latin typeface="Cambria Math" panose="02040503050406030204" pitchFamily="18" charset="0"/>
                                           <a:ea typeface="Verdana" panose="020B0604030504040204" pitchFamily="34" charset="0"/>
                                         </a:rPr>
                                       </m:ctrlPr>
@@ -16038,6 +17394,7 @@
                                           <a:solidFill>
                                             <a:srgbClr val="727272"/>
                                           </a:solidFill>
+                                          <a:latin typeface="Cambria Math" panose="02040503050406030204" pitchFamily="18" charset="0"/>
                                           <a:ea typeface="Verdana" panose="020B0604030504040204" pitchFamily="34" charset="0"/>
                                         </a:rPr>
                                         <m:t>𝜃</m:t>
@@ -16049,6 +17406,7 @@
                                           <a:solidFill>
                                             <a:srgbClr val="727272"/>
                                           </a:solidFill>
+                                          <a:latin typeface="Cambria Math" panose="02040503050406030204" pitchFamily="18" charset="0"/>
                                           <a:ea typeface="Verdana" panose="020B0604030504040204" pitchFamily="34" charset="0"/>
                                         </a:rPr>
                                         <m:t>𝑖</m:t>
@@ -16060,6 +17418,7 @@
                                       <a:solidFill>
                                         <a:srgbClr val="727272"/>
                                       </a:solidFill>
+                                      <a:latin typeface="Cambria Math" panose="02040503050406030204" pitchFamily="18" charset="0"/>
                                       <a:ea typeface="Verdana" panose="020B0604030504040204" pitchFamily="34" charset="0"/>
                                     </a:rPr>
                                     <m:t>(</m:t>
@@ -16069,6 +17428,7 @@
                                       <a:solidFill>
                                         <a:srgbClr val="727272"/>
                                       </a:solidFill>
+                                      <a:latin typeface="Cambria Math" panose="02040503050406030204" pitchFamily="18" charset="0"/>
                                       <a:ea typeface="Verdana" panose="020B0604030504040204" pitchFamily="34" charset="0"/>
                                     </a:rPr>
                                     <m:t>𝑡</m:t>
@@ -16078,6 +17438,7 @@
                                       <a:solidFill>
                                         <a:srgbClr val="727272"/>
                                       </a:solidFill>
+                                      <a:latin typeface="Cambria Math" panose="02040503050406030204" pitchFamily="18" charset="0"/>
                                       <a:ea typeface="Verdana" panose="020B0604030504040204" pitchFamily="34" charset="0"/>
                                     </a:rPr>
                                     <m:t>))</m:t>
@@ -16319,10 +17680,11 @@
                     <m:sSub>
                       <m:sSubPr>
                         <m:ctrlPr>
-                          <a:rPr lang="it-IT" sz="1400" b="1">
+                          <a:rPr lang="it-IT" sz="1400" b="1" i="1">
                             <a:solidFill>
                               <a:srgbClr val="727272"/>
                             </a:solidFill>
+                            <a:latin typeface="Cambria Math" panose="02040503050406030204" pitchFamily="18" charset="0"/>
                             <a:ea typeface="Verdana" panose="020B0604030504040204" pitchFamily="34" charset="0"/>
                           </a:rPr>
                         </m:ctrlPr>
@@ -16333,6 +17695,7 @@
                             <a:solidFill>
                               <a:srgbClr val="727272"/>
                             </a:solidFill>
+                            <a:latin typeface="Cambria Math" panose="02040503050406030204" pitchFamily="18" charset="0"/>
                             <a:ea typeface="Verdana" panose="020B0604030504040204" pitchFamily="34" charset="0"/>
                           </a:rPr>
                           <m:t>𝒈𝒂𝒖𝒔𝒔</m:t>
@@ -16344,6 +17707,7 @@
                             <a:solidFill>
                               <a:srgbClr val="727272"/>
                             </a:solidFill>
+                            <a:latin typeface="Cambria Math" panose="02040503050406030204" pitchFamily="18" charset="0"/>
                             <a:ea typeface="Verdana" panose="020B0604030504040204" pitchFamily="34" charset="0"/>
                           </a:rPr>
                           <m:t>𝒊</m:t>
@@ -16353,10 +17717,11 @@
                     <m:d>
                       <m:dPr>
                         <m:ctrlPr>
-                          <a:rPr lang="it-IT" sz="1400" b="1">
+                          <a:rPr lang="it-IT" sz="1400" b="1" i="1">
                             <a:solidFill>
                               <a:srgbClr val="727272"/>
                             </a:solidFill>
+                            <a:latin typeface="Cambria Math" panose="02040503050406030204" pitchFamily="18" charset="0"/>
                             <a:ea typeface="Verdana" panose="020B0604030504040204" pitchFamily="34" charset="0"/>
                           </a:rPr>
                         </m:ctrlPr>
@@ -16367,6 +17732,7 @@
                             <a:solidFill>
                               <a:srgbClr val="727272"/>
                             </a:solidFill>
+                            <a:latin typeface="Cambria Math" panose="02040503050406030204" pitchFamily="18" charset="0"/>
                             <a:ea typeface="Verdana" panose="020B0604030504040204" pitchFamily="34" charset="0"/>
                           </a:rPr>
                           <m:t>𝒕</m:t>
@@ -16378,6 +17744,7 @@
                         <a:solidFill>
                           <a:srgbClr val="727272"/>
                         </a:solidFill>
+                        <a:latin typeface="Cambria Math" panose="02040503050406030204" pitchFamily="18" charset="0"/>
                         <a:ea typeface="Verdana" panose="020B0604030504040204" pitchFamily="34" charset="0"/>
                       </a:rPr>
                       <m:t> ~ </m:t>
@@ -16387,6 +17754,7 @@
                         <a:solidFill>
                           <a:srgbClr val="727272"/>
                         </a:solidFill>
+                        <a:latin typeface="Cambria Math" panose="02040503050406030204" pitchFamily="18" charset="0"/>
                         <a:ea typeface="Verdana" panose="020B0604030504040204" pitchFamily="34" charset="0"/>
                       </a:rPr>
                       <m:t>𝑵</m:t>
@@ -16396,6 +17764,7 @@
                         <a:solidFill>
                           <a:srgbClr val="727272"/>
                         </a:solidFill>
+                        <a:latin typeface="Cambria Math" panose="02040503050406030204" pitchFamily="18" charset="0"/>
                         <a:ea typeface="Verdana" panose="020B0604030504040204" pitchFamily="34" charset="0"/>
                       </a:rPr>
                       <m:t>(</m:t>
@@ -16405,6 +17774,7 @@
                         <a:solidFill>
                           <a:srgbClr val="727272"/>
                         </a:solidFill>
+                        <a:latin typeface="Cambria Math" panose="02040503050406030204" pitchFamily="18" charset="0"/>
                         <a:ea typeface="Verdana" panose="020B0604030504040204" pitchFamily="34" charset="0"/>
                       </a:rPr>
                       <m:t>𝟎</m:t>
@@ -16414,6 +17784,7 @@
                         <a:solidFill>
                           <a:srgbClr val="727272"/>
                         </a:solidFill>
+                        <a:latin typeface="Cambria Math" panose="02040503050406030204" pitchFamily="18" charset="0"/>
                         <a:ea typeface="Verdana" panose="020B0604030504040204" pitchFamily="34" charset="0"/>
                       </a:rPr>
                       <m:t>,</m:t>
@@ -16423,6 +17794,7 @@
                         <a:solidFill>
                           <a:srgbClr val="727272"/>
                         </a:solidFill>
+                        <a:latin typeface="Cambria Math" panose="02040503050406030204" pitchFamily="18" charset="0"/>
                         <a:ea typeface="Verdana" panose="020B0604030504040204" pitchFamily="34" charset="0"/>
                       </a:rPr>
                       <m:t>𝟏</m:t>
@@ -16432,6 +17804,7 @@
                         <a:solidFill>
                           <a:srgbClr val="727272"/>
                         </a:solidFill>
+                        <a:latin typeface="Cambria Math" panose="02040503050406030204" pitchFamily="18" charset="0"/>
                         <a:ea typeface="Verdana" panose="020B0604030504040204" pitchFamily="34" charset="0"/>
                       </a:rPr>
                       <m:t>)</m:t>
@@ -16448,7 +17821,7 @@
             </p:txBody>
           </p:sp>
         </mc:Choice>
-        <mc:Fallback>
+        <mc:Fallback xmlns="">
           <p:sp>
             <p:nvSpPr>
               <p:cNvPr id="7" name="Segnaposto testo 5">
@@ -16625,8 +17998,8 @@
           </a:prstGeom>
         </p:spPr>
       </p:pic>
-      <mc:AlternateContent xmlns:mc="http://schemas.openxmlformats.org/markup-compatibility/2006">
-        <mc:Choice xmlns:a14="http://schemas.microsoft.com/office/drawing/2010/main" Requires="a14">
+      <mc:AlternateContent xmlns:mc="http://schemas.openxmlformats.org/markup-compatibility/2006" xmlns:a14="http://schemas.microsoft.com/office/drawing/2010/main">
+        <mc:Choice Requires="a14">
           <p:sp>
             <p:nvSpPr>
               <p:cNvPr id="8" name="CasellaDiTesto 7">
@@ -16796,7 +18169,7 @@
             </p:txBody>
           </p:sp>
         </mc:Choice>
-        <mc:Fallback>
+        <mc:Fallback xmlns="">
           <p:sp>
             <p:nvSpPr>
               <p:cNvPr id="8" name="CasellaDiTesto 7">
@@ -17136,8 +18509,8 @@
           </a:p>
         </p:txBody>
       </p:sp>
-      <mc:AlternateContent xmlns:mc="http://schemas.openxmlformats.org/markup-compatibility/2006">
-        <mc:Choice xmlns:a14="http://schemas.microsoft.com/office/drawing/2010/main" Requires="a14">
+      <mc:AlternateContent xmlns:mc="http://schemas.openxmlformats.org/markup-compatibility/2006" xmlns:a14="http://schemas.microsoft.com/office/drawing/2010/main">
+        <mc:Choice Requires="a14">
           <p:sp>
             <p:nvSpPr>
               <p:cNvPr id="2" name="Segnaposto testo 6">
@@ -17409,6 +18782,7 @@
                               <a:solidFill>
                                 <a:srgbClr val="727272"/>
                               </a:solidFill>
+                              <a:latin typeface="Cambria Math" panose="02040503050406030204" pitchFamily="18" charset="0"/>
                               <a:ea typeface="Verdana" panose="020B0604030504040204" pitchFamily="34" charset="0"/>
                             </a:rPr>
                           </m:ctrlPr>
@@ -17422,6 +18796,7 @@
                               <a:solidFill>
                                 <a:srgbClr val="727272"/>
                               </a:solidFill>
+                              <a:latin typeface="Cambria Math" panose="02040503050406030204" pitchFamily="18" charset="0"/>
                               <a:ea typeface="Verdana" panose="020B0604030504040204" pitchFamily="34" charset="0"/>
                             </a:rPr>
                             <m:t>𝒌</m:t>
@@ -17431,6 +18806,7 @@
                               <a:solidFill>
                                 <a:srgbClr val="727272"/>
                               </a:solidFill>
+                              <a:latin typeface="Cambria Math" panose="02040503050406030204" pitchFamily="18" charset="0"/>
                               <a:ea typeface="Verdana" panose="020B0604030504040204" pitchFamily="34" charset="0"/>
                             </a:rPr>
                             <m:t>≠</m:t>
@@ -17440,6 +18816,7 @@
                               <a:solidFill>
                                 <a:srgbClr val="727272"/>
                               </a:solidFill>
+                              <a:latin typeface="Cambria Math" panose="02040503050406030204" pitchFamily="18" charset="0"/>
                               <a:ea typeface="Verdana" panose="020B0604030504040204" pitchFamily="34" charset="0"/>
                             </a:rPr>
                             <m:t>𝒊</m:t>
@@ -17454,6 +18831,7 @@
                                   <a:solidFill>
                                     <a:srgbClr val="727272"/>
                                   </a:solidFill>
+                                  <a:latin typeface="Cambria Math" panose="02040503050406030204" pitchFamily="18" charset="0"/>
                                   <a:ea typeface="Verdana" panose="020B0604030504040204" pitchFamily="34" charset="0"/>
                                 </a:rPr>
                               </m:ctrlPr>
@@ -17478,6 +18856,7 @@
                                   <a:solidFill>
                                     <a:srgbClr val="727272"/>
                                   </a:solidFill>
+                                  <a:latin typeface="Cambria Math" panose="02040503050406030204" pitchFamily="18" charset="0"/>
                                   <a:ea typeface="Verdana" panose="020B0604030504040204" pitchFamily="34" charset="0"/>
                                 </a:rPr>
                                 <m:t>𝒊</m:t>
@@ -17489,6 +18868,7 @@
                                   <a:solidFill>
                                     <a:srgbClr val="727272"/>
                                   </a:solidFill>
+                                  <a:latin typeface="Cambria Math" panose="02040503050406030204" pitchFamily="18" charset="0"/>
                                   <a:ea typeface="Verdana" panose="020B0604030504040204" pitchFamily="34" charset="0"/>
                                 </a:rPr>
                                 <m:t>𝒌</m:t>
@@ -17500,6 +18880,7 @@
                               <a:solidFill>
                                 <a:srgbClr val="727272"/>
                               </a:solidFill>
+                              <a:latin typeface="Cambria Math" panose="02040503050406030204" pitchFamily="18" charset="0"/>
                               <a:ea typeface="Verdana" panose="020B0604030504040204" pitchFamily="34" charset="0"/>
                             </a:rPr>
                             <m:t>(</m:t>
@@ -17509,6 +18890,7 @@
                               <a:solidFill>
                                 <a:srgbClr val="727272"/>
                               </a:solidFill>
+                              <a:latin typeface="Cambria Math" panose="02040503050406030204" pitchFamily="18" charset="0"/>
                               <a:ea typeface="Verdana" panose="020B0604030504040204" pitchFamily="34" charset="0"/>
                             </a:rPr>
                             <m:t>𝒕</m:t>
@@ -17518,6 +18900,7 @@
                               <a:solidFill>
                                 <a:srgbClr val="727272"/>
                               </a:solidFill>
+                              <a:latin typeface="Cambria Math" panose="02040503050406030204" pitchFamily="18" charset="0"/>
                               <a:ea typeface="Verdana" panose="020B0604030504040204" pitchFamily="34" charset="0"/>
                             </a:rPr>
                             <m:t>)</m:t>
@@ -17537,7 +18920,7 @@
             </p:txBody>
           </p:sp>
         </mc:Choice>
-        <mc:Fallback>
+        <mc:Fallback xmlns="">
           <p:sp>
             <p:nvSpPr>
               <p:cNvPr id="2" name="Segnaposto testo 6">
@@ -17582,8 +18965,8 @@
           </p:sp>
         </mc:Fallback>
       </mc:AlternateContent>
-      <mc:AlternateContent xmlns:mc="http://schemas.openxmlformats.org/markup-compatibility/2006">
-        <mc:Choice xmlns:a14="http://schemas.microsoft.com/office/drawing/2010/main" Requires="a14">
+      <mc:AlternateContent xmlns:mc="http://schemas.openxmlformats.org/markup-compatibility/2006" xmlns:a14="http://schemas.microsoft.com/office/drawing/2010/main">
+        <mc:Choice Requires="a14">
           <p:sp>
             <p:nvSpPr>
               <p:cNvPr id="3" name="Segnaposto testo 6">
@@ -18606,7 +19989,7 @@
             </p:txBody>
           </p:sp>
         </mc:Choice>
-        <mc:Fallback>
+        <mc:Fallback xmlns="">
           <p:sp>
             <p:nvSpPr>
               <p:cNvPr id="3" name="Segnaposto testo 6">
@@ -18651,8 +20034,8 @@
           </p:sp>
         </mc:Fallback>
       </mc:AlternateContent>
-      <mc:AlternateContent xmlns:mc="http://schemas.openxmlformats.org/markup-compatibility/2006">
-        <mc:Choice xmlns:a14="http://schemas.microsoft.com/office/drawing/2010/main" Requires="a14">
+      <mc:AlternateContent xmlns:mc="http://schemas.openxmlformats.org/markup-compatibility/2006" xmlns:a14="http://schemas.microsoft.com/office/drawing/2010/main">
+        <mc:Choice Requires="a14">
           <p:sp>
             <p:nvSpPr>
               <p:cNvPr id="5" name="Segnaposto testo 6">
@@ -19126,7 +20509,7 @@
             </p:txBody>
           </p:sp>
         </mc:Choice>
-        <mc:Fallback>
+        <mc:Fallback xmlns="">
           <p:sp>
             <p:nvSpPr>
               <p:cNvPr id="5" name="Segnaposto testo 6">
